--- a/제안서(강필우,송재호,오준혁,김주형).pptx
+++ b/제안서(강필우,송재호,오준혁,김주형).pptx
@@ -5,31 +5,30 @@
     <p:sldMasterId id="2147483648" r:id="rId1"/>
   </p:sldMasterIdLst>
   <p:sldIdLst>
-    <p:sldId id="256" r:id="rId2"/>
+    <p:sldId id="303" r:id="rId2"/>
     <p:sldId id="257" r:id="rId3"/>
     <p:sldId id="268" r:id="rId4"/>
-    <p:sldId id="296" r:id="rId5"/>
-    <p:sldId id="297" r:id="rId6"/>
+    <p:sldId id="304" r:id="rId5"/>
+    <p:sldId id="305" r:id="rId6"/>
     <p:sldId id="271" r:id="rId7"/>
     <p:sldId id="289" r:id="rId8"/>
     <p:sldId id="290" r:id="rId9"/>
-    <p:sldId id="272" r:id="rId10"/>
-    <p:sldId id="291" r:id="rId11"/>
-    <p:sldId id="292" r:id="rId12"/>
-    <p:sldId id="293" r:id="rId13"/>
-    <p:sldId id="294" r:id="rId14"/>
-    <p:sldId id="295" r:id="rId15"/>
-    <p:sldId id="273" r:id="rId16"/>
-    <p:sldId id="269" r:id="rId17"/>
-    <p:sldId id="274" r:id="rId18"/>
-    <p:sldId id="284" r:id="rId19"/>
-    <p:sldId id="275" r:id="rId20"/>
-    <p:sldId id="263" r:id="rId21"/>
-    <p:sldId id="276" r:id="rId22"/>
-    <p:sldId id="264" r:id="rId23"/>
-    <p:sldId id="277" r:id="rId24"/>
-    <p:sldId id="265" r:id="rId25"/>
-    <p:sldId id="266" r:id="rId26"/>
+    <p:sldId id="291" r:id="rId10"/>
+    <p:sldId id="298" r:id="rId11"/>
+    <p:sldId id="299" r:id="rId12"/>
+    <p:sldId id="300" r:id="rId13"/>
+    <p:sldId id="301" r:id="rId14"/>
+    <p:sldId id="273" r:id="rId15"/>
+    <p:sldId id="306" r:id="rId16"/>
+    <p:sldId id="274" r:id="rId17"/>
+    <p:sldId id="284" r:id="rId18"/>
+    <p:sldId id="275" r:id="rId19"/>
+    <p:sldId id="307" r:id="rId20"/>
+    <p:sldId id="276" r:id="rId21"/>
+    <p:sldId id="264" r:id="rId22"/>
+    <p:sldId id="277" r:id="rId23"/>
+    <p:sldId id="265" r:id="rId24"/>
+    <p:sldId id="266" r:id="rId25"/>
   </p:sldIdLst>
   <p:sldSz cx="12192000" cy="6858000"/>
   <p:notesSz cx="6858000" cy="9144000"/>
@@ -287,7 +286,7 @@
           <a:p>
             <a:fld id="{99154128-0BD7-43A4-9EE9-05DDCFEB3A4B}" type="datetimeFigureOut">
               <a:rPr lang="ko-KR" altLang="en-US" smtClean="0"/>
-              <a:t>2018-01-24</a:t>
+              <a:t>2018-01-25</a:t>
             </a:fld>
             <a:endParaRPr lang="ko-KR" altLang="en-US"/>
           </a:p>
@@ -485,7 +484,7 @@
           <a:p>
             <a:fld id="{99154128-0BD7-43A4-9EE9-05DDCFEB3A4B}" type="datetimeFigureOut">
               <a:rPr lang="ko-KR" altLang="en-US" smtClean="0"/>
-              <a:t>2018-01-24</a:t>
+              <a:t>2018-01-25</a:t>
             </a:fld>
             <a:endParaRPr lang="ko-KR" altLang="en-US"/>
           </a:p>
@@ -693,7 +692,7 @@
           <a:p>
             <a:fld id="{99154128-0BD7-43A4-9EE9-05DDCFEB3A4B}" type="datetimeFigureOut">
               <a:rPr lang="ko-KR" altLang="en-US" smtClean="0"/>
-              <a:t>2018-01-24</a:t>
+              <a:t>2018-01-25</a:t>
             </a:fld>
             <a:endParaRPr lang="ko-KR" altLang="en-US"/>
           </a:p>
@@ -1021,7 +1020,7 @@
           <a:p>
             <a:fld id="{99154128-0BD7-43A4-9EE9-05DDCFEB3A4B}" type="datetimeFigureOut">
               <a:rPr lang="ko-KR" altLang="en-US" smtClean="0"/>
-              <a:t>2018-01-24</a:t>
+              <a:t>2018-01-25</a:t>
             </a:fld>
             <a:endParaRPr lang="ko-KR" altLang="en-US"/>
           </a:p>
@@ -1296,7 +1295,7 @@
           <a:p>
             <a:fld id="{99154128-0BD7-43A4-9EE9-05DDCFEB3A4B}" type="datetimeFigureOut">
               <a:rPr lang="ko-KR" altLang="en-US" smtClean="0"/>
-              <a:t>2018-01-24</a:t>
+              <a:t>2018-01-25</a:t>
             </a:fld>
             <a:endParaRPr lang="ko-KR" altLang="en-US"/>
           </a:p>
@@ -1561,7 +1560,7 @@
           <a:p>
             <a:fld id="{99154128-0BD7-43A4-9EE9-05DDCFEB3A4B}" type="datetimeFigureOut">
               <a:rPr lang="ko-KR" altLang="en-US" smtClean="0"/>
-              <a:t>2018-01-24</a:t>
+              <a:t>2018-01-25</a:t>
             </a:fld>
             <a:endParaRPr lang="ko-KR" altLang="en-US"/>
           </a:p>
@@ -1973,7 +1972,7 @@
           <a:p>
             <a:fld id="{99154128-0BD7-43A4-9EE9-05DDCFEB3A4B}" type="datetimeFigureOut">
               <a:rPr lang="ko-KR" altLang="en-US" smtClean="0"/>
-              <a:t>2018-01-24</a:t>
+              <a:t>2018-01-25</a:t>
             </a:fld>
             <a:endParaRPr lang="ko-KR" altLang="en-US"/>
           </a:p>
@@ -2114,7 +2113,7 @@
           <a:p>
             <a:fld id="{99154128-0BD7-43A4-9EE9-05DDCFEB3A4B}" type="datetimeFigureOut">
               <a:rPr lang="ko-KR" altLang="en-US" smtClean="0"/>
-              <a:t>2018-01-24</a:t>
+              <a:t>2018-01-25</a:t>
             </a:fld>
             <a:endParaRPr lang="ko-KR" altLang="en-US"/>
           </a:p>
@@ -2227,7 +2226,7 @@
           <a:p>
             <a:fld id="{99154128-0BD7-43A4-9EE9-05DDCFEB3A4B}" type="datetimeFigureOut">
               <a:rPr lang="ko-KR" altLang="en-US" smtClean="0"/>
-              <a:t>2018-01-24</a:t>
+              <a:t>2018-01-25</a:t>
             </a:fld>
             <a:endParaRPr lang="ko-KR" altLang="en-US"/>
           </a:p>
@@ -2538,7 +2537,7 @@
           <a:p>
             <a:fld id="{99154128-0BD7-43A4-9EE9-05DDCFEB3A4B}" type="datetimeFigureOut">
               <a:rPr lang="ko-KR" altLang="en-US" smtClean="0"/>
-              <a:t>2018-01-24</a:t>
+              <a:t>2018-01-25</a:t>
             </a:fld>
             <a:endParaRPr lang="ko-KR" altLang="en-US"/>
           </a:p>
@@ -2826,7 +2825,7 @@
           <a:p>
             <a:fld id="{99154128-0BD7-43A4-9EE9-05DDCFEB3A4B}" type="datetimeFigureOut">
               <a:rPr lang="ko-KR" altLang="en-US" smtClean="0"/>
-              <a:t>2018-01-24</a:t>
+              <a:t>2018-01-25</a:t>
             </a:fld>
             <a:endParaRPr lang="ko-KR" altLang="en-US"/>
           </a:p>
@@ -3067,7 +3066,7 @@
           <a:p>
             <a:fld id="{99154128-0BD7-43A4-9EE9-05DDCFEB3A4B}" type="datetimeFigureOut">
               <a:rPr lang="ko-KR" altLang="en-US" smtClean="0"/>
-              <a:t>2018-01-24</a:t>
+              <a:t>2018-01-25</a:t>
             </a:fld>
             <a:endParaRPr lang="ko-KR" altLang="en-US"/>
           </a:p>
@@ -3700,8 +3699,8 @@
         </p:nvSpPr>
         <p:spPr>
           <a:xfrm>
-            <a:off x="3833607" y="2750192"/>
-            <a:ext cx="3557859" cy="400110"/>
+            <a:off x="3833607" y="2640944"/>
+            <a:ext cx="3557859" cy="769441"/>
           </a:xfrm>
           <a:prstGeom prst="rect">
             <a:avLst/>
@@ -3715,20 +3714,20 @@
           <a:p>
             <a:pPr algn="ctr" fontAlgn="base"/>
             <a:r>
-              <a:rPr lang="ko-KR" altLang="en-US" sz="2000" b="1" dirty="0" err="1">
+              <a:rPr lang="ko-KR" altLang="en-US" sz="4400" b="1" dirty="0" err="1">
                 <a:latin typeface="휴먼모음T" panose="02030504000101010101" pitchFamily="18" charset="-127"/>
                 <a:ea typeface="휴먼모음T" panose="02030504000101010101" pitchFamily="18" charset="-127"/>
               </a:rPr>
               <a:t>혼밥</a:t>
             </a:r>
             <a:r>
-              <a:rPr lang="ko-KR" altLang="en-US" sz="2000" b="1" dirty="0">
+              <a:rPr lang="ko-KR" altLang="en-US" sz="4400" b="1" dirty="0">
                 <a:latin typeface="휴먼모음T" panose="02030504000101010101" pitchFamily="18" charset="-127"/>
                 <a:ea typeface="휴먼모음T" panose="02030504000101010101" pitchFamily="18" charset="-127"/>
               </a:rPr>
               <a:t> 남녀</a:t>
             </a:r>
-            <a:endParaRPr lang="en-US" altLang="ko-KR" sz="2000" b="1" dirty="0">
+            <a:endParaRPr lang="en-US" altLang="ko-KR" sz="4400" b="1" dirty="0">
               <a:latin typeface="휴먼모음T" panose="02030504000101010101" pitchFamily="18" charset="-127"/>
               <a:ea typeface="휴먼모음T" panose="02030504000101010101" pitchFamily="18" charset="-127"/>
             </a:endParaRPr>
@@ -3748,11 +3747,7 @@
             <a:graphicFrameLocks noGrp="1"/>
           </p:cNvGraphicFramePr>
           <p:nvPr>
-            <p:extLst>
-              <p:ext uri="{D42A27DB-BD31-4B8C-83A1-F6EECF244321}">
-                <p14:modId xmlns:p14="http://schemas.microsoft.com/office/powerpoint/2010/main" val="26163848"/>
-              </p:ext>
-            </p:extLst>
+            <p:extLst/>
           </p:nvPr>
         </p:nvGraphicFramePr>
         <p:xfrm>
@@ -4542,10 +4537,88 @@
           </a:graphicData>
         </a:graphic>
       </p:graphicFrame>
+      <p:pic>
+        <p:nvPicPr>
+          <p:cNvPr id="14" name="그래픽 13" descr="남자">
+            <a:extLst>
+              <a:ext uri="{FF2B5EF4-FFF2-40B4-BE49-F238E27FC236}">
+                <a16:creationId xmlns:a16="http://schemas.microsoft.com/office/drawing/2014/main" id="{586695CF-3C54-45D5-9FF4-23EBD2778F4C}"/>
+              </a:ext>
+            </a:extLst>
+          </p:cNvPr>
+          <p:cNvPicPr>
+            <a:picLocks noChangeAspect="1"/>
+          </p:cNvPicPr>
+          <p:nvPr/>
+        </p:nvPicPr>
+        <p:blipFill>
+          <a:blip r:embed="rId3">
+            <a:extLst>
+              <a:ext uri="{28A0092B-C50C-407E-A947-70E740481C1C}">
+                <a14:useLocalDpi xmlns:a14="http://schemas.microsoft.com/office/drawing/2010/main" val="0"/>
+              </a:ext>
+              <a:ext uri="{96DAC541-7B7A-43D3-8B79-37D633B846F1}">
+                <asvg:svgBlip xmlns:asvg="http://schemas.microsoft.com/office/drawing/2016/SVG/main" r:embed="rId4"/>
+              </a:ext>
+            </a:extLst>
+          </a:blip>
+          <a:stretch>
+            <a:fillRect/>
+          </a:stretch>
+        </p:blipFill>
+        <p:spPr>
+          <a:xfrm>
+            <a:off x="7577977" y="1270782"/>
+            <a:ext cx="914400" cy="914400"/>
+          </a:xfrm>
+          <a:prstGeom prst="rect">
+            <a:avLst/>
+          </a:prstGeom>
+        </p:spPr>
+      </p:pic>
+      <p:pic>
+        <p:nvPicPr>
+          <p:cNvPr id="16" name="그래픽 15" descr="여자">
+            <a:extLst>
+              <a:ext uri="{FF2B5EF4-FFF2-40B4-BE49-F238E27FC236}">
+                <a16:creationId xmlns:a16="http://schemas.microsoft.com/office/drawing/2014/main" id="{3437980D-4B26-4B3F-89EC-34076FCDE105}"/>
+              </a:ext>
+            </a:extLst>
+          </p:cNvPr>
+          <p:cNvPicPr>
+            <a:picLocks noChangeAspect="1"/>
+          </p:cNvPicPr>
+          <p:nvPr/>
+        </p:nvPicPr>
+        <p:blipFill>
+          <a:blip r:embed="rId5">
+            <a:extLst>
+              <a:ext uri="{28A0092B-C50C-407E-A947-70E740481C1C}">
+                <a14:useLocalDpi xmlns:a14="http://schemas.microsoft.com/office/drawing/2010/main" val="0"/>
+              </a:ext>
+              <a:ext uri="{96DAC541-7B7A-43D3-8B79-37D633B846F1}">
+                <asvg:svgBlip xmlns:asvg="http://schemas.microsoft.com/office/drawing/2016/SVG/main" r:embed="rId6"/>
+              </a:ext>
+            </a:extLst>
+          </a:blip>
+          <a:stretch>
+            <a:fillRect/>
+          </a:stretch>
+        </p:blipFill>
+        <p:spPr>
+          <a:xfrm>
+            <a:off x="2734829" y="1270782"/>
+            <a:ext cx="914400" cy="914400"/>
+          </a:xfrm>
+          <a:prstGeom prst="rect">
+            <a:avLst/>
+          </a:prstGeom>
+        </p:spPr>
+      </p:pic>
     </p:spTree>
     <p:extLst>
       <p:ext uri="{BB962C8B-B14F-4D97-AF65-F5344CB8AC3E}">
-        <p14:creationId xmlns:p14="http://schemas.microsoft.com/office/powerpoint/2010/main" val="2597337527"/>
+        <p14:creationId xmlns:p14="http://schemas.microsoft.com/office/powerpoint/2010/main" val="3784852387"/>
       </p:ext>
     </p:extLst>
   </p:cSld>
@@ -4556,232 +4629,6 @@
 </file>
 
 <file path=ppt/slides/slide10.xml><?xml version="1.0" encoding="utf-8"?>
-<p:sld xmlns:a="http://schemas.openxmlformats.org/drawingml/2006/main" xmlns:r="http://schemas.openxmlformats.org/officeDocument/2006/relationships" xmlns:p="http://schemas.openxmlformats.org/presentationml/2006/main">
-  <p:cSld>
-    <p:spTree>
-      <p:nvGrpSpPr>
-        <p:cNvPr id="1" name=""/>
-        <p:cNvGrpSpPr/>
-        <p:nvPr/>
-      </p:nvGrpSpPr>
-      <p:grpSpPr>
-        <a:xfrm>
-          <a:off x="0" y="0"/>
-          <a:ext cx="0" cy="0"/>
-          <a:chOff x="0" y="0"/>
-          <a:chExt cx="0" cy="0"/>
-        </a:xfrm>
-      </p:grpSpPr>
-      <p:sp>
-        <p:nvSpPr>
-          <p:cNvPr id="6" name="슬라이드 번호 개체 틀 5">
-            <a:extLst>
-              <a:ext uri="{FF2B5EF4-FFF2-40B4-BE49-F238E27FC236}">
-                <a16:creationId xmlns:a16="http://schemas.microsoft.com/office/drawing/2014/main" id="{95577E57-5FE2-4C16-80C4-2BFC1AC8DCA7}"/>
-              </a:ext>
-            </a:extLst>
-          </p:cNvPr>
-          <p:cNvSpPr>
-            <a:spLocks noGrp="1"/>
-          </p:cNvSpPr>
-          <p:nvPr>
-            <p:ph type="sldNum" sz="quarter" idx="12"/>
-          </p:nvPr>
-        </p:nvSpPr>
-        <p:spPr>
-          <a:xfrm>
-            <a:off x="9253332" y="6361173"/>
-            <a:ext cx="2743200" cy="365125"/>
-          </a:xfrm>
-        </p:spPr>
-        <p:txBody>
-          <a:bodyPr/>
-          <a:lstStyle/>
-          <a:p>
-            <a:fld id="{08264B4F-A738-4007-92FF-2A6017BB0CEE}" type="slidenum">
-              <a:rPr lang="ko-KR" altLang="en-US" smtClean="0"/>
-              <a:t>10</a:t>
-            </a:fld>
-            <a:endParaRPr lang="ko-KR" altLang="en-US"/>
-          </a:p>
-        </p:txBody>
-      </p:sp>
-      <p:cxnSp>
-        <p:nvCxnSpPr>
-          <p:cNvPr id="33" name="도형 8">
-            <a:extLst>
-              <a:ext uri="{FF2B5EF4-FFF2-40B4-BE49-F238E27FC236}">
-                <a16:creationId xmlns:a16="http://schemas.microsoft.com/office/drawing/2014/main" id="{7C72819E-347B-4470-8539-6327785A28AE}"/>
-              </a:ext>
-            </a:extLst>
-          </p:cNvPr>
-          <p:cNvCxnSpPr/>
-          <p:nvPr/>
-        </p:nvCxnSpPr>
-        <p:spPr>
-          <a:xfrm>
-            <a:off x="2747327" y="2151935"/>
-            <a:ext cx="6697345" cy="635"/>
-          </a:xfrm>
-          <a:prstGeom prst="line">
-            <a:avLst/>
-          </a:prstGeom>
-          <a:ln/>
-        </p:spPr>
-        <p:style>
-          <a:lnRef idx="1">
-            <a:schemeClr val="dk1"/>
-          </a:lnRef>
-          <a:fillRef idx="0">
-            <a:schemeClr val="dk1"/>
-          </a:fillRef>
-          <a:effectRef idx="0">
-            <a:schemeClr val="dk1"/>
-          </a:effectRef>
-          <a:fontRef idx="minor">
-            <a:schemeClr val="tx1"/>
-          </a:fontRef>
-        </p:style>
-      </p:cxnSp>
-      <p:cxnSp>
-        <p:nvCxnSpPr>
-          <p:cNvPr id="34" name="도형 8">
-            <a:extLst>
-              <a:ext uri="{FF2B5EF4-FFF2-40B4-BE49-F238E27FC236}">
-                <a16:creationId xmlns:a16="http://schemas.microsoft.com/office/drawing/2014/main" id="{5636AE61-E89F-4D2E-B111-2CB416CC9695}"/>
-              </a:ext>
-            </a:extLst>
-          </p:cNvPr>
-          <p:cNvCxnSpPr/>
-          <p:nvPr/>
-        </p:nvCxnSpPr>
-        <p:spPr>
-          <a:xfrm>
-            <a:off x="2747326" y="4562075"/>
-            <a:ext cx="6697345" cy="635"/>
-          </a:xfrm>
-          <a:prstGeom prst="line">
-            <a:avLst/>
-          </a:prstGeom>
-          <a:ln/>
-        </p:spPr>
-        <p:style>
-          <a:lnRef idx="1">
-            <a:schemeClr val="dk1"/>
-          </a:lnRef>
-          <a:fillRef idx="0">
-            <a:schemeClr val="dk1"/>
-          </a:fillRef>
-          <a:effectRef idx="0">
-            <a:schemeClr val="dk1"/>
-          </a:effectRef>
-          <a:fontRef idx="minor">
-            <a:schemeClr val="tx1"/>
-          </a:fontRef>
-        </p:style>
-      </p:cxnSp>
-      <p:sp>
-        <p:nvSpPr>
-          <p:cNvPr id="36" name="텍스트 상자 13">
-            <a:extLst>
-              <a:ext uri="{FF2B5EF4-FFF2-40B4-BE49-F238E27FC236}">
-                <a16:creationId xmlns:a16="http://schemas.microsoft.com/office/drawing/2014/main" id="{86D8050C-6714-42CB-B982-271EE4917B77}"/>
-              </a:ext>
-            </a:extLst>
-          </p:cNvPr>
-          <p:cNvSpPr txBox="1">
-            <a:spLocks/>
-          </p:cNvSpPr>
-          <p:nvPr/>
-        </p:nvSpPr>
-        <p:spPr>
-          <a:xfrm>
-            <a:off x="4076054" y="2844225"/>
-            <a:ext cx="3781805" cy="584775"/>
-          </a:xfrm>
-          <a:prstGeom prst="rect">
-            <a:avLst/>
-          </a:prstGeom>
-          <a:noFill/>
-        </p:spPr>
-        <p:txBody>
-          <a:bodyPr vert="horz" wrap="none" lIns="91440" tIns="45720" rIns="91440" bIns="45720" anchor="t">
-            <a:spAutoFit/>
-          </a:bodyPr>
-          <a:lstStyle/>
-          <a:p>
-            <a:pPr marL="0" indent="0" algn="l" defTabSz="914400" eaLnBrk="0" fontAlgn="auto">
-              <a:lnSpc>
-                <a:spcPct val="100000"/>
-              </a:lnSpc>
-              <a:spcBef>
-                <a:spcPts val="0"/>
-              </a:spcBef>
-              <a:spcAft>
-                <a:spcPts val="0"/>
-              </a:spcAft>
-              <a:buFontTx/>
-              <a:buNone/>
-            </a:pPr>
-            <a:r>
-              <a:rPr lang="en-US" altLang="ko-KR" sz="3200" cap="none" dirty="0">
-                <a:ln w="9525" cap="flat" cmpd="sng">
-                  <a:solidFill>
-                    <a:schemeClr val="bg1">
-                      <a:alpha val="49803"/>
-                    </a:schemeClr>
-                  </a:solidFill>
-                  <a:prstDash val="solid"/>
-                </a:ln>
-                <a:latin typeface="휴먼모음T" panose="02030504000101010101" pitchFamily="18" charset="-127"/>
-                <a:ea typeface="휴먼모음T" panose="02030504000101010101" pitchFamily="18" charset="-127"/>
-              </a:rPr>
-              <a:t>03 | </a:t>
-            </a:r>
-            <a:r>
-              <a:rPr lang="ko-KR" altLang="en-US" sz="3200" dirty="0">
-                <a:ln w="9525" cap="flat" cmpd="sng">
-                  <a:solidFill>
-                    <a:schemeClr val="bg1">
-                      <a:alpha val="49803"/>
-                    </a:schemeClr>
-                  </a:solidFill>
-                  <a:prstDash val="solid"/>
-                </a:ln>
-                <a:latin typeface="휴먼모음T" panose="02030504000101010101" pitchFamily="18" charset="-127"/>
-                <a:ea typeface="휴먼모음T" panose="02030504000101010101" pitchFamily="18" charset="-127"/>
-              </a:rPr>
-              <a:t>시스템 시나리오</a:t>
-            </a:r>
-            <a:endParaRPr lang="ko-KR" altLang="en-US" sz="3200" cap="none" dirty="0">
-              <a:ln w="9525" cap="flat" cmpd="sng">
-                <a:solidFill>
-                  <a:schemeClr val="bg1">
-                    <a:alpha val="49803"/>
-                  </a:schemeClr>
-                </a:solidFill>
-                <a:prstDash val="solid"/>
-              </a:ln>
-              <a:latin typeface="휴먼모음T" panose="02030504000101010101" pitchFamily="18" charset="-127"/>
-              <a:ea typeface="휴먼모음T" panose="02030504000101010101" pitchFamily="18" charset="-127"/>
-            </a:endParaRPr>
-          </a:p>
-        </p:txBody>
-      </p:sp>
-    </p:spTree>
-    <p:extLst>
-      <p:ext uri="{BB962C8B-B14F-4D97-AF65-F5344CB8AC3E}">
-        <p14:creationId xmlns:p14="http://schemas.microsoft.com/office/powerpoint/2010/main" val="428849877"/>
-      </p:ext>
-    </p:extLst>
-  </p:cSld>
-  <p:clrMapOvr>
-    <a:masterClrMapping/>
-  </p:clrMapOvr>
-</p:sld>
-</file>
-
-<file path=ppt/slides/slide11.xml><?xml version="1.0" encoding="utf-8"?>
 <p:sld xmlns:a="http://schemas.openxmlformats.org/drawingml/2006/main" xmlns:r="http://schemas.openxmlformats.org/officeDocument/2006/relationships" xmlns:p="http://schemas.openxmlformats.org/presentationml/2006/main">
   <p:cSld>
     <p:spTree>
@@ -4866,7 +4713,7 @@
         </p:blipFill>
         <p:spPr>
           <a:xfrm>
-            <a:off x="6289177" y="2156574"/>
+            <a:off x="6277677" y="2168054"/>
             <a:ext cx="2857500" cy="2143125"/>
           </a:xfrm>
           <a:prstGeom prst="rect">
@@ -4999,8 +4846,8 @@
         </p:nvSpPr>
         <p:spPr>
           <a:xfrm>
-            <a:off x="1871540" y="349632"/>
-            <a:ext cx="3649072" cy="523220"/>
+            <a:off x="1871539" y="349631"/>
+            <a:ext cx="4064873" cy="523220"/>
           </a:xfrm>
           <a:prstGeom prst="rect">
             <a:avLst/>
@@ -5592,7 +5439,7 @@
           <a:p>
             <a:fld id="{08264B4F-A738-4007-92FF-2A6017BB0CEE}" type="slidenum">
               <a:rPr lang="ko-KR" altLang="en-US" smtClean="0"/>
-              <a:t>11</a:t>
+              <a:t>10</a:t>
             </a:fld>
             <a:endParaRPr lang="ko-KR" altLang="en-US"/>
           </a:p>
@@ -5620,7 +5467,7 @@
         </p:blipFill>
         <p:spPr>
           <a:xfrm>
-            <a:off x="8873375" y="1975780"/>
+            <a:off x="8985954" y="2048665"/>
             <a:ext cx="2500313" cy="2500313"/>
           </a:xfrm>
           <a:prstGeom prst="rect">
@@ -5666,7 +5513,7 @@
         </p:nvSpPr>
         <p:spPr>
           <a:xfrm>
-            <a:off x="8583747" y="3298822"/>
+            <a:off x="8685338" y="2840513"/>
             <a:ext cx="286520" cy="286520"/>
           </a:xfrm>
           <a:prstGeom prst="mathPlus">
@@ -6032,8 +5879,8 @@
         </p:nvSpPr>
         <p:spPr>
           <a:xfrm>
-            <a:off x="504000" y="5753607"/>
-            <a:ext cx="10594704" cy="584775"/>
+            <a:off x="504000" y="5476395"/>
+            <a:ext cx="10594704" cy="1077218"/>
           </a:xfrm>
           <a:prstGeom prst="rect">
             <a:avLst/>
@@ -6051,15 +5898,56 @@
               <a:buChar char="•"/>
             </a:pPr>
             <a:r>
-              <a:rPr lang="ko-KR" altLang="en-US" sz="3200">
-                <a:latin typeface="+mj-lt"/>
-                <a:ea typeface="1훈프로방스 R" panose="02020603020101020101"/>
+              <a:rPr lang="ko-KR" altLang="en-US" sz="3200" dirty="0">
+                <a:latin typeface="휴먼모음T" panose="02030504000101010101" pitchFamily="18" charset="-127"/>
+                <a:ea typeface="휴먼모음T" panose="02030504000101010101" pitchFamily="18" charset="-127"/>
               </a:rPr>
-              <a:t>적외선 센서를 통한 좌석 확인 기능 </a:t>
+              <a:t>적외선 센서를 통한 좌석 확인 기능</a:t>
+            </a:r>
+            <a:endParaRPr lang="en-US" altLang="ko-KR" sz="3200" dirty="0">
+              <a:latin typeface="휴먼모음T" panose="02030504000101010101" pitchFamily="18" charset="-127"/>
+              <a:ea typeface="휴먼모음T" panose="02030504000101010101" pitchFamily="18" charset="-127"/>
+            </a:endParaRPr>
+          </a:p>
+          <a:p>
+            <a:pPr marL="571500" indent="-571500">
+              <a:buFont typeface="Arial" panose="020B0604020202020204" pitchFamily="34" charset="0"/>
+              <a:buChar char="•"/>
+            </a:pPr>
+            <a:r>
+              <a:rPr lang="ko-KR" altLang="en-US" sz="3200" dirty="0">
+                <a:latin typeface="휴먼모음T" panose="02030504000101010101" pitchFamily="18" charset="-127"/>
+                <a:ea typeface="휴먼모음T" panose="02030504000101010101" pitchFamily="18" charset="-127"/>
+              </a:rPr>
+              <a:t>디스플레이에 남은 시간 출력 기능</a:t>
             </a:r>
           </a:p>
         </p:txBody>
       </p:sp>
+      <p:pic>
+        <p:nvPicPr>
+          <p:cNvPr id="5" name="그림 4"/>
+          <p:cNvPicPr>
+            <a:picLocks noChangeAspect="1"/>
+          </p:cNvPicPr>
+          <p:nvPr/>
+        </p:nvPicPr>
+        <p:blipFill>
+          <a:blip r:embed="rId7"/>
+          <a:stretch>
+            <a:fillRect/>
+          </a:stretch>
+        </p:blipFill>
+        <p:spPr>
+          <a:xfrm>
+            <a:off x="7703120" y="1111775"/>
+            <a:ext cx="2047774" cy="1569678"/>
+          </a:xfrm>
+          <a:prstGeom prst="rect">
+            <a:avLst/>
+          </a:prstGeom>
+        </p:spPr>
+      </p:pic>
     </p:spTree>
     <p:extLst>
       <p:ext uri="{BB962C8B-B14F-4D97-AF65-F5344CB8AC3E}">
@@ -6073,7 +5961,7 @@
 </p:sld>
 </file>
 
-<file path=ppt/slides/slide12.xml><?xml version="1.0" encoding="utf-8"?>
+<file path=ppt/slides/slide11.xml><?xml version="1.0" encoding="utf-8"?>
 <p:sld xmlns:a="http://schemas.openxmlformats.org/drawingml/2006/main" xmlns:r="http://schemas.openxmlformats.org/officeDocument/2006/relationships" xmlns:p="http://schemas.openxmlformats.org/presentationml/2006/main">
   <p:cSld>
     <p:spTree>
@@ -6090,6 +5978,112 @@
           <a:chExt cx="0" cy="0"/>
         </a:xfrm>
       </p:grpSpPr>
+      <p:pic>
+        <p:nvPicPr>
+          <p:cNvPr id="4" name="그림 3"/>
+          <p:cNvPicPr>
+            <a:picLocks noChangeAspect="1"/>
+          </p:cNvPicPr>
+          <p:nvPr/>
+        </p:nvPicPr>
+        <p:blipFill>
+          <a:blip r:embed="rId2" cstate="hqprint">
+            <a:extLst>
+              <a:ext uri="{28A0092B-C50C-407E-A947-70E740481C1C}">
+                <a14:useLocalDpi xmlns:a14="http://schemas.microsoft.com/office/drawing/2010/main" val="0"/>
+              </a:ext>
+            </a:extLst>
+          </a:blip>
+          <a:stretch>
+            <a:fillRect/>
+          </a:stretch>
+        </p:blipFill>
+        <p:spPr>
+          <a:xfrm>
+            <a:off x="4212000" y="1440000"/>
+            <a:ext cx="2835000" cy="5040000"/>
+          </a:xfrm>
+          <a:prstGeom prst="rect">
+            <a:avLst/>
+          </a:prstGeom>
+          <a:ln w="12700">
+            <a:solidFill>
+              <a:schemeClr val="tx1"/>
+            </a:solidFill>
+          </a:ln>
+        </p:spPr>
+      </p:pic>
+      <p:pic>
+        <p:nvPicPr>
+          <p:cNvPr id="5" name="그림 4"/>
+          <p:cNvPicPr>
+            <a:picLocks noChangeAspect="1"/>
+          </p:cNvPicPr>
+          <p:nvPr/>
+        </p:nvPicPr>
+        <p:blipFill>
+          <a:blip r:embed="rId3" cstate="hqprint">
+            <a:extLst>
+              <a:ext uri="{28A0092B-C50C-407E-A947-70E740481C1C}">
+                <a14:useLocalDpi xmlns:a14="http://schemas.microsoft.com/office/drawing/2010/main" val="0"/>
+              </a:ext>
+            </a:extLst>
+          </a:blip>
+          <a:stretch>
+            <a:fillRect/>
+          </a:stretch>
+        </p:blipFill>
+        <p:spPr>
+          <a:xfrm>
+            <a:off x="7920000" y="1440000"/>
+            <a:ext cx="2835000" cy="5040000"/>
+          </a:xfrm>
+          <a:prstGeom prst="rect">
+            <a:avLst/>
+          </a:prstGeom>
+          <a:ln w="12700">
+            <a:solidFill>
+              <a:schemeClr val="tx1"/>
+            </a:solidFill>
+          </a:ln>
+        </p:spPr>
+      </p:pic>
+      <p:pic>
+        <p:nvPicPr>
+          <p:cNvPr id="3" name="그림 2"/>
+          <p:cNvPicPr>
+            <a:picLocks noChangeAspect="1"/>
+          </p:cNvPicPr>
+          <p:nvPr/>
+        </p:nvPicPr>
+        <p:blipFill>
+          <a:blip r:embed="rId4" cstate="hqprint">
+            <a:extLst>
+              <a:ext uri="{28A0092B-C50C-407E-A947-70E740481C1C}">
+                <a14:useLocalDpi xmlns:a14="http://schemas.microsoft.com/office/drawing/2010/main" val="0"/>
+              </a:ext>
+            </a:extLst>
+          </a:blip>
+          <a:stretch>
+            <a:fillRect/>
+          </a:stretch>
+        </p:blipFill>
+        <p:spPr>
+          <a:xfrm>
+            <a:off x="504000" y="1440000"/>
+            <a:ext cx="2835000" cy="5040000"/>
+          </a:xfrm>
+          <a:prstGeom prst="rect">
+            <a:avLst/>
+          </a:prstGeom>
+          <a:noFill/>
+          <a:ln w="12700">
+            <a:solidFill>
+              <a:schemeClr val="tx1"/>
+            </a:solidFill>
+          </a:ln>
+        </p:spPr>
+      </p:pic>
       <p:cxnSp>
         <p:nvCxnSpPr>
           <p:cNvPr id="18" name="직선 연결선 17">
@@ -6216,7 +6210,7 @@
         <p:spPr>
           <a:xfrm>
             <a:off x="1871540" y="349632"/>
-            <a:ext cx="3709453" cy="523220"/>
+            <a:ext cx="4140609" cy="523220"/>
           </a:xfrm>
           <a:prstGeom prst="rect">
             <a:avLst/>
@@ -6808,117 +6802,12 @@
           <a:p>
             <a:fld id="{08264B4F-A738-4007-92FF-2A6017BB0CEE}" type="slidenum">
               <a:rPr lang="ko-KR" altLang="en-US" smtClean="0"/>
-              <a:t>12</a:t>
+              <a:t>11</a:t>
             </a:fld>
             <a:endParaRPr lang="ko-KR" altLang="en-US"/>
           </a:p>
         </p:txBody>
       </p:sp>
-      <p:pic>
-        <p:nvPicPr>
-          <p:cNvPr id="24" name="그림 23"/>
-          <p:cNvPicPr>
-            <a:picLocks noChangeAspect="1"/>
-          </p:cNvPicPr>
-          <p:nvPr/>
-        </p:nvPicPr>
-        <p:blipFill>
-          <a:blip r:embed="rId2" cstate="hqprint">
-            <a:extLst>
-              <a:ext uri="{28A0092B-C50C-407E-A947-70E740481C1C}">
-                <a14:useLocalDpi xmlns:a14="http://schemas.microsoft.com/office/drawing/2010/main" val="0"/>
-              </a:ext>
-            </a:extLst>
-          </a:blip>
-          <a:stretch>
-            <a:fillRect/>
-          </a:stretch>
-        </p:blipFill>
-        <p:spPr>
-          <a:xfrm>
-            <a:off x="504000" y="1440000"/>
-            <a:ext cx="2835000" cy="5040000"/>
-          </a:xfrm>
-          <a:prstGeom prst="rect">
-            <a:avLst/>
-          </a:prstGeom>
-          <a:ln w="12700">
-            <a:solidFill>
-              <a:schemeClr val="tx1"/>
-            </a:solidFill>
-          </a:ln>
-        </p:spPr>
-      </p:pic>
-      <p:pic>
-        <p:nvPicPr>
-          <p:cNvPr id="25" name="그림 24"/>
-          <p:cNvPicPr>
-            <a:picLocks noChangeAspect="1"/>
-          </p:cNvPicPr>
-          <p:nvPr/>
-        </p:nvPicPr>
-        <p:blipFill>
-          <a:blip r:embed="rId3" cstate="hqprint">
-            <a:extLst>
-              <a:ext uri="{28A0092B-C50C-407E-A947-70E740481C1C}">
-                <a14:useLocalDpi xmlns:a14="http://schemas.microsoft.com/office/drawing/2010/main" val="0"/>
-              </a:ext>
-            </a:extLst>
-          </a:blip>
-          <a:stretch>
-            <a:fillRect/>
-          </a:stretch>
-        </p:blipFill>
-        <p:spPr>
-          <a:xfrm>
-            <a:off x="4212000" y="1440000"/>
-            <a:ext cx="2835000" cy="5040000"/>
-          </a:xfrm>
-          <a:prstGeom prst="rect">
-            <a:avLst/>
-          </a:prstGeom>
-          <a:ln w="12700">
-            <a:solidFill>
-              <a:schemeClr val="tx1"/>
-            </a:solidFill>
-          </a:ln>
-        </p:spPr>
-      </p:pic>
-      <p:pic>
-        <p:nvPicPr>
-          <p:cNvPr id="26" name="그림 25"/>
-          <p:cNvPicPr>
-            <a:picLocks noChangeAspect="1"/>
-          </p:cNvPicPr>
-          <p:nvPr/>
-        </p:nvPicPr>
-        <p:blipFill>
-          <a:blip r:embed="rId4" cstate="hqprint">
-            <a:extLst>
-              <a:ext uri="{28A0092B-C50C-407E-A947-70E740481C1C}">
-                <a14:useLocalDpi xmlns:a14="http://schemas.microsoft.com/office/drawing/2010/main" val="0"/>
-              </a:ext>
-            </a:extLst>
-          </a:blip>
-          <a:stretch>
-            <a:fillRect/>
-          </a:stretch>
-        </p:blipFill>
-        <p:spPr>
-          <a:xfrm>
-            <a:off x="7920000" y="1440000"/>
-            <a:ext cx="2835000" cy="5040000"/>
-          </a:xfrm>
-          <a:prstGeom prst="rect">
-            <a:avLst/>
-          </a:prstGeom>
-          <a:ln w="12700">
-            <a:solidFill>
-              <a:schemeClr val="tx1"/>
-            </a:solidFill>
-          </a:ln>
-        </p:spPr>
-      </p:pic>
       <p:pic>
         <p:nvPicPr>
           <p:cNvPr id="20" name="그림 19"/>
@@ -7022,7 +6911,7 @@
 </p:sld>
 </file>
 
-<file path=ppt/slides/slide13.xml><?xml version="1.0" encoding="utf-8"?>
+<file path=ppt/slides/slide12.xml><?xml version="1.0" encoding="utf-8"?>
 <p:sld xmlns:a="http://schemas.openxmlformats.org/drawingml/2006/main" xmlns:r="http://schemas.openxmlformats.org/officeDocument/2006/relationships" xmlns:p="http://schemas.openxmlformats.org/presentationml/2006/main">
   <p:cSld>
     <p:spTree>
@@ -7048,7 +6937,7 @@
           <p:nvPr/>
         </p:nvPicPr>
         <p:blipFill>
-          <a:blip r:embed="rId2" cstate="print">
+          <a:blip r:embed="rId2" cstate="hqprint">
             <a:extLst>
               <a:ext uri="{28A0092B-C50C-407E-A947-70E740481C1C}">
                 <a14:useLocalDpi xmlns:a14="http://schemas.microsoft.com/office/drawing/2010/main" val="0"/>
@@ -7083,7 +6972,7 @@
           <p:nvPr/>
         </p:nvPicPr>
         <p:blipFill>
-          <a:blip r:embed="rId3" cstate="print">
+          <a:blip r:embed="rId3" cstate="hqprint">
             <a:extLst>
               <a:ext uri="{28A0092B-C50C-407E-A947-70E740481C1C}">
                 <a14:useLocalDpi xmlns:a14="http://schemas.microsoft.com/office/drawing/2010/main" val="0"/>
@@ -7234,8 +7123,8 @@
         </p:nvSpPr>
         <p:spPr>
           <a:xfrm>
-            <a:off x="1871539" y="349632"/>
-            <a:ext cx="3709453" cy="523220"/>
+            <a:off x="1871540" y="349632"/>
+            <a:ext cx="3930170" cy="523220"/>
           </a:xfrm>
           <a:prstGeom prst="rect">
             <a:avLst/>
@@ -7827,7 +7716,7 @@
           <a:p>
             <a:fld id="{08264B4F-A738-4007-92FF-2A6017BB0CEE}" type="slidenum">
               <a:rPr lang="ko-KR" altLang="en-US" smtClean="0"/>
-              <a:t>13</a:t>
+              <a:t>12</a:t>
             </a:fld>
             <a:endParaRPr lang="ko-KR" altLang="en-US"/>
           </a:p>
@@ -7901,7 +7790,7 @@
         </p:nvGrpSpPr>
         <p:grpSpPr>
           <a:xfrm>
-            <a:off x="7919781" y="1442225"/>
+            <a:off x="7919781" y="1440000"/>
             <a:ext cx="2835220" cy="5040000"/>
             <a:chOff x="7919781" y="1442225"/>
             <a:chExt cx="2835220" cy="5040000"/>
@@ -7916,7 +7805,7 @@
             <p:nvPr/>
           </p:nvPicPr>
           <p:blipFill>
-            <a:blip r:embed="rId5" cstate="print">
+            <a:blip r:embed="rId5" cstate="hqprint">
               <a:extLst>
                 <a:ext uri="{28A0092B-C50C-407E-A947-70E740481C1C}">
                   <a14:useLocalDpi xmlns:a14="http://schemas.microsoft.com/office/drawing/2010/main" val="0"/>
@@ -9185,7 +9074,7 @@
 </p:sld>
 </file>
 
-<file path=ppt/slides/slide14.xml><?xml version="1.0" encoding="utf-8"?>
+<file path=ppt/slides/slide13.xml><?xml version="1.0" encoding="utf-8"?>
 <p:sld xmlns:a="http://schemas.openxmlformats.org/drawingml/2006/main" xmlns:r="http://schemas.openxmlformats.org/officeDocument/2006/relationships" xmlns:p="http://schemas.openxmlformats.org/presentationml/2006/main">
   <p:cSld>
     <p:spTree>
@@ -9328,7 +9217,7 @@
         <p:spPr>
           <a:xfrm>
             <a:off x="1871540" y="349632"/>
-            <a:ext cx="3677922" cy="523220"/>
+            <a:ext cx="3756750" cy="523220"/>
           </a:xfrm>
           <a:prstGeom prst="rect">
             <a:avLst/>
@@ -9920,12 +9809,117 @@
           <a:p>
             <a:fld id="{08264B4F-A738-4007-92FF-2A6017BB0CEE}" type="slidenum">
               <a:rPr lang="ko-KR" altLang="en-US" smtClean="0"/>
-              <a:t>14</a:t>
+              <a:t>13</a:t>
             </a:fld>
             <a:endParaRPr lang="ko-KR" altLang="en-US"/>
           </a:p>
         </p:txBody>
       </p:sp>
+      <p:pic>
+        <p:nvPicPr>
+          <p:cNvPr id="5" name="그림 4"/>
+          <p:cNvPicPr>
+            <a:picLocks noChangeAspect="1"/>
+          </p:cNvPicPr>
+          <p:nvPr/>
+        </p:nvPicPr>
+        <p:blipFill>
+          <a:blip r:embed="rId2" cstate="hqprint">
+            <a:extLst>
+              <a:ext uri="{28A0092B-C50C-407E-A947-70E740481C1C}">
+                <a14:useLocalDpi xmlns:a14="http://schemas.microsoft.com/office/drawing/2010/main" val="0"/>
+              </a:ext>
+            </a:extLst>
+          </a:blip>
+          <a:stretch>
+            <a:fillRect/>
+          </a:stretch>
+        </p:blipFill>
+        <p:spPr>
+          <a:xfrm>
+            <a:off x="4212000" y="1440000"/>
+            <a:ext cx="2835000" cy="5040000"/>
+          </a:xfrm>
+          <a:prstGeom prst="rect">
+            <a:avLst/>
+          </a:prstGeom>
+          <a:ln w="12700">
+            <a:solidFill>
+              <a:schemeClr val="tx1"/>
+            </a:solidFill>
+          </a:ln>
+        </p:spPr>
+      </p:pic>
+      <p:pic>
+        <p:nvPicPr>
+          <p:cNvPr id="4" name="그림 3"/>
+          <p:cNvPicPr>
+            <a:picLocks noChangeAspect="1"/>
+          </p:cNvPicPr>
+          <p:nvPr/>
+        </p:nvPicPr>
+        <p:blipFill>
+          <a:blip r:embed="rId3" cstate="print">
+            <a:extLst>
+              <a:ext uri="{28A0092B-C50C-407E-A947-70E740481C1C}">
+                <a14:useLocalDpi xmlns:a14="http://schemas.microsoft.com/office/drawing/2010/main" val="0"/>
+              </a:ext>
+            </a:extLst>
+          </a:blip>
+          <a:stretch>
+            <a:fillRect/>
+          </a:stretch>
+        </p:blipFill>
+        <p:spPr>
+          <a:xfrm>
+            <a:off x="504000" y="1440000"/>
+            <a:ext cx="2835000" cy="5040000"/>
+          </a:xfrm>
+          <a:prstGeom prst="rect">
+            <a:avLst/>
+          </a:prstGeom>
+          <a:ln w="12700">
+            <a:solidFill>
+              <a:schemeClr val="tx1"/>
+            </a:solidFill>
+          </a:ln>
+        </p:spPr>
+      </p:pic>
+      <p:pic>
+        <p:nvPicPr>
+          <p:cNvPr id="6" name="그림 5"/>
+          <p:cNvPicPr>
+            <a:picLocks noChangeAspect="1"/>
+          </p:cNvPicPr>
+          <p:nvPr/>
+        </p:nvPicPr>
+        <p:blipFill>
+          <a:blip r:embed="rId4" cstate="print">
+            <a:extLst>
+              <a:ext uri="{28A0092B-C50C-407E-A947-70E740481C1C}">
+                <a14:useLocalDpi xmlns:a14="http://schemas.microsoft.com/office/drawing/2010/main" val="0"/>
+              </a:ext>
+            </a:extLst>
+          </a:blip>
+          <a:stretch>
+            <a:fillRect/>
+          </a:stretch>
+        </p:blipFill>
+        <p:spPr>
+          <a:xfrm>
+            <a:off x="7920000" y="1440000"/>
+            <a:ext cx="2835000" cy="5040000"/>
+          </a:xfrm>
+          <a:prstGeom prst="rect">
+            <a:avLst/>
+          </a:prstGeom>
+          <a:ln w="12700">
+            <a:solidFill>
+              <a:schemeClr val="tx1"/>
+            </a:solidFill>
+          </a:ln>
+        </p:spPr>
+      </p:pic>
     </p:spTree>
     <p:extLst>
       <p:ext uri="{BB962C8B-B14F-4D97-AF65-F5344CB8AC3E}">
@@ -9939,7 +9933,7 @@
 </p:sld>
 </file>
 
-<file path=ppt/slides/slide15.xml><?xml version="1.0" encoding="utf-8"?>
+<file path=ppt/slides/slide14.xml><?xml version="1.0" encoding="utf-8"?>
 <p:sld xmlns:a="http://schemas.openxmlformats.org/drawingml/2006/main" xmlns:r="http://schemas.openxmlformats.org/officeDocument/2006/relationships" xmlns:p="http://schemas.openxmlformats.org/presentationml/2006/main">
   <p:cSld>
     <p:spTree>
@@ -9984,7 +9978,7 @@
           <a:p>
             <a:fld id="{08264B4F-A738-4007-92FF-2A6017BB0CEE}" type="slidenum">
               <a:rPr lang="ko-KR" altLang="en-US" smtClean="0"/>
-              <a:t>15</a:t>
+              <a:t>14</a:t>
             </a:fld>
             <a:endParaRPr lang="ko-KR" altLang="en-US"/>
           </a:p>
@@ -10165,7 +10159,7 @@
 </p:sld>
 </file>
 
-<file path=ppt/slides/slide16.xml><?xml version="1.0" encoding="utf-8"?>
+<file path=ppt/slides/slide15.xml><?xml version="1.0" encoding="utf-8"?>
 <p:sld xmlns:a="http://schemas.openxmlformats.org/drawingml/2006/main" xmlns:r="http://schemas.openxmlformats.org/officeDocument/2006/relationships" xmlns:p="http://schemas.openxmlformats.org/presentationml/2006/main">
   <p:cSld>
     <p:spTree>
@@ -10196,35 +10190,26 @@
         </p:nvSpPr>
         <p:spPr>
           <a:xfrm>
-            <a:off x="4272455" y="2056661"/>
+            <a:off x="3490789" y="2056661"/>
             <a:ext cx="3657600" cy="3805049"/>
           </a:xfrm>
           <a:prstGeom prst="roundRect">
             <a:avLst/>
           </a:prstGeom>
-          <a:solidFill>
-            <a:schemeClr val="bg1"/>
-          </a:solidFill>
-          <a:ln>
-            <a:solidFill>
-              <a:srgbClr val="0070C0"/>
-            </a:solidFill>
-          </a:ln>
+          <a:ln w="38100"/>
         </p:spPr>
         <p:style>
           <a:lnRef idx="2">
-            <a:schemeClr val="accent1">
-              <a:shade val="50000"/>
-            </a:schemeClr>
+            <a:schemeClr val="dk1"/>
           </a:lnRef>
           <a:fillRef idx="1">
-            <a:schemeClr val="accent1"/>
+            <a:schemeClr val="lt1"/>
           </a:fillRef>
           <a:effectRef idx="0">
-            <a:schemeClr val="accent1"/>
+            <a:schemeClr val="dk1"/>
           </a:effectRef>
           <a:fontRef idx="minor">
-            <a:schemeClr val="lt1"/>
+            <a:schemeClr val="dk1"/>
           </a:fontRef>
         </p:style>
         <p:txBody>
@@ -11293,7 +11278,7 @@
           <a:p>
             <a:fld id="{08264B4F-A738-4007-92FF-2A6017BB0CEE}" type="slidenum">
               <a:rPr lang="ko-KR" altLang="en-US" smtClean="0"/>
-              <a:t>16</a:t>
+              <a:t>15</a:t>
             </a:fld>
             <a:endParaRPr lang="ko-KR" altLang="en-US"/>
           </a:p>
@@ -11313,7 +11298,7 @@
         </p:nvSpPr>
         <p:spPr>
           <a:xfrm>
-            <a:off x="5028036" y="1960667"/>
+            <a:off x="4246370" y="1960667"/>
             <a:ext cx="2142166" cy="400110"/>
           </a:xfrm>
           <a:prstGeom prst="rect">
@@ -11331,13 +11316,27 @@
           <a:p>
             <a:pPr algn="ctr"/>
             <a:r>
-              <a:rPr lang="en-US" altLang="ko-KR" sz="2000" dirty="0">
+              <a:rPr lang="en-US" altLang="ko-KR" sz="2000" b="1" dirty="0">
+                <a:effectLst>
+                  <a:outerShdw blurRad="38100" dist="38100" dir="2700000" algn="tl">
+                    <a:srgbClr val="000000">
+                      <a:alpha val="43137"/>
+                    </a:srgbClr>
+                  </a:outerShdw>
+                </a:effectLst>
                 <a:latin typeface="휴먼모음T" panose="02030504000101010101" pitchFamily="18" charset="-127"/>
                 <a:ea typeface="휴먼모음T" panose="02030504000101010101" pitchFamily="18" charset="-127"/>
               </a:rPr>
               <a:t>APPLICATION</a:t>
             </a:r>
-            <a:endParaRPr lang="ko-KR" altLang="en-US" sz="2000" dirty="0">
+            <a:endParaRPr lang="ko-KR" altLang="en-US" sz="2000" b="1" dirty="0">
+              <a:effectLst>
+                <a:outerShdw blurRad="38100" dist="38100" dir="2700000" algn="tl">
+                  <a:srgbClr val="000000">
+                    <a:alpha val="43137"/>
+                  </a:srgbClr>
+                </a:outerShdw>
+              </a:effectLst>
               <a:latin typeface="휴먼모음T" panose="02030504000101010101" pitchFamily="18" charset="-127"/>
               <a:ea typeface="휴먼모음T" panose="02030504000101010101" pitchFamily="18" charset="-127"/>
             </a:endParaRPr>
@@ -11358,7 +11357,7 @@
         </p:nvSpPr>
         <p:spPr>
           <a:xfrm>
-            <a:off x="4883441" y="2636737"/>
+            <a:off x="4101775" y="2636737"/>
             <a:ext cx="2425115" cy="1060498"/>
           </a:xfrm>
           <a:prstGeom prst="roundRect">
@@ -11368,13 +11367,13 @@
         </p:spPr>
         <p:style>
           <a:lnRef idx="2">
-            <a:schemeClr val="accent1"/>
+            <a:schemeClr val="dk1"/>
           </a:lnRef>
           <a:fillRef idx="1">
             <a:schemeClr val="lt1"/>
           </a:fillRef>
           <a:effectRef idx="0">
-            <a:schemeClr val="accent1"/>
+            <a:schemeClr val="dk1"/>
           </a:effectRef>
           <a:fontRef idx="minor">
             <a:schemeClr val="dk1"/>
@@ -11433,7 +11432,7 @@
         </p:nvSpPr>
         <p:spPr>
           <a:xfrm>
-            <a:off x="4880333" y="4277311"/>
+            <a:off x="4098667" y="4277311"/>
             <a:ext cx="2425115" cy="1060498"/>
           </a:xfrm>
           <a:prstGeom prst="roundRect">
@@ -11443,13 +11442,13 @@
         </p:spPr>
         <p:style>
           <a:lnRef idx="2">
-            <a:schemeClr val="accent1"/>
+            <a:schemeClr val="dk1"/>
           </a:lnRef>
           <a:fillRef idx="1">
             <a:schemeClr val="lt1"/>
           </a:fillRef>
           <a:effectRef idx="0">
-            <a:schemeClr val="accent1"/>
+            <a:schemeClr val="dk1"/>
           </a:effectRef>
           <a:fontRef idx="minor">
             <a:schemeClr val="dk1"/>
@@ -11491,7 +11490,7 @@
         </p:nvSpPr>
         <p:spPr>
           <a:xfrm>
-            <a:off x="5273351" y="2450760"/>
+            <a:off x="4491685" y="2450760"/>
             <a:ext cx="1623849" cy="400110"/>
           </a:xfrm>
           <a:prstGeom prst="rect">
@@ -11509,7 +11508,7 @@
           <a:p>
             <a:pPr algn="ctr"/>
             <a:r>
-              <a:rPr lang="ko-KR" altLang="en-US" sz="2000" dirty="0">
+              <a:rPr lang="ko-KR" altLang="en-US" sz="2000" b="1" dirty="0">
                 <a:latin typeface="휴먼모음T" panose="02030504000101010101" pitchFamily="18" charset="-127"/>
                 <a:ea typeface="휴먼모음T" panose="02030504000101010101" pitchFamily="18" charset="-127"/>
               </a:rPr>
@@ -11532,7 +11531,7 @@
         </p:nvSpPr>
         <p:spPr>
           <a:xfrm>
-            <a:off x="5284075" y="4052537"/>
+            <a:off x="4502409" y="4052537"/>
             <a:ext cx="1623849" cy="400110"/>
           </a:xfrm>
           <a:prstGeom prst="rect">
@@ -11550,67 +11549,12 @@
           <a:p>
             <a:pPr algn="ctr"/>
             <a:r>
-              <a:rPr lang="ko-KR" altLang="en-US" sz="2000" dirty="0">
+              <a:rPr lang="ko-KR" altLang="en-US" sz="2000" b="1" dirty="0">
                 <a:latin typeface="휴먼모음T" panose="02030504000101010101" pitchFamily="18" charset="-127"/>
                 <a:ea typeface="휴먼모음T" panose="02030504000101010101" pitchFamily="18" charset="-127"/>
               </a:rPr>
               <a:t>입출력 모듈</a:t>
             </a:r>
-          </a:p>
-        </p:txBody>
-      </p:sp>
-      <p:sp>
-        <p:nvSpPr>
-          <p:cNvPr id="11" name="사각형: 둥근 모서리 10">
-            <a:extLst>
-              <a:ext uri="{FF2B5EF4-FFF2-40B4-BE49-F238E27FC236}">
-                <a16:creationId xmlns:a16="http://schemas.microsoft.com/office/drawing/2014/main" id="{A291F3D1-E7BA-4E1E-B9E2-7BC1EADC1131}"/>
-              </a:ext>
-            </a:extLst>
-          </p:cNvPr>
-          <p:cNvSpPr/>
-          <p:nvPr/>
-        </p:nvSpPr>
-        <p:spPr>
-          <a:xfrm>
-            <a:off x="1614001" y="4210528"/>
-            <a:ext cx="1749641" cy="878049"/>
-          </a:xfrm>
-          <a:prstGeom prst="roundRect">
-            <a:avLst/>
-          </a:prstGeom>
-          <a:ln/>
-        </p:spPr>
-        <p:style>
-          <a:lnRef idx="2">
-            <a:schemeClr val="accent1"/>
-          </a:lnRef>
-          <a:fillRef idx="1">
-            <a:schemeClr val="lt1"/>
-          </a:fillRef>
-          <a:effectRef idx="0">
-            <a:schemeClr val="accent1"/>
-          </a:effectRef>
-          <a:fontRef idx="minor">
-            <a:schemeClr val="dk1"/>
-          </a:fontRef>
-        </p:style>
-        <p:txBody>
-          <a:bodyPr rtlCol="0" anchor="ctr"/>
-          <a:lstStyle/>
-          <a:p>
-            <a:pPr algn="ctr"/>
-            <a:r>
-              <a:rPr lang="en-US" altLang="ko-KR" sz="3000" b="1" dirty="0">
-                <a:latin typeface="휴먼모음T" panose="02030504000101010101" pitchFamily="18" charset="-127"/>
-                <a:ea typeface="휴먼모음T" panose="02030504000101010101" pitchFamily="18" charset="-127"/>
-              </a:rPr>
-              <a:t>user</a:t>
-            </a:r>
-            <a:endParaRPr lang="ko-KR" altLang="en-US" sz="3000" b="1" dirty="0">
-              <a:latin typeface="휴먼모음T" panose="02030504000101010101" pitchFamily="18" charset="-127"/>
-              <a:ea typeface="휴먼모음T" panose="02030504000101010101" pitchFamily="18" charset="-127"/>
-            </a:endParaRPr>
           </a:p>
         </p:txBody>
       </p:sp>
@@ -11643,7 +11587,7 @@
         </p:blipFill>
         <p:spPr bwMode="auto">
           <a:xfrm>
-            <a:off x="9139965" y="912644"/>
+            <a:off x="8358299" y="912644"/>
             <a:ext cx="1246813" cy="1584176"/>
           </a:xfrm>
           <a:prstGeom prst="rect">
@@ -11684,109 +11628,6 @@
           </a:extLst>
         </p:spPr>
       </p:pic>
-      <p:sp>
-        <p:nvSpPr>
-          <p:cNvPr id="37" name="사각형: 둥근 모서리 36">
-            <a:extLst>
-              <a:ext uri="{FF2B5EF4-FFF2-40B4-BE49-F238E27FC236}">
-                <a16:creationId xmlns:a16="http://schemas.microsoft.com/office/drawing/2014/main" id="{07CD1EB8-8A6B-42E3-9E3B-6DA11048F846}"/>
-              </a:ext>
-            </a:extLst>
-          </p:cNvPr>
-          <p:cNvSpPr/>
-          <p:nvPr/>
-        </p:nvSpPr>
-        <p:spPr>
-          <a:xfrm>
-            <a:off x="8941675" y="2724515"/>
-            <a:ext cx="1475974" cy="530249"/>
-          </a:xfrm>
-          <a:prstGeom prst="roundRect">
-            <a:avLst/>
-          </a:prstGeom>
-          <a:ln/>
-        </p:spPr>
-        <p:style>
-          <a:lnRef idx="2">
-            <a:schemeClr val="accent1"/>
-          </a:lnRef>
-          <a:fillRef idx="1">
-            <a:schemeClr val="lt1"/>
-          </a:fillRef>
-          <a:effectRef idx="0">
-            <a:schemeClr val="accent1"/>
-          </a:effectRef>
-          <a:fontRef idx="minor">
-            <a:schemeClr val="dk1"/>
-          </a:fontRef>
-        </p:style>
-        <p:txBody>
-          <a:bodyPr rtlCol="0" anchor="ctr"/>
-          <a:lstStyle/>
-          <a:p>
-            <a:pPr algn="ctr"/>
-            <a:r>
-              <a:rPr lang="en-US" altLang="ko-KR" sz="3000" b="1" dirty="0">
-                <a:latin typeface="휴먼모음T" panose="02030504000101010101" pitchFamily="18" charset="-127"/>
-                <a:ea typeface="휴먼모음T" panose="02030504000101010101" pitchFamily="18" charset="-127"/>
-              </a:rPr>
-              <a:t>server</a:t>
-            </a:r>
-            <a:endParaRPr lang="ko-KR" altLang="en-US" sz="3000" b="1" dirty="0">
-              <a:latin typeface="휴먼모음T" panose="02030504000101010101" pitchFamily="18" charset="-127"/>
-              <a:ea typeface="휴먼모음T" panose="02030504000101010101" pitchFamily="18" charset="-127"/>
-            </a:endParaRPr>
-          </a:p>
-        </p:txBody>
-      </p:sp>
-      <p:pic>
-        <p:nvPicPr>
-          <p:cNvPr id="39" name="Picture 3" descr="파워포인트에 많이 등장하는 캐릭터사진">
-            <a:hlinkClick r:id="rId3" tooltip="파워포인트에 많이 등장하는 캐릭터사진 카페"/>
-            <a:extLst>
-              <a:ext uri="{FF2B5EF4-FFF2-40B4-BE49-F238E27FC236}">
-                <a16:creationId xmlns:a16="http://schemas.microsoft.com/office/drawing/2014/main" id="{9B036042-C5E9-4467-BF96-6256F5AC515C}"/>
-              </a:ext>
-            </a:extLst>
-          </p:cNvPr>
-          <p:cNvPicPr>
-            <a:picLocks noChangeAspect="1" noChangeArrowheads="1"/>
-          </p:cNvPicPr>
-          <p:nvPr/>
-        </p:nvPicPr>
-        <p:blipFill>
-          <a:blip r:embed="rId4" cstate="hqprint">
-            <a:extLst>
-              <a:ext uri="{28A0092B-C50C-407E-A947-70E740481C1C}">
-                <a14:useLocalDpi xmlns:a14="http://schemas.microsoft.com/office/drawing/2010/main" val="0"/>
-              </a:ext>
-            </a:extLst>
-          </a:blip>
-          <a:srcRect/>
-          <a:stretch>
-            <a:fillRect/>
-          </a:stretch>
-        </p:blipFill>
-        <p:spPr bwMode="auto">
-          <a:xfrm>
-            <a:off x="1849911" y="2539849"/>
-            <a:ext cx="1277823" cy="1277823"/>
-          </a:xfrm>
-          <a:prstGeom prst="rect">
-            <a:avLst/>
-          </a:prstGeom>
-          <a:noFill/>
-          <a:extLst>
-            <a:ext uri="{909E8E84-426E-40DD-AFC4-6F175D3DCCD1}">
-              <a14:hiddenFill xmlns:a14="http://schemas.microsoft.com/office/drawing/2010/main">
-                <a:solidFill>
-                  <a:srgbClr val="FFFFFF"/>
-                </a:solidFill>
-              </a14:hiddenFill>
-            </a:ext>
-          </a:extLst>
-        </p:spPr>
-      </p:pic>
       <p:cxnSp>
         <p:nvCxnSpPr>
           <p:cNvPr id="10" name="직선 화살표 연결선 9">
@@ -11798,20 +11639,22 @@
           </p:cNvPr>
           <p:cNvCxnSpPr>
             <a:cxnSpLocks/>
-            <a:stCxn id="39" idx="3"/>
             <a:endCxn id="2" idx="1"/>
           </p:cNvCxnSpPr>
           <p:nvPr/>
         </p:nvCxnSpPr>
         <p:spPr>
           <a:xfrm>
-            <a:off x="3127734" y="3178761"/>
-            <a:ext cx="1144721" cy="780425"/>
+            <a:off x="2318412" y="3254764"/>
+            <a:ext cx="1172377" cy="704422"/>
           </a:xfrm>
           <a:prstGeom prst="straightConnector1">
             <a:avLst/>
           </a:prstGeom>
-          <a:ln>
+          <a:ln w="57150">
+            <a:solidFill>
+              <a:schemeClr val="tx1"/>
+            </a:solidFill>
             <a:tailEnd type="triangle"/>
           </a:ln>
         </p:spPr>
@@ -11846,13 +11689,16 @@
         </p:nvCxnSpPr>
         <p:spPr>
           <a:xfrm flipV="1">
-            <a:off x="7264563" y="1855408"/>
-            <a:ext cx="1810213" cy="1244932"/>
+            <a:off x="6722057" y="2008374"/>
+            <a:ext cx="1427228" cy="1010204"/>
           </a:xfrm>
           <a:prstGeom prst="straightConnector1">
             <a:avLst/>
           </a:prstGeom>
-          <a:ln>
+          <a:ln w="57150">
+            <a:solidFill>
+              <a:schemeClr val="tx1"/>
+            </a:solidFill>
             <a:tailEnd type="triangle"/>
           </a:ln>
         </p:spPr>
@@ -11880,18 +11726,23 @@
               </a:ext>
             </a:extLst>
           </p:cNvPr>
-          <p:cNvCxnSpPr/>
+          <p:cNvCxnSpPr>
+            <a:cxnSpLocks/>
+          </p:cNvCxnSpPr>
           <p:nvPr/>
         </p:nvCxnSpPr>
         <p:spPr>
           <a:xfrm flipH="1">
-            <a:off x="7305448" y="2029097"/>
-            <a:ext cx="1834517" cy="1295027"/>
+            <a:off x="6757749" y="2228776"/>
+            <a:ext cx="1421032" cy="1010204"/>
           </a:xfrm>
           <a:prstGeom prst="straightConnector1">
             <a:avLst/>
           </a:prstGeom>
-          <a:ln>
+          <a:ln w="57150">
+            <a:solidFill>
+              <a:schemeClr val="tx1"/>
+            </a:solidFill>
             <a:tailEnd type="triangle"/>
           </a:ln>
         </p:spPr>
@@ -11919,18 +11770,23 @@
               </a:ext>
             </a:extLst>
           </p:cNvPr>
-          <p:cNvCxnSpPr/>
+          <p:cNvCxnSpPr>
+            <a:cxnSpLocks/>
+          </p:cNvCxnSpPr>
           <p:nvPr/>
         </p:nvCxnSpPr>
         <p:spPr>
           <a:xfrm>
-            <a:off x="7347259" y="4737769"/>
-            <a:ext cx="1909093" cy="313715"/>
+            <a:off x="6635648" y="4803836"/>
+            <a:ext cx="1828319" cy="260505"/>
           </a:xfrm>
           <a:prstGeom prst="straightConnector1">
             <a:avLst/>
           </a:prstGeom>
-          <a:ln>
+          <a:ln w="57150">
+            <a:solidFill>
+              <a:schemeClr val="tx1"/>
+            </a:solidFill>
             <a:tailEnd type="triangle"/>
           </a:ln>
         </p:spPr>
@@ -11958,18 +11814,23 @@
               </a:ext>
             </a:extLst>
           </p:cNvPr>
-          <p:cNvCxnSpPr/>
+          <p:cNvCxnSpPr>
+            <a:cxnSpLocks/>
+          </p:cNvCxnSpPr>
           <p:nvPr/>
         </p:nvCxnSpPr>
         <p:spPr>
           <a:xfrm flipH="1" flipV="1">
-            <a:off x="7310275" y="4963987"/>
-            <a:ext cx="1935358" cy="290975"/>
+            <a:off x="6571485" y="4994948"/>
+            <a:ext cx="1797450" cy="259633"/>
           </a:xfrm>
           <a:prstGeom prst="straightConnector1">
             <a:avLst/>
           </a:prstGeom>
-          <a:ln>
+          <a:ln w="57150">
+            <a:solidFill>
+              <a:schemeClr val="tx1"/>
+            </a:solidFill>
             <a:tailEnd type="triangle"/>
           </a:ln>
         </p:spPr>
@@ -12001,8 +11862,8 @@
           <p:nvPr/>
         </p:nvSpPr>
         <p:spPr>
-          <a:xfrm rot="581338">
-            <a:off x="7926440" y="4539322"/>
+          <a:xfrm>
+            <a:off x="7355150" y="4573376"/>
             <a:ext cx="750731" cy="369332"/>
           </a:xfrm>
           <a:prstGeom prst="rect">
@@ -12040,8 +11901,8 @@
           <p:nvPr/>
         </p:nvSpPr>
         <p:spPr>
-          <a:xfrm rot="19510144">
-            <a:off x="7779943" y="2056093"/>
+          <a:xfrm rot="206257">
+            <a:off x="6998277" y="2056093"/>
             <a:ext cx="750731" cy="369332"/>
           </a:xfrm>
           <a:prstGeom prst="rect">
@@ -12079,8 +11940,8 @@
           <p:nvPr/>
         </p:nvSpPr>
         <p:spPr>
-          <a:xfrm rot="489673">
-            <a:off x="7812285" y="5160890"/>
+          <a:xfrm rot="21412169">
+            <a:off x="7233467" y="5245309"/>
             <a:ext cx="750731" cy="369332"/>
           </a:xfrm>
           <a:prstGeom prst="rect">
@@ -12122,9 +11983,9 @@
           <p:nvPr/>
         </p:nvSpPr>
         <p:spPr>
-          <a:xfrm rot="19486382">
-            <a:off x="8119667" y="2580782"/>
-            <a:ext cx="750731" cy="369332"/>
+          <a:xfrm>
+            <a:off x="7338001" y="2649246"/>
+            <a:ext cx="767880" cy="369332"/>
           </a:xfrm>
           <a:prstGeom prst="rect">
             <a:avLst/>
@@ -12161,8 +12022,8 @@
           <p:nvPr/>
         </p:nvSpPr>
         <p:spPr>
-          <a:xfrm rot="2145266">
-            <a:off x="3251535" y="3104840"/>
+          <a:xfrm>
+            <a:off x="2688115" y="3209484"/>
             <a:ext cx="750731" cy="369332"/>
           </a:xfrm>
           <a:prstGeom prst="rect">
@@ -12203,13 +12064,16 @@
         </p:nvCxnSpPr>
         <p:spPr>
           <a:xfrm flipH="1" flipV="1">
-            <a:off x="3127734" y="3493787"/>
-            <a:ext cx="1144721" cy="727821"/>
+            <a:off x="2197512" y="3436377"/>
+            <a:ext cx="1131052" cy="681996"/>
           </a:xfrm>
           <a:prstGeom prst="straightConnector1">
             <a:avLst/>
           </a:prstGeom>
-          <a:ln>
+          <a:ln w="57150">
+            <a:solidFill>
+              <a:schemeClr val="tx1"/>
+            </a:solidFill>
             <a:tailEnd type="triangle"/>
           </a:ln>
         </p:spPr>
@@ -12241,8 +12105,8 @@
           <p:nvPr/>
         </p:nvSpPr>
         <p:spPr>
-          <a:xfrm rot="1866025">
-            <a:off x="3132391" y="3900192"/>
+          <a:xfrm>
+            <a:off x="2350725" y="3900192"/>
             <a:ext cx="750731" cy="369332"/>
           </a:xfrm>
           <a:prstGeom prst="rect">
@@ -12286,25 +12150,232 @@
           <p:nvPr/>
         </p:nvPicPr>
         <p:blipFill>
-          <a:blip r:embed="rId5"/>
+          <a:blip r:embed="rId3"/>
           <a:stretch>
             <a:fillRect/>
           </a:stretch>
         </p:blipFill>
         <p:spPr>
           <a:xfrm>
-            <a:off x="9293336" y="4813780"/>
-            <a:ext cx="1379598" cy="995378"/>
+            <a:off x="8511669" y="4512300"/>
+            <a:ext cx="1797451" cy="1296858"/>
           </a:xfrm>
           <a:prstGeom prst="rect">
             <a:avLst/>
           </a:prstGeom>
         </p:spPr>
       </p:pic>
+      <p:pic>
+        <p:nvPicPr>
+          <p:cNvPr id="6" name="그래픽 5" descr="사용자">
+            <a:extLst>
+              <a:ext uri="{FF2B5EF4-FFF2-40B4-BE49-F238E27FC236}">
+                <a16:creationId xmlns:a16="http://schemas.microsoft.com/office/drawing/2014/main" id="{04F45E3C-0E41-4482-8D3A-70313DB370BA}"/>
+              </a:ext>
+            </a:extLst>
+          </p:cNvPr>
+          <p:cNvPicPr>
+            <a:picLocks noChangeAspect="1"/>
+          </p:cNvPicPr>
+          <p:nvPr/>
+        </p:nvPicPr>
+        <p:blipFill>
+          <a:blip r:embed="rId4">
+            <a:extLst>
+              <a:ext uri="{28A0092B-C50C-407E-A947-70E740481C1C}">
+                <a14:useLocalDpi xmlns:a14="http://schemas.microsoft.com/office/drawing/2010/main" val="0"/>
+              </a:ext>
+              <a:ext uri="{96DAC541-7B7A-43D3-8B79-37D633B846F1}">
+                <asvg:svgBlip xmlns:asvg="http://schemas.microsoft.com/office/drawing/2016/SVG/main" r:embed="rId5"/>
+              </a:ext>
+            </a:extLst>
+          </a:blip>
+          <a:stretch>
+            <a:fillRect/>
+          </a:stretch>
+        </p:blipFill>
+        <p:spPr>
+          <a:xfrm>
+            <a:off x="1030490" y="2846011"/>
+            <a:ext cx="1144721" cy="1144721"/>
+          </a:xfrm>
+          <a:prstGeom prst="rect">
+            <a:avLst/>
+          </a:prstGeom>
+        </p:spPr>
+      </p:pic>
+      <p:sp>
+        <p:nvSpPr>
+          <p:cNvPr id="8" name="TextBox 7">
+            <a:extLst>
+              <a:ext uri="{FF2B5EF4-FFF2-40B4-BE49-F238E27FC236}">
+                <a16:creationId xmlns:a16="http://schemas.microsoft.com/office/drawing/2014/main" id="{6CE52D90-0883-4B83-B125-381E06F2309B}"/>
+              </a:ext>
+            </a:extLst>
+          </p:cNvPr>
+          <p:cNvSpPr txBox="1"/>
+          <p:nvPr/>
+        </p:nvSpPr>
+        <p:spPr>
+          <a:xfrm>
+            <a:off x="1171547" y="3975207"/>
+            <a:ext cx="862606" cy="461665"/>
+          </a:xfrm>
+          <a:prstGeom prst="rect">
+            <a:avLst/>
+          </a:prstGeom>
+          <a:noFill/>
+        </p:spPr>
+        <p:txBody>
+          <a:bodyPr wrap="square" rtlCol="0">
+            <a:spAutoFit/>
+          </a:bodyPr>
+          <a:lstStyle/>
+          <a:p>
+            <a:r>
+              <a:rPr lang="en-US" altLang="ko-KR" sz="2400" b="1" dirty="0">
+                <a:effectLst>
+                  <a:outerShdw blurRad="38100" dist="38100" dir="2700000" algn="tl">
+                    <a:srgbClr val="000000">
+                      <a:alpha val="43137"/>
+                    </a:srgbClr>
+                  </a:outerShdw>
+                </a:effectLst>
+                <a:latin typeface="휴먼모음T" panose="02030504000101010101" pitchFamily="18" charset="-127"/>
+                <a:ea typeface="휴먼모음T" panose="02030504000101010101" pitchFamily="18" charset="-127"/>
+              </a:rPr>
+              <a:t>User</a:t>
+            </a:r>
+            <a:endParaRPr lang="ko-KR" altLang="en-US" sz="2400" b="1" dirty="0">
+              <a:effectLst>
+                <a:outerShdw blurRad="38100" dist="38100" dir="2700000" algn="tl">
+                  <a:srgbClr val="000000">
+                    <a:alpha val="43137"/>
+                  </a:srgbClr>
+                </a:outerShdw>
+              </a:effectLst>
+              <a:latin typeface="휴먼모음T" panose="02030504000101010101" pitchFamily="18" charset="-127"/>
+              <a:ea typeface="휴먼모음T" panose="02030504000101010101" pitchFamily="18" charset="-127"/>
+            </a:endParaRPr>
+          </a:p>
+        </p:txBody>
+      </p:sp>
+      <p:sp>
+        <p:nvSpPr>
+          <p:cNvPr id="59" name="TextBox 58">
+            <a:extLst>
+              <a:ext uri="{FF2B5EF4-FFF2-40B4-BE49-F238E27FC236}">
+                <a16:creationId xmlns:a16="http://schemas.microsoft.com/office/drawing/2014/main" id="{6769DB65-53C9-4E4E-AEFC-D22DD11ED265}"/>
+              </a:ext>
+            </a:extLst>
+          </p:cNvPr>
+          <p:cNvSpPr txBox="1"/>
+          <p:nvPr/>
+        </p:nvSpPr>
+        <p:spPr>
+          <a:xfrm>
+            <a:off x="9028695" y="2419982"/>
+            <a:ext cx="1152834" cy="461665"/>
+          </a:xfrm>
+          <a:prstGeom prst="rect">
+            <a:avLst/>
+          </a:prstGeom>
+          <a:noFill/>
+        </p:spPr>
+        <p:txBody>
+          <a:bodyPr wrap="square" rtlCol="0">
+            <a:spAutoFit/>
+          </a:bodyPr>
+          <a:lstStyle/>
+          <a:p>
+            <a:r>
+              <a:rPr lang="en-US" altLang="ko-KR" sz="2400" b="1" dirty="0">
+                <a:effectLst>
+                  <a:outerShdw blurRad="38100" dist="38100" dir="2700000" algn="tl">
+                    <a:srgbClr val="000000">
+                      <a:alpha val="43137"/>
+                    </a:srgbClr>
+                  </a:outerShdw>
+                </a:effectLst>
+                <a:latin typeface="휴먼모음T" panose="02030504000101010101" pitchFamily="18" charset="-127"/>
+                <a:ea typeface="휴먼모음T" panose="02030504000101010101" pitchFamily="18" charset="-127"/>
+              </a:rPr>
+              <a:t>Server</a:t>
+            </a:r>
+            <a:endParaRPr lang="ko-KR" altLang="en-US" sz="2400" b="1" dirty="0">
+              <a:effectLst>
+                <a:outerShdw blurRad="38100" dist="38100" dir="2700000" algn="tl">
+                  <a:srgbClr val="000000">
+                    <a:alpha val="43137"/>
+                  </a:srgbClr>
+                </a:outerShdw>
+              </a:effectLst>
+              <a:latin typeface="휴먼모음T" panose="02030504000101010101" pitchFamily="18" charset="-127"/>
+              <a:ea typeface="휴먼모음T" panose="02030504000101010101" pitchFamily="18" charset="-127"/>
+            </a:endParaRPr>
+          </a:p>
+        </p:txBody>
+      </p:sp>
+      <p:sp>
+        <p:nvSpPr>
+          <p:cNvPr id="60" name="TextBox 59">
+            <a:extLst>
+              <a:ext uri="{FF2B5EF4-FFF2-40B4-BE49-F238E27FC236}">
+                <a16:creationId xmlns:a16="http://schemas.microsoft.com/office/drawing/2014/main" id="{CE6F21AE-0114-44B2-AFB4-21CC8E548700}"/>
+              </a:ext>
+            </a:extLst>
+          </p:cNvPr>
+          <p:cNvSpPr txBox="1"/>
+          <p:nvPr/>
+        </p:nvSpPr>
+        <p:spPr>
+          <a:xfrm>
+            <a:off x="9741582" y="5380142"/>
+            <a:ext cx="1339578" cy="461665"/>
+          </a:xfrm>
+          <a:prstGeom prst="rect">
+            <a:avLst/>
+          </a:prstGeom>
+          <a:noFill/>
+        </p:spPr>
+        <p:txBody>
+          <a:bodyPr wrap="square" rtlCol="0">
+            <a:spAutoFit/>
+          </a:bodyPr>
+          <a:lstStyle/>
+          <a:p>
+            <a:r>
+              <a:rPr lang="en-US" altLang="ko-KR" sz="2400" b="1" dirty="0">
+                <a:effectLst>
+                  <a:outerShdw blurRad="38100" dist="38100" dir="2700000" algn="tl">
+                    <a:srgbClr val="000000">
+                      <a:alpha val="43137"/>
+                    </a:srgbClr>
+                  </a:outerShdw>
+                </a:effectLst>
+                <a:latin typeface="휴먼모음T" panose="02030504000101010101" pitchFamily="18" charset="-127"/>
+                <a:ea typeface="휴먼모음T" panose="02030504000101010101" pitchFamily="18" charset="-127"/>
+              </a:rPr>
+              <a:t>Arduino</a:t>
+            </a:r>
+            <a:endParaRPr lang="ko-KR" altLang="en-US" sz="2400" b="1" dirty="0">
+              <a:effectLst>
+                <a:outerShdw blurRad="38100" dist="38100" dir="2700000" algn="tl">
+                  <a:srgbClr val="000000">
+                    <a:alpha val="43137"/>
+                  </a:srgbClr>
+                </a:outerShdw>
+              </a:effectLst>
+              <a:latin typeface="휴먼모음T" panose="02030504000101010101" pitchFamily="18" charset="-127"/>
+              <a:ea typeface="휴먼모음T" panose="02030504000101010101" pitchFamily="18" charset="-127"/>
+            </a:endParaRPr>
+          </a:p>
+        </p:txBody>
+      </p:sp>
     </p:spTree>
     <p:extLst>
       <p:ext uri="{BB962C8B-B14F-4D97-AF65-F5344CB8AC3E}">
-        <p14:creationId xmlns:p14="http://schemas.microsoft.com/office/powerpoint/2010/main" val="1220612055"/>
+        <p14:creationId xmlns:p14="http://schemas.microsoft.com/office/powerpoint/2010/main" val="3758772566"/>
       </p:ext>
     </p:extLst>
   </p:cSld>
@@ -12314,7 +12385,7 @@
 </p:sld>
 </file>
 
-<file path=ppt/slides/slide17.xml><?xml version="1.0" encoding="utf-8"?>
+<file path=ppt/slides/slide16.xml><?xml version="1.0" encoding="utf-8"?>
 <p:sld xmlns:a="http://schemas.openxmlformats.org/drawingml/2006/main" xmlns:r="http://schemas.openxmlformats.org/officeDocument/2006/relationships" xmlns:p="http://schemas.openxmlformats.org/presentationml/2006/main">
   <p:cSld>
     <p:spTree>
@@ -12359,7 +12430,7 @@
           <a:p>
             <a:fld id="{08264B4F-A738-4007-92FF-2A6017BB0CEE}" type="slidenum">
               <a:rPr lang="ko-KR" altLang="en-US" smtClean="0"/>
-              <a:t>17</a:t>
+              <a:t>16</a:t>
             </a:fld>
             <a:endParaRPr lang="ko-KR" altLang="en-US"/>
           </a:p>
@@ -12540,7 +12611,7 @@
 </p:sld>
 </file>
 
-<file path=ppt/slides/slide18.xml><?xml version="1.0" encoding="utf-8"?>
+<file path=ppt/slides/slide17.xml><?xml version="1.0" encoding="utf-8"?>
 <p:sld xmlns:a="http://schemas.openxmlformats.org/drawingml/2006/main" xmlns:r="http://schemas.openxmlformats.org/officeDocument/2006/relationships" xmlns:p="http://schemas.openxmlformats.org/presentationml/2006/main">
   <p:cSld>
     <p:spTree>
@@ -13617,7 +13688,7 @@
           <a:p>
             <a:fld id="{08264B4F-A738-4007-92FF-2A6017BB0CEE}" type="slidenum">
               <a:rPr lang="ko-KR" altLang="en-US" smtClean="0"/>
-              <a:t>18</a:t>
+              <a:t>17</a:t>
             </a:fld>
             <a:endParaRPr lang="ko-KR" altLang="en-US"/>
           </a:p>
@@ -14351,7 +14422,7 @@
 </p:sld>
 </file>
 
-<file path=ppt/slides/slide19.xml><?xml version="1.0" encoding="utf-8"?>
+<file path=ppt/slides/slide18.xml><?xml version="1.0" encoding="utf-8"?>
 <p:sld xmlns:a="http://schemas.openxmlformats.org/drawingml/2006/main" xmlns:r="http://schemas.openxmlformats.org/officeDocument/2006/relationships" xmlns:p="http://schemas.openxmlformats.org/presentationml/2006/main">
   <p:cSld>
     <p:spTree>
@@ -14396,7 +14467,7 @@
           <a:p>
             <a:fld id="{08264B4F-A738-4007-92FF-2A6017BB0CEE}" type="slidenum">
               <a:rPr lang="ko-KR" altLang="en-US" smtClean="0"/>
-              <a:t>19</a:t>
+              <a:t>18</a:t>
             </a:fld>
             <a:endParaRPr lang="ko-KR" altLang="en-US"/>
           </a:p>
@@ -14568,6 +14639,2663 @@
     <p:extLst>
       <p:ext uri="{BB962C8B-B14F-4D97-AF65-F5344CB8AC3E}">
         <p14:creationId xmlns:p14="http://schemas.microsoft.com/office/powerpoint/2010/main" val="2200049138"/>
+      </p:ext>
+    </p:extLst>
+  </p:cSld>
+  <p:clrMapOvr>
+    <a:masterClrMapping/>
+  </p:clrMapOvr>
+</p:sld>
+</file>
+
+<file path=ppt/slides/slide19.xml><?xml version="1.0" encoding="utf-8"?>
+<p:sld xmlns:a="http://schemas.openxmlformats.org/drawingml/2006/main" xmlns:r="http://schemas.openxmlformats.org/officeDocument/2006/relationships" xmlns:p="http://schemas.openxmlformats.org/presentationml/2006/main">
+  <p:cSld>
+    <p:spTree>
+      <p:nvGrpSpPr>
+        <p:cNvPr id="1" name=""/>
+        <p:cNvGrpSpPr/>
+        <p:nvPr/>
+      </p:nvGrpSpPr>
+      <p:grpSpPr>
+        <a:xfrm>
+          <a:off x="0" y="0"/>
+          <a:ext cx="0" cy="0"/>
+          <a:chOff x="0" y="0"/>
+          <a:chExt cx="0" cy="0"/>
+        </a:xfrm>
+      </p:grpSpPr>
+      <p:cxnSp>
+        <p:nvCxnSpPr>
+          <p:cNvPr id="45" name="직선 연결선 44">
+            <a:extLst>
+              <a:ext uri="{FF2B5EF4-FFF2-40B4-BE49-F238E27FC236}">
+                <a16:creationId xmlns:a16="http://schemas.microsoft.com/office/drawing/2014/main" id="{05983F06-2F3A-4668-95C1-6E800CC01C2E}"/>
+              </a:ext>
+            </a:extLst>
+          </p:cNvPr>
+          <p:cNvCxnSpPr>
+            <a:cxnSpLocks/>
+          </p:cNvCxnSpPr>
+          <p:nvPr/>
+        </p:nvCxnSpPr>
+        <p:spPr>
+          <a:xfrm>
+            <a:off x="17016" y="1032274"/>
+            <a:ext cx="4427984" cy="0"/>
+          </a:xfrm>
+          <a:prstGeom prst="line">
+            <a:avLst/>
+          </a:prstGeom>
+          <a:ln>
+            <a:solidFill>
+              <a:schemeClr val="tx1">
+                <a:lumMod val="75000"/>
+                <a:lumOff val="25000"/>
+              </a:schemeClr>
+            </a:solidFill>
+          </a:ln>
+        </p:spPr>
+        <p:style>
+          <a:lnRef idx="1">
+            <a:schemeClr val="accent1"/>
+          </a:lnRef>
+          <a:fillRef idx="0">
+            <a:schemeClr val="accent1"/>
+          </a:fillRef>
+          <a:effectRef idx="0">
+            <a:schemeClr val="accent1"/>
+          </a:effectRef>
+          <a:fontRef idx="minor">
+            <a:schemeClr val="tx1"/>
+          </a:fontRef>
+        </p:style>
+      </p:cxnSp>
+      <p:sp>
+        <p:nvSpPr>
+          <p:cNvPr id="46" name="TextBox 45">
+            <a:extLst>
+              <a:ext uri="{FF2B5EF4-FFF2-40B4-BE49-F238E27FC236}">
+                <a16:creationId xmlns:a16="http://schemas.microsoft.com/office/drawing/2014/main" id="{29CBCDFF-1017-4020-ABD7-4EE844A95D9D}"/>
+              </a:ext>
+            </a:extLst>
+          </p:cNvPr>
+          <p:cNvSpPr txBox="1"/>
+          <p:nvPr/>
+        </p:nvSpPr>
+        <p:spPr>
+          <a:xfrm>
+            <a:off x="1173913" y="218732"/>
+            <a:ext cx="806631" cy="769441"/>
+          </a:xfrm>
+          <a:prstGeom prst="rect">
+            <a:avLst/>
+          </a:prstGeom>
+          <a:noFill/>
+          <a:ln>
+            <a:noFill/>
+          </a:ln>
+        </p:spPr>
+        <p:txBody>
+          <a:bodyPr wrap="none" rtlCol="0">
+            <a:spAutoFit/>
+          </a:bodyPr>
+          <a:lstStyle/>
+          <a:p>
+            <a:pPr marL="0" marR="0" lvl="0" indent="0" algn="l" defTabSz="457200" rtl="0" eaLnBrk="1" fontAlgn="auto" latinLnBrk="0" hangingPunct="1">
+              <a:lnSpc>
+                <a:spcPct val="100000"/>
+              </a:lnSpc>
+              <a:spcBef>
+                <a:spcPts val="0"/>
+              </a:spcBef>
+              <a:spcAft>
+                <a:spcPts val="0"/>
+              </a:spcAft>
+              <a:buClrTx/>
+              <a:buSzTx/>
+              <a:buFontTx/>
+              <a:buNone/>
+              <a:tabLst/>
+              <a:defRPr/>
+            </a:pPr>
+            <a:r>
+              <a:rPr kumimoji="0" lang="en-US" altLang="ko-KR" sz="4400" b="0" i="0" u="none" strike="noStrike" kern="1200" cap="none" spc="0" normalizeH="0" baseline="0" noProof="0" dirty="0">
+                <a:ln>
+                  <a:solidFill>
+                    <a:prstClr val="white">
+                      <a:alpha val="0"/>
+                    </a:prstClr>
+                  </a:solidFill>
+                </a:ln>
+                <a:solidFill>
+                  <a:srgbClr val="4ABA1A"/>
+                </a:solidFill>
+                <a:effectLst/>
+                <a:uLnTx/>
+                <a:uFillTx/>
+                <a:latin typeface="1훈프로방스 R" panose="02020603020101020101" pitchFamily="18" charset="-127"/>
+                <a:ea typeface="1훈프로방스 R" panose="02020603020101020101" pitchFamily="18" charset="-127"/>
+                <a:cs typeface="+mn-cs"/>
+              </a:rPr>
+              <a:t>06</a:t>
+            </a:r>
+            <a:endParaRPr kumimoji="0" lang="en-US" altLang="ko-KR" sz="1400" b="0" i="0" u="none" strike="noStrike" kern="1200" cap="none" spc="0" normalizeH="0" baseline="0" noProof="0" dirty="0">
+              <a:ln>
+                <a:solidFill>
+                  <a:prstClr val="white">
+                    <a:alpha val="0"/>
+                  </a:prstClr>
+                </a:solidFill>
+              </a:ln>
+              <a:solidFill>
+                <a:srgbClr val="4ABA1A"/>
+              </a:solidFill>
+              <a:effectLst/>
+              <a:uLnTx/>
+              <a:uFillTx/>
+              <a:latin typeface="1훈프로방스 R" panose="02020603020101020101" pitchFamily="18" charset="-127"/>
+              <a:ea typeface="1훈프로방스 R" panose="02020603020101020101" pitchFamily="18" charset="-127"/>
+              <a:cs typeface="+mn-cs"/>
+            </a:endParaRPr>
+          </a:p>
+        </p:txBody>
+      </p:sp>
+      <p:sp>
+        <p:nvSpPr>
+          <p:cNvPr id="47" name="TextBox 46">
+            <a:extLst>
+              <a:ext uri="{FF2B5EF4-FFF2-40B4-BE49-F238E27FC236}">
+                <a16:creationId xmlns:a16="http://schemas.microsoft.com/office/drawing/2014/main" id="{03105299-1160-4053-89DA-096A2508711B}"/>
+              </a:ext>
+            </a:extLst>
+          </p:cNvPr>
+          <p:cNvSpPr txBox="1"/>
+          <p:nvPr/>
+        </p:nvSpPr>
+        <p:spPr>
+          <a:xfrm>
+            <a:off x="1819721" y="338388"/>
+            <a:ext cx="6990450" cy="523220"/>
+          </a:xfrm>
+          <a:prstGeom prst="rect">
+            <a:avLst/>
+          </a:prstGeom>
+          <a:noFill/>
+          <a:ln>
+            <a:noFill/>
+          </a:ln>
+        </p:spPr>
+        <p:txBody>
+          <a:bodyPr wrap="square" rtlCol="0">
+            <a:spAutoFit/>
+          </a:bodyPr>
+          <a:lstStyle/>
+          <a:p>
+            <a:pPr marL="0" marR="0" lvl="0" indent="0" algn="l" defTabSz="457200" rtl="0" eaLnBrk="1" fontAlgn="auto" latinLnBrk="0" hangingPunct="1">
+              <a:lnSpc>
+                <a:spcPct val="100000"/>
+              </a:lnSpc>
+              <a:spcBef>
+                <a:spcPts val="0"/>
+              </a:spcBef>
+              <a:spcAft>
+                <a:spcPts val="0"/>
+              </a:spcAft>
+              <a:buClrTx/>
+              <a:buSzTx/>
+              <a:buFontTx/>
+              <a:buNone/>
+              <a:tabLst/>
+              <a:defRPr/>
+            </a:pPr>
+            <a:r>
+              <a:rPr lang="ko-KR" altLang="en-US" sz="2800" b="1" dirty="0">
+                <a:solidFill>
+                  <a:prstClr val="black"/>
+                </a:solidFill>
+                <a:latin typeface="1훈프로방스 R" panose="02020603020101020101" pitchFamily="18" charset="-127"/>
+                <a:ea typeface="1훈프로방스 R" panose="02020603020101020101" pitchFamily="18" charset="-127"/>
+              </a:rPr>
+              <a:t>업무 분담</a:t>
+            </a:r>
+            <a:endParaRPr kumimoji="0" lang="ko-KR" altLang="en-US" sz="2800" b="1" i="0" u="none" strike="noStrike" kern="1200" cap="none" spc="0" normalizeH="0" baseline="0" noProof="0" dirty="0">
+              <a:ln>
+                <a:noFill/>
+              </a:ln>
+              <a:solidFill>
+                <a:prstClr val="black"/>
+              </a:solidFill>
+              <a:effectLst/>
+              <a:uLnTx/>
+              <a:uFillTx/>
+              <a:latin typeface="1훈프로방스 R" panose="02020603020101020101" pitchFamily="18" charset="-127"/>
+              <a:ea typeface="1훈프로방스 R" panose="02020603020101020101" pitchFamily="18" charset="-127"/>
+              <a:cs typeface="+mn-cs"/>
+            </a:endParaRPr>
+          </a:p>
+        </p:txBody>
+      </p:sp>
+      <p:grpSp>
+        <p:nvGrpSpPr>
+          <p:cNvPr id="48" name="그룹 47">
+            <a:extLst>
+              <a:ext uri="{FF2B5EF4-FFF2-40B4-BE49-F238E27FC236}">
+                <a16:creationId xmlns:a16="http://schemas.microsoft.com/office/drawing/2014/main" id="{1E0FA0C6-B432-4076-A963-A12AE19E6F19}"/>
+              </a:ext>
+            </a:extLst>
+          </p:cNvPr>
+          <p:cNvGrpSpPr>
+            <a:grpSpLocks noChangeAspect="1"/>
+          </p:cNvGrpSpPr>
+          <p:nvPr/>
+        </p:nvGrpSpPr>
+        <p:grpSpPr>
+          <a:xfrm rot="5400000" flipH="1" flipV="1">
+            <a:off x="44348" y="-23877"/>
+            <a:ext cx="991304" cy="1080000"/>
+            <a:chOff x="3365500" y="787400"/>
+            <a:chExt cx="2413000" cy="2628900"/>
+          </a:xfrm>
+        </p:grpSpPr>
+        <p:sp>
+          <p:nvSpPr>
+            <p:cNvPr id="49" name="타원 48">
+              <a:extLst>
+                <a:ext uri="{FF2B5EF4-FFF2-40B4-BE49-F238E27FC236}">
+                  <a16:creationId xmlns:a16="http://schemas.microsoft.com/office/drawing/2014/main" id="{839A369F-7A07-4C82-9AFC-74EC0429FA71}"/>
+                </a:ext>
+              </a:extLst>
+            </p:cNvPr>
+            <p:cNvSpPr/>
+            <p:nvPr/>
+          </p:nvSpPr>
+          <p:spPr>
+            <a:xfrm>
+              <a:off x="3365500" y="2933700"/>
+              <a:ext cx="482600" cy="482600"/>
+            </a:xfrm>
+            <a:prstGeom prst="ellipse">
+              <a:avLst/>
+            </a:prstGeom>
+            <a:solidFill>
+              <a:schemeClr val="accent1"/>
+            </a:solidFill>
+            <a:ln>
+              <a:noFill/>
+            </a:ln>
+          </p:spPr>
+          <p:style>
+            <a:lnRef idx="2">
+              <a:schemeClr val="accent1">
+                <a:shade val="50000"/>
+              </a:schemeClr>
+            </a:lnRef>
+            <a:fillRef idx="1">
+              <a:schemeClr val="accent1"/>
+            </a:fillRef>
+            <a:effectRef idx="0">
+              <a:schemeClr val="accent1"/>
+            </a:effectRef>
+            <a:fontRef idx="minor">
+              <a:schemeClr val="lt1"/>
+            </a:fontRef>
+          </p:style>
+          <p:txBody>
+            <a:bodyPr rtlCol="0" anchor="ctr"/>
+            <a:lstStyle/>
+            <a:p>
+              <a:pPr marL="0" marR="0" lvl="0" indent="0" algn="ctr" defTabSz="457200" rtl="0" eaLnBrk="1" fontAlgn="auto" latinLnBrk="0" hangingPunct="1">
+                <a:lnSpc>
+                  <a:spcPct val="100000"/>
+                </a:lnSpc>
+                <a:spcBef>
+                  <a:spcPts val="0"/>
+                </a:spcBef>
+                <a:spcAft>
+                  <a:spcPts val="0"/>
+                </a:spcAft>
+                <a:buClrTx/>
+                <a:buSzTx/>
+                <a:buFontTx/>
+                <a:buNone/>
+                <a:tabLst/>
+                <a:defRPr/>
+              </a:pPr>
+              <a:endParaRPr kumimoji="0" lang="ko-KR" altLang="en-US" sz="1800" b="0" i="0" u="none" strike="noStrike" kern="1200" cap="none" spc="0" normalizeH="0" baseline="0" noProof="0">
+                <a:ln>
+                  <a:noFill/>
+                </a:ln>
+                <a:solidFill>
+                  <a:prstClr val="white"/>
+                </a:solidFill>
+                <a:effectLst/>
+                <a:uLnTx/>
+                <a:uFillTx/>
+                <a:latin typeface="Calibri" panose="020F0502020204030204"/>
+                <a:ea typeface="맑은 고딕" panose="020B0503020000020004" pitchFamily="50" charset="-127"/>
+                <a:cs typeface="+mn-cs"/>
+              </a:endParaRPr>
+            </a:p>
+          </p:txBody>
+        </p:sp>
+        <p:sp>
+          <p:nvSpPr>
+            <p:cNvPr id="50" name="타원 49">
+              <a:extLst>
+                <a:ext uri="{FF2B5EF4-FFF2-40B4-BE49-F238E27FC236}">
+                  <a16:creationId xmlns:a16="http://schemas.microsoft.com/office/drawing/2014/main" id="{77C6D3C3-7A34-4E5A-8E24-CFA78CC83B11}"/>
+                </a:ext>
+              </a:extLst>
+            </p:cNvPr>
+            <p:cNvSpPr/>
+            <p:nvPr/>
+          </p:nvSpPr>
+          <p:spPr>
+            <a:xfrm>
+              <a:off x="3848100" y="2451100"/>
+              <a:ext cx="482600" cy="482600"/>
+            </a:xfrm>
+            <a:prstGeom prst="ellipse">
+              <a:avLst/>
+            </a:prstGeom>
+            <a:solidFill>
+              <a:schemeClr val="accent2"/>
+            </a:solidFill>
+            <a:ln>
+              <a:noFill/>
+            </a:ln>
+          </p:spPr>
+          <p:style>
+            <a:lnRef idx="2">
+              <a:schemeClr val="accent1">
+                <a:shade val="50000"/>
+              </a:schemeClr>
+            </a:lnRef>
+            <a:fillRef idx="1">
+              <a:schemeClr val="accent1"/>
+            </a:fillRef>
+            <a:effectRef idx="0">
+              <a:schemeClr val="accent1"/>
+            </a:effectRef>
+            <a:fontRef idx="minor">
+              <a:schemeClr val="lt1"/>
+            </a:fontRef>
+          </p:style>
+          <p:txBody>
+            <a:bodyPr rtlCol="0" anchor="ctr"/>
+            <a:lstStyle/>
+            <a:p>
+              <a:pPr marL="0" marR="0" lvl="0" indent="0" algn="ctr" defTabSz="457200" rtl="0" eaLnBrk="1" fontAlgn="auto" latinLnBrk="0" hangingPunct="1">
+                <a:lnSpc>
+                  <a:spcPct val="100000"/>
+                </a:lnSpc>
+                <a:spcBef>
+                  <a:spcPts val="0"/>
+                </a:spcBef>
+                <a:spcAft>
+                  <a:spcPts val="0"/>
+                </a:spcAft>
+                <a:buClrTx/>
+                <a:buSzTx/>
+                <a:buFontTx/>
+                <a:buNone/>
+                <a:tabLst/>
+                <a:defRPr/>
+              </a:pPr>
+              <a:endParaRPr kumimoji="0" lang="ko-KR" altLang="en-US" sz="1800" b="0" i="0" u="none" strike="noStrike" kern="1200" cap="none" spc="0" normalizeH="0" baseline="0" noProof="0">
+                <a:ln>
+                  <a:noFill/>
+                </a:ln>
+                <a:solidFill>
+                  <a:prstClr val="white"/>
+                </a:solidFill>
+                <a:effectLst/>
+                <a:uLnTx/>
+                <a:uFillTx/>
+                <a:latin typeface="Calibri" panose="020F0502020204030204"/>
+                <a:ea typeface="맑은 고딕" panose="020B0503020000020004" pitchFamily="50" charset="-127"/>
+                <a:cs typeface="+mn-cs"/>
+              </a:endParaRPr>
+            </a:p>
+          </p:txBody>
+        </p:sp>
+        <p:sp>
+          <p:nvSpPr>
+            <p:cNvPr id="51" name="타원 50">
+              <a:extLst>
+                <a:ext uri="{FF2B5EF4-FFF2-40B4-BE49-F238E27FC236}">
+                  <a16:creationId xmlns:a16="http://schemas.microsoft.com/office/drawing/2014/main" id="{1B94CA63-D293-4B98-9D2C-26F4F64B5CB8}"/>
+                </a:ext>
+              </a:extLst>
+            </p:cNvPr>
+            <p:cNvSpPr/>
+            <p:nvPr/>
+          </p:nvSpPr>
+          <p:spPr>
+            <a:xfrm>
+              <a:off x="4330700" y="1981200"/>
+              <a:ext cx="482600" cy="482600"/>
+            </a:xfrm>
+            <a:prstGeom prst="ellipse">
+              <a:avLst/>
+            </a:prstGeom>
+            <a:solidFill>
+              <a:schemeClr val="accent3"/>
+            </a:solidFill>
+            <a:ln>
+              <a:noFill/>
+            </a:ln>
+          </p:spPr>
+          <p:style>
+            <a:lnRef idx="2">
+              <a:schemeClr val="accent1">
+                <a:shade val="50000"/>
+              </a:schemeClr>
+            </a:lnRef>
+            <a:fillRef idx="1">
+              <a:schemeClr val="accent1"/>
+            </a:fillRef>
+            <a:effectRef idx="0">
+              <a:schemeClr val="accent1"/>
+            </a:effectRef>
+            <a:fontRef idx="minor">
+              <a:schemeClr val="lt1"/>
+            </a:fontRef>
+          </p:style>
+          <p:txBody>
+            <a:bodyPr rtlCol="0" anchor="ctr"/>
+            <a:lstStyle/>
+            <a:p>
+              <a:pPr marL="0" marR="0" lvl="0" indent="0" algn="ctr" defTabSz="457200" rtl="0" eaLnBrk="1" fontAlgn="auto" latinLnBrk="0" hangingPunct="1">
+                <a:lnSpc>
+                  <a:spcPct val="100000"/>
+                </a:lnSpc>
+                <a:spcBef>
+                  <a:spcPts val="0"/>
+                </a:spcBef>
+                <a:spcAft>
+                  <a:spcPts val="0"/>
+                </a:spcAft>
+                <a:buClrTx/>
+                <a:buSzTx/>
+                <a:buFontTx/>
+                <a:buNone/>
+                <a:tabLst/>
+                <a:defRPr/>
+              </a:pPr>
+              <a:endParaRPr kumimoji="0" lang="ko-KR" altLang="en-US" sz="1800" b="0" i="0" u="none" strike="noStrike" kern="1200" cap="none" spc="0" normalizeH="0" baseline="0" noProof="0">
+                <a:ln>
+                  <a:noFill/>
+                </a:ln>
+                <a:solidFill>
+                  <a:prstClr val="white"/>
+                </a:solidFill>
+                <a:effectLst/>
+                <a:uLnTx/>
+                <a:uFillTx/>
+                <a:latin typeface="Calibri" panose="020F0502020204030204"/>
+                <a:ea typeface="맑은 고딕" panose="020B0503020000020004" pitchFamily="50" charset="-127"/>
+                <a:cs typeface="+mn-cs"/>
+              </a:endParaRPr>
+            </a:p>
+          </p:txBody>
+        </p:sp>
+        <p:sp>
+          <p:nvSpPr>
+            <p:cNvPr id="52" name="타원 51">
+              <a:extLst>
+                <a:ext uri="{FF2B5EF4-FFF2-40B4-BE49-F238E27FC236}">
+                  <a16:creationId xmlns:a16="http://schemas.microsoft.com/office/drawing/2014/main" id="{799C2B3E-DEAD-44D1-9B26-A8878B1C378B}"/>
+                </a:ext>
+              </a:extLst>
+            </p:cNvPr>
+            <p:cNvSpPr/>
+            <p:nvPr/>
+          </p:nvSpPr>
+          <p:spPr>
+            <a:xfrm>
+              <a:off x="4813300" y="2692400"/>
+              <a:ext cx="482600" cy="482600"/>
+            </a:xfrm>
+            <a:prstGeom prst="ellipse">
+              <a:avLst/>
+            </a:prstGeom>
+            <a:solidFill>
+              <a:schemeClr val="accent4"/>
+            </a:solidFill>
+            <a:ln>
+              <a:noFill/>
+            </a:ln>
+          </p:spPr>
+          <p:style>
+            <a:lnRef idx="2">
+              <a:schemeClr val="accent1">
+                <a:shade val="50000"/>
+              </a:schemeClr>
+            </a:lnRef>
+            <a:fillRef idx="1">
+              <a:schemeClr val="accent1"/>
+            </a:fillRef>
+            <a:effectRef idx="0">
+              <a:schemeClr val="accent1"/>
+            </a:effectRef>
+            <a:fontRef idx="minor">
+              <a:schemeClr val="lt1"/>
+            </a:fontRef>
+          </p:style>
+          <p:txBody>
+            <a:bodyPr rtlCol="0" anchor="ctr"/>
+            <a:lstStyle/>
+            <a:p>
+              <a:pPr marL="0" marR="0" lvl="0" indent="0" algn="ctr" defTabSz="457200" rtl="0" eaLnBrk="1" fontAlgn="auto" latinLnBrk="0" hangingPunct="1">
+                <a:lnSpc>
+                  <a:spcPct val="100000"/>
+                </a:lnSpc>
+                <a:spcBef>
+                  <a:spcPts val="0"/>
+                </a:spcBef>
+                <a:spcAft>
+                  <a:spcPts val="0"/>
+                </a:spcAft>
+                <a:buClrTx/>
+                <a:buSzTx/>
+                <a:buFontTx/>
+                <a:buNone/>
+                <a:tabLst/>
+                <a:defRPr/>
+              </a:pPr>
+              <a:endParaRPr kumimoji="0" lang="ko-KR" altLang="en-US" sz="1800" b="0" i="0" u="none" strike="noStrike" kern="1200" cap="none" spc="0" normalizeH="0" baseline="0" noProof="0">
+                <a:ln>
+                  <a:noFill/>
+                </a:ln>
+                <a:solidFill>
+                  <a:prstClr val="white"/>
+                </a:solidFill>
+                <a:effectLst/>
+                <a:uLnTx/>
+                <a:uFillTx/>
+                <a:latin typeface="Calibri" panose="020F0502020204030204"/>
+                <a:ea typeface="맑은 고딕" panose="020B0503020000020004" pitchFamily="50" charset="-127"/>
+                <a:cs typeface="+mn-cs"/>
+              </a:endParaRPr>
+            </a:p>
+          </p:txBody>
+        </p:sp>
+        <p:sp>
+          <p:nvSpPr>
+            <p:cNvPr id="53" name="직사각형 52">
+              <a:extLst>
+                <a:ext uri="{FF2B5EF4-FFF2-40B4-BE49-F238E27FC236}">
+                  <a16:creationId xmlns:a16="http://schemas.microsoft.com/office/drawing/2014/main" id="{731790D5-0902-4C7B-8228-4612C0F064D7}"/>
+                </a:ext>
+              </a:extLst>
+            </p:cNvPr>
+            <p:cNvSpPr/>
+            <p:nvPr/>
+          </p:nvSpPr>
+          <p:spPr>
+            <a:xfrm>
+              <a:off x="3365500" y="787400"/>
+              <a:ext cx="482600" cy="2387600"/>
+            </a:xfrm>
+            <a:prstGeom prst="rect">
+              <a:avLst/>
+            </a:prstGeom>
+            <a:solidFill>
+              <a:schemeClr val="accent1"/>
+            </a:solidFill>
+            <a:ln>
+              <a:noFill/>
+            </a:ln>
+          </p:spPr>
+          <p:style>
+            <a:lnRef idx="2">
+              <a:schemeClr val="accent1">
+                <a:shade val="50000"/>
+              </a:schemeClr>
+            </a:lnRef>
+            <a:fillRef idx="1">
+              <a:schemeClr val="accent1"/>
+            </a:fillRef>
+            <a:effectRef idx="0">
+              <a:schemeClr val="accent1"/>
+            </a:effectRef>
+            <a:fontRef idx="minor">
+              <a:schemeClr val="lt1"/>
+            </a:fontRef>
+          </p:style>
+          <p:txBody>
+            <a:bodyPr rtlCol="0" anchor="ctr"/>
+            <a:lstStyle/>
+            <a:p>
+              <a:pPr marL="0" marR="0" lvl="0" indent="0" algn="ctr" defTabSz="457200" rtl="0" eaLnBrk="1" fontAlgn="auto" latinLnBrk="0" hangingPunct="1">
+                <a:lnSpc>
+                  <a:spcPct val="100000"/>
+                </a:lnSpc>
+                <a:spcBef>
+                  <a:spcPts val="0"/>
+                </a:spcBef>
+                <a:spcAft>
+                  <a:spcPts val="0"/>
+                </a:spcAft>
+                <a:buClrTx/>
+                <a:buSzTx/>
+                <a:buFontTx/>
+                <a:buNone/>
+                <a:tabLst/>
+                <a:defRPr/>
+              </a:pPr>
+              <a:endParaRPr kumimoji="0" lang="ko-KR" altLang="en-US" sz="1800" b="0" i="0" u="none" strike="noStrike" kern="1200" cap="none" spc="0" normalizeH="0" baseline="0" noProof="0">
+                <a:ln>
+                  <a:noFill/>
+                </a:ln>
+                <a:solidFill>
+                  <a:prstClr val="white"/>
+                </a:solidFill>
+                <a:effectLst/>
+                <a:uLnTx/>
+                <a:uFillTx/>
+                <a:latin typeface="Calibri" panose="020F0502020204030204"/>
+                <a:ea typeface="맑은 고딕" panose="020B0503020000020004" pitchFamily="50" charset="-127"/>
+                <a:cs typeface="+mn-cs"/>
+              </a:endParaRPr>
+            </a:p>
+          </p:txBody>
+        </p:sp>
+        <p:sp>
+          <p:nvSpPr>
+            <p:cNvPr id="54" name="직사각형 53">
+              <a:extLst>
+                <a:ext uri="{FF2B5EF4-FFF2-40B4-BE49-F238E27FC236}">
+                  <a16:creationId xmlns:a16="http://schemas.microsoft.com/office/drawing/2014/main" id="{7659DB43-67EB-437B-A280-493195D8D479}"/>
+                </a:ext>
+              </a:extLst>
+            </p:cNvPr>
+            <p:cNvSpPr/>
+            <p:nvPr/>
+          </p:nvSpPr>
+          <p:spPr>
+            <a:xfrm>
+              <a:off x="3848100" y="787400"/>
+              <a:ext cx="482600" cy="1905000"/>
+            </a:xfrm>
+            <a:prstGeom prst="rect">
+              <a:avLst/>
+            </a:prstGeom>
+            <a:solidFill>
+              <a:schemeClr val="accent2"/>
+            </a:solidFill>
+            <a:ln>
+              <a:noFill/>
+            </a:ln>
+          </p:spPr>
+          <p:style>
+            <a:lnRef idx="2">
+              <a:schemeClr val="accent1">
+                <a:shade val="50000"/>
+              </a:schemeClr>
+            </a:lnRef>
+            <a:fillRef idx="1">
+              <a:schemeClr val="accent1"/>
+            </a:fillRef>
+            <a:effectRef idx="0">
+              <a:schemeClr val="accent1"/>
+            </a:effectRef>
+            <a:fontRef idx="minor">
+              <a:schemeClr val="lt1"/>
+            </a:fontRef>
+          </p:style>
+          <p:txBody>
+            <a:bodyPr rtlCol="0" anchor="ctr"/>
+            <a:lstStyle/>
+            <a:p>
+              <a:pPr marL="0" marR="0" lvl="0" indent="0" algn="ctr" defTabSz="457200" rtl="0" eaLnBrk="1" fontAlgn="auto" latinLnBrk="0" hangingPunct="1">
+                <a:lnSpc>
+                  <a:spcPct val="100000"/>
+                </a:lnSpc>
+                <a:spcBef>
+                  <a:spcPts val="0"/>
+                </a:spcBef>
+                <a:spcAft>
+                  <a:spcPts val="0"/>
+                </a:spcAft>
+                <a:buClrTx/>
+                <a:buSzTx/>
+                <a:buFontTx/>
+                <a:buNone/>
+                <a:tabLst/>
+                <a:defRPr/>
+              </a:pPr>
+              <a:endParaRPr kumimoji="0" lang="ko-KR" altLang="en-US" sz="1800" b="0" i="0" u="none" strike="noStrike" kern="1200" cap="none" spc="0" normalizeH="0" baseline="0" noProof="0">
+                <a:ln>
+                  <a:noFill/>
+                </a:ln>
+                <a:solidFill>
+                  <a:prstClr val="white"/>
+                </a:solidFill>
+                <a:effectLst/>
+                <a:uLnTx/>
+                <a:uFillTx/>
+                <a:latin typeface="Calibri" panose="020F0502020204030204"/>
+                <a:ea typeface="맑은 고딕" panose="020B0503020000020004" pitchFamily="50" charset="-127"/>
+                <a:cs typeface="+mn-cs"/>
+              </a:endParaRPr>
+            </a:p>
+          </p:txBody>
+        </p:sp>
+        <p:sp>
+          <p:nvSpPr>
+            <p:cNvPr id="55" name="직사각형 54">
+              <a:extLst>
+                <a:ext uri="{FF2B5EF4-FFF2-40B4-BE49-F238E27FC236}">
+                  <a16:creationId xmlns:a16="http://schemas.microsoft.com/office/drawing/2014/main" id="{CBD5CB30-0374-4E86-8AE2-5380B7CAC7B4}"/>
+                </a:ext>
+              </a:extLst>
+            </p:cNvPr>
+            <p:cNvSpPr/>
+            <p:nvPr/>
+          </p:nvSpPr>
+          <p:spPr>
+            <a:xfrm>
+              <a:off x="4330700" y="787400"/>
+              <a:ext cx="482600" cy="1549400"/>
+            </a:xfrm>
+            <a:prstGeom prst="rect">
+              <a:avLst/>
+            </a:prstGeom>
+            <a:solidFill>
+              <a:schemeClr val="accent3"/>
+            </a:solidFill>
+            <a:ln>
+              <a:noFill/>
+            </a:ln>
+          </p:spPr>
+          <p:style>
+            <a:lnRef idx="2">
+              <a:schemeClr val="accent1">
+                <a:shade val="50000"/>
+              </a:schemeClr>
+            </a:lnRef>
+            <a:fillRef idx="1">
+              <a:schemeClr val="accent1"/>
+            </a:fillRef>
+            <a:effectRef idx="0">
+              <a:schemeClr val="accent1"/>
+            </a:effectRef>
+            <a:fontRef idx="minor">
+              <a:schemeClr val="lt1"/>
+            </a:fontRef>
+          </p:style>
+          <p:txBody>
+            <a:bodyPr rtlCol="0" anchor="ctr"/>
+            <a:lstStyle/>
+            <a:p>
+              <a:pPr marL="0" marR="0" lvl="0" indent="0" algn="ctr" defTabSz="457200" rtl="0" eaLnBrk="1" fontAlgn="auto" latinLnBrk="0" hangingPunct="1">
+                <a:lnSpc>
+                  <a:spcPct val="100000"/>
+                </a:lnSpc>
+                <a:spcBef>
+                  <a:spcPts val="0"/>
+                </a:spcBef>
+                <a:spcAft>
+                  <a:spcPts val="0"/>
+                </a:spcAft>
+                <a:buClrTx/>
+                <a:buSzTx/>
+                <a:buFontTx/>
+                <a:buNone/>
+                <a:tabLst/>
+                <a:defRPr/>
+              </a:pPr>
+              <a:endParaRPr kumimoji="0" lang="ko-KR" altLang="en-US" sz="1800" b="0" i="0" u="none" strike="noStrike" kern="1200" cap="none" spc="0" normalizeH="0" baseline="0" noProof="0">
+                <a:ln>
+                  <a:noFill/>
+                </a:ln>
+                <a:solidFill>
+                  <a:prstClr val="white"/>
+                </a:solidFill>
+                <a:effectLst/>
+                <a:uLnTx/>
+                <a:uFillTx/>
+                <a:latin typeface="Calibri" panose="020F0502020204030204"/>
+                <a:ea typeface="맑은 고딕" panose="020B0503020000020004" pitchFamily="50" charset="-127"/>
+                <a:cs typeface="+mn-cs"/>
+              </a:endParaRPr>
+            </a:p>
+          </p:txBody>
+        </p:sp>
+        <p:sp>
+          <p:nvSpPr>
+            <p:cNvPr id="56" name="직사각형 55">
+              <a:extLst>
+                <a:ext uri="{FF2B5EF4-FFF2-40B4-BE49-F238E27FC236}">
+                  <a16:creationId xmlns:a16="http://schemas.microsoft.com/office/drawing/2014/main" id="{446901C8-7A12-409A-BE33-E94EEA30372C}"/>
+                </a:ext>
+              </a:extLst>
+            </p:cNvPr>
+            <p:cNvSpPr/>
+            <p:nvPr/>
+          </p:nvSpPr>
+          <p:spPr>
+            <a:xfrm>
+              <a:off x="4813300" y="787400"/>
+              <a:ext cx="482600" cy="2146300"/>
+            </a:xfrm>
+            <a:prstGeom prst="rect">
+              <a:avLst/>
+            </a:prstGeom>
+            <a:solidFill>
+              <a:schemeClr val="accent4"/>
+            </a:solidFill>
+            <a:ln>
+              <a:noFill/>
+            </a:ln>
+          </p:spPr>
+          <p:style>
+            <a:lnRef idx="2">
+              <a:schemeClr val="accent1">
+                <a:shade val="50000"/>
+              </a:schemeClr>
+            </a:lnRef>
+            <a:fillRef idx="1">
+              <a:schemeClr val="accent1"/>
+            </a:fillRef>
+            <a:effectRef idx="0">
+              <a:schemeClr val="accent1"/>
+            </a:effectRef>
+            <a:fontRef idx="minor">
+              <a:schemeClr val="lt1"/>
+            </a:fontRef>
+          </p:style>
+          <p:txBody>
+            <a:bodyPr rtlCol="0" anchor="ctr"/>
+            <a:lstStyle/>
+            <a:p>
+              <a:pPr marL="0" marR="0" lvl="0" indent="0" algn="ctr" defTabSz="457200" rtl="0" eaLnBrk="1" fontAlgn="auto" latinLnBrk="0" hangingPunct="1">
+                <a:lnSpc>
+                  <a:spcPct val="100000"/>
+                </a:lnSpc>
+                <a:spcBef>
+                  <a:spcPts val="0"/>
+                </a:spcBef>
+                <a:spcAft>
+                  <a:spcPts val="0"/>
+                </a:spcAft>
+                <a:buClrTx/>
+                <a:buSzTx/>
+                <a:buFontTx/>
+                <a:buNone/>
+                <a:tabLst/>
+                <a:defRPr/>
+              </a:pPr>
+              <a:endParaRPr kumimoji="0" lang="ko-KR" altLang="en-US" sz="1800" b="0" i="0" u="none" strike="noStrike" kern="1200" cap="none" spc="0" normalizeH="0" baseline="0" noProof="0">
+                <a:ln>
+                  <a:noFill/>
+                </a:ln>
+                <a:solidFill>
+                  <a:prstClr val="white"/>
+                </a:solidFill>
+                <a:effectLst/>
+                <a:uLnTx/>
+                <a:uFillTx/>
+                <a:latin typeface="Calibri" panose="020F0502020204030204"/>
+                <a:ea typeface="맑은 고딕" panose="020B0503020000020004" pitchFamily="50" charset="-127"/>
+                <a:cs typeface="+mn-cs"/>
+              </a:endParaRPr>
+            </a:p>
+          </p:txBody>
+        </p:sp>
+        <p:sp>
+          <p:nvSpPr>
+            <p:cNvPr id="57" name="직사각형 56">
+              <a:extLst>
+                <a:ext uri="{FF2B5EF4-FFF2-40B4-BE49-F238E27FC236}">
+                  <a16:creationId xmlns:a16="http://schemas.microsoft.com/office/drawing/2014/main" id="{7E9FB665-3488-4BA5-9BEA-977B86FCB5B1}"/>
+                </a:ext>
+              </a:extLst>
+            </p:cNvPr>
+            <p:cNvSpPr/>
+            <p:nvPr/>
+          </p:nvSpPr>
+          <p:spPr>
+            <a:xfrm>
+              <a:off x="5295900" y="787400"/>
+              <a:ext cx="482600" cy="1778000"/>
+            </a:xfrm>
+            <a:prstGeom prst="rect">
+              <a:avLst/>
+            </a:prstGeom>
+            <a:solidFill>
+              <a:schemeClr val="accent5"/>
+            </a:solidFill>
+            <a:ln>
+              <a:noFill/>
+            </a:ln>
+          </p:spPr>
+          <p:style>
+            <a:lnRef idx="2">
+              <a:schemeClr val="accent1">
+                <a:shade val="50000"/>
+              </a:schemeClr>
+            </a:lnRef>
+            <a:fillRef idx="1">
+              <a:schemeClr val="accent1"/>
+            </a:fillRef>
+            <a:effectRef idx="0">
+              <a:schemeClr val="accent1"/>
+            </a:effectRef>
+            <a:fontRef idx="minor">
+              <a:schemeClr val="lt1"/>
+            </a:fontRef>
+          </p:style>
+          <p:txBody>
+            <a:bodyPr rtlCol="0" anchor="ctr"/>
+            <a:lstStyle/>
+            <a:p>
+              <a:pPr marL="0" marR="0" lvl="0" indent="0" algn="ctr" defTabSz="457200" rtl="0" eaLnBrk="1" fontAlgn="auto" latinLnBrk="0" hangingPunct="1">
+                <a:lnSpc>
+                  <a:spcPct val="100000"/>
+                </a:lnSpc>
+                <a:spcBef>
+                  <a:spcPts val="0"/>
+                </a:spcBef>
+                <a:spcAft>
+                  <a:spcPts val="0"/>
+                </a:spcAft>
+                <a:buClrTx/>
+                <a:buSzTx/>
+                <a:buFontTx/>
+                <a:buNone/>
+                <a:tabLst/>
+                <a:defRPr/>
+              </a:pPr>
+              <a:endParaRPr kumimoji="0" lang="ko-KR" altLang="en-US" sz="1800" b="0" i="0" u="none" strike="noStrike" kern="1200" cap="none" spc="0" normalizeH="0" baseline="0" noProof="0">
+                <a:ln>
+                  <a:noFill/>
+                </a:ln>
+                <a:solidFill>
+                  <a:prstClr val="white"/>
+                </a:solidFill>
+                <a:effectLst/>
+                <a:uLnTx/>
+                <a:uFillTx/>
+                <a:latin typeface="Calibri" panose="020F0502020204030204"/>
+                <a:ea typeface="맑은 고딕" panose="020B0503020000020004" pitchFamily="50" charset="-127"/>
+                <a:cs typeface="+mn-cs"/>
+              </a:endParaRPr>
+            </a:p>
+          </p:txBody>
+        </p:sp>
+        <p:sp>
+          <p:nvSpPr>
+            <p:cNvPr id="58" name="타원 57">
+              <a:extLst>
+                <a:ext uri="{FF2B5EF4-FFF2-40B4-BE49-F238E27FC236}">
+                  <a16:creationId xmlns:a16="http://schemas.microsoft.com/office/drawing/2014/main" id="{B5F25B34-BE29-41A8-A207-3D7DBC4514AD}"/>
+                </a:ext>
+              </a:extLst>
+            </p:cNvPr>
+            <p:cNvSpPr/>
+            <p:nvPr/>
+          </p:nvSpPr>
+          <p:spPr>
+            <a:xfrm>
+              <a:off x="5295900" y="2311400"/>
+              <a:ext cx="482600" cy="482600"/>
+            </a:xfrm>
+            <a:prstGeom prst="ellipse">
+              <a:avLst/>
+            </a:prstGeom>
+            <a:solidFill>
+              <a:schemeClr val="accent5"/>
+            </a:solidFill>
+            <a:ln>
+              <a:noFill/>
+            </a:ln>
+          </p:spPr>
+          <p:style>
+            <a:lnRef idx="2">
+              <a:schemeClr val="accent1">
+                <a:shade val="50000"/>
+              </a:schemeClr>
+            </a:lnRef>
+            <a:fillRef idx="1">
+              <a:schemeClr val="accent1"/>
+            </a:fillRef>
+            <a:effectRef idx="0">
+              <a:schemeClr val="accent1"/>
+            </a:effectRef>
+            <a:fontRef idx="minor">
+              <a:schemeClr val="lt1"/>
+            </a:fontRef>
+          </p:style>
+          <p:txBody>
+            <a:bodyPr rtlCol="0" anchor="ctr"/>
+            <a:lstStyle/>
+            <a:p>
+              <a:pPr marL="0" marR="0" lvl="0" indent="0" algn="ctr" defTabSz="457200" rtl="0" eaLnBrk="1" fontAlgn="auto" latinLnBrk="0" hangingPunct="1">
+                <a:lnSpc>
+                  <a:spcPct val="100000"/>
+                </a:lnSpc>
+                <a:spcBef>
+                  <a:spcPts val="0"/>
+                </a:spcBef>
+                <a:spcAft>
+                  <a:spcPts val="0"/>
+                </a:spcAft>
+                <a:buClrTx/>
+                <a:buSzTx/>
+                <a:buFontTx/>
+                <a:buNone/>
+                <a:tabLst/>
+                <a:defRPr/>
+              </a:pPr>
+              <a:endParaRPr kumimoji="0" lang="ko-KR" altLang="en-US" sz="1800" b="0" i="0" u="none" strike="noStrike" kern="1200" cap="none" spc="0" normalizeH="0" baseline="0" noProof="0">
+                <a:ln>
+                  <a:noFill/>
+                </a:ln>
+                <a:solidFill>
+                  <a:prstClr val="white"/>
+                </a:solidFill>
+                <a:effectLst/>
+                <a:uLnTx/>
+                <a:uFillTx/>
+                <a:latin typeface="Calibri" panose="020F0502020204030204"/>
+                <a:ea typeface="맑은 고딕" panose="020B0503020000020004" pitchFamily="50" charset="-127"/>
+                <a:cs typeface="+mn-cs"/>
+              </a:endParaRPr>
+            </a:p>
+          </p:txBody>
+        </p:sp>
+      </p:grpSp>
+      <p:sp>
+        <p:nvSpPr>
+          <p:cNvPr id="3" name="슬라이드 번호 개체 틀 2">
+            <a:extLst>
+              <a:ext uri="{FF2B5EF4-FFF2-40B4-BE49-F238E27FC236}">
+                <a16:creationId xmlns:a16="http://schemas.microsoft.com/office/drawing/2014/main" id="{66E51C82-DB0C-4FCB-BF9C-A91A0D00D728}"/>
+              </a:ext>
+            </a:extLst>
+          </p:cNvPr>
+          <p:cNvSpPr>
+            <a:spLocks noGrp="1"/>
+          </p:cNvSpPr>
+          <p:nvPr>
+            <p:ph type="sldNum" sz="quarter" idx="12"/>
+          </p:nvPr>
+        </p:nvSpPr>
+        <p:spPr/>
+        <p:txBody>
+          <a:bodyPr/>
+          <a:lstStyle/>
+          <a:p>
+            <a:fld id="{08264B4F-A738-4007-92FF-2A6017BB0CEE}" type="slidenum">
+              <a:rPr lang="ko-KR" altLang="en-US" smtClean="0"/>
+              <a:t>19</a:t>
+            </a:fld>
+            <a:endParaRPr lang="ko-KR" altLang="en-US"/>
+          </a:p>
+        </p:txBody>
+      </p:sp>
+      <p:graphicFrame>
+        <p:nvGraphicFramePr>
+          <p:cNvPr id="2" name="표 1">
+            <a:extLst>
+              <a:ext uri="{FF2B5EF4-FFF2-40B4-BE49-F238E27FC236}">
+                <a16:creationId xmlns:a16="http://schemas.microsoft.com/office/drawing/2014/main" id="{DB42F58D-4F4C-4B5D-9F18-CBA177B52F22}"/>
+              </a:ext>
+            </a:extLst>
+          </p:cNvPr>
+          <p:cNvGraphicFramePr>
+            <a:graphicFrameLocks noGrp="1"/>
+          </p:cNvGraphicFramePr>
+          <p:nvPr>
+            <p:extLst/>
+          </p:nvPr>
+        </p:nvGraphicFramePr>
+        <p:xfrm>
+          <a:off x="980869" y="1855711"/>
+          <a:ext cx="9967360" cy="4238334"/>
+        </p:xfrm>
+        <a:graphic>
+          <a:graphicData uri="http://schemas.openxmlformats.org/drawingml/2006/table">
+            <a:tbl>
+              <a:tblPr firstRow="1" bandRow="1">
+                <a:tableStyleId>{616DA210-FB5B-4158-B5E0-FEB733F419BA}</a:tableStyleId>
+              </a:tblPr>
+              <a:tblGrid>
+                <a:gridCol w="1993472">
+                  <a:extLst>
+                    <a:ext uri="{9D8B030D-6E8A-4147-A177-3AD203B41FA5}">
+                      <a16:colId xmlns:a16="http://schemas.microsoft.com/office/drawing/2014/main" val="4014515194"/>
+                    </a:ext>
+                  </a:extLst>
+                </a:gridCol>
+                <a:gridCol w="1993472">
+                  <a:extLst>
+                    <a:ext uri="{9D8B030D-6E8A-4147-A177-3AD203B41FA5}">
+                      <a16:colId xmlns:a16="http://schemas.microsoft.com/office/drawing/2014/main" val="142913129"/>
+                    </a:ext>
+                  </a:extLst>
+                </a:gridCol>
+                <a:gridCol w="1993472">
+                  <a:extLst>
+                    <a:ext uri="{9D8B030D-6E8A-4147-A177-3AD203B41FA5}">
+                      <a16:colId xmlns:a16="http://schemas.microsoft.com/office/drawing/2014/main" val="3077035256"/>
+                    </a:ext>
+                  </a:extLst>
+                </a:gridCol>
+                <a:gridCol w="1993472">
+                  <a:extLst>
+                    <a:ext uri="{9D8B030D-6E8A-4147-A177-3AD203B41FA5}">
+                      <a16:colId xmlns:a16="http://schemas.microsoft.com/office/drawing/2014/main" val="2558330266"/>
+                    </a:ext>
+                  </a:extLst>
+                </a:gridCol>
+                <a:gridCol w="1993472">
+                  <a:extLst>
+                    <a:ext uri="{9D8B030D-6E8A-4147-A177-3AD203B41FA5}">
+                      <a16:colId xmlns:a16="http://schemas.microsoft.com/office/drawing/2014/main" val="2283277641"/>
+                    </a:ext>
+                  </a:extLst>
+                </a:gridCol>
+              </a:tblGrid>
+              <a:tr h="638617">
+                <a:tc>
+                  <a:txBody>
+                    <a:bodyPr/>
+                    <a:lstStyle/>
+                    <a:p>
+                      <a:pPr algn="ctr" latinLnBrk="1">
+                        <a:lnSpc>
+                          <a:spcPct val="150000"/>
+                        </a:lnSpc>
+                      </a:pPr>
+                      <a:endParaRPr lang="ko-KR" altLang="en-US" dirty="0">
+                        <a:solidFill>
+                          <a:sysClr val="windowText" lastClr="000000"/>
+                        </a:solidFill>
+                        <a:latin typeface="휴먼모음T" panose="02030504000101010101" pitchFamily="18" charset="-127"/>
+                        <a:ea typeface="휴먼모음T" panose="02030504000101010101" pitchFamily="18" charset="-127"/>
+                      </a:endParaRPr>
+                    </a:p>
+                  </a:txBody>
+                  <a:tcPr>
+                    <a:lnL w="12700" cap="flat" cmpd="sng" algn="ctr">
+                      <a:solidFill>
+                        <a:schemeClr val="tx1"/>
+                      </a:solidFill>
+                      <a:prstDash val="solid"/>
+                      <a:round/>
+                      <a:headEnd type="none" w="med" len="med"/>
+                      <a:tailEnd type="none" w="med" len="med"/>
+                    </a:lnL>
+                    <a:lnR w="12700" cap="flat" cmpd="sng" algn="ctr">
+                      <a:solidFill>
+                        <a:schemeClr val="tx1"/>
+                      </a:solidFill>
+                      <a:prstDash val="solid"/>
+                      <a:round/>
+                      <a:headEnd type="none" w="med" len="med"/>
+                      <a:tailEnd type="none" w="med" len="med"/>
+                    </a:lnR>
+                    <a:lnT w="12700" cap="flat" cmpd="sng" algn="ctr">
+                      <a:solidFill>
+                        <a:schemeClr val="tx1"/>
+                      </a:solidFill>
+                      <a:prstDash val="solid"/>
+                      <a:round/>
+                      <a:headEnd type="none" w="med" len="med"/>
+                      <a:tailEnd type="none" w="med" len="med"/>
+                    </a:lnT>
+                    <a:lnB w="12700" cap="flat" cmpd="sng" algn="ctr">
+                      <a:solidFill>
+                        <a:schemeClr val="tx1"/>
+                      </a:solidFill>
+                      <a:prstDash val="solid"/>
+                      <a:round/>
+                      <a:headEnd type="none" w="med" len="med"/>
+                      <a:tailEnd type="none" w="med" len="med"/>
+                    </a:lnB>
+                  </a:tcPr>
+                </a:tc>
+                <a:tc>
+                  <a:txBody>
+                    <a:bodyPr/>
+                    <a:lstStyle/>
+                    <a:p>
+                      <a:pPr algn="ctr" latinLnBrk="1">
+                        <a:lnSpc>
+                          <a:spcPct val="150000"/>
+                        </a:lnSpc>
+                      </a:pPr>
+                      <a:r>
+                        <a:rPr lang="ko-KR" altLang="en-US" dirty="0" err="1">
+                          <a:solidFill>
+                            <a:sysClr val="windowText" lastClr="000000"/>
+                          </a:solidFill>
+                          <a:latin typeface="휴먼모음T" panose="02030504000101010101" pitchFamily="18" charset="-127"/>
+                          <a:ea typeface="휴먼모음T" panose="02030504000101010101" pitchFamily="18" charset="-127"/>
+                        </a:rPr>
+                        <a:t>강필우</a:t>
+                      </a:r>
+                      <a:endParaRPr lang="ko-KR" altLang="en-US" dirty="0">
+                        <a:solidFill>
+                          <a:sysClr val="windowText" lastClr="000000"/>
+                        </a:solidFill>
+                        <a:latin typeface="휴먼모음T" panose="02030504000101010101" pitchFamily="18" charset="-127"/>
+                        <a:ea typeface="휴먼모음T" panose="02030504000101010101" pitchFamily="18" charset="-127"/>
+                      </a:endParaRPr>
+                    </a:p>
+                  </a:txBody>
+                  <a:tcPr>
+                    <a:lnL w="12700" cap="flat" cmpd="sng" algn="ctr">
+                      <a:solidFill>
+                        <a:schemeClr val="tx1"/>
+                      </a:solidFill>
+                      <a:prstDash val="solid"/>
+                      <a:round/>
+                      <a:headEnd type="none" w="med" len="med"/>
+                      <a:tailEnd type="none" w="med" len="med"/>
+                    </a:lnL>
+                    <a:lnR w="12700" cap="flat" cmpd="sng" algn="ctr">
+                      <a:solidFill>
+                        <a:schemeClr val="tx1"/>
+                      </a:solidFill>
+                      <a:prstDash val="solid"/>
+                      <a:round/>
+                      <a:headEnd type="none" w="med" len="med"/>
+                      <a:tailEnd type="none" w="med" len="med"/>
+                    </a:lnR>
+                    <a:lnT w="12700" cap="flat" cmpd="sng" algn="ctr">
+                      <a:solidFill>
+                        <a:schemeClr val="tx1"/>
+                      </a:solidFill>
+                      <a:prstDash val="solid"/>
+                      <a:round/>
+                      <a:headEnd type="none" w="med" len="med"/>
+                      <a:tailEnd type="none" w="med" len="med"/>
+                    </a:lnT>
+                    <a:lnB w="12700" cap="flat" cmpd="sng" algn="ctr">
+                      <a:solidFill>
+                        <a:schemeClr val="tx1"/>
+                      </a:solidFill>
+                      <a:prstDash val="solid"/>
+                      <a:round/>
+                      <a:headEnd type="none" w="med" len="med"/>
+                      <a:tailEnd type="none" w="med" len="med"/>
+                    </a:lnB>
+                  </a:tcPr>
+                </a:tc>
+                <a:tc>
+                  <a:txBody>
+                    <a:bodyPr/>
+                    <a:lstStyle/>
+                    <a:p>
+                      <a:pPr algn="ctr" latinLnBrk="1">
+                        <a:lnSpc>
+                          <a:spcPct val="150000"/>
+                        </a:lnSpc>
+                      </a:pPr>
+                      <a:r>
+                        <a:rPr lang="ko-KR" altLang="en-US" dirty="0">
+                          <a:solidFill>
+                            <a:sysClr val="windowText" lastClr="000000"/>
+                          </a:solidFill>
+                          <a:latin typeface="휴먼모음T" panose="02030504000101010101" pitchFamily="18" charset="-127"/>
+                          <a:ea typeface="휴먼모음T" panose="02030504000101010101" pitchFamily="18" charset="-127"/>
+                        </a:rPr>
+                        <a:t>송재호</a:t>
+                      </a:r>
+                    </a:p>
+                  </a:txBody>
+                  <a:tcPr>
+                    <a:lnL w="12700" cap="flat" cmpd="sng" algn="ctr">
+                      <a:solidFill>
+                        <a:schemeClr val="tx1"/>
+                      </a:solidFill>
+                      <a:prstDash val="solid"/>
+                      <a:round/>
+                      <a:headEnd type="none" w="med" len="med"/>
+                      <a:tailEnd type="none" w="med" len="med"/>
+                    </a:lnL>
+                    <a:lnR w="12700" cap="flat" cmpd="sng" algn="ctr">
+                      <a:solidFill>
+                        <a:schemeClr val="tx1"/>
+                      </a:solidFill>
+                      <a:prstDash val="solid"/>
+                      <a:round/>
+                      <a:headEnd type="none" w="med" len="med"/>
+                      <a:tailEnd type="none" w="med" len="med"/>
+                    </a:lnR>
+                    <a:lnT w="12700" cap="flat" cmpd="sng" algn="ctr">
+                      <a:solidFill>
+                        <a:schemeClr val="tx1"/>
+                      </a:solidFill>
+                      <a:prstDash val="solid"/>
+                      <a:round/>
+                      <a:headEnd type="none" w="med" len="med"/>
+                      <a:tailEnd type="none" w="med" len="med"/>
+                    </a:lnT>
+                    <a:lnB w="12700" cap="flat" cmpd="sng" algn="ctr">
+                      <a:solidFill>
+                        <a:schemeClr val="tx1"/>
+                      </a:solidFill>
+                      <a:prstDash val="solid"/>
+                      <a:round/>
+                      <a:headEnd type="none" w="med" len="med"/>
+                      <a:tailEnd type="none" w="med" len="med"/>
+                    </a:lnB>
+                  </a:tcPr>
+                </a:tc>
+                <a:tc>
+                  <a:txBody>
+                    <a:bodyPr/>
+                    <a:lstStyle/>
+                    <a:p>
+                      <a:pPr algn="ctr" latinLnBrk="1">
+                        <a:lnSpc>
+                          <a:spcPct val="150000"/>
+                        </a:lnSpc>
+                      </a:pPr>
+                      <a:r>
+                        <a:rPr lang="ko-KR" altLang="en-US" dirty="0">
+                          <a:solidFill>
+                            <a:sysClr val="windowText" lastClr="000000"/>
+                          </a:solidFill>
+                          <a:latin typeface="휴먼모음T" panose="02030504000101010101" pitchFamily="18" charset="-127"/>
+                          <a:ea typeface="휴먼모음T" panose="02030504000101010101" pitchFamily="18" charset="-127"/>
+                        </a:rPr>
+                        <a:t>오준혁</a:t>
+                      </a:r>
+                    </a:p>
+                  </a:txBody>
+                  <a:tcPr>
+                    <a:lnL w="12700" cap="flat" cmpd="sng" algn="ctr">
+                      <a:solidFill>
+                        <a:schemeClr val="tx1"/>
+                      </a:solidFill>
+                      <a:prstDash val="solid"/>
+                      <a:round/>
+                      <a:headEnd type="none" w="med" len="med"/>
+                      <a:tailEnd type="none" w="med" len="med"/>
+                    </a:lnL>
+                    <a:lnR w="12700" cap="flat" cmpd="sng" algn="ctr">
+                      <a:solidFill>
+                        <a:schemeClr val="tx1"/>
+                      </a:solidFill>
+                      <a:prstDash val="solid"/>
+                      <a:round/>
+                      <a:headEnd type="none" w="med" len="med"/>
+                      <a:tailEnd type="none" w="med" len="med"/>
+                    </a:lnR>
+                    <a:lnT w="12700" cap="flat" cmpd="sng" algn="ctr">
+                      <a:solidFill>
+                        <a:schemeClr val="tx1"/>
+                      </a:solidFill>
+                      <a:prstDash val="solid"/>
+                      <a:round/>
+                      <a:headEnd type="none" w="med" len="med"/>
+                      <a:tailEnd type="none" w="med" len="med"/>
+                    </a:lnT>
+                    <a:lnB w="12700" cap="flat" cmpd="sng" algn="ctr">
+                      <a:solidFill>
+                        <a:schemeClr val="tx1"/>
+                      </a:solidFill>
+                      <a:prstDash val="solid"/>
+                      <a:round/>
+                      <a:headEnd type="none" w="med" len="med"/>
+                      <a:tailEnd type="none" w="med" len="med"/>
+                    </a:lnB>
+                  </a:tcPr>
+                </a:tc>
+                <a:tc>
+                  <a:txBody>
+                    <a:bodyPr/>
+                    <a:lstStyle/>
+                    <a:p>
+                      <a:pPr algn="ctr" latinLnBrk="1">
+                        <a:lnSpc>
+                          <a:spcPct val="150000"/>
+                        </a:lnSpc>
+                      </a:pPr>
+                      <a:r>
+                        <a:rPr lang="ko-KR" altLang="en-US" dirty="0">
+                          <a:solidFill>
+                            <a:sysClr val="windowText" lastClr="000000"/>
+                          </a:solidFill>
+                          <a:latin typeface="휴먼모음T" panose="02030504000101010101" pitchFamily="18" charset="-127"/>
+                          <a:ea typeface="휴먼모음T" panose="02030504000101010101" pitchFamily="18" charset="-127"/>
+                        </a:rPr>
+                        <a:t>김주형</a:t>
+                      </a:r>
+                    </a:p>
+                  </a:txBody>
+                  <a:tcPr>
+                    <a:lnL w="12700" cap="flat" cmpd="sng" algn="ctr">
+                      <a:solidFill>
+                        <a:schemeClr val="tx1"/>
+                      </a:solidFill>
+                      <a:prstDash val="solid"/>
+                      <a:round/>
+                      <a:headEnd type="none" w="med" len="med"/>
+                      <a:tailEnd type="none" w="med" len="med"/>
+                    </a:lnL>
+                    <a:lnR w="12700" cap="flat" cmpd="sng" algn="ctr">
+                      <a:solidFill>
+                        <a:schemeClr val="tx1"/>
+                      </a:solidFill>
+                      <a:prstDash val="solid"/>
+                      <a:round/>
+                      <a:headEnd type="none" w="med" len="med"/>
+                      <a:tailEnd type="none" w="med" len="med"/>
+                    </a:lnR>
+                    <a:lnT w="12700" cap="flat" cmpd="sng" algn="ctr">
+                      <a:solidFill>
+                        <a:schemeClr val="tx1"/>
+                      </a:solidFill>
+                      <a:prstDash val="solid"/>
+                      <a:round/>
+                      <a:headEnd type="none" w="med" len="med"/>
+                      <a:tailEnd type="none" w="med" len="med"/>
+                    </a:lnT>
+                    <a:lnB w="12700" cap="flat" cmpd="sng" algn="ctr">
+                      <a:solidFill>
+                        <a:schemeClr val="tx1"/>
+                      </a:solidFill>
+                      <a:prstDash val="solid"/>
+                      <a:round/>
+                      <a:headEnd type="none" w="med" len="med"/>
+                      <a:tailEnd type="none" w="med" len="med"/>
+                    </a:lnB>
+                  </a:tcPr>
+                </a:tc>
+                <a:extLst>
+                  <a:ext uri="{0D108BD9-81ED-4DB2-BD59-A6C34878D82A}">
+                    <a16:rowId xmlns:a16="http://schemas.microsoft.com/office/drawing/2014/main" val="860500079"/>
+                  </a:ext>
+                </a:extLst>
+              </a:tr>
+              <a:tr h="720820">
+                <a:tc>
+                  <a:txBody>
+                    <a:bodyPr/>
+                    <a:lstStyle/>
+                    <a:p>
+                      <a:pPr algn="ctr" latinLnBrk="1">
+                        <a:lnSpc>
+                          <a:spcPct val="200000"/>
+                        </a:lnSpc>
+                      </a:pPr>
+                      <a:r>
+                        <a:rPr lang="ko-KR" altLang="en-US" dirty="0">
+                          <a:solidFill>
+                            <a:sysClr val="windowText" lastClr="000000"/>
+                          </a:solidFill>
+                          <a:latin typeface="휴먼모음T" panose="02030504000101010101" pitchFamily="18" charset="-127"/>
+                          <a:ea typeface="휴먼모음T" panose="02030504000101010101" pitchFamily="18" charset="-127"/>
+                        </a:rPr>
+                        <a:t>자료수집</a:t>
+                      </a:r>
+                    </a:p>
+                  </a:txBody>
+                  <a:tcPr>
+                    <a:lnL w="12700" cap="flat" cmpd="sng" algn="ctr">
+                      <a:solidFill>
+                        <a:schemeClr val="tx1"/>
+                      </a:solidFill>
+                      <a:prstDash val="solid"/>
+                      <a:round/>
+                      <a:headEnd type="none" w="med" len="med"/>
+                      <a:tailEnd type="none" w="med" len="med"/>
+                    </a:lnL>
+                    <a:lnR w="12700" cap="flat" cmpd="sng" algn="ctr">
+                      <a:solidFill>
+                        <a:schemeClr val="tx1"/>
+                      </a:solidFill>
+                      <a:prstDash val="solid"/>
+                      <a:round/>
+                      <a:headEnd type="none" w="med" len="med"/>
+                      <a:tailEnd type="none" w="med" len="med"/>
+                    </a:lnR>
+                    <a:lnT w="12700" cap="flat" cmpd="sng" algn="ctr">
+                      <a:solidFill>
+                        <a:schemeClr val="tx1"/>
+                      </a:solidFill>
+                      <a:prstDash val="solid"/>
+                      <a:round/>
+                      <a:headEnd type="none" w="med" len="med"/>
+                      <a:tailEnd type="none" w="med" len="med"/>
+                    </a:lnT>
+                    <a:lnB w="12700" cap="flat" cmpd="sng" algn="ctr">
+                      <a:solidFill>
+                        <a:schemeClr val="tx1"/>
+                      </a:solidFill>
+                      <a:prstDash val="solid"/>
+                      <a:round/>
+                      <a:headEnd type="none" w="med" len="med"/>
+                      <a:tailEnd type="none" w="med" len="med"/>
+                    </a:lnB>
+                    <a:solidFill>
+                      <a:schemeClr val="bg2">
+                        <a:lumMod val="50000"/>
+                        <a:alpha val="20000"/>
+                      </a:schemeClr>
+                    </a:solidFill>
+                  </a:tcPr>
+                </a:tc>
+                <a:tc gridSpan="4">
+                  <a:txBody>
+                    <a:bodyPr/>
+                    <a:lstStyle/>
+                    <a:p>
+                      <a:pPr algn="ctr" latinLnBrk="1">
+                        <a:lnSpc>
+                          <a:spcPct val="200000"/>
+                        </a:lnSpc>
+                      </a:pPr>
+                      <a:r>
+                        <a:rPr lang="ko-KR" altLang="en-US" dirty="0">
+                          <a:solidFill>
+                            <a:sysClr val="windowText" lastClr="000000"/>
+                          </a:solidFill>
+                          <a:latin typeface="휴먼모음T" panose="02030504000101010101" pitchFamily="18" charset="-127"/>
+                          <a:ea typeface="휴먼모음T" panose="02030504000101010101" pitchFamily="18" charset="-127"/>
+                        </a:rPr>
+                        <a:t>관련 연구사례 자료 수집 및 기능 조사</a:t>
+                      </a:r>
+                    </a:p>
+                  </a:txBody>
+                  <a:tcPr>
+                    <a:lnL w="12700" cap="flat" cmpd="sng" algn="ctr">
+                      <a:solidFill>
+                        <a:schemeClr val="tx1"/>
+                      </a:solidFill>
+                      <a:prstDash val="solid"/>
+                      <a:round/>
+                      <a:headEnd type="none" w="med" len="med"/>
+                      <a:tailEnd type="none" w="med" len="med"/>
+                    </a:lnL>
+                    <a:lnR w="12700" cap="flat" cmpd="sng" algn="ctr">
+                      <a:solidFill>
+                        <a:schemeClr val="tx1"/>
+                      </a:solidFill>
+                      <a:prstDash val="solid"/>
+                      <a:round/>
+                      <a:headEnd type="none" w="med" len="med"/>
+                      <a:tailEnd type="none" w="med" len="med"/>
+                    </a:lnR>
+                    <a:lnT w="12700" cap="flat" cmpd="sng" algn="ctr">
+                      <a:solidFill>
+                        <a:schemeClr val="tx1"/>
+                      </a:solidFill>
+                      <a:prstDash val="solid"/>
+                      <a:round/>
+                      <a:headEnd type="none" w="med" len="med"/>
+                      <a:tailEnd type="none" w="med" len="med"/>
+                    </a:lnT>
+                    <a:lnB w="12700" cap="flat" cmpd="sng" algn="ctr">
+                      <a:solidFill>
+                        <a:schemeClr val="tx1"/>
+                      </a:solidFill>
+                      <a:prstDash val="solid"/>
+                      <a:round/>
+                      <a:headEnd type="none" w="med" len="med"/>
+                      <a:tailEnd type="none" w="med" len="med"/>
+                    </a:lnB>
+                    <a:solidFill>
+                      <a:schemeClr val="bg2">
+                        <a:lumMod val="50000"/>
+                        <a:alpha val="20000"/>
+                      </a:schemeClr>
+                    </a:solidFill>
+                  </a:tcPr>
+                </a:tc>
+                <a:tc hMerge="1">
+                  <a:txBody>
+                    <a:bodyPr/>
+                    <a:lstStyle/>
+                    <a:p>
+                      <a:pPr latinLnBrk="1"/>
+                      <a:endParaRPr lang="ko-KR" altLang="en-US" dirty="0"/>
+                    </a:p>
+                  </a:txBody>
+                  <a:tcPr/>
+                </a:tc>
+                <a:tc hMerge="1">
+                  <a:txBody>
+                    <a:bodyPr/>
+                    <a:lstStyle/>
+                    <a:p>
+                      <a:pPr latinLnBrk="1"/>
+                      <a:endParaRPr lang="ko-KR" altLang="en-US" dirty="0"/>
+                    </a:p>
+                  </a:txBody>
+                  <a:tcPr/>
+                </a:tc>
+                <a:tc hMerge="1">
+                  <a:txBody>
+                    <a:bodyPr/>
+                    <a:lstStyle/>
+                    <a:p>
+                      <a:pPr latinLnBrk="1"/>
+                      <a:endParaRPr lang="ko-KR" altLang="en-US" dirty="0"/>
+                    </a:p>
+                  </a:txBody>
+                  <a:tcPr/>
+                </a:tc>
+                <a:extLst>
+                  <a:ext uri="{0D108BD9-81ED-4DB2-BD59-A6C34878D82A}">
+                    <a16:rowId xmlns:a16="http://schemas.microsoft.com/office/drawing/2014/main" val="358642327"/>
+                  </a:ext>
+                </a:extLst>
+              </a:tr>
+              <a:tr h="299783">
+                <a:tc>
+                  <a:txBody>
+                    <a:bodyPr/>
+                    <a:lstStyle/>
+                    <a:p>
+                      <a:pPr algn="ctr" latinLnBrk="1">
+                        <a:lnSpc>
+                          <a:spcPct val="150000"/>
+                        </a:lnSpc>
+                      </a:pPr>
+                      <a:endParaRPr lang="en-US" altLang="ko-KR" dirty="0">
+                        <a:solidFill>
+                          <a:sysClr val="windowText" lastClr="000000"/>
+                        </a:solidFill>
+                        <a:latin typeface="휴먼모음T" panose="02030504000101010101" pitchFamily="18" charset="-127"/>
+                        <a:ea typeface="휴먼모음T" panose="02030504000101010101" pitchFamily="18" charset="-127"/>
+                      </a:endParaRPr>
+                    </a:p>
+                    <a:p>
+                      <a:pPr algn="ctr" latinLnBrk="1">
+                        <a:lnSpc>
+                          <a:spcPct val="150000"/>
+                        </a:lnSpc>
+                      </a:pPr>
+                      <a:r>
+                        <a:rPr lang="ko-KR" altLang="en-US" dirty="0">
+                          <a:solidFill>
+                            <a:sysClr val="windowText" lastClr="000000"/>
+                          </a:solidFill>
+                          <a:latin typeface="휴먼모음T" panose="02030504000101010101" pitchFamily="18" charset="-127"/>
+                          <a:ea typeface="휴먼모음T" panose="02030504000101010101" pitchFamily="18" charset="-127"/>
+                        </a:rPr>
+                        <a:t>설 계</a:t>
+                      </a:r>
+                    </a:p>
+                  </a:txBody>
+                  <a:tcPr>
+                    <a:lnL w="12700" cap="flat" cmpd="sng" algn="ctr">
+                      <a:solidFill>
+                        <a:schemeClr val="tx1"/>
+                      </a:solidFill>
+                      <a:prstDash val="solid"/>
+                      <a:round/>
+                      <a:headEnd type="none" w="med" len="med"/>
+                      <a:tailEnd type="none" w="med" len="med"/>
+                    </a:lnL>
+                    <a:lnR w="12700" cap="flat" cmpd="sng" algn="ctr">
+                      <a:solidFill>
+                        <a:schemeClr val="tx1"/>
+                      </a:solidFill>
+                      <a:prstDash val="solid"/>
+                      <a:round/>
+                      <a:headEnd type="none" w="med" len="med"/>
+                      <a:tailEnd type="none" w="med" len="med"/>
+                    </a:lnR>
+                    <a:lnT w="12700" cap="flat" cmpd="sng" algn="ctr">
+                      <a:solidFill>
+                        <a:schemeClr val="tx1"/>
+                      </a:solidFill>
+                      <a:prstDash val="solid"/>
+                      <a:round/>
+                      <a:headEnd type="none" w="med" len="med"/>
+                      <a:tailEnd type="none" w="med" len="med"/>
+                    </a:lnT>
+                    <a:lnB w="12700" cap="flat" cmpd="sng" algn="ctr">
+                      <a:solidFill>
+                        <a:schemeClr val="tx1"/>
+                      </a:solidFill>
+                      <a:prstDash val="solid"/>
+                      <a:round/>
+                      <a:headEnd type="none" w="med" len="med"/>
+                      <a:tailEnd type="none" w="med" len="med"/>
+                    </a:lnB>
+                  </a:tcPr>
+                </a:tc>
+                <a:tc>
+                  <a:txBody>
+                    <a:bodyPr/>
+                    <a:lstStyle/>
+                    <a:p>
+                      <a:pPr algn="ctr" latinLnBrk="1">
+                        <a:lnSpc>
+                          <a:spcPct val="150000"/>
+                        </a:lnSpc>
+                      </a:pPr>
+                      <a:endParaRPr lang="en-US" altLang="ko-KR" dirty="0">
+                        <a:solidFill>
+                          <a:sysClr val="windowText" lastClr="000000"/>
+                        </a:solidFill>
+                        <a:latin typeface="휴먼모음T" panose="02030504000101010101" pitchFamily="18" charset="-127"/>
+                        <a:ea typeface="휴먼모음T" panose="02030504000101010101" pitchFamily="18" charset="-127"/>
+                      </a:endParaRPr>
+                    </a:p>
+                    <a:p>
+                      <a:pPr algn="ctr" latinLnBrk="1">
+                        <a:lnSpc>
+                          <a:spcPct val="150000"/>
+                        </a:lnSpc>
+                      </a:pPr>
+                      <a:r>
+                        <a:rPr lang="en-US" altLang="ko-KR" dirty="0">
+                          <a:solidFill>
+                            <a:sysClr val="windowText" lastClr="000000"/>
+                          </a:solidFill>
+                          <a:latin typeface="휴먼모음T" panose="02030504000101010101" pitchFamily="18" charset="-127"/>
+                          <a:ea typeface="휴먼모음T" panose="02030504000101010101" pitchFamily="18" charset="-127"/>
+                        </a:rPr>
+                        <a:t>Application</a:t>
+                      </a:r>
+                      <a:r>
+                        <a:rPr lang="ko-KR" altLang="en-US" dirty="0">
+                          <a:solidFill>
+                            <a:sysClr val="windowText" lastClr="000000"/>
+                          </a:solidFill>
+                          <a:latin typeface="휴먼모음T" panose="02030504000101010101" pitchFamily="18" charset="-127"/>
+                          <a:ea typeface="휴먼모음T" panose="02030504000101010101" pitchFamily="18" charset="-127"/>
+                        </a:rPr>
+                        <a:t> 제작</a:t>
+                      </a:r>
+                    </a:p>
+                  </a:txBody>
+                  <a:tcPr>
+                    <a:lnL w="12700" cap="flat" cmpd="sng" algn="ctr">
+                      <a:solidFill>
+                        <a:schemeClr val="tx1"/>
+                      </a:solidFill>
+                      <a:prstDash val="solid"/>
+                      <a:round/>
+                      <a:headEnd type="none" w="med" len="med"/>
+                      <a:tailEnd type="none" w="med" len="med"/>
+                    </a:lnL>
+                    <a:lnR w="12700" cap="flat" cmpd="sng" algn="ctr">
+                      <a:solidFill>
+                        <a:schemeClr val="tx1"/>
+                      </a:solidFill>
+                      <a:prstDash val="solid"/>
+                      <a:round/>
+                      <a:headEnd type="none" w="med" len="med"/>
+                      <a:tailEnd type="none" w="med" len="med"/>
+                    </a:lnR>
+                    <a:lnT w="12700" cap="flat" cmpd="sng" algn="ctr">
+                      <a:solidFill>
+                        <a:schemeClr val="tx1"/>
+                      </a:solidFill>
+                      <a:prstDash val="solid"/>
+                      <a:round/>
+                      <a:headEnd type="none" w="med" len="med"/>
+                      <a:tailEnd type="none" w="med" len="med"/>
+                    </a:lnT>
+                    <a:lnB w="12700" cap="flat" cmpd="sng" algn="ctr">
+                      <a:solidFill>
+                        <a:schemeClr val="tx1"/>
+                      </a:solidFill>
+                      <a:prstDash val="solid"/>
+                      <a:round/>
+                      <a:headEnd type="none" w="med" len="med"/>
+                      <a:tailEnd type="none" w="med" len="med"/>
+                    </a:lnB>
+                  </a:tcPr>
+                </a:tc>
+                <a:tc>
+                  <a:txBody>
+                    <a:bodyPr/>
+                    <a:lstStyle/>
+                    <a:p>
+                      <a:pPr marL="0" marR="0" lvl="0" indent="0" algn="ctr" defTabSz="914400" rtl="0" eaLnBrk="1" fontAlgn="auto" latinLnBrk="1" hangingPunct="1">
+                        <a:lnSpc>
+                          <a:spcPct val="150000"/>
+                        </a:lnSpc>
+                        <a:spcBef>
+                          <a:spcPts val="0"/>
+                        </a:spcBef>
+                        <a:spcAft>
+                          <a:spcPts val="0"/>
+                        </a:spcAft>
+                        <a:buClrTx/>
+                        <a:buSzTx/>
+                        <a:buFontTx/>
+                        <a:buNone/>
+                        <a:tabLst/>
+                        <a:defRPr/>
+                      </a:pPr>
+                      <a:endParaRPr lang="en-US" altLang="ko-KR" dirty="0">
+                        <a:solidFill>
+                          <a:sysClr val="windowText" lastClr="000000"/>
+                        </a:solidFill>
+                        <a:latin typeface="휴먼모음T" panose="02030504000101010101" pitchFamily="18" charset="-127"/>
+                        <a:ea typeface="휴먼모음T" panose="02030504000101010101" pitchFamily="18" charset="-127"/>
+                      </a:endParaRPr>
+                    </a:p>
+                    <a:p>
+                      <a:pPr marL="0" marR="0" lvl="0" indent="0" algn="ctr" defTabSz="914400" rtl="0" eaLnBrk="1" fontAlgn="auto" latinLnBrk="1" hangingPunct="1">
+                        <a:lnSpc>
+                          <a:spcPct val="150000"/>
+                        </a:lnSpc>
+                        <a:spcBef>
+                          <a:spcPts val="0"/>
+                        </a:spcBef>
+                        <a:spcAft>
+                          <a:spcPts val="0"/>
+                        </a:spcAft>
+                        <a:buClrTx/>
+                        <a:buSzTx/>
+                        <a:buFontTx/>
+                        <a:buNone/>
+                        <a:tabLst/>
+                        <a:defRPr/>
+                      </a:pPr>
+                      <a:r>
+                        <a:rPr lang="en-US" altLang="ko-KR" dirty="0">
+                          <a:solidFill>
+                            <a:sysClr val="windowText" lastClr="000000"/>
+                          </a:solidFill>
+                          <a:latin typeface="휴먼모음T" panose="02030504000101010101" pitchFamily="18" charset="-127"/>
+                          <a:ea typeface="휴먼모음T" panose="02030504000101010101" pitchFamily="18" charset="-127"/>
+                        </a:rPr>
+                        <a:t>Application </a:t>
+                      </a:r>
+                      <a:r>
+                        <a:rPr lang="ko-KR" altLang="en-US" dirty="0">
+                          <a:solidFill>
+                            <a:sysClr val="windowText" lastClr="000000"/>
+                          </a:solidFill>
+                          <a:latin typeface="휴먼모음T" panose="02030504000101010101" pitchFamily="18" charset="-127"/>
+                          <a:ea typeface="휴먼모음T" panose="02030504000101010101" pitchFamily="18" charset="-127"/>
+                        </a:rPr>
+                        <a:t>제작</a:t>
+                      </a:r>
+                    </a:p>
+                    <a:p>
+                      <a:pPr algn="ctr" latinLnBrk="1">
+                        <a:lnSpc>
+                          <a:spcPct val="150000"/>
+                        </a:lnSpc>
+                      </a:pPr>
+                      <a:endParaRPr lang="ko-KR" altLang="en-US" dirty="0">
+                        <a:solidFill>
+                          <a:sysClr val="windowText" lastClr="000000"/>
+                        </a:solidFill>
+                        <a:latin typeface="휴먼모음T" panose="02030504000101010101" pitchFamily="18" charset="-127"/>
+                        <a:ea typeface="휴먼모음T" panose="02030504000101010101" pitchFamily="18" charset="-127"/>
+                      </a:endParaRPr>
+                    </a:p>
+                  </a:txBody>
+                  <a:tcPr>
+                    <a:lnL w="12700" cap="flat" cmpd="sng" algn="ctr">
+                      <a:solidFill>
+                        <a:schemeClr val="tx1"/>
+                      </a:solidFill>
+                      <a:prstDash val="solid"/>
+                      <a:round/>
+                      <a:headEnd type="none" w="med" len="med"/>
+                      <a:tailEnd type="none" w="med" len="med"/>
+                    </a:lnL>
+                    <a:lnR w="12700" cap="flat" cmpd="sng" algn="ctr">
+                      <a:solidFill>
+                        <a:schemeClr val="tx1"/>
+                      </a:solidFill>
+                      <a:prstDash val="solid"/>
+                      <a:round/>
+                      <a:headEnd type="none" w="med" len="med"/>
+                      <a:tailEnd type="none" w="med" len="med"/>
+                    </a:lnR>
+                    <a:lnT w="12700" cap="flat" cmpd="sng" algn="ctr">
+                      <a:solidFill>
+                        <a:schemeClr val="tx1"/>
+                      </a:solidFill>
+                      <a:prstDash val="solid"/>
+                      <a:round/>
+                      <a:headEnd type="none" w="med" len="med"/>
+                      <a:tailEnd type="none" w="med" len="med"/>
+                    </a:lnT>
+                    <a:lnB w="12700" cap="flat" cmpd="sng" algn="ctr">
+                      <a:solidFill>
+                        <a:schemeClr val="tx1"/>
+                      </a:solidFill>
+                      <a:prstDash val="solid"/>
+                      <a:round/>
+                      <a:headEnd type="none" w="med" len="med"/>
+                      <a:tailEnd type="none" w="med" len="med"/>
+                    </a:lnB>
+                  </a:tcPr>
+                </a:tc>
+                <a:tc>
+                  <a:txBody>
+                    <a:bodyPr/>
+                    <a:lstStyle/>
+                    <a:p>
+                      <a:pPr algn="ctr" latinLnBrk="1">
+                        <a:lnSpc>
+                          <a:spcPct val="150000"/>
+                        </a:lnSpc>
+                      </a:pPr>
+                      <a:endParaRPr lang="en-US" altLang="ko-KR" dirty="0">
+                        <a:solidFill>
+                          <a:sysClr val="windowText" lastClr="000000"/>
+                        </a:solidFill>
+                        <a:latin typeface="휴먼모음T" panose="02030504000101010101" pitchFamily="18" charset="-127"/>
+                        <a:ea typeface="휴먼모음T" panose="02030504000101010101" pitchFamily="18" charset="-127"/>
+                      </a:endParaRPr>
+                    </a:p>
+                    <a:p>
+                      <a:pPr algn="ctr" latinLnBrk="1">
+                        <a:lnSpc>
+                          <a:spcPct val="150000"/>
+                        </a:lnSpc>
+                      </a:pPr>
+                      <a:r>
+                        <a:rPr lang="en-US" altLang="ko-KR" dirty="0">
+                          <a:solidFill>
+                            <a:sysClr val="windowText" lastClr="000000"/>
+                          </a:solidFill>
+                          <a:latin typeface="휴먼모음T" panose="02030504000101010101" pitchFamily="18" charset="-127"/>
+                          <a:ea typeface="휴먼모음T" panose="02030504000101010101" pitchFamily="18" charset="-127"/>
+                        </a:rPr>
+                        <a:t>Arduino </a:t>
+                      </a:r>
+                      <a:r>
+                        <a:rPr lang="ko-KR" altLang="en-US" dirty="0">
+                          <a:solidFill>
+                            <a:sysClr val="windowText" lastClr="000000"/>
+                          </a:solidFill>
+                          <a:latin typeface="휴먼모음T" panose="02030504000101010101" pitchFamily="18" charset="-127"/>
+                          <a:ea typeface="휴먼모음T" panose="02030504000101010101" pitchFamily="18" charset="-127"/>
+                        </a:rPr>
+                        <a:t>설계</a:t>
+                      </a:r>
+                    </a:p>
+                  </a:txBody>
+                  <a:tcPr>
+                    <a:lnL w="12700" cap="flat" cmpd="sng" algn="ctr">
+                      <a:solidFill>
+                        <a:schemeClr val="tx1"/>
+                      </a:solidFill>
+                      <a:prstDash val="solid"/>
+                      <a:round/>
+                      <a:headEnd type="none" w="med" len="med"/>
+                      <a:tailEnd type="none" w="med" len="med"/>
+                    </a:lnL>
+                    <a:lnR w="12700" cap="flat" cmpd="sng" algn="ctr">
+                      <a:solidFill>
+                        <a:schemeClr val="tx1"/>
+                      </a:solidFill>
+                      <a:prstDash val="solid"/>
+                      <a:round/>
+                      <a:headEnd type="none" w="med" len="med"/>
+                      <a:tailEnd type="none" w="med" len="med"/>
+                    </a:lnR>
+                    <a:lnT w="12700" cap="flat" cmpd="sng" algn="ctr">
+                      <a:solidFill>
+                        <a:schemeClr val="tx1"/>
+                      </a:solidFill>
+                      <a:prstDash val="solid"/>
+                      <a:round/>
+                      <a:headEnd type="none" w="med" len="med"/>
+                      <a:tailEnd type="none" w="med" len="med"/>
+                    </a:lnT>
+                    <a:lnB w="12700" cap="flat" cmpd="sng" algn="ctr">
+                      <a:solidFill>
+                        <a:schemeClr val="tx1"/>
+                      </a:solidFill>
+                      <a:prstDash val="solid"/>
+                      <a:round/>
+                      <a:headEnd type="none" w="med" len="med"/>
+                      <a:tailEnd type="none" w="med" len="med"/>
+                    </a:lnB>
+                  </a:tcPr>
+                </a:tc>
+                <a:tc>
+                  <a:txBody>
+                    <a:bodyPr/>
+                    <a:lstStyle/>
+                    <a:p>
+                      <a:pPr algn="ctr" latinLnBrk="1">
+                        <a:lnSpc>
+                          <a:spcPct val="150000"/>
+                        </a:lnSpc>
+                      </a:pPr>
+                      <a:endParaRPr lang="en-US" altLang="ko-KR" dirty="0">
+                        <a:solidFill>
+                          <a:sysClr val="windowText" lastClr="000000"/>
+                        </a:solidFill>
+                        <a:latin typeface="휴먼모음T" panose="02030504000101010101" pitchFamily="18" charset="-127"/>
+                        <a:ea typeface="휴먼모음T" panose="02030504000101010101" pitchFamily="18" charset="-127"/>
+                      </a:endParaRPr>
+                    </a:p>
+                    <a:p>
+                      <a:pPr algn="ctr" latinLnBrk="1">
+                        <a:lnSpc>
+                          <a:spcPct val="150000"/>
+                        </a:lnSpc>
+                      </a:pPr>
+                      <a:r>
+                        <a:rPr lang="en-US" altLang="ko-KR" dirty="0">
+                          <a:solidFill>
+                            <a:sysClr val="windowText" lastClr="000000"/>
+                          </a:solidFill>
+                          <a:latin typeface="휴먼모음T" panose="02030504000101010101" pitchFamily="18" charset="-127"/>
+                          <a:ea typeface="휴먼모음T" panose="02030504000101010101" pitchFamily="18" charset="-127"/>
+                        </a:rPr>
+                        <a:t>DB</a:t>
+                      </a:r>
+                      <a:r>
+                        <a:rPr lang="ko-KR" altLang="en-US" dirty="0">
+                          <a:solidFill>
+                            <a:sysClr val="windowText" lastClr="000000"/>
+                          </a:solidFill>
+                          <a:latin typeface="휴먼모음T" panose="02030504000101010101" pitchFamily="18" charset="-127"/>
+                          <a:ea typeface="휴먼모음T" panose="02030504000101010101" pitchFamily="18" charset="-127"/>
+                        </a:rPr>
+                        <a:t>스키마 설계</a:t>
+                      </a:r>
+                    </a:p>
+                  </a:txBody>
+                  <a:tcPr>
+                    <a:lnL w="12700" cap="flat" cmpd="sng" algn="ctr">
+                      <a:solidFill>
+                        <a:schemeClr val="tx1"/>
+                      </a:solidFill>
+                      <a:prstDash val="solid"/>
+                      <a:round/>
+                      <a:headEnd type="none" w="med" len="med"/>
+                      <a:tailEnd type="none" w="med" len="med"/>
+                    </a:lnL>
+                    <a:lnR w="12700" cap="flat" cmpd="sng" algn="ctr">
+                      <a:solidFill>
+                        <a:schemeClr val="tx1"/>
+                      </a:solidFill>
+                      <a:prstDash val="solid"/>
+                      <a:round/>
+                      <a:headEnd type="none" w="med" len="med"/>
+                      <a:tailEnd type="none" w="med" len="med"/>
+                    </a:lnR>
+                    <a:lnT w="12700" cap="flat" cmpd="sng" algn="ctr">
+                      <a:solidFill>
+                        <a:schemeClr val="tx1"/>
+                      </a:solidFill>
+                      <a:prstDash val="solid"/>
+                      <a:round/>
+                      <a:headEnd type="none" w="med" len="med"/>
+                      <a:tailEnd type="none" w="med" len="med"/>
+                    </a:lnT>
+                    <a:lnB w="12700" cap="flat" cmpd="sng" algn="ctr">
+                      <a:solidFill>
+                        <a:schemeClr val="tx1"/>
+                      </a:solidFill>
+                      <a:prstDash val="solid"/>
+                      <a:round/>
+                      <a:headEnd type="none" w="med" len="med"/>
+                      <a:tailEnd type="none" w="med" len="med"/>
+                    </a:lnB>
+                  </a:tcPr>
+                </a:tc>
+                <a:extLst>
+                  <a:ext uri="{0D108BD9-81ED-4DB2-BD59-A6C34878D82A}">
+                    <a16:rowId xmlns:a16="http://schemas.microsoft.com/office/drawing/2014/main" val="2257193259"/>
+                  </a:ext>
+                </a:extLst>
+              </a:tr>
+              <a:tr h="795593">
+                <a:tc>
+                  <a:txBody>
+                    <a:bodyPr/>
+                    <a:lstStyle/>
+                    <a:p>
+                      <a:pPr algn="ctr" latinLnBrk="1">
+                        <a:lnSpc>
+                          <a:spcPct val="200000"/>
+                        </a:lnSpc>
+                      </a:pPr>
+                      <a:r>
+                        <a:rPr lang="ko-KR" altLang="en-US" dirty="0">
+                          <a:solidFill>
+                            <a:sysClr val="windowText" lastClr="000000"/>
+                          </a:solidFill>
+                          <a:latin typeface="휴먼모음T" panose="02030504000101010101" pitchFamily="18" charset="-127"/>
+                          <a:ea typeface="휴먼모음T" panose="02030504000101010101" pitchFamily="18" charset="-127"/>
+                        </a:rPr>
+                        <a:t>구 현</a:t>
+                      </a:r>
+                    </a:p>
+                  </a:txBody>
+                  <a:tcPr>
+                    <a:lnL w="12700" cap="flat" cmpd="sng" algn="ctr">
+                      <a:solidFill>
+                        <a:schemeClr val="tx1"/>
+                      </a:solidFill>
+                      <a:prstDash val="solid"/>
+                      <a:round/>
+                      <a:headEnd type="none" w="med" len="med"/>
+                      <a:tailEnd type="none" w="med" len="med"/>
+                    </a:lnL>
+                    <a:lnR w="12700" cap="flat" cmpd="sng" algn="ctr">
+                      <a:solidFill>
+                        <a:schemeClr val="tx1"/>
+                      </a:solidFill>
+                      <a:prstDash val="solid"/>
+                      <a:round/>
+                      <a:headEnd type="none" w="med" len="med"/>
+                      <a:tailEnd type="none" w="med" len="med"/>
+                    </a:lnR>
+                    <a:lnT w="12700" cap="flat" cmpd="sng" algn="ctr">
+                      <a:solidFill>
+                        <a:schemeClr val="tx1"/>
+                      </a:solidFill>
+                      <a:prstDash val="solid"/>
+                      <a:round/>
+                      <a:headEnd type="none" w="med" len="med"/>
+                      <a:tailEnd type="none" w="med" len="med"/>
+                    </a:lnT>
+                    <a:lnB w="12700" cap="flat" cmpd="sng" algn="ctr">
+                      <a:solidFill>
+                        <a:schemeClr val="tx1"/>
+                      </a:solidFill>
+                      <a:prstDash val="solid"/>
+                      <a:round/>
+                      <a:headEnd type="none" w="med" len="med"/>
+                      <a:tailEnd type="none" w="med" len="med"/>
+                    </a:lnB>
+                    <a:solidFill>
+                      <a:schemeClr val="bg1">
+                        <a:alpha val="20000"/>
+                      </a:schemeClr>
+                    </a:solidFill>
+                  </a:tcPr>
+                </a:tc>
+                <a:tc>
+                  <a:txBody>
+                    <a:bodyPr/>
+                    <a:lstStyle/>
+                    <a:p>
+                      <a:pPr algn="ctr" latinLnBrk="1">
+                        <a:lnSpc>
+                          <a:spcPct val="150000"/>
+                        </a:lnSpc>
+                      </a:pPr>
+                      <a:endParaRPr lang="ko-KR" altLang="en-US" dirty="0">
+                        <a:solidFill>
+                          <a:sysClr val="windowText" lastClr="000000"/>
+                        </a:solidFill>
+                        <a:latin typeface="휴먼모음T" panose="02030504000101010101" pitchFamily="18" charset="-127"/>
+                        <a:ea typeface="휴먼모음T" panose="02030504000101010101" pitchFamily="18" charset="-127"/>
+                      </a:endParaRPr>
+                    </a:p>
+                  </a:txBody>
+                  <a:tcPr>
+                    <a:lnL w="12700" cap="flat" cmpd="sng" algn="ctr">
+                      <a:solidFill>
+                        <a:schemeClr val="tx1"/>
+                      </a:solidFill>
+                      <a:prstDash val="solid"/>
+                      <a:round/>
+                      <a:headEnd type="none" w="med" len="med"/>
+                      <a:tailEnd type="none" w="med" len="med"/>
+                    </a:lnL>
+                    <a:lnR w="12700" cap="flat" cmpd="sng" algn="ctr">
+                      <a:solidFill>
+                        <a:schemeClr val="tx1"/>
+                      </a:solidFill>
+                      <a:prstDash val="solid"/>
+                      <a:round/>
+                      <a:headEnd type="none" w="med" len="med"/>
+                      <a:tailEnd type="none" w="med" len="med"/>
+                    </a:lnR>
+                    <a:lnT w="12700" cap="flat" cmpd="sng" algn="ctr">
+                      <a:solidFill>
+                        <a:schemeClr val="tx1"/>
+                      </a:solidFill>
+                      <a:prstDash val="solid"/>
+                      <a:round/>
+                      <a:headEnd type="none" w="med" len="med"/>
+                      <a:tailEnd type="none" w="med" len="med"/>
+                    </a:lnT>
+                    <a:lnB w="12700" cap="flat" cmpd="sng" algn="ctr">
+                      <a:solidFill>
+                        <a:schemeClr val="tx1"/>
+                      </a:solidFill>
+                      <a:prstDash val="solid"/>
+                      <a:round/>
+                      <a:headEnd type="none" w="med" len="med"/>
+                      <a:tailEnd type="none" w="med" len="med"/>
+                    </a:lnB>
+                    <a:solidFill>
+                      <a:schemeClr val="bg1">
+                        <a:alpha val="20000"/>
+                      </a:schemeClr>
+                    </a:solidFill>
+                  </a:tcPr>
+                </a:tc>
+                <a:tc>
+                  <a:txBody>
+                    <a:bodyPr/>
+                    <a:lstStyle/>
+                    <a:p>
+                      <a:pPr algn="ctr" latinLnBrk="1">
+                        <a:lnSpc>
+                          <a:spcPct val="150000"/>
+                        </a:lnSpc>
+                      </a:pPr>
+                      <a:endParaRPr lang="ko-KR" altLang="en-US" dirty="0">
+                        <a:solidFill>
+                          <a:sysClr val="windowText" lastClr="000000"/>
+                        </a:solidFill>
+                        <a:latin typeface="휴먼모음T" panose="02030504000101010101" pitchFamily="18" charset="-127"/>
+                        <a:ea typeface="휴먼모음T" panose="02030504000101010101" pitchFamily="18" charset="-127"/>
+                      </a:endParaRPr>
+                    </a:p>
+                  </a:txBody>
+                  <a:tcPr>
+                    <a:lnL w="12700" cap="flat" cmpd="sng" algn="ctr">
+                      <a:solidFill>
+                        <a:schemeClr val="tx1"/>
+                      </a:solidFill>
+                      <a:prstDash val="solid"/>
+                      <a:round/>
+                      <a:headEnd type="none" w="med" len="med"/>
+                      <a:tailEnd type="none" w="med" len="med"/>
+                    </a:lnL>
+                    <a:lnR w="12700" cap="flat" cmpd="sng" algn="ctr">
+                      <a:solidFill>
+                        <a:schemeClr val="tx1"/>
+                      </a:solidFill>
+                      <a:prstDash val="solid"/>
+                      <a:round/>
+                      <a:headEnd type="none" w="med" len="med"/>
+                      <a:tailEnd type="none" w="med" len="med"/>
+                    </a:lnR>
+                    <a:lnT w="12700" cap="flat" cmpd="sng" algn="ctr">
+                      <a:solidFill>
+                        <a:schemeClr val="tx1"/>
+                      </a:solidFill>
+                      <a:prstDash val="solid"/>
+                      <a:round/>
+                      <a:headEnd type="none" w="med" len="med"/>
+                      <a:tailEnd type="none" w="med" len="med"/>
+                    </a:lnT>
+                    <a:lnB w="12700" cap="flat" cmpd="sng" algn="ctr">
+                      <a:solidFill>
+                        <a:schemeClr val="tx1"/>
+                      </a:solidFill>
+                      <a:prstDash val="solid"/>
+                      <a:round/>
+                      <a:headEnd type="none" w="med" len="med"/>
+                      <a:tailEnd type="none" w="med" len="med"/>
+                    </a:lnB>
+                    <a:solidFill>
+                      <a:schemeClr val="bg1">
+                        <a:alpha val="20000"/>
+                      </a:schemeClr>
+                    </a:solidFill>
+                  </a:tcPr>
+                </a:tc>
+                <a:tc>
+                  <a:txBody>
+                    <a:bodyPr/>
+                    <a:lstStyle/>
+                    <a:p>
+                      <a:pPr algn="ctr" latinLnBrk="1">
+                        <a:lnSpc>
+                          <a:spcPct val="150000"/>
+                        </a:lnSpc>
+                      </a:pPr>
+                      <a:r>
+                        <a:rPr lang="ko-KR" altLang="en-US" dirty="0">
+                          <a:solidFill>
+                            <a:sysClr val="windowText" lastClr="000000"/>
+                          </a:solidFill>
+                          <a:latin typeface="휴먼모음T" panose="02030504000101010101" pitchFamily="18" charset="-127"/>
+                          <a:ea typeface="휴먼모음T" panose="02030504000101010101" pitchFamily="18" charset="-127"/>
+                        </a:rPr>
+                        <a:t>검색 모듈</a:t>
+                      </a:r>
+                      <a:endParaRPr lang="en-US" altLang="ko-KR" dirty="0">
+                        <a:solidFill>
+                          <a:sysClr val="windowText" lastClr="000000"/>
+                        </a:solidFill>
+                        <a:latin typeface="휴먼모음T" panose="02030504000101010101" pitchFamily="18" charset="-127"/>
+                        <a:ea typeface="휴먼모음T" panose="02030504000101010101" pitchFamily="18" charset="-127"/>
+                      </a:endParaRPr>
+                    </a:p>
+                    <a:p>
+                      <a:pPr algn="ctr" latinLnBrk="1">
+                        <a:lnSpc>
+                          <a:spcPct val="150000"/>
+                        </a:lnSpc>
+                      </a:pPr>
+                      <a:r>
+                        <a:rPr lang="ko-KR" altLang="en-US" dirty="0">
+                          <a:solidFill>
+                            <a:sysClr val="windowText" lastClr="000000"/>
+                          </a:solidFill>
+                          <a:latin typeface="휴먼모음T" panose="02030504000101010101" pitchFamily="18" charset="-127"/>
+                          <a:ea typeface="휴먼모음T" panose="02030504000101010101" pitchFamily="18" charset="-127"/>
+                        </a:rPr>
+                        <a:t>입출력 모듈</a:t>
+                      </a:r>
+                    </a:p>
+                  </a:txBody>
+                  <a:tcPr>
+                    <a:lnL w="12700" cap="flat" cmpd="sng" algn="ctr">
+                      <a:solidFill>
+                        <a:schemeClr val="tx1"/>
+                      </a:solidFill>
+                      <a:prstDash val="solid"/>
+                      <a:round/>
+                      <a:headEnd type="none" w="med" len="med"/>
+                      <a:tailEnd type="none" w="med" len="med"/>
+                    </a:lnL>
+                    <a:lnR w="12700" cap="flat" cmpd="sng" algn="ctr">
+                      <a:solidFill>
+                        <a:schemeClr val="tx1"/>
+                      </a:solidFill>
+                      <a:prstDash val="solid"/>
+                      <a:round/>
+                      <a:headEnd type="none" w="med" len="med"/>
+                      <a:tailEnd type="none" w="med" len="med"/>
+                    </a:lnR>
+                    <a:lnT w="12700" cap="flat" cmpd="sng" algn="ctr">
+                      <a:solidFill>
+                        <a:schemeClr val="tx1"/>
+                      </a:solidFill>
+                      <a:prstDash val="solid"/>
+                      <a:round/>
+                      <a:headEnd type="none" w="med" len="med"/>
+                      <a:tailEnd type="none" w="med" len="med"/>
+                    </a:lnT>
+                    <a:lnB w="12700" cap="flat" cmpd="sng" algn="ctr">
+                      <a:solidFill>
+                        <a:schemeClr val="tx1"/>
+                      </a:solidFill>
+                      <a:prstDash val="solid"/>
+                      <a:round/>
+                      <a:headEnd type="none" w="med" len="med"/>
+                      <a:tailEnd type="none" w="med" len="med"/>
+                    </a:lnB>
+                    <a:solidFill>
+                      <a:schemeClr val="bg1">
+                        <a:alpha val="20000"/>
+                      </a:schemeClr>
+                    </a:solidFill>
+                  </a:tcPr>
+                </a:tc>
+                <a:tc>
+                  <a:txBody>
+                    <a:bodyPr/>
+                    <a:lstStyle/>
+                    <a:p>
+                      <a:pPr algn="ctr" latinLnBrk="1">
+                        <a:lnSpc>
+                          <a:spcPct val="250000"/>
+                        </a:lnSpc>
+                      </a:pPr>
+                      <a:r>
+                        <a:rPr lang="en-US" altLang="ko-KR" dirty="0">
+                          <a:solidFill>
+                            <a:sysClr val="windowText" lastClr="000000"/>
+                          </a:solidFill>
+                          <a:latin typeface="휴먼모음T" panose="02030504000101010101" pitchFamily="18" charset="-127"/>
+                          <a:ea typeface="휴먼모음T" panose="02030504000101010101" pitchFamily="18" charset="-127"/>
+                        </a:rPr>
+                        <a:t>DB server </a:t>
+                      </a:r>
+                      <a:r>
+                        <a:rPr lang="ko-KR" altLang="en-US" dirty="0">
+                          <a:solidFill>
+                            <a:sysClr val="windowText" lastClr="000000"/>
+                          </a:solidFill>
+                          <a:latin typeface="휴먼모음T" panose="02030504000101010101" pitchFamily="18" charset="-127"/>
+                          <a:ea typeface="휴먼모음T" panose="02030504000101010101" pitchFamily="18" charset="-127"/>
+                        </a:rPr>
+                        <a:t>구현</a:t>
+                      </a:r>
+                    </a:p>
+                  </a:txBody>
+                  <a:tcPr>
+                    <a:lnL w="12700" cap="flat" cmpd="sng" algn="ctr">
+                      <a:solidFill>
+                        <a:schemeClr val="tx1"/>
+                      </a:solidFill>
+                      <a:prstDash val="solid"/>
+                      <a:round/>
+                      <a:headEnd type="none" w="med" len="med"/>
+                      <a:tailEnd type="none" w="med" len="med"/>
+                    </a:lnL>
+                    <a:lnR w="12700" cap="flat" cmpd="sng" algn="ctr">
+                      <a:solidFill>
+                        <a:schemeClr val="tx1"/>
+                      </a:solidFill>
+                      <a:prstDash val="solid"/>
+                      <a:round/>
+                      <a:headEnd type="none" w="med" len="med"/>
+                      <a:tailEnd type="none" w="med" len="med"/>
+                    </a:lnR>
+                    <a:lnT w="12700" cap="flat" cmpd="sng" algn="ctr">
+                      <a:solidFill>
+                        <a:schemeClr val="tx1"/>
+                      </a:solidFill>
+                      <a:prstDash val="solid"/>
+                      <a:round/>
+                      <a:headEnd type="none" w="med" len="med"/>
+                      <a:tailEnd type="none" w="med" len="med"/>
+                    </a:lnT>
+                    <a:lnB w="12700" cap="flat" cmpd="sng" algn="ctr">
+                      <a:solidFill>
+                        <a:schemeClr val="tx1"/>
+                      </a:solidFill>
+                      <a:prstDash val="solid"/>
+                      <a:round/>
+                      <a:headEnd type="none" w="med" len="med"/>
+                      <a:tailEnd type="none" w="med" len="med"/>
+                    </a:lnB>
+                    <a:solidFill>
+                      <a:schemeClr val="bg1">
+                        <a:alpha val="20000"/>
+                      </a:schemeClr>
+                    </a:solidFill>
+                  </a:tcPr>
+                </a:tc>
+                <a:extLst>
+                  <a:ext uri="{0D108BD9-81ED-4DB2-BD59-A6C34878D82A}">
+                    <a16:rowId xmlns:a16="http://schemas.microsoft.com/office/drawing/2014/main" val="1676062148"/>
+                  </a:ext>
+                </a:extLst>
+              </a:tr>
+              <a:tr h="638617">
+                <a:tc>
+                  <a:txBody>
+                    <a:bodyPr/>
+                    <a:lstStyle/>
+                    <a:p>
+                      <a:pPr algn="ctr" latinLnBrk="1">
+                        <a:lnSpc>
+                          <a:spcPct val="150000"/>
+                        </a:lnSpc>
+                      </a:pPr>
+                      <a:r>
+                        <a:rPr lang="ko-KR" altLang="en-US" dirty="0">
+                          <a:solidFill>
+                            <a:sysClr val="windowText" lastClr="000000"/>
+                          </a:solidFill>
+                          <a:latin typeface="휴먼모음T" panose="02030504000101010101" pitchFamily="18" charset="-127"/>
+                          <a:ea typeface="휴먼모음T" panose="02030504000101010101" pitchFamily="18" charset="-127"/>
+                        </a:rPr>
+                        <a:t>테스트</a:t>
+                      </a:r>
+                    </a:p>
+                  </a:txBody>
+                  <a:tcPr>
+                    <a:lnL w="12700" cap="flat" cmpd="sng" algn="ctr">
+                      <a:solidFill>
+                        <a:schemeClr val="tx1"/>
+                      </a:solidFill>
+                      <a:prstDash val="solid"/>
+                      <a:round/>
+                      <a:headEnd type="none" w="med" len="med"/>
+                      <a:tailEnd type="none" w="med" len="med"/>
+                    </a:lnL>
+                    <a:lnR w="12700" cap="flat" cmpd="sng" algn="ctr">
+                      <a:solidFill>
+                        <a:schemeClr val="tx1"/>
+                      </a:solidFill>
+                      <a:prstDash val="solid"/>
+                      <a:round/>
+                      <a:headEnd type="none" w="med" len="med"/>
+                      <a:tailEnd type="none" w="med" len="med"/>
+                    </a:lnR>
+                    <a:lnT w="12700" cap="flat" cmpd="sng" algn="ctr">
+                      <a:solidFill>
+                        <a:schemeClr val="tx1"/>
+                      </a:solidFill>
+                      <a:prstDash val="solid"/>
+                      <a:round/>
+                      <a:headEnd type="none" w="med" len="med"/>
+                      <a:tailEnd type="none" w="med" len="med"/>
+                    </a:lnT>
+                    <a:lnB w="12700" cap="flat" cmpd="sng" algn="ctr">
+                      <a:solidFill>
+                        <a:schemeClr val="tx1"/>
+                      </a:solidFill>
+                      <a:prstDash val="solid"/>
+                      <a:round/>
+                      <a:headEnd type="none" w="med" len="med"/>
+                      <a:tailEnd type="none" w="med" len="med"/>
+                    </a:lnB>
+                    <a:solidFill>
+                      <a:schemeClr val="bg2">
+                        <a:lumMod val="90000"/>
+                      </a:schemeClr>
+                    </a:solidFill>
+                  </a:tcPr>
+                </a:tc>
+                <a:tc gridSpan="4">
+                  <a:txBody>
+                    <a:bodyPr/>
+                    <a:lstStyle/>
+                    <a:p>
+                      <a:pPr algn="ctr" latinLnBrk="1">
+                        <a:lnSpc>
+                          <a:spcPct val="150000"/>
+                        </a:lnSpc>
+                      </a:pPr>
+                      <a:r>
+                        <a:rPr lang="ko-KR" altLang="en-US" dirty="0">
+                          <a:solidFill>
+                            <a:sysClr val="windowText" lastClr="000000"/>
+                          </a:solidFill>
+                          <a:latin typeface="휴먼모음T" panose="02030504000101010101" pitchFamily="18" charset="-127"/>
+                          <a:ea typeface="휴먼모음T" panose="02030504000101010101" pitchFamily="18" charset="-127"/>
+                        </a:rPr>
+                        <a:t>통합 테스트 및 유지보수</a:t>
+                      </a:r>
+                    </a:p>
+                  </a:txBody>
+                  <a:tcPr>
+                    <a:lnL w="12700" cap="flat" cmpd="sng" algn="ctr">
+                      <a:solidFill>
+                        <a:schemeClr val="tx1"/>
+                      </a:solidFill>
+                      <a:prstDash val="solid"/>
+                      <a:round/>
+                      <a:headEnd type="none" w="med" len="med"/>
+                      <a:tailEnd type="none" w="med" len="med"/>
+                    </a:lnL>
+                    <a:lnR w="12700" cap="flat" cmpd="sng" algn="ctr">
+                      <a:solidFill>
+                        <a:schemeClr val="tx1"/>
+                      </a:solidFill>
+                      <a:prstDash val="solid"/>
+                      <a:round/>
+                      <a:headEnd type="none" w="med" len="med"/>
+                      <a:tailEnd type="none" w="med" len="med"/>
+                    </a:lnR>
+                    <a:lnT w="12700" cap="flat" cmpd="sng" algn="ctr">
+                      <a:solidFill>
+                        <a:schemeClr val="tx1"/>
+                      </a:solidFill>
+                      <a:prstDash val="solid"/>
+                      <a:round/>
+                      <a:headEnd type="none" w="med" len="med"/>
+                      <a:tailEnd type="none" w="med" len="med"/>
+                    </a:lnT>
+                    <a:lnB w="12700" cap="flat" cmpd="sng" algn="ctr">
+                      <a:solidFill>
+                        <a:schemeClr val="tx1"/>
+                      </a:solidFill>
+                      <a:prstDash val="solid"/>
+                      <a:round/>
+                      <a:headEnd type="none" w="med" len="med"/>
+                      <a:tailEnd type="none" w="med" len="med"/>
+                    </a:lnB>
+                    <a:solidFill>
+                      <a:schemeClr val="bg2">
+                        <a:lumMod val="90000"/>
+                      </a:schemeClr>
+                    </a:solidFill>
+                  </a:tcPr>
+                </a:tc>
+                <a:tc hMerge="1">
+                  <a:txBody>
+                    <a:bodyPr/>
+                    <a:lstStyle/>
+                    <a:p>
+                      <a:pPr latinLnBrk="1"/>
+                      <a:endParaRPr lang="ko-KR" altLang="en-US" dirty="0"/>
+                    </a:p>
+                  </a:txBody>
+                  <a:tcPr/>
+                </a:tc>
+                <a:tc hMerge="1">
+                  <a:txBody>
+                    <a:bodyPr/>
+                    <a:lstStyle/>
+                    <a:p>
+                      <a:pPr latinLnBrk="1"/>
+                      <a:endParaRPr lang="ko-KR" altLang="en-US" dirty="0"/>
+                    </a:p>
+                  </a:txBody>
+                  <a:tcPr/>
+                </a:tc>
+                <a:tc hMerge="1">
+                  <a:txBody>
+                    <a:bodyPr/>
+                    <a:lstStyle/>
+                    <a:p>
+                      <a:pPr latinLnBrk="1"/>
+                      <a:endParaRPr lang="ko-KR" altLang="en-US" dirty="0"/>
+                    </a:p>
+                  </a:txBody>
+                  <a:tcPr/>
+                </a:tc>
+                <a:extLst>
+                  <a:ext uri="{0D108BD9-81ED-4DB2-BD59-A6C34878D82A}">
+                    <a16:rowId xmlns:a16="http://schemas.microsoft.com/office/drawing/2014/main" val="1624032724"/>
+                  </a:ext>
+                </a:extLst>
+              </a:tr>
+            </a:tbl>
+          </a:graphicData>
+        </a:graphic>
+      </p:graphicFrame>
+    </p:spTree>
+    <p:extLst>
+      <p:ext uri="{BB962C8B-B14F-4D97-AF65-F5344CB8AC3E}">
+        <p14:creationId xmlns:p14="http://schemas.microsoft.com/office/powerpoint/2010/main" val="798529364"/>
       </p:ext>
     </p:extLst>
   </p:cSld>
@@ -16819,1399 +19547,6 @@
           <a:chExt cx="0" cy="0"/>
         </a:xfrm>
       </p:grpSpPr>
-      <p:cxnSp>
-        <p:nvCxnSpPr>
-          <p:cNvPr id="45" name="직선 연결선 44">
-            <a:extLst>
-              <a:ext uri="{FF2B5EF4-FFF2-40B4-BE49-F238E27FC236}">
-                <a16:creationId xmlns:a16="http://schemas.microsoft.com/office/drawing/2014/main" id="{05983F06-2F3A-4668-95C1-6E800CC01C2E}"/>
-              </a:ext>
-            </a:extLst>
-          </p:cNvPr>
-          <p:cNvCxnSpPr>
-            <a:cxnSpLocks/>
-          </p:cNvCxnSpPr>
-          <p:nvPr/>
-        </p:nvCxnSpPr>
-        <p:spPr>
-          <a:xfrm>
-            <a:off x="17016" y="1032274"/>
-            <a:ext cx="4427984" cy="0"/>
-          </a:xfrm>
-          <a:prstGeom prst="line">
-            <a:avLst/>
-          </a:prstGeom>
-          <a:ln>
-            <a:solidFill>
-              <a:schemeClr val="tx1">
-                <a:lumMod val="75000"/>
-                <a:lumOff val="25000"/>
-              </a:schemeClr>
-            </a:solidFill>
-          </a:ln>
-        </p:spPr>
-        <p:style>
-          <a:lnRef idx="1">
-            <a:schemeClr val="accent1"/>
-          </a:lnRef>
-          <a:fillRef idx="0">
-            <a:schemeClr val="accent1"/>
-          </a:fillRef>
-          <a:effectRef idx="0">
-            <a:schemeClr val="accent1"/>
-          </a:effectRef>
-          <a:fontRef idx="minor">
-            <a:schemeClr val="tx1"/>
-          </a:fontRef>
-        </p:style>
-      </p:cxnSp>
-      <p:sp>
-        <p:nvSpPr>
-          <p:cNvPr id="46" name="TextBox 45">
-            <a:extLst>
-              <a:ext uri="{FF2B5EF4-FFF2-40B4-BE49-F238E27FC236}">
-                <a16:creationId xmlns:a16="http://schemas.microsoft.com/office/drawing/2014/main" id="{29CBCDFF-1017-4020-ABD7-4EE844A95D9D}"/>
-              </a:ext>
-            </a:extLst>
-          </p:cNvPr>
-          <p:cNvSpPr txBox="1"/>
-          <p:nvPr/>
-        </p:nvSpPr>
-        <p:spPr>
-          <a:xfrm>
-            <a:off x="1173913" y="218732"/>
-            <a:ext cx="806631" cy="769441"/>
-          </a:xfrm>
-          <a:prstGeom prst="rect">
-            <a:avLst/>
-          </a:prstGeom>
-          <a:noFill/>
-          <a:ln>
-            <a:noFill/>
-          </a:ln>
-        </p:spPr>
-        <p:txBody>
-          <a:bodyPr wrap="none" rtlCol="0">
-            <a:spAutoFit/>
-          </a:bodyPr>
-          <a:lstStyle/>
-          <a:p>
-            <a:pPr marL="0" marR="0" lvl="0" indent="0" algn="l" defTabSz="457200" rtl="0" eaLnBrk="1" fontAlgn="auto" latinLnBrk="0" hangingPunct="1">
-              <a:lnSpc>
-                <a:spcPct val="100000"/>
-              </a:lnSpc>
-              <a:spcBef>
-                <a:spcPts val="0"/>
-              </a:spcBef>
-              <a:spcAft>
-                <a:spcPts val="0"/>
-              </a:spcAft>
-              <a:buClrTx/>
-              <a:buSzTx/>
-              <a:buFontTx/>
-              <a:buNone/>
-              <a:tabLst/>
-              <a:defRPr/>
-            </a:pPr>
-            <a:r>
-              <a:rPr kumimoji="0" lang="en-US" altLang="ko-KR" sz="4400" b="0" i="0" u="none" strike="noStrike" kern="1200" cap="none" spc="0" normalizeH="0" baseline="0" noProof="0" dirty="0">
-                <a:ln>
-                  <a:solidFill>
-                    <a:prstClr val="white">
-                      <a:alpha val="0"/>
-                    </a:prstClr>
-                  </a:solidFill>
-                </a:ln>
-                <a:solidFill>
-                  <a:srgbClr val="4ABA1A"/>
-                </a:solidFill>
-                <a:effectLst/>
-                <a:uLnTx/>
-                <a:uFillTx/>
-                <a:latin typeface="1훈프로방스 R" panose="02020603020101020101" pitchFamily="18" charset="-127"/>
-                <a:ea typeface="1훈프로방스 R" panose="02020603020101020101" pitchFamily="18" charset="-127"/>
-                <a:cs typeface="+mn-cs"/>
-              </a:rPr>
-              <a:t>06</a:t>
-            </a:r>
-            <a:endParaRPr kumimoji="0" lang="en-US" altLang="ko-KR" sz="1400" b="0" i="0" u="none" strike="noStrike" kern="1200" cap="none" spc="0" normalizeH="0" baseline="0" noProof="0" dirty="0">
-              <a:ln>
-                <a:solidFill>
-                  <a:prstClr val="white">
-                    <a:alpha val="0"/>
-                  </a:prstClr>
-                </a:solidFill>
-              </a:ln>
-              <a:solidFill>
-                <a:srgbClr val="4ABA1A"/>
-              </a:solidFill>
-              <a:effectLst/>
-              <a:uLnTx/>
-              <a:uFillTx/>
-              <a:latin typeface="1훈프로방스 R" panose="02020603020101020101" pitchFamily="18" charset="-127"/>
-              <a:ea typeface="1훈프로방스 R" panose="02020603020101020101" pitchFamily="18" charset="-127"/>
-              <a:cs typeface="+mn-cs"/>
-            </a:endParaRPr>
-          </a:p>
-        </p:txBody>
-      </p:sp>
-      <p:sp>
-        <p:nvSpPr>
-          <p:cNvPr id="47" name="TextBox 46">
-            <a:extLst>
-              <a:ext uri="{FF2B5EF4-FFF2-40B4-BE49-F238E27FC236}">
-                <a16:creationId xmlns:a16="http://schemas.microsoft.com/office/drawing/2014/main" id="{03105299-1160-4053-89DA-096A2508711B}"/>
-              </a:ext>
-            </a:extLst>
-          </p:cNvPr>
-          <p:cNvSpPr txBox="1"/>
-          <p:nvPr/>
-        </p:nvSpPr>
-        <p:spPr>
-          <a:xfrm>
-            <a:off x="1819721" y="338388"/>
-            <a:ext cx="6990450" cy="523220"/>
-          </a:xfrm>
-          <a:prstGeom prst="rect">
-            <a:avLst/>
-          </a:prstGeom>
-          <a:noFill/>
-          <a:ln>
-            <a:noFill/>
-          </a:ln>
-        </p:spPr>
-        <p:txBody>
-          <a:bodyPr wrap="square" rtlCol="0">
-            <a:spAutoFit/>
-          </a:bodyPr>
-          <a:lstStyle/>
-          <a:p>
-            <a:pPr marL="0" marR="0" lvl="0" indent="0" algn="l" defTabSz="457200" rtl="0" eaLnBrk="1" fontAlgn="auto" latinLnBrk="0" hangingPunct="1">
-              <a:lnSpc>
-                <a:spcPct val="100000"/>
-              </a:lnSpc>
-              <a:spcBef>
-                <a:spcPts val="0"/>
-              </a:spcBef>
-              <a:spcAft>
-                <a:spcPts val="0"/>
-              </a:spcAft>
-              <a:buClrTx/>
-              <a:buSzTx/>
-              <a:buFontTx/>
-              <a:buNone/>
-              <a:tabLst/>
-              <a:defRPr/>
-            </a:pPr>
-            <a:r>
-              <a:rPr lang="ko-KR" altLang="en-US" sz="2800" b="1" dirty="0">
-                <a:solidFill>
-                  <a:prstClr val="black"/>
-                </a:solidFill>
-                <a:latin typeface="1훈프로방스 R" panose="02020603020101020101" pitchFamily="18" charset="-127"/>
-                <a:ea typeface="1훈프로방스 R" panose="02020603020101020101" pitchFamily="18" charset="-127"/>
-              </a:rPr>
-              <a:t>업무 분담</a:t>
-            </a:r>
-            <a:endParaRPr kumimoji="0" lang="ko-KR" altLang="en-US" sz="2800" b="1" i="0" u="none" strike="noStrike" kern="1200" cap="none" spc="0" normalizeH="0" baseline="0" noProof="0" dirty="0">
-              <a:ln>
-                <a:noFill/>
-              </a:ln>
-              <a:solidFill>
-                <a:prstClr val="black"/>
-              </a:solidFill>
-              <a:effectLst/>
-              <a:uLnTx/>
-              <a:uFillTx/>
-              <a:latin typeface="1훈프로방스 R" panose="02020603020101020101" pitchFamily="18" charset="-127"/>
-              <a:ea typeface="1훈프로방스 R" panose="02020603020101020101" pitchFamily="18" charset="-127"/>
-              <a:cs typeface="+mn-cs"/>
-            </a:endParaRPr>
-          </a:p>
-        </p:txBody>
-      </p:sp>
-      <p:grpSp>
-        <p:nvGrpSpPr>
-          <p:cNvPr id="48" name="그룹 47">
-            <a:extLst>
-              <a:ext uri="{FF2B5EF4-FFF2-40B4-BE49-F238E27FC236}">
-                <a16:creationId xmlns:a16="http://schemas.microsoft.com/office/drawing/2014/main" id="{1E0FA0C6-B432-4076-A963-A12AE19E6F19}"/>
-              </a:ext>
-            </a:extLst>
-          </p:cNvPr>
-          <p:cNvGrpSpPr>
-            <a:grpSpLocks noChangeAspect="1"/>
-          </p:cNvGrpSpPr>
-          <p:nvPr/>
-        </p:nvGrpSpPr>
-        <p:grpSpPr>
-          <a:xfrm rot="5400000" flipH="1" flipV="1">
-            <a:off x="44348" y="-23877"/>
-            <a:ext cx="991304" cy="1080000"/>
-            <a:chOff x="3365500" y="787400"/>
-            <a:chExt cx="2413000" cy="2628900"/>
-          </a:xfrm>
-        </p:grpSpPr>
-        <p:sp>
-          <p:nvSpPr>
-            <p:cNvPr id="49" name="타원 48">
-              <a:extLst>
-                <a:ext uri="{FF2B5EF4-FFF2-40B4-BE49-F238E27FC236}">
-                  <a16:creationId xmlns:a16="http://schemas.microsoft.com/office/drawing/2014/main" id="{839A369F-7A07-4C82-9AFC-74EC0429FA71}"/>
-                </a:ext>
-              </a:extLst>
-            </p:cNvPr>
-            <p:cNvSpPr/>
-            <p:nvPr/>
-          </p:nvSpPr>
-          <p:spPr>
-            <a:xfrm>
-              <a:off x="3365500" y="2933700"/>
-              <a:ext cx="482600" cy="482600"/>
-            </a:xfrm>
-            <a:prstGeom prst="ellipse">
-              <a:avLst/>
-            </a:prstGeom>
-            <a:solidFill>
-              <a:schemeClr val="accent1"/>
-            </a:solidFill>
-            <a:ln>
-              <a:noFill/>
-            </a:ln>
-          </p:spPr>
-          <p:style>
-            <a:lnRef idx="2">
-              <a:schemeClr val="accent1">
-                <a:shade val="50000"/>
-              </a:schemeClr>
-            </a:lnRef>
-            <a:fillRef idx="1">
-              <a:schemeClr val="accent1"/>
-            </a:fillRef>
-            <a:effectRef idx="0">
-              <a:schemeClr val="accent1"/>
-            </a:effectRef>
-            <a:fontRef idx="minor">
-              <a:schemeClr val="lt1"/>
-            </a:fontRef>
-          </p:style>
-          <p:txBody>
-            <a:bodyPr rtlCol="0" anchor="ctr"/>
-            <a:lstStyle/>
-            <a:p>
-              <a:pPr marL="0" marR="0" lvl="0" indent="0" algn="ctr" defTabSz="457200" rtl="0" eaLnBrk="1" fontAlgn="auto" latinLnBrk="0" hangingPunct="1">
-                <a:lnSpc>
-                  <a:spcPct val="100000"/>
-                </a:lnSpc>
-                <a:spcBef>
-                  <a:spcPts val="0"/>
-                </a:spcBef>
-                <a:spcAft>
-                  <a:spcPts val="0"/>
-                </a:spcAft>
-                <a:buClrTx/>
-                <a:buSzTx/>
-                <a:buFontTx/>
-                <a:buNone/>
-                <a:tabLst/>
-                <a:defRPr/>
-              </a:pPr>
-              <a:endParaRPr kumimoji="0" lang="ko-KR" altLang="en-US" sz="1800" b="0" i="0" u="none" strike="noStrike" kern="1200" cap="none" spc="0" normalizeH="0" baseline="0" noProof="0">
-                <a:ln>
-                  <a:noFill/>
-                </a:ln>
-                <a:solidFill>
-                  <a:prstClr val="white"/>
-                </a:solidFill>
-                <a:effectLst/>
-                <a:uLnTx/>
-                <a:uFillTx/>
-                <a:latin typeface="Calibri" panose="020F0502020204030204"/>
-                <a:ea typeface="맑은 고딕" panose="020B0503020000020004" pitchFamily="50" charset="-127"/>
-                <a:cs typeface="+mn-cs"/>
-              </a:endParaRPr>
-            </a:p>
-          </p:txBody>
-        </p:sp>
-        <p:sp>
-          <p:nvSpPr>
-            <p:cNvPr id="50" name="타원 49">
-              <a:extLst>
-                <a:ext uri="{FF2B5EF4-FFF2-40B4-BE49-F238E27FC236}">
-                  <a16:creationId xmlns:a16="http://schemas.microsoft.com/office/drawing/2014/main" id="{77C6D3C3-7A34-4E5A-8E24-CFA78CC83B11}"/>
-                </a:ext>
-              </a:extLst>
-            </p:cNvPr>
-            <p:cNvSpPr/>
-            <p:nvPr/>
-          </p:nvSpPr>
-          <p:spPr>
-            <a:xfrm>
-              <a:off x="3848100" y="2451100"/>
-              <a:ext cx="482600" cy="482600"/>
-            </a:xfrm>
-            <a:prstGeom prst="ellipse">
-              <a:avLst/>
-            </a:prstGeom>
-            <a:solidFill>
-              <a:schemeClr val="accent2"/>
-            </a:solidFill>
-            <a:ln>
-              <a:noFill/>
-            </a:ln>
-          </p:spPr>
-          <p:style>
-            <a:lnRef idx="2">
-              <a:schemeClr val="accent1">
-                <a:shade val="50000"/>
-              </a:schemeClr>
-            </a:lnRef>
-            <a:fillRef idx="1">
-              <a:schemeClr val="accent1"/>
-            </a:fillRef>
-            <a:effectRef idx="0">
-              <a:schemeClr val="accent1"/>
-            </a:effectRef>
-            <a:fontRef idx="minor">
-              <a:schemeClr val="lt1"/>
-            </a:fontRef>
-          </p:style>
-          <p:txBody>
-            <a:bodyPr rtlCol="0" anchor="ctr"/>
-            <a:lstStyle/>
-            <a:p>
-              <a:pPr marL="0" marR="0" lvl="0" indent="0" algn="ctr" defTabSz="457200" rtl="0" eaLnBrk="1" fontAlgn="auto" latinLnBrk="0" hangingPunct="1">
-                <a:lnSpc>
-                  <a:spcPct val="100000"/>
-                </a:lnSpc>
-                <a:spcBef>
-                  <a:spcPts val="0"/>
-                </a:spcBef>
-                <a:spcAft>
-                  <a:spcPts val="0"/>
-                </a:spcAft>
-                <a:buClrTx/>
-                <a:buSzTx/>
-                <a:buFontTx/>
-                <a:buNone/>
-                <a:tabLst/>
-                <a:defRPr/>
-              </a:pPr>
-              <a:endParaRPr kumimoji="0" lang="ko-KR" altLang="en-US" sz="1800" b="0" i="0" u="none" strike="noStrike" kern="1200" cap="none" spc="0" normalizeH="0" baseline="0" noProof="0">
-                <a:ln>
-                  <a:noFill/>
-                </a:ln>
-                <a:solidFill>
-                  <a:prstClr val="white"/>
-                </a:solidFill>
-                <a:effectLst/>
-                <a:uLnTx/>
-                <a:uFillTx/>
-                <a:latin typeface="Calibri" panose="020F0502020204030204"/>
-                <a:ea typeface="맑은 고딕" panose="020B0503020000020004" pitchFamily="50" charset="-127"/>
-                <a:cs typeface="+mn-cs"/>
-              </a:endParaRPr>
-            </a:p>
-          </p:txBody>
-        </p:sp>
-        <p:sp>
-          <p:nvSpPr>
-            <p:cNvPr id="51" name="타원 50">
-              <a:extLst>
-                <a:ext uri="{FF2B5EF4-FFF2-40B4-BE49-F238E27FC236}">
-                  <a16:creationId xmlns:a16="http://schemas.microsoft.com/office/drawing/2014/main" id="{1B94CA63-D293-4B98-9D2C-26F4F64B5CB8}"/>
-                </a:ext>
-              </a:extLst>
-            </p:cNvPr>
-            <p:cNvSpPr/>
-            <p:nvPr/>
-          </p:nvSpPr>
-          <p:spPr>
-            <a:xfrm>
-              <a:off x="4330700" y="1981200"/>
-              <a:ext cx="482600" cy="482600"/>
-            </a:xfrm>
-            <a:prstGeom prst="ellipse">
-              <a:avLst/>
-            </a:prstGeom>
-            <a:solidFill>
-              <a:schemeClr val="accent3"/>
-            </a:solidFill>
-            <a:ln>
-              <a:noFill/>
-            </a:ln>
-          </p:spPr>
-          <p:style>
-            <a:lnRef idx="2">
-              <a:schemeClr val="accent1">
-                <a:shade val="50000"/>
-              </a:schemeClr>
-            </a:lnRef>
-            <a:fillRef idx="1">
-              <a:schemeClr val="accent1"/>
-            </a:fillRef>
-            <a:effectRef idx="0">
-              <a:schemeClr val="accent1"/>
-            </a:effectRef>
-            <a:fontRef idx="minor">
-              <a:schemeClr val="lt1"/>
-            </a:fontRef>
-          </p:style>
-          <p:txBody>
-            <a:bodyPr rtlCol="0" anchor="ctr"/>
-            <a:lstStyle/>
-            <a:p>
-              <a:pPr marL="0" marR="0" lvl="0" indent="0" algn="ctr" defTabSz="457200" rtl="0" eaLnBrk="1" fontAlgn="auto" latinLnBrk="0" hangingPunct="1">
-                <a:lnSpc>
-                  <a:spcPct val="100000"/>
-                </a:lnSpc>
-                <a:spcBef>
-                  <a:spcPts val="0"/>
-                </a:spcBef>
-                <a:spcAft>
-                  <a:spcPts val="0"/>
-                </a:spcAft>
-                <a:buClrTx/>
-                <a:buSzTx/>
-                <a:buFontTx/>
-                <a:buNone/>
-                <a:tabLst/>
-                <a:defRPr/>
-              </a:pPr>
-              <a:endParaRPr kumimoji="0" lang="ko-KR" altLang="en-US" sz="1800" b="0" i="0" u="none" strike="noStrike" kern="1200" cap="none" spc="0" normalizeH="0" baseline="0" noProof="0">
-                <a:ln>
-                  <a:noFill/>
-                </a:ln>
-                <a:solidFill>
-                  <a:prstClr val="white"/>
-                </a:solidFill>
-                <a:effectLst/>
-                <a:uLnTx/>
-                <a:uFillTx/>
-                <a:latin typeface="Calibri" panose="020F0502020204030204"/>
-                <a:ea typeface="맑은 고딕" panose="020B0503020000020004" pitchFamily="50" charset="-127"/>
-                <a:cs typeface="+mn-cs"/>
-              </a:endParaRPr>
-            </a:p>
-          </p:txBody>
-        </p:sp>
-        <p:sp>
-          <p:nvSpPr>
-            <p:cNvPr id="52" name="타원 51">
-              <a:extLst>
-                <a:ext uri="{FF2B5EF4-FFF2-40B4-BE49-F238E27FC236}">
-                  <a16:creationId xmlns:a16="http://schemas.microsoft.com/office/drawing/2014/main" id="{799C2B3E-DEAD-44D1-9B26-A8878B1C378B}"/>
-                </a:ext>
-              </a:extLst>
-            </p:cNvPr>
-            <p:cNvSpPr/>
-            <p:nvPr/>
-          </p:nvSpPr>
-          <p:spPr>
-            <a:xfrm>
-              <a:off x="4813300" y="2692400"/>
-              <a:ext cx="482600" cy="482600"/>
-            </a:xfrm>
-            <a:prstGeom prst="ellipse">
-              <a:avLst/>
-            </a:prstGeom>
-            <a:solidFill>
-              <a:schemeClr val="accent4"/>
-            </a:solidFill>
-            <a:ln>
-              <a:noFill/>
-            </a:ln>
-          </p:spPr>
-          <p:style>
-            <a:lnRef idx="2">
-              <a:schemeClr val="accent1">
-                <a:shade val="50000"/>
-              </a:schemeClr>
-            </a:lnRef>
-            <a:fillRef idx="1">
-              <a:schemeClr val="accent1"/>
-            </a:fillRef>
-            <a:effectRef idx="0">
-              <a:schemeClr val="accent1"/>
-            </a:effectRef>
-            <a:fontRef idx="minor">
-              <a:schemeClr val="lt1"/>
-            </a:fontRef>
-          </p:style>
-          <p:txBody>
-            <a:bodyPr rtlCol="0" anchor="ctr"/>
-            <a:lstStyle/>
-            <a:p>
-              <a:pPr marL="0" marR="0" lvl="0" indent="0" algn="ctr" defTabSz="457200" rtl="0" eaLnBrk="1" fontAlgn="auto" latinLnBrk="0" hangingPunct="1">
-                <a:lnSpc>
-                  <a:spcPct val="100000"/>
-                </a:lnSpc>
-                <a:spcBef>
-                  <a:spcPts val="0"/>
-                </a:spcBef>
-                <a:spcAft>
-                  <a:spcPts val="0"/>
-                </a:spcAft>
-                <a:buClrTx/>
-                <a:buSzTx/>
-                <a:buFontTx/>
-                <a:buNone/>
-                <a:tabLst/>
-                <a:defRPr/>
-              </a:pPr>
-              <a:endParaRPr kumimoji="0" lang="ko-KR" altLang="en-US" sz="1800" b="0" i="0" u="none" strike="noStrike" kern="1200" cap="none" spc="0" normalizeH="0" baseline="0" noProof="0">
-                <a:ln>
-                  <a:noFill/>
-                </a:ln>
-                <a:solidFill>
-                  <a:prstClr val="white"/>
-                </a:solidFill>
-                <a:effectLst/>
-                <a:uLnTx/>
-                <a:uFillTx/>
-                <a:latin typeface="Calibri" panose="020F0502020204030204"/>
-                <a:ea typeface="맑은 고딕" panose="020B0503020000020004" pitchFamily="50" charset="-127"/>
-                <a:cs typeface="+mn-cs"/>
-              </a:endParaRPr>
-            </a:p>
-          </p:txBody>
-        </p:sp>
-        <p:sp>
-          <p:nvSpPr>
-            <p:cNvPr id="53" name="직사각형 52">
-              <a:extLst>
-                <a:ext uri="{FF2B5EF4-FFF2-40B4-BE49-F238E27FC236}">
-                  <a16:creationId xmlns:a16="http://schemas.microsoft.com/office/drawing/2014/main" id="{731790D5-0902-4C7B-8228-4612C0F064D7}"/>
-                </a:ext>
-              </a:extLst>
-            </p:cNvPr>
-            <p:cNvSpPr/>
-            <p:nvPr/>
-          </p:nvSpPr>
-          <p:spPr>
-            <a:xfrm>
-              <a:off x="3365500" y="787400"/>
-              <a:ext cx="482600" cy="2387600"/>
-            </a:xfrm>
-            <a:prstGeom prst="rect">
-              <a:avLst/>
-            </a:prstGeom>
-            <a:solidFill>
-              <a:schemeClr val="accent1"/>
-            </a:solidFill>
-            <a:ln>
-              <a:noFill/>
-            </a:ln>
-          </p:spPr>
-          <p:style>
-            <a:lnRef idx="2">
-              <a:schemeClr val="accent1">
-                <a:shade val="50000"/>
-              </a:schemeClr>
-            </a:lnRef>
-            <a:fillRef idx="1">
-              <a:schemeClr val="accent1"/>
-            </a:fillRef>
-            <a:effectRef idx="0">
-              <a:schemeClr val="accent1"/>
-            </a:effectRef>
-            <a:fontRef idx="minor">
-              <a:schemeClr val="lt1"/>
-            </a:fontRef>
-          </p:style>
-          <p:txBody>
-            <a:bodyPr rtlCol="0" anchor="ctr"/>
-            <a:lstStyle/>
-            <a:p>
-              <a:pPr marL="0" marR="0" lvl="0" indent="0" algn="ctr" defTabSz="457200" rtl="0" eaLnBrk="1" fontAlgn="auto" latinLnBrk="0" hangingPunct="1">
-                <a:lnSpc>
-                  <a:spcPct val="100000"/>
-                </a:lnSpc>
-                <a:spcBef>
-                  <a:spcPts val="0"/>
-                </a:spcBef>
-                <a:spcAft>
-                  <a:spcPts val="0"/>
-                </a:spcAft>
-                <a:buClrTx/>
-                <a:buSzTx/>
-                <a:buFontTx/>
-                <a:buNone/>
-                <a:tabLst/>
-                <a:defRPr/>
-              </a:pPr>
-              <a:endParaRPr kumimoji="0" lang="ko-KR" altLang="en-US" sz="1800" b="0" i="0" u="none" strike="noStrike" kern="1200" cap="none" spc="0" normalizeH="0" baseline="0" noProof="0">
-                <a:ln>
-                  <a:noFill/>
-                </a:ln>
-                <a:solidFill>
-                  <a:prstClr val="white"/>
-                </a:solidFill>
-                <a:effectLst/>
-                <a:uLnTx/>
-                <a:uFillTx/>
-                <a:latin typeface="Calibri" panose="020F0502020204030204"/>
-                <a:ea typeface="맑은 고딕" panose="020B0503020000020004" pitchFamily="50" charset="-127"/>
-                <a:cs typeface="+mn-cs"/>
-              </a:endParaRPr>
-            </a:p>
-          </p:txBody>
-        </p:sp>
-        <p:sp>
-          <p:nvSpPr>
-            <p:cNvPr id="54" name="직사각형 53">
-              <a:extLst>
-                <a:ext uri="{FF2B5EF4-FFF2-40B4-BE49-F238E27FC236}">
-                  <a16:creationId xmlns:a16="http://schemas.microsoft.com/office/drawing/2014/main" id="{7659DB43-67EB-437B-A280-493195D8D479}"/>
-                </a:ext>
-              </a:extLst>
-            </p:cNvPr>
-            <p:cNvSpPr/>
-            <p:nvPr/>
-          </p:nvSpPr>
-          <p:spPr>
-            <a:xfrm>
-              <a:off x="3848100" y="787400"/>
-              <a:ext cx="482600" cy="1905000"/>
-            </a:xfrm>
-            <a:prstGeom prst="rect">
-              <a:avLst/>
-            </a:prstGeom>
-            <a:solidFill>
-              <a:schemeClr val="accent2"/>
-            </a:solidFill>
-            <a:ln>
-              <a:noFill/>
-            </a:ln>
-          </p:spPr>
-          <p:style>
-            <a:lnRef idx="2">
-              <a:schemeClr val="accent1">
-                <a:shade val="50000"/>
-              </a:schemeClr>
-            </a:lnRef>
-            <a:fillRef idx="1">
-              <a:schemeClr val="accent1"/>
-            </a:fillRef>
-            <a:effectRef idx="0">
-              <a:schemeClr val="accent1"/>
-            </a:effectRef>
-            <a:fontRef idx="minor">
-              <a:schemeClr val="lt1"/>
-            </a:fontRef>
-          </p:style>
-          <p:txBody>
-            <a:bodyPr rtlCol="0" anchor="ctr"/>
-            <a:lstStyle/>
-            <a:p>
-              <a:pPr marL="0" marR="0" lvl="0" indent="0" algn="ctr" defTabSz="457200" rtl="0" eaLnBrk="1" fontAlgn="auto" latinLnBrk="0" hangingPunct="1">
-                <a:lnSpc>
-                  <a:spcPct val="100000"/>
-                </a:lnSpc>
-                <a:spcBef>
-                  <a:spcPts val="0"/>
-                </a:spcBef>
-                <a:spcAft>
-                  <a:spcPts val="0"/>
-                </a:spcAft>
-                <a:buClrTx/>
-                <a:buSzTx/>
-                <a:buFontTx/>
-                <a:buNone/>
-                <a:tabLst/>
-                <a:defRPr/>
-              </a:pPr>
-              <a:endParaRPr kumimoji="0" lang="ko-KR" altLang="en-US" sz="1800" b="0" i="0" u="none" strike="noStrike" kern="1200" cap="none" spc="0" normalizeH="0" baseline="0" noProof="0">
-                <a:ln>
-                  <a:noFill/>
-                </a:ln>
-                <a:solidFill>
-                  <a:prstClr val="white"/>
-                </a:solidFill>
-                <a:effectLst/>
-                <a:uLnTx/>
-                <a:uFillTx/>
-                <a:latin typeface="Calibri" panose="020F0502020204030204"/>
-                <a:ea typeface="맑은 고딕" panose="020B0503020000020004" pitchFamily="50" charset="-127"/>
-                <a:cs typeface="+mn-cs"/>
-              </a:endParaRPr>
-            </a:p>
-          </p:txBody>
-        </p:sp>
-        <p:sp>
-          <p:nvSpPr>
-            <p:cNvPr id="55" name="직사각형 54">
-              <a:extLst>
-                <a:ext uri="{FF2B5EF4-FFF2-40B4-BE49-F238E27FC236}">
-                  <a16:creationId xmlns:a16="http://schemas.microsoft.com/office/drawing/2014/main" id="{CBD5CB30-0374-4E86-8AE2-5380B7CAC7B4}"/>
-                </a:ext>
-              </a:extLst>
-            </p:cNvPr>
-            <p:cNvSpPr/>
-            <p:nvPr/>
-          </p:nvSpPr>
-          <p:spPr>
-            <a:xfrm>
-              <a:off x="4330700" y="787400"/>
-              <a:ext cx="482600" cy="1549400"/>
-            </a:xfrm>
-            <a:prstGeom prst="rect">
-              <a:avLst/>
-            </a:prstGeom>
-            <a:solidFill>
-              <a:schemeClr val="accent3"/>
-            </a:solidFill>
-            <a:ln>
-              <a:noFill/>
-            </a:ln>
-          </p:spPr>
-          <p:style>
-            <a:lnRef idx="2">
-              <a:schemeClr val="accent1">
-                <a:shade val="50000"/>
-              </a:schemeClr>
-            </a:lnRef>
-            <a:fillRef idx="1">
-              <a:schemeClr val="accent1"/>
-            </a:fillRef>
-            <a:effectRef idx="0">
-              <a:schemeClr val="accent1"/>
-            </a:effectRef>
-            <a:fontRef idx="minor">
-              <a:schemeClr val="lt1"/>
-            </a:fontRef>
-          </p:style>
-          <p:txBody>
-            <a:bodyPr rtlCol="0" anchor="ctr"/>
-            <a:lstStyle/>
-            <a:p>
-              <a:pPr marL="0" marR="0" lvl="0" indent="0" algn="ctr" defTabSz="457200" rtl="0" eaLnBrk="1" fontAlgn="auto" latinLnBrk="0" hangingPunct="1">
-                <a:lnSpc>
-                  <a:spcPct val="100000"/>
-                </a:lnSpc>
-                <a:spcBef>
-                  <a:spcPts val="0"/>
-                </a:spcBef>
-                <a:spcAft>
-                  <a:spcPts val="0"/>
-                </a:spcAft>
-                <a:buClrTx/>
-                <a:buSzTx/>
-                <a:buFontTx/>
-                <a:buNone/>
-                <a:tabLst/>
-                <a:defRPr/>
-              </a:pPr>
-              <a:endParaRPr kumimoji="0" lang="ko-KR" altLang="en-US" sz="1800" b="0" i="0" u="none" strike="noStrike" kern="1200" cap="none" spc="0" normalizeH="0" baseline="0" noProof="0">
-                <a:ln>
-                  <a:noFill/>
-                </a:ln>
-                <a:solidFill>
-                  <a:prstClr val="white"/>
-                </a:solidFill>
-                <a:effectLst/>
-                <a:uLnTx/>
-                <a:uFillTx/>
-                <a:latin typeface="Calibri" panose="020F0502020204030204"/>
-                <a:ea typeface="맑은 고딕" panose="020B0503020000020004" pitchFamily="50" charset="-127"/>
-                <a:cs typeface="+mn-cs"/>
-              </a:endParaRPr>
-            </a:p>
-          </p:txBody>
-        </p:sp>
-        <p:sp>
-          <p:nvSpPr>
-            <p:cNvPr id="56" name="직사각형 55">
-              <a:extLst>
-                <a:ext uri="{FF2B5EF4-FFF2-40B4-BE49-F238E27FC236}">
-                  <a16:creationId xmlns:a16="http://schemas.microsoft.com/office/drawing/2014/main" id="{446901C8-7A12-409A-BE33-E94EEA30372C}"/>
-                </a:ext>
-              </a:extLst>
-            </p:cNvPr>
-            <p:cNvSpPr/>
-            <p:nvPr/>
-          </p:nvSpPr>
-          <p:spPr>
-            <a:xfrm>
-              <a:off x="4813300" y="787400"/>
-              <a:ext cx="482600" cy="2146300"/>
-            </a:xfrm>
-            <a:prstGeom prst="rect">
-              <a:avLst/>
-            </a:prstGeom>
-            <a:solidFill>
-              <a:schemeClr val="accent4"/>
-            </a:solidFill>
-            <a:ln>
-              <a:noFill/>
-            </a:ln>
-          </p:spPr>
-          <p:style>
-            <a:lnRef idx="2">
-              <a:schemeClr val="accent1">
-                <a:shade val="50000"/>
-              </a:schemeClr>
-            </a:lnRef>
-            <a:fillRef idx="1">
-              <a:schemeClr val="accent1"/>
-            </a:fillRef>
-            <a:effectRef idx="0">
-              <a:schemeClr val="accent1"/>
-            </a:effectRef>
-            <a:fontRef idx="minor">
-              <a:schemeClr val="lt1"/>
-            </a:fontRef>
-          </p:style>
-          <p:txBody>
-            <a:bodyPr rtlCol="0" anchor="ctr"/>
-            <a:lstStyle/>
-            <a:p>
-              <a:pPr marL="0" marR="0" lvl="0" indent="0" algn="ctr" defTabSz="457200" rtl="0" eaLnBrk="1" fontAlgn="auto" latinLnBrk="0" hangingPunct="1">
-                <a:lnSpc>
-                  <a:spcPct val="100000"/>
-                </a:lnSpc>
-                <a:spcBef>
-                  <a:spcPts val="0"/>
-                </a:spcBef>
-                <a:spcAft>
-                  <a:spcPts val="0"/>
-                </a:spcAft>
-                <a:buClrTx/>
-                <a:buSzTx/>
-                <a:buFontTx/>
-                <a:buNone/>
-                <a:tabLst/>
-                <a:defRPr/>
-              </a:pPr>
-              <a:endParaRPr kumimoji="0" lang="ko-KR" altLang="en-US" sz="1800" b="0" i="0" u="none" strike="noStrike" kern="1200" cap="none" spc="0" normalizeH="0" baseline="0" noProof="0">
-                <a:ln>
-                  <a:noFill/>
-                </a:ln>
-                <a:solidFill>
-                  <a:prstClr val="white"/>
-                </a:solidFill>
-                <a:effectLst/>
-                <a:uLnTx/>
-                <a:uFillTx/>
-                <a:latin typeface="Calibri" panose="020F0502020204030204"/>
-                <a:ea typeface="맑은 고딕" panose="020B0503020000020004" pitchFamily="50" charset="-127"/>
-                <a:cs typeface="+mn-cs"/>
-              </a:endParaRPr>
-            </a:p>
-          </p:txBody>
-        </p:sp>
-        <p:sp>
-          <p:nvSpPr>
-            <p:cNvPr id="57" name="직사각형 56">
-              <a:extLst>
-                <a:ext uri="{FF2B5EF4-FFF2-40B4-BE49-F238E27FC236}">
-                  <a16:creationId xmlns:a16="http://schemas.microsoft.com/office/drawing/2014/main" id="{7E9FB665-3488-4BA5-9BEA-977B86FCB5B1}"/>
-                </a:ext>
-              </a:extLst>
-            </p:cNvPr>
-            <p:cNvSpPr/>
-            <p:nvPr/>
-          </p:nvSpPr>
-          <p:spPr>
-            <a:xfrm>
-              <a:off x="5295900" y="787400"/>
-              <a:ext cx="482600" cy="1778000"/>
-            </a:xfrm>
-            <a:prstGeom prst="rect">
-              <a:avLst/>
-            </a:prstGeom>
-            <a:solidFill>
-              <a:schemeClr val="accent5"/>
-            </a:solidFill>
-            <a:ln>
-              <a:noFill/>
-            </a:ln>
-          </p:spPr>
-          <p:style>
-            <a:lnRef idx="2">
-              <a:schemeClr val="accent1">
-                <a:shade val="50000"/>
-              </a:schemeClr>
-            </a:lnRef>
-            <a:fillRef idx="1">
-              <a:schemeClr val="accent1"/>
-            </a:fillRef>
-            <a:effectRef idx="0">
-              <a:schemeClr val="accent1"/>
-            </a:effectRef>
-            <a:fontRef idx="minor">
-              <a:schemeClr val="lt1"/>
-            </a:fontRef>
-          </p:style>
-          <p:txBody>
-            <a:bodyPr rtlCol="0" anchor="ctr"/>
-            <a:lstStyle/>
-            <a:p>
-              <a:pPr marL="0" marR="0" lvl="0" indent="0" algn="ctr" defTabSz="457200" rtl="0" eaLnBrk="1" fontAlgn="auto" latinLnBrk="0" hangingPunct="1">
-                <a:lnSpc>
-                  <a:spcPct val="100000"/>
-                </a:lnSpc>
-                <a:spcBef>
-                  <a:spcPts val="0"/>
-                </a:spcBef>
-                <a:spcAft>
-                  <a:spcPts val="0"/>
-                </a:spcAft>
-                <a:buClrTx/>
-                <a:buSzTx/>
-                <a:buFontTx/>
-                <a:buNone/>
-                <a:tabLst/>
-                <a:defRPr/>
-              </a:pPr>
-              <a:endParaRPr kumimoji="0" lang="ko-KR" altLang="en-US" sz="1800" b="0" i="0" u="none" strike="noStrike" kern="1200" cap="none" spc="0" normalizeH="0" baseline="0" noProof="0">
-                <a:ln>
-                  <a:noFill/>
-                </a:ln>
-                <a:solidFill>
-                  <a:prstClr val="white"/>
-                </a:solidFill>
-                <a:effectLst/>
-                <a:uLnTx/>
-                <a:uFillTx/>
-                <a:latin typeface="Calibri" panose="020F0502020204030204"/>
-                <a:ea typeface="맑은 고딕" panose="020B0503020000020004" pitchFamily="50" charset="-127"/>
-                <a:cs typeface="+mn-cs"/>
-              </a:endParaRPr>
-            </a:p>
-          </p:txBody>
-        </p:sp>
-        <p:sp>
-          <p:nvSpPr>
-            <p:cNvPr id="58" name="타원 57">
-              <a:extLst>
-                <a:ext uri="{FF2B5EF4-FFF2-40B4-BE49-F238E27FC236}">
-                  <a16:creationId xmlns:a16="http://schemas.microsoft.com/office/drawing/2014/main" id="{B5F25B34-BE29-41A8-A207-3D7DBC4514AD}"/>
-                </a:ext>
-              </a:extLst>
-            </p:cNvPr>
-            <p:cNvSpPr/>
-            <p:nvPr/>
-          </p:nvSpPr>
-          <p:spPr>
-            <a:xfrm>
-              <a:off x="5295900" y="2311400"/>
-              <a:ext cx="482600" cy="482600"/>
-            </a:xfrm>
-            <a:prstGeom prst="ellipse">
-              <a:avLst/>
-            </a:prstGeom>
-            <a:solidFill>
-              <a:schemeClr val="accent5"/>
-            </a:solidFill>
-            <a:ln>
-              <a:noFill/>
-            </a:ln>
-          </p:spPr>
-          <p:style>
-            <a:lnRef idx="2">
-              <a:schemeClr val="accent1">
-                <a:shade val="50000"/>
-              </a:schemeClr>
-            </a:lnRef>
-            <a:fillRef idx="1">
-              <a:schemeClr val="accent1"/>
-            </a:fillRef>
-            <a:effectRef idx="0">
-              <a:schemeClr val="accent1"/>
-            </a:effectRef>
-            <a:fontRef idx="minor">
-              <a:schemeClr val="lt1"/>
-            </a:fontRef>
-          </p:style>
-          <p:txBody>
-            <a:bodyPr rtlCol="0" anchor="ctr"/>
-            <a:lstStyle/>
-            <a:p>
-              <a:pPr marL="0" marR="0" lvl="0" indent="0" algn="ctr" defTabSz="457200" rtl="0" eaLnBrk="1" fontAlgn="auto" latinLnBrk="0" hangingPunct="1">
-                <a:lnSpc>
-                  <a:spcPct val="100000"/>
-                </a:lnSpc>
-                <a:spcBef>
-                  <a:spcPts val="0"/>
-                </a:spcBef>
-                <a:spcAft>
-                  <a:spcPts val="0"/>
-                </a:spcAft>
-                <a:buClrTx/>
-                <a:buSzTx/>
-                <a:buFontTx/>
-                <a:buNone/>
-                <a:tabLst/>
-                <a:defRPr/>
-              </a:pPr>
-              <a:endParaRPr kumimoji="0" lang="ko-KR" altLang="en-US" sz="1800" b="0" i="0" u="none" strike="noStrike" kern="1200" cap="none" spc="0" normalizeH="0" baseline="0" noProof="0">
-                <a:ln>
-                  <a:noFill/>
-                </a:ln>
-                <a:solidFill>
-                  <a:prstClr val="white"/>
-                </a:solidFill>
-                <a:effectLst/>
-                <a:uLnTx/>
-                <a:uFillTx/>
-                <a:latin typeface="Calibri" panose="020F0502020204030204"/>
-                <a:ea typeface="맑은 고딕" panose="020B0503020000020004" pitchFamily="50" charset="-127"/>
-                <a:cs typeface="+mn-cs"/>
-              </a:endParaRPr>
-            </a:p>
-          </p:txBody>
-        </p:sp>
-      </p:grpSp>
-      <p:sp>
-        <p:nvSpPr>
-          <p:cNvPr id="3" name="슬라이드 번호 개체 틀 2">
-            <a:extLst>
-              <a:ext uri="{FF2B5EF4-FFF2-40B4-BE49-F238E27FC236}">
-                <a16:creationId xmlns:a16="http://schemas.microsoft.com/office/drawing/2014/main" id="{66E51C82-DB0C-4FCB-BF9C-A91A0D00D728}"/>
-              </a:ext>
-            </a:extLst>
-          </p:cNvPr>
-          <p:cNvSpPr>
-            <a:spLocks noGrp="1"/>
-          </p:cNvSpPr>
-          <p:nvPr>
-            <p:ph type="sldNum" sz="quarter" idx="12"/>
-          </p:nvPr>
-        </p:nvSpPr>
-        <p:spPr/>
-        <p:txBody>
-          <a:bodyPr/>
-          <a:lstStyle/>
-          <a:p>
-            <a:fld id="{08264B4F-A738-4007-92FF-2A6017BB0CEE}" type="slidenum">
-              <a:rPr lang="ko-KR" altLang="en-US" smtClean="0"/>
-              <a:t>20</a:t>
-            </a:fld>
-            <a:endParaRPr lang="ko-KR" altLang="en-US"/>
-          </a:p>
-        </p:txBody>
-      </p:sp>
-      <p:graphicFrame>
-        <p:nvGraphicFramePr>
-          <p:cNvPr id="18" name="표 17">
-            <a:extLst>
-              <a:ext uri="{FF2B5EF4-FFF2-40B4-BE49-F238E27FC236}">
-                <a16:creationId xmlns:a16="http://schemas.microsoft.com/office/drawing/2014/main" id="{497FE4BD-FFEF-435C-8EE7-BD45C49D24ED}"/>
-              </a:ext>
-            </a:extLst>
-          </p:cNvPr>
-          <p:cNvGraphicFramePr>
-            <a:graphicFrameLocks noGrp="1"/>
-          </p:cNvGraphicFramePr>
-          <p:nvPr>
-            <p:extLst>
-              <p:ext uri="{D42A27DB-BD31-4B8C-83A1-F6EECF244321}">
-                <p14:modId xmlns:p14="http://schemas.microsoft.com/office/powerpoint/2010/main" val="3333045574"/>
-              </p:ext>
-            </p:extLst>
-          </p:nvPr>
-        </p:nvGraphicFramePr>
-        <p:xfrm>
-          <a:off x="1173913" y="1597313"/>
-          <a:ext cx="9223700" cy="3165108"/>
-        </p:xfrm>
-        <a:graphic>
-          <a:graphicData uri="http://schemas.openxmlformats.org/drawingml/2006/table">
-            <a:tbl>
-              <a:tblPr firstRow="1" bandRow="1">
-                <a:tableStyleId>{F5AB1C69-6EDB-4FF4-983F-18BD219EF322}</a:tableStyleId>
-              </a:tblPr>
-              <a:tblGrid>
-                <a:gridCol w="2305925">
-                  <a:extLst>
-                    <a:ext uri="{9D8B030D-6E8A-4147-A177-3AD203B41FA5}">
-                      <a16:colId xmlns:a16="http://schemas.microsoft.com/office/drawing/2014/main" val="181318224"/>
-                    </a:ext>
-                  </a:extLst>
-                </a:gridCol>
-                <a:gridCol w="2305925">
-                  <a:extLst>
-                    <a:ext uri="{9D8B030D-6E8A-4147-A177-3AD203B41FA5}">
-                      <a16:colId xmlns:a16="http://schemas.microsoft.com/office/drawing/2014/main" val="2731113356"/>
-                    </a:ext>
-                  </a:extLst>
-                </a:gridCol>
-                <a:gridCol w="2305925">
-                  <a:extLst>
-                    <a:ext uri="{9D8B030D-6E8A-4147-A177-3AD203B41FA5}">
-                      <a16:colId xmlns:a16="http://schemas.microsoft.com/office/drawing/2014/main" val="3756874538"/>
-                    </a:ext>
-                  </a:extLst>
-                </a:gridCol>
-                <a:gridCol w="2305925">
-                  <a:extLst>
-                    <a:ext uri="{9D8B030D-6E8A-4147-A177-3AD203B41FA5}">
-                      <a16:colId xmlns:a16="http://schemas.microsoft.com/office/drawing/2014/main" val="1020792605"/>
-                    </a:ext>
-                  </a:extLst>
-                </a:gridCol>
-              </a:tblGrid>
-              <a:tr h="752615">
-                <a:tc>
-                  <a:txBody>
-                    <a:bodyPr/>
-                    <a:lstStyle/>
-                    <a:p>
-                      <a:pPr algn="ctr" latinLnBrk="1"/>
-                      <a:r>
-                        <a:rPr lang="ko-KR" altLang="en-US" dirty="0" err="1">
-                          <a:latin typeface="휴먼모음T" panose="02030504000101010101" pitchFamily="18" charset="-127"/>
-                          <a:ea typeface="휴먼모음T" panose="02030504000101010101" pitchFamily="18" charset="-127"/>
-                        </a:rPr>
-                        <a:t>강필우</a:t>
-                      </a:r>
-                      <a:endParaRPr lang="ko-KR" altLang="en-US" dirty="0">
-                        <a:latin typeface="휴먼모음T" panose="02030504000101010101" pitchFamily="18" charset="-127"/>
-                        <a:ea typeface="휴먼모음T" panose="02030504000101010101" pitchFamily="18" charset="-127"/>
-                      </a:endParaRPr>
-                    </a:p>
-                  </a:txBody>
-                  <a:tcPr anchor="ctr"/>
-                </a:tc>
-                <a:tc>
-                  <a:txBody>
-                    <a:bodyPr/>
-                    <a:lstStyle/>
-                    <a:p>
-                      <a:pPr algn="ctr" latinLnBrk="1"/>
-                      <a:r>
-                        <a:rPr lang="ko-KR" altLang="en-US" dirty="0">
-                          <a:latin typeface="휴먼모음T" panose="02030504000101010101" pitchFamily="18" charset="-127"/>
-                          <a:ea typeface="휴먼모음T" panose="02030504000101010101" pitchFamily="18" charset="-127"/>
-                        </a:rPr>
-                        <a:t>송재호</a:t>
-                      </a:r>
-                    </a:p>
-                  </a:txBody>
-                  <a:tcPr anchor="ctr"/>
-                </a:tc>
-                <a:tc>
-                  <a:txBody>
-                    <a:bodyPr/>
-                    <a:lstStyle/>
-                    <a:p>
-                      <a:pPr algn="ctr" latinLnBrk="1"/>
-                      <a:r>
-                        <a:rPr lang="ko-KR" altLang="en-US" dirty="0">
-                          <a:latin typeface="휴먼모음T" panose="02030504000101010101" pitchFamily="18" charset="-127"/>
-                          <a:ea typeface="휴먼모음T" panose="02030504000101010101" pitchFamily="18" charset="-127"/>
-                        </a:rPr>
-                        <a:t>오준혁</a:t>
-                      </a:r>
-                    </a:p>
-                  </a:txBody>
-                  <a:tcPr anchor="ctr"/>
-                </a:tc>
-                <a:tc>
-                  <a:txBody>
-                    <a:bodyPr/>
-                    <a:lstStyle/>
-                    <a:p>
-                      <a:pPr algn="ctr" latinLnBrk="1"/>
-                      <a:r>
-                        <a:rPr lang="ko-KR" altLang="en-US" dirty="0">
-                          <a:latin typeface="휴먼모음T" panose="02030504000101010101" pitchFamily="18" charset="-127"/>
-                          <a:ea typeface="휴먼모음T" panose="02030504000101010101" pitchFamily="18" charset="-127"/>
-                        </a:rPr>
-                        <a:t>김주형</a:t>
-                      </a:r>
-                      <a:endParaRPr lang="en-US" altLang="ko-KR" dirty="0">
-                        <a:latin typeface="휴먼모음T" panose="02030504000101010101" pitchFamily="18" charset="-127"/>
-                        <a:ea typeface="휴먼모음T" panose="02030504000101010101" pitchFamily="18" charset="-127"/>
-                      </a:endParaRPr>
-                    </a:p>
-                  </a:txBody>
-                  <a:tcPr anchor="ctr"/>
-                </a:tc>
-                <a:extLst>
-                  <a:ext uri="{0D108BD9-81ED-4DB2-BD59-A6C34878D82A}">
-                    <a16:rowId xmlns:a16="http://schemas.microsoft.com/office/drawing/2014/main" val="1001260178"/>
-                  </a:ext>
-                </a:extLst>
-              </a:tr>
-              <a:tr h="2412493">
-                <a:tc>
-                  <a:txBody>
-                    <a:bodyPr/>
-                    <a:lstStyle/>
-                    <a:p>
-                      <a:pPr algn="ctr" latinLnBrk="1"/>
-                      <a:r>
-                        <a:rPr lang="ko-KR" altLang="en-US" dirty="0">
-                          <a:latin typeface="휴먼모음T" panose="02030504000101010101" pitchFamily="18" charset="-127"/>
-                          <a:ea typeface="휴먼모음T" panose="02030504000101010101" pitchFamily="18" charset="-127"/>
-                          <a:cs typeface="Arial" panose="020B0604020202020204" pitchFamily="34" charset="0"/>
-                        </a:rPr>
-                        <a:t>▪애플리케이션 기능 </a:t>
-                      </a:r>
-                      <a:endParaRPr lang="en-US" altLang="ko-KR" dirty="0">
-                        <a:latin typeface="휴먼모음T" panose="02030504000101010101" pitchFamily="18" charset="-127"/>
-                        <a:ea typeface="휴먼모음T" panose="02030504000101010101" pitchFamily="18" charset="-127"/>
-                        <a:cs typeface="Arial" panose="020B0604020202020204" pitchFamily="34" charset="0"/>
-                      </a:endParaRPr>
-                    </a:p>
-                    <a:p>
-                      <a:pPr algn="ctr" latinLnBrk="1"/>
-                      <a:r>
-                        <a:rPr lang="ko-KR" altLang="en-US" dirty="0">
-                          <a:latin typeface="휴먼모음T" panose="02030504000101010101" pitchFamily="18" charset="-127"/>
-                          <a:ea typeface="휴먼모음T" panose="02030504000101010101" pitchFamily="18" charset="-127"/>
-                          <a:cs typeface="Arial" panose="020B0604020202020204" pitchFamily="34" charset="0"/>
-                        </a:rPr>
-                        <a:t>제작</a:t>
-                      </a:r>
-                      <a:endParaRPr lang="en-US" altLang="ko-KR" dirty="0">
-                        <a:latin typeface="휴먼모음T" panose="02030504000101010101" pitchFamily="18" charset="-127"/>
-                        <a:ea typeface="휴먼모음T" panose="02030504000101010101" pitchFamily="18" charset="-127"/>
-                      </a:endParaRPr>
-                    </a:p>
-                  </a:txBody>
-                  <a:tcPr anchor="ctr"/>
-                </a:tc>
-                <a:tc>
-                  <a:txBody>
-                    <a:bodyPr/>
-                    <a:lstStyle/>
-                    <a:p>
-                      <a:pPr algn="ctr" latinLnBrk="1"/>
-                      <a:r>
-                        <a:rPr lang="ko-KR" altLang="en-US" dirty="0">
-                          <a:latin typeface="휴먼모음T" panose="02030504000101010101" pitchFamily="18" charset="-127"/>
-                          <a:ea typeface="휴먼모음T" panose="02030504000101010101" pitchFamily="18" charset="-127"/>
-                          <a:cs typeface="Arial" panose="020B0604020202020204" pitchFamily="34" charset="0"/>
-                        </a:rPr>
-                        <a:t>▪애플리케이션 기능 </a:t>
-                      </a:r>
-                      <a:endParaRPr lang="en-US" altLang="ko-KR" dirty="0">
-                        <a:latin typeface="휴먼모음T" panose="02030504000101010101" pitchFamily="18" charset="-127"/>
-                        <a:ea typeface="휴먼모음T" panose="02030504000101010101" pitchFamily="18" charset="-127"/>
-                        <a:cs typeface="Arial" panose="020B0604020202020204" pitchFamily="34" charset="0"/>
-                      </a:endParaRPr>
-                    </a:p>
-                    <a:p>
-                      <a:pPr algn="ctr" latinLnBrk="1"/>
-                      <a:r>
-                        <a:rPr lang="ko-KR" altLang="en-US" dirty="0">
-                          <a:latin typeface="휴먼모음T" panose="02030504000101010101" pitchFamily="18" charset="-127"/>
-                          <a:ea typeface="휴먼모음T" panose="02030504000101010101" pitchFamily="18" charset="-127"/>
-                          <a:cs typeface="Arial" panose="020B0604020202020204" pitchFamily="34" charset="0"/>
-                        </a:rPr>
-                        <a:t>제작</a:t>
-                      </a:r>
-                      <a:endParaRPr lang="ko-KR" altLang="en-US" dirty="0">
-                        <a:latin typeface="휴먼모음T" panose="02030504000101010101" pitchFamily="18" charset="-127"/>
-                        <a:ea typeface="휴먼모음T" panose="02030504000101010101" pitchFamily="18" charset="-127"/>
-                      </a:endParaRPr>
-                    </a:p>
-                  </a:txBody>
-                  <a:tcPr anchor="ctr"/>
-                </a:tc>
-                <a:tc>
-                  <a:txBody>
-                    <a:bodyPr/>
-                    <a:lstStyle/>
-                    <a:p>
-                      <a:pPr algn="ctr" latinLnBrk="1"/>
-                      <a:r>
-                        <a:rPr lang="ko-KR" altLang="en-US" dirty="0">
-                          <a:latin typeface="휴먼모음T" panose="02030504000101010101" pitchFamily="18" charset="-127"/>
-                          <a:ea typeface="휴먼모음T" panose="02030504000101010101" pitchFamily="18" charset="-127"/>
-                          <a:cs typeface="Arial" panose="020B0604020202020204" pitchFamily="34" charset="0"/>
-                        </a:rPr>
-                        <a:t>▪ </a:t>
-                      </a:r>
-                      <a:r>
-                        <a:rPr lang="ko-KR" altLang="en-US" dirty="0" err="1">
-                          <a:latin typeface="휴먼모음T" panose="02030504000101010101" pitchFamily="18" charset="-127"/>
-                          <a:ea typeface="휴먼모음T" panose="02030504000101010101" pitchFamily="18" charset="-127"/>
-                          <a:cs typeface="Arial" panose="020B0604020202020204" pitchFamily="34" charset="0"/>
-                        </a:rPr>
-                        <a:t>아두이노</a:t>
-                      </a:r>
-                      <a:r>
-                        <a:rPr lang="ko-KR" altLang="en-US" dirty="0">
-                          <a:latin typeface="휴먼모음T" panose="02030504000101010101" pitchFamily="18" charset="-127"/>
-                          <a:ea typeface="휴먼모음T" panose="02030504000101010101" pitchFamily="18" charset="-127"/>
-                          <a:cs typeface="Arial" panose="020B0604020202020204" pitchFamily="34" charset="0"/>
-                        </a:rPr>
-                        <a:t> 구현</a:t>
-                      </a:r>
-                      <a:endParaRPr lang="en-US" altLang="ko-KR" dirty="0">
-                        <a:latin typeface="휴먼모음T" panose="02030504000101010101" pitchFamily="18" charset="-127"/>
-                        <a:ea typeface="휴먼모음T" panose="02030504000101010101" pitchFamily="18" charset="-127"/>
-                      </a:endParaRPr>
-                    </a:p>
-                  </a:txBody>
-                  <a:tcPr anchor="ctr"/>
-                </a:tc>
-                <a:tc>
-                  <a:txBody>
-                    <a:bodyPr/>
-                    <a:lstStyle/>
-                    <a:p>
-                      <a:pPr algn="ctr" latinLnBrk="1"/>
-                      <a:r>
-                        <a:rPr lang="ko-KR" altLang="en-US" dirty="0">
-                          <a:latin typeface="휴먼모음T" panose="02030504000101010101" pitchFamily="18" charset="-127"/>
-                          <a:ea typeface="휴먼모음T" panose="02030504000101010101" pitchFamily="18" charset="-127"/>
-                          <a:cs typeface="Arial" panose="020B0604020202020204" pitchFamily="34" charset="0"/>
-                        </a:rPr>
-                        <a:t>▪서버구축</a:t>
-                      </a:r>
-                      <a:endParaRPr lang="ko-KR" altLang="en-US" dirty="0">
-                        <a:latin typeface="휴먼모음T" panose="02030504000101010101" pitchFamily="18" charset="-127"/>
-                        <a:ea typeface="휴먼모음T" panose="02030504000101010101" pitchFamily="18" charset="-127"/>
-                      </a:endParaRPr>
-                    </a:p>
-                  </a:txBody>
-                  <a:tcPr anchor="ctr"/>
-                </a:tc>
-                <a:extLst>
-                  <a:ext uri="{0D108BD9-81ED-4DB2-BD59-A6C34878D82A}">
-                    <a16:rowId xmlns:a16="http://schemas.microsoft.com/office/drawing/2014/main" val="4183800579"/>
-                  </a:ext>
-                </a:extLst>
-              </a:tr>
-            </a:tbl>
-          </a:graphicData>
-        </a:graphic>
-      </p:graphicFrame>
-    </p:spTree>
-    <p:extLst>
-      <p:ext uri="{BB962C8B-B14F-4D97-AF65-F5344CB8AC3E}">
-        <p14:creationId xmlns:p14="http://schemas.microsoft.com/office/powerpoint/2010/main" val="1201979663"/>
-      </p:ext>
-    </p:extLst>
-  </p:cSld>
-  <p:clrMapOvr>
-    <a:masterClrMapping/>
-  </p:clrMapOvr>
-</p:sld>
-</file>
-
-<file path=ppt/slides/slide21.xml><?xml version="1.0" encoding="utf-8"?>
-<p:sld xmlns:a="http://schemas.openxmlformats.org/drawingml/2006/main" xmlns:r="http://schemas.openxmlformats.org/officeDocument/2006/relationships" xmlns:p="http://schemas.openxmlformats.org/presentationml/2006/main">
-  <p:cSld>
-    <p:spTree>
-      <p:nvGrpSpPr>
-        <p:cNvPr id="1" name=""/>
-        <p:cNvGrpSpPr/>
-        <p:nvPr/>
-      </p:nvGrpSpPr>
-      <p:grpSpPr>
-        <a:xfrm>
-          <a:off x="0" y="0"/>
-          <a:ext cx="0" cy="0"/>
-          <a:chOff x="0" y="0"/>
-          <a:chExt cx="0" cy="0"/>
-        </a:xfrm>
-      </p:grpSpPr>
       <p:sp>
         <p:nvSpPr>
           <p:cNvPr id="6" name="슬라이드 번호 개체 틀 5">
@@ -18240,7 +19575,7 @@
           <a:p>
             <a:fld id="{08264B4F-A738-4007-92FF-2A6017BB0CEE}" type="slidenum">
               <a:rPr lang="ko-KR" altLang="en-US" smtClean="0"/>
-              <a:t>21</a:t>
+              <a:t>20</a:t>
             </a:fld>
             <a:endParaRPr lang="ko-KR" altLang="en-US"/>
           </a:p>
@@ -18421,7 +19756,7 @@
 </p:sld>
 </file>
 
-<file path=ppt/slides/slide22.xml><?xml version="1.0" encoding="utf-8"?>
+<file path=ppt/slides/slide21.xml><?xml version="1.0" encoding="utf-8"?>
 <p:sld xmlns:a="http://schemas.openxmlformats.org/drawingml/2006/main" xmlns:r="http://schemas.openxmlformats.org/officeDocument/2006/relationships" xmlns:p="http://schemas.openxmlformats.org/presentationml/2006/main">
   <p:cSld>
     <p:spTree>
@@ -19502,7 +20837,7 @@
           <a:p>
             <a:fld id="{08264B4F-A738-4007-92FF-2A6017BB0CEE}" type="slidenum">
               <a:rPr lang="ko-KR" altLang="en-US" smtClean="0"/>
-              <a:t>22</a:t>
+              <a:t>21</a:t>
             </a:fld>
             <a:endParaRPr lang="ko-KR" altLang="en-US"/>
           </a:p>
@@ -19556,7 +20891,7 @@
 </p:sld>
 </file>
 
-<file path=ppt/slides/slide23.xml><?xml version="1.0" encoding="utf-8"?>
+<file path=ppt/slides/slide22.xml><?xml version="1.0" encoding="utf-8"?>
 <p:sld xmlns:a="http://schemas.openxmlformats.org/drawingml/2006/main" xmlns:r="http://schemas.openxmlformats.org/officeDocument/2006/relationships" xmlns:p="http://schemas.openxmlformats.org/presentationml/2006/main">
   <p:cSld>
     <p:spTree>
@@ -19601,7 +20936,7 @@
           <a:p>
             <a:fld id="{08264B4F-A738-4007-92FF-2A6017BB0CEE}" type="slidenum">
               <a:rPr lang="ko-KR" altLang="en-US" smtClean="0"/>
-              <a:t>23</a:t>
+              <a:t>22</a:t>
             </a:fld>
             <a:endParaRPr lang="ko-KR" altLang="en-US"/>
           </a:p>
@@ -19782,7 +21117,7 @@
 </p:sld>
 </file>
 
-<file path=ppt/slides/slide24.xml><?xml version="1.0" encoding="utf-8"?>
+<file path=ppt/slides/slide23.xml><?xml version="1.0" encoding="utf-8"?>
 <p:sld xmlns:a="http://schemas.openxmlformats.org/drawingml/2006/main" xmlns:r="http://schemas.openxmlformats.org/officeDocument/2006/relationships" xmlns:p="http://schemas.openxmlformats.org/presentationml/2006/main">
   <p:cSld>
     <p:spTree>
@@ -20863,7 +22198,7 @@
           <a:p>
             <a:fld id="{08264B4F-A738-4007-92FF-2A6017BB0CEE}" type="slidenum">
               <a:rPr lang="ko-KR" altLang="en-US" smtClean="0"/>
-              <a:t>24</a:t>
+              <a:t>23</a:t>
             </a:fld>
             <a:endParaRPr lang="ko-KR" altLang="en-US"/>
           </a:p>
@@ -21163,7 +22498,7 @@
 </p:sld>
 </file>
 
-<file path=ppt/slides/slide25.xml><?xml version="1.0" encoding="utf-8"?>
+<file path=ppt/slides/slide24.xml><?xml version="1.0" encoding="utf-8"?>
 <p:sld xmlns:a="http://schemas.openxmlformats.org/drawingml/2006/main" xmlns:r="http://schemas.openxmlformats.org/officeDocument/2006/relationships" xmlns:p="http://schemas.openxmlformats.org/presentationml/2006/main">
   <p:cSld>
     <p:spTree>
@@ -21571,104 +22906,6 @@
           </a:fontRef>
         </p:style>
       </p:cxnSp>
-      <p:sp>
-        <p:nvSpPr>
-          <p:cNvPr id="20" name="TextBox 19"/>
-          <p:cNvSpPr txBox="1"/>
-          <p:nvPr/>
-        </p:nvSpPr>
-        <p:spPr>
-          <a:xfrm>
-            <a:off x="1161964" y="-119853"/>
-            <a:ext cx="806631" cy="769441"/>
-          </a:xfrm>
-          <a:prstGeom prst="rect">
-            <a:avLst/>
-          </a:prstGeom>
-          <a:noFill/>
-          <a:ln>
-            <a:noFill/>
-          </a:ln>
-        </p:spPr>
-        <p:txBody>
-          <a:bodyPr wrap="none" rtlCol="0">
-            <a:spAutoFit/>
-          </a:bodyPr>
-          <a:lstStyle/>
-          <a:p>
-            <a:r>
-              <a:rPr lang="en-US" altLang="ko-KR" sz="4400" dirty="0">
-                <a:ln>
-                  <a:solidFill>
-                    <a:schemeClr val="bg1">
-                      <a:alpha val="0"/>
-                    </a:schemeClr>
-                  </a:solidFill>
-                </a:ln>
-                <a:solidFill>
-                  <a:srgbClr val="4ABA1A"/>
-                </a:solidFill>
-                <a:latin typeface="휴먼모음T" panose="02030504000101010101" pitchFamily="18" charset="-127"/>
-                <a:ea typeface="휴먼모음T" panose="02030504000101010101" pitchFamily="18" charset="-127"/>
-              </a:rPr>
-              <a:t>01</a:t>
-            </a:r>
-            <a:endParaRPr lang="en-US" altLang="ko-KR" sz="1400" dirty="0">
-              <a:ln>
-                <a:solidFill>
-                  <a:schemeClr val="bg1">
-                    <a:alpha val="0"/>
-                  </a:schemeClr>
-                </a:solidFill>
-              </a:ln>
-              <a:solidFill>
-                <a:srgbClr val="4ABA1A"/>
-              </a:solidFill>
-              <a:latin typeface="휴먼모음T" panose="02030504000101010101" pitchFamily="18" charset="-127"/>
-              <a:ea typeface="휴먼모음T" panose="02030504000101010101" pitchFamily="18" charset="-127"/>
-            </a:endParaRPr>
-          </a:p>
-        </p:txBody>
-      </p:sp>
-      <p:sp>
-        <p:nvSpPr>
-          <p:cNvPr id="21" name="TextBox 20"/>
-          <p:cNvSpPr txBox="1"/>
-          <p:nvPr/>
-        </p:nvSpPr>
-        <p:spPr>
-          <a:xfrm>
-            <a:off x="1819721" y="-35088"/>
-            <a:ext cx="6990450" cy="523220"/>
-          </a:xfrm>
-          <a:prstGeom prst="rect">
-            <a:avLst/>
-          </a:prstGeom>
-          <a:noFill/>
-          <a:ln>
-            <a:noFill/>
-          </a:ln>
-        </p:spPr>
-        <p:txBody>
-          <a:bodyPr wrap="square" rtlCol="0">
-            <a:spAutoFit/>
-          </a:bodyPr>
-          <a:lstStyle/>
-          <a:p>
-            <a:r>
-              <a:rPr lang="ko-KR" altLang="en-US" sz="2800" b="1" dirty="0">
-                <a:latin typeface="휴먼모음T" panose="02030504000101010101" pitchFamily="18" charset="-127"/>
-                <a:ea typeface="휴먼모음T" panose="02030504000101010101" pitchFamily="18" charset="-127"/>
-              </a:rPr>
-              <a:t>종합 설계 개요</a:t>
-            </a:r>
-            <a:endParaRPr lang="en-US" altLang="ko-KR" sz="2800" b="1" dirty="0">
-              <a:latin typeface="휴먼모음T" panose="02030504000101010101" pitchFamily="18" charset="-127"/>
-              <a:ea typeface="휴먼모음T" panose="02030504000101010101" pitchFamily="18" charset="-127"/>
-            </a:endParaRPr>
-          </a:p>
-        </p:txBody>
-      </p:sp>
       <p:grpSp>
         <p:nvGrpSpPr>
           <p:cNvPr id="22" name="그룹 21"/>
@@ -22146,139 +23383,6 @@
           </p:txBody>
         </p:sp>
       </p:grpSp>
-      <p:sp>
-        <p:nvSpPr>
-          <p:cNvPr id="34" name="TextBox 33">
-            <a:extLst>
-              <a:ext uri="{FF2B5EF4-FFF2-40B4-BE49-F238E27FC236}">
-                <a16:creationId xmlns:a16="http://schemas.microsoft.com/office/drawing/2014/main" id="{80CC8477-0B8B-48A0-A24A-44956E97B780}"/>
-              </a:ext>
-            </a:extLst>
-          </p:cNvPr>
-          <p:cNvSpPr txBox="1"/>
-          <p:nvPr/>
-        </p:nvSpPr>
-        <p:spPr>
-          <a:xfrm>
-            <a:off x="1173913" y="488132"/>
-            <a:ext cx="3889416" cy="523220"/>
-          </a:xfrm>
-          <a:prstGeom prst="rect">
-            <a:avLst/>
-          </a:prstGeom>
-          <a:noFill/>
-          <a:ln>
-            <a:noFill/>
-          </a:ln>
-        </p:spPr>
-        <p:txBody>
-          <a:bodyPr wrap="square" rtlCol="0">
-            <a:spAutoFit/>
-          </a:bodyPr>
-          <a:lstStyle/>
-          <a:p>
-            <a:r>
-              <a:rPr lang="ko-KR" altLang="en-US" sz="2800" b="1" dirty="0">
-                <a:ln>
-                  <a:solidFill>
-                    <a:schemeClr val="bg1">
-                      <a:alpha val="0"/>
-                    </a:schemeClr>
-                  </a:solidFill>
-                </a:ln>
-                <a:solidFill>
-                  <a:srgbClr val="00B050"/>
-                </a:solidFill>
-                <a:latin typeface="휴먼모음T" panose="02030504000101010101" pitchFamily="18" charset="-127"/>
-                <a:ea typeface="휴먼모음T" panose="02030504000101010101" pitchFamily="18" charset="-127"/>
-              </a:rPr>
-              <a:t>배경</a:t>
-            </a:r>
-            <a:r>
-              <a:rPr lang="en-US" altLang="ko-KR" sz="2800" b="1" dirty="0">
-                <a:ln>
-                  <a:solidFill>
-                    <a:schemeClr val="bg1">
-                      <a:alpha val="0"/>
-                    </a:schemeClr>
-                  </a:solidFill>
-                </a:ln>
-                <a:solidFill>
-                  <a:srgbClr val="00B050"/>
-                </a:solidFill>
-                <a:latin typeface="휴먼모음T" panose="02030504000101010101" pitchFamily="18" charset="-127"/>
-                <a:ea typeface="휴먼모음T" panose="02030504000101010101" pitchFamily="18" charset="-127"/>
-              </a:rPr>
-              <a:t>, </a:t>
-            </a:r>
-            <a:r>
-              <a:rPr lang="ko-KR" altLang="en-US" sz="2800" b="1" dirty="0">
-                <a:ln>
-                  <a:solidFill>
-                    <a:schemeClr val="bg1">
-                      <a:alpha val="0"/>
-                    </a:schemeClr>
-                  </a:solidFill>
-                </a:ln>
-                <a:solidFill>
-                  <a:srgbClr val="00B050"/>
-                </a:solidFill>
-                <a:latin typeface="휴먼모음T" panose="02030504000101010101" pitchFamily="18" charset="-127"/>
-                <a:ea typeface="휴먼모음T" panose="02030504000101010101" pitchFamily="18" charset="-127"/>
-              </a:rPr>
-              <a:t>목표</a:t>
-            </a:r>
-            <a:r>
-              <a:rPr lang="en-US" altLang="ko-KR" sz="2800" b="1" dirty="0">
-                <a:ln>
-                  <a:solidFill>
-                    <a:schemeClr val="bg1">
-                      <a:alpha val="0"/>
-                    </a:schemeClr>
-                  </a:solidFill>
-                </a:ln>
-                <a:solidFill>
-                  <a:srgbClr val="00B050"/>
-                </a:solidFill>
-                <a:latin typeface="휴먼모음T" panose="02030504000101010101" pitchFamily="18" charset="-127"/>
-                <a:ea typeface="휴먼모음T" panose="02030504000101010101" pitchFamily="18" charset="-127"/>
-              </a:rPr>
-              <a:t>, </a:t>
-            </a:r>
-            <a:r>
-              <a:rPr lang="ko-KR" altLang="en-US" sz="2800" b="1" dirty="0">
-                <a:ln>
-                  <a:solidFill>
-                    <a:schemeClr val="bg1">
-                      <a:alpha val="0"/>
-                    </a:schemeClr>
-                  </a:solidFill>
-                </a:ln>
-                <a:solidFill>
-                  <a:srgbClr val="00B050"/>
-                </a:solidFill>
-                <a:latin typeface="휴먼모음T" panose="02030504000101010101" pitchFamily="18" charset="-127"/>
-                <a:ea typeface="휴먼모음T" panose="02030504000101010101" pitchFamily="18" charset="-127"/>
-              </a:rPr>
-              <a:t>효과</a:t>
-            </a:r>
-            <a:endParaRPr lang="en-US" altLang="ko-KR" sz="2800" b="1" dirty="0">
-              <a:ln>
-                <a:solidFill>
-                  <a:schemeClr val="bg1">
-                    <a:alpha val="0"/>
-                  </a:schemeClr>
-                </a:solidFill>
-              </a:ln>
-              <a:solidFill>
-                <a:srgbClr val="00B050"/>
-              </a:solidFill>
-              <a:latin typeface="휴먼모음T" panose="02030504000101010101" pitchFamily="18" charset="-127"/>
-              <a:ea typeface="휴먼모음T" panose="02030504000101010101" pitchFamily="18" charset="-127"/>
-            </a:endParaRPr>
-          </a:p>
-        </p:txBody>
-      </p:sp>
       <p:sp>
         <p:nvSpPr>
           <p:cNvPr id="17" name="Text Box 2">
@@ -22383,8 +23487,8 @@
         </p:nvSpPr>
         <p:spPr bwMode="auto">
           <a:xfrm>
-            <a:off x="2950720" y="1464071"/>
-            <a:ext cx="7370757" cy="2031325"/>
+            <a:off x="2950720" y="1549586"/>
+            <a:ext cx="7370757" cy="1755673"/>
           </a:xfrm>
           <a:prstGeom prst="rect">
             <a:avLst/>
@@ -22470,7 +23574,7 @@
                 <a:latin typeface="휴먼모음T" panose="02030504000101010101" pitchFamily="18" charset="-127"/>
                 <a:ea typeface="휴먼모음T" panose="02030504000101010101" pitchFamily="18" charset="-127"/>
               </a:rPr>
-              <a:t>혼밥을</a:t>
+              <a:t>혼밥족이</a:t>
             </a:r>
             <a:r>
               <a:rPr lang="ko-KR" altLang="en-US" sz="2000" dirty="0">
@@ -22483,33 +23587,7 @@
                 <a:latin typeface="휴먼모음T" panose="02030504000101010101" pitchFamily="18" charset="-127"/>
                 <a:ea typeface="휴먼모음T" panose="02030504000101010101" pitchFamily="18" charset="-127"/>
               </a:rPr>
-              <a:t> </a:t>
-            </a:r>
-            <a:r>
-              <a:rPr lang="ko-KR" altLang="en-US" sz="2000" dirty="0" err="1">
-                <a:solidFill>
-                  <a:schemeClr val="tx1">
-                    <a:lumMod val="85000"/>
-                    <a:lumOff val="15000"/>
-                  </a:schemeClr>
-                </a:solidFill>
-                <a:latin typeface="휴먼모음T" panose="02030504000101010101" pitchFamily="18" charset="-127"/>
-                <a:ea typeface="휴먼모음T" panose="02030504000101010101" pitchFamily="18" charset="-127"/>
-              </a:rPr>
-              <a:t>즐겨찾고</a:t>
-            </a:r>
-            <a:r>
-              <a:rPr lang="ko-KR" altLang="en-US" sz="2000" dirty="0">
-                <a:solidFill>
-                  <a:schemeClr val="tx1">
-                    <a:lumMod val="85000"/>
-                    <a:lumOff val="15000"/>
-                  </a:schemeClr>
-                </a:solidFill>
-                <a:latin typeface="휴먼모음T" panose="02030504000101010101" pitchFamily="18" charset="-127"/>
-                <a:ea typeface="휴먼모음T" panose="02030504000101010101" pitchFamily="18" charset="-127"/>
-              </a:rPr>
-              <a:t> 있는 추세이다</a:t>
+              <a:t> 늘어나는 추세이다</a:t>
             </a:r>
             <a:r>
               <a:rPr lang="en-US" altLang="ko-KR" sz="2000" dirty="0">
@@ -22544,42 +23622,7 @@
                 <a:latin typeface="휴먼모음T" panose="02030504000101010101" pitchFamily="18" charset="-127"/>
                 <a:ea typeface="휴먼모음T" panose="02030504000101010101" pitchFamily="18" charset="-127"/>
               </a:rPr>
-              <a:t>식당에서 혼자 식사를 해결하는 것에 대한 거리낌을 가지고 있는 사람들이 많다</a:t>
-            </a:r>
-            <a:r>
-              <a:rPr lang="en-US" altLang="ko-KR" sz="2000" dirty="0">
-                <a:solidFill>
-                  <a:schemeClr val="tx1">
-                    <a:lumMod val="85000"/>
-                    <a:lumOff val="15000"/>
-                  </a:schemeClr>
-                </a:solidFill>
-                <a:latin typeface="휴먼모음T" panose="02030504000101010101" pitchFamily="18" charset="-127"/>
-                <a:ea typeface="휴먼모음T" panose="02030504000101010101" pitchFamily="18" charset="-127"/>
-              </a:rPr>
-              <a:t>.</a:t>
-            </a:r>
-          </a:p>
-          <a:p>
-            <a:pPr marL="342900" indent="-342900" algn="just">
-              <a:lnSpc>
-                <a:spcPct val="90000"/>
-              </a:lnSpc>
-              <a:buFont typeface="Arial" panose="020B0604020202020204" pitchFamily="34" charset="0"/>
-              <a:buChar char="•"/>
-            </a:pPr>
-            <a:r>
-              <a:rPr lang="ko-KR" altLang="en-US" sz="2000" dirty="0">
-                <a:solidFill>
-                  <a:schemeClr val="tx1">
-                    <a:lumMod val="85000"/>
-                    <a:lumOff val="15000"/>
-                  </a:schemeClr>
-                </a:solidFill>
-                <a:latin typeface="휴먼모음T" panose="02030504000101010101" pitchFamily="18" charset="-127"/>
-                <a:ea typeface="휴먼모음T" panose="02030504000101010101" pitchFamily="18" charset="-127"/>
-              </a:rPr>
-              <a:t>자영업의 인건비 문제에 대한 우려가 있다</a:t>
+              <a:t>최근 최저임금 인상에 따른 자영업 종사자들의 인건비 문제가 우려되고있다</a:t>
             </a:r>
             <a:r>
               <a:rPr lang="en-US" altLang="ko-KR" sz="2000" dirty="0">
@@ -22735,12 +23778,44 @@
         </p:blipFill>
         <p:spPr>
           <a:xfrm>
-            <a:off x="1080000" y="3744456"/>
-            <a:ext cx="3924300" cy="2228850"/>
+            <a:off x="1403220" y="4037411"/>
+            <a:ext cx="3095000" cy="1757840"/>
           </a:xfrm>
           <a:prstGeom prst="rect">
             <a:avLst/>
           </a:prstGeom>
+          <a:solidFill>
+            <a:srgbClr val="FFFFFF">
+              <a:shade val="85000"/>
+            </a:srgbClr>
+          </a:solidFill>
+          <a:ln w="190500" cap="sq">
+            <a:solidFill>
+              <a:srgbClr val="FFFFFF"/>
+            </a:solidFill>
+            <a:miter lim="800000"/>
+          </a:ln>
+          <a:effectLst>
+            <a:outerShdw blurRad="65000" dist="50800" dir="12900000" kx="195000" ky="145000" algn="tl" rotWithShape="0">
+              <a:srgbClr val="000000">
+                <a:alpha val="30000"/>
+              </a:srgbClr>
+            </a:outerShdw>
+          </a:effectLst>
+          <a:scene3d>
+            <a:camera prst="orthographicFront">
+              <a:rot lat="0" lon="0" rev="360000"/>
+            </a:camera>
+            <a:lightRig rig="twoPt" dir="t">
+              <a:rot lat="0" lon="0" rev="7200000"/>
+            </a:lightRig>
+          </a:scene3d>
+          <a:sp3d contourW="12700">
+            <a:bevelT w="25400" h="19050"/>
+            <a:contourClr>
+              <a:srgbClr val="969696"/>
+            </a:contourClr>
+          </a:sp3d>
         </p:spPr>
       </p:pic>
       <p:pic>
@@ -22765,7 +23840,7 @@
         </p:blipFill>
         <p:spPr>
           <a:xfrm>
-            <a:off x="5682802" y="3077706"/>
+            <a:off x="5682802" y="3284179"/>
             <a:ext cx="4638675" cy="2895600"/>
           </a:xfrm>
           <a:prstGeom prst="rect">
@@ -22773,10 +23848,120 @@
           </a:prstGeom>
         </p:spPr>
       </p:pic>
+      <p:sp>
+        <p:nvSpPr>
+          <p:cNvPr id="36" name="TextBox 35">
+            <a:extLst>
+              <a:ext uri="{FF2B5EF4-FFF2-40B4-BE49-F238E27FC236}">
+                <a16:creationId xmlns:a16="http://schemas.microsoft.com/office/drawing/2014/main" id="{710D279E-87E5-43D0-88E3-52A4FF40BC87}"/>
+              </a:ext>
+            </a:extLst>
+          </p:cNvPr>
+          <p:cNvSpPr txBox="1"/>
+          <p:nvPr/>
+        </p:nvSpPr>
+        <p:spPr>
+          <a:xfrm>
+            <a:off x="1161901" y="161153"/>
+            <a:ext cx="806631" cy="769441"/>
+          </a:xfrm>
+          <a:prstGeom prst="rect">
+            <a:avLst/>
+          </a:prstGeom>
+          <a:noFill/>
+          <a:ln>
+            <a:noFill/>
+          </a:ln>
+        </p:spPr>
+        <p:txBody>
+          <a:bodyPr wrap="none" rtlCol="0">
+            <a:spAutoFit/>
+          </a:bodyPr>
+          <a:lstStyle/>
+          <a:p>
+            <a:r>
+              <a:rPr lang="en-US" altLang="ko-KR" sz="4400" dirty="0">
+                <a:ln>
+                  <a:solidFill>
+                    <a:schemeClr val="bg1">
+                      <a:alpha val="0"/>
+                    </a:schemeClr>
+                  </a:solidFill>
+                </a:ln>
+                <a:solidFill>
+                  <a:srgbClr val="4ABA1A"/>
+                </a:solidFill>
+                <a:latin typeface="휴먼모음T" panose="02030504000101010101" pitchFamily="18" charset="-127"/>
+                <a:ea typeface="휴먼모음T" panose="02030504000101010101" pitchFamily="18" charset="-127"/>
+              </a:rPr>
+              <a:t>01</a:t>
+            </a:r>
+            <a:endParaRPr lang="en-US" altLang="ko-KR" sz="1400" dirty="0">
+              <a:ln>
+                <a:solidFill>
+                  <a:schemeClr val="bg1">
+                    <a:alpha val="0"/>
+                  </a:schemeClr>
+                </a:solidFill>
+              </a:ln>
+              <a:solidFill>
+                <a:srgbClr val="4ABA1A"/>
+              </a:solidFill>
+              <a:latin typeface="휴먼모음T" panose="02030504000101010101" pitchFamily="18" charset="-127"/>
+              <a:ea typeface="휴먼모음T" panose="02030504000101010101" pitchFamily="18" charset="-127"/>
+            </a:endParaRPr>
+          </a:p>
+        </p:txBody>
+      </p:sp>
+      <p:sp>
+        <p:nvSpPr>
+          <p:cNvPr id="37" name="TextBox 36">
+            <a:extLst>
+              <a:ext uri="{FF2B5EF4-FFF2-40B4-BE49-F238E27FC236}">
+                <a16:creationId xmlns:a16="http://schemas.microsoft.com/office/drawing/2014/main" id="{00EC7563-3A24-4A03-82AE-F2311B8163FE}"/>
+              </a:ext>
+            </a:extLst>
+          </p:cNvPr>
+          <p:cNvSpPr txBox="1"/>
+          <p:nvPr/>
+        </p:nvSpPr>
+        <p:spPr>
+          <a:xfrm>
+            <a:off x="1819658" y="245918"/>
+            <a:ext cx="6990450" cy="523220"/>
+          </a:xfrm>
+          <a:prstGeom prst="rect">
+            <a:avLst/>
+          </a:prstGeom>
+          <a:noFill/>
+          <a:ln>
+            <a:noFill/>
+          </a:ln>
+        </p:spPr>
+        <p:txBody>
+          <a:bodyPr wrap="square" rtlCol="0">
+            <a:spAutoFit/>
+          </a:bodyPr>
+          <a:lstStyle/>
+          <a:p>
+            <a:r>
+              <a:rPr lang="ko-KR" altLang="en-US" sz="2800" b="1" dirty="0">
+                <a:latin typeface="휴먼모음T" panose="02030504000101010101" pitchFamily="18" charset="-127"/>
+                <a:ea typeface="휴먼모음T" panose="02030504000101010101" pitchFamily="18" charset="-127"/>
+              </a:rPr>
+              <a:t>종합 설계 개요</a:t>
+            </a:r>
+            <a:endParaRPr lang="en-US" altLang="ko-KR" sz="2800" b="1" dirty="0">
+              <a:latin typeface="휴먼모음T" panose="02030504000101010101" pitchFamily="18" charset="-127"/>
+              <a:ea typeface="휴먼모음T" panose="02030504000101010101" pitchFamily="18" charset="-127"/>
+            </a:endParaRPr>
+          </a:p>
+        </p:txBody>
+      </p:sp>
     </p:spTree>
     <p:extLst>
       <p:ext uri="{BB962C8B-B14F-4D97-AF65-F5344CB8AC3E}">
-        <p14:creationId xmlns:p14="http://schemas.microsoft.com/office/powerpoint/2010/main" val="1450484563"/>
+        <p14:creationId xmlns:p14="http://schemas.microsoft.com/office/powerpoint/2010/main" val="1735152427"/>
       </p:ext>
     </p:extLst>
   </p:cSld>
@@ -22851,7 +24036,7 @@
         </p:nvSpPr>
         <p:spPr>
           <a:xfrm>
-            <a:off x="1161964" y="-119853"/>
+            <a:off x="1161901" y="161153"/>
             <a:ext cx="806631" cy="769441"/>
           </a:xfrm>
           <a:prstGeom prst="rect">
@@ -22910,7 +24095,7 @@
         </p:nvSpPr>
         <p:spPr>
           <a:xfrm>
-            <a:off x="1819721" y="-35088"/>
+            <a:off x="1819658" y="245918"/>
             <a:ext cx="6990450" cy="523220"/>
           </a:xfrm>
           <a:prstGeom prst="rect">
@@ -23420,556 +24605,6 @@
       </p:grpSp>
       <p:sp>
         <p:nvSpPr>
-          <p:cNvPr id="34" name="TextBox 33">
-            <a:extLst>
-              <a:ext uri="{FF2B5EF4-FFF2-40B4-BE49-F238E27FC236}">
-                <a16:creationId xmlns:a16="http://schemas.microsoft.com/office/drawing/2014/main" id="{80CC8477-0B8B-48A0-A24A-44956E97B780}"/>
-              </a:ext>
-            </a:extLst>
-          </p:cNvPr>
-          <p:cNvSpPr txBox="1"/>
-          <p:nvPr/>
-        </p:nvSpPr>
-        <p:spPr>
-          <a:xfrm>
-            <a:off x="1173913" y="488132"/>
-            <a:ext cx="3889416" cy="523220"/>
-          </a:xfrm>
-          <a:prstGeom prst="rect">
-            <a:avLst/>
-          </a:prstGeom>
-          <a:noFill/>
-          <a:ln>
-            <a:noFill/>
-          </a:ln>
-        </p:spPr>
-        <p:txBody>
-          <a:bodyPr wrap="square" rtlCol="0">
-            <a:spAutoFit/>
-          </a:bodyPr>
-          <a:lstStyle/>
-          <a:p>
-            <a:r>
-              <a:rPr lang="ko-KR" altLang="en-US" sz="2800" b="1" dirty="0">
-                <a:ln>
-                  <a:solidFill>
-                    <a:schemeClr val="bg1">
-                      <a:alpha val="0"/>
-                    </a:schemeClr>
-                  </a:solidFill>
-                </a:ln>
-                <a:solidFill>
-                  <a:srgbClr val="00B050"/>
-                </a:solidFill>
-                <a:latin typeface="휴먼모음T" panose="02030504000101010101" pitchFamily="18" charset="-127"/>
-                <a:ea typeface="휴먼모음T" panose="02030504000101010101" pitchFamily="18" charset="-127"/>
-              </a:rPr>
-              <a:t>배경</a:t>
-            </a:r>
-            <a:r>
-              <a:rPr lang="en-US" altLang="ko-KR" sz="2800" b="1" dirty="0">
-                <a:ln>
-                  <a:solidFill>
-                    <a:schemeClr val="bg1">
-                      <a:alpha val="0"/>
-                    </a:schemeClr>
-                  </a:solidFill>
-                </a:ln>
-                <a:solidFill>
-                  <a:srgbClr val="00B050"/>
-                </a:solidFill>
-                <a:latin typeface="휴먼모음T" panose="02030504000101010101" pitchFamily="18" charset="-127"/>
-                <a:ea typeface="휴먼모음T" panose="02030504000101010101" pitchFamily="18" charset="-127"/>
-              </a:rPr>
-              <a:t>, </a:t>
-            </a:r>
-            <a:r>
-              <a:rPr lang="ko-KR" altLang="en-US" sz="2800" b="1" dirty="0">
-                <a:ln>
-                  <a:solidFill>
-                    <a:schemeClr val="bg1">
-                      <a:alpha val="0"/>
-                    </a:schemeClr>
-                  </a:solidFill>
-                </a:ln>
-                <a:solidFill>
-                  <a:srgbClr val="00B050"/>
-                </a:solidFill>
-                <a:latin typeface="휴먼모음T" panose="02030504000101010101" pitchFamily="18" charset="-127"/>
-                <a:ea typeface="휴먼모음T" panose="02030504000101010101" pitchFamily="18" charset="-127"/>
-              </a:rPr>
-              <a:t>목표</a:t>
-            </a:r>
-            <a:r>
-              <a:rPr lang="en-US" altLang="ko-KR" sz="2800" b="1" dirty="0">
-                <a:ln>
-                  <a:solidFill>
-                    <a:schemeClr val="bg1">
-                      <a:alpha val="0"/>
-                    </a:schemeClr>
-                  </a:solidFill>
-                </a:ln>
-                <a:solidFill>
-                  <a:srgbClr val="00B050"/>
-                </a:solidFill>
-                <a:latin typeface="휴먼모음T" panose="02030504000101010101" pitchFamily="18" charset="-127"/>
-                <a:ea typeface="휴먼모음T" panose="02030504000101010101" pitchFamily="18" charset="-127"/>
-              </a:rPr>
-              <a:t>, </a:t>
-            </a:r>
-            <a:r>
-              <a:rPr lang="ko-KR" altLang="en-US" sz="2800" b="1" dirty="0">
-                <a:ln>
-                  <a:solidFill>
-                    <a:schemeClr val="bg1">
-                      <a:alpha val="0"/>
-                    </a:schemeClr>
-                  </a:solidFill>
-                </a:ln>
-                <a:solidFill>
-                  <a:srgbClr val="00B050"/>
-                </a:solidFill>
-                <a:latin typeface="휴먼모음T" panose="02030504000101010101" pitchFamily="18" charset="-127"/>
-                <a:ea typeface="휴먼모음T" panose="02030504000101010101" pitchFamily="18" charset="-127"/>
-              </a:rPr>
-              <a:t>효과</a:t>
-            </a:r>
-            <a:endParaRPr lang="en-US" altLang="ko-KR" sz="2800" b="1" dirty="0">
-              <a:ln>
-                <a:solidFill>
-                  <a:schemeClr val="bg1">
-                    <a:alpha val="0"/>
-                  </a:schemeClr>
-                </a:solidFill>
-              </a:ln>
-              <a:solidFill>
-                <a:srgbClr val="00B050"/>
-              </a:solidFill>
-              <a:latin typeface="휴먼모음T" panose="02030504000101010101" pitchFamily="18" charset="-127"/>
-              <a:ea typeface="휴먼모음T" panose="02030504000101010101" pitchFamily="18" charset="-127"/>
-            </a:endParaRPr>
-          </a:p>
-        </p:txBody>
-      </p:sp>
-      <p:sp>
-        <p:nvSpPr>
-          <p:cNvPr id="18" name="Text Box 3">
-            <a:extLst>
-              <a:ext uri="{FF2B5EF4-FFF2-40B4-BE49-F238E27FC236}">
-                <a16:creationId xmlns:a16="http://schemas.microsoft.com/office/drawing/2014/main" id="{FC13A901-A46B-49EA-9581-2179436653D9}"/>
-              </a:ext>
-            </a:extLst>
-          </p:cNvPr>
-          <p:cNvSpPr txBox="1">
-            <a:spLocks noChangeArrowheads="1"/>
-          </p:cNvSpPr>
-          <p:nvPr/>
-        </p:nvSpPr>
-        <p:spPr bwMode="auto">
-          <a:xfrm>
-            <a:off x="9240806" y="2061845"/>
-            <a:ext cx="7370757" cy="646331"/>
-          </a:xfrm>
-          <a:prstGeom prst="rect">
-            <a:avLst/>
-          </a:prstGeom>
-          <a:noFill/>
-          <a:ln>
-            <a:noFill/>
-          </a:ln>
-          <a:effectLst/>
-          <a:extLst>
-            <a:ext uri="{909E8E84-426E-40DD-AFC4-6F175D3DCCD1}">
-              <a14:hiddenFill xmlns:a14="http://schemas.microsoft.com/office/drawing/2010/main">
-                <a:gradFill rotWithShape="1">
-                  <a:gsLst>
-                    <a:gs pos="0">
-                      <a:srgbClr val="FF6400"/>
-                    </a:gs>
-                    <a:gs pos="100000">
-                      <a:srgbClr val="FFC800"/>
-                    </a:gs>
-                  </a:gsLst>
-                  <a:lin ang="0" scaled="1"/>
-                </a:gradFill>
-              </a14:hiddenFill>
-            </a:ext>
-            <a:ext uri="{91240B29-F687-4F45-9708-019B960494DF}">
-              <a14:hiddenLine xmlns:a14="http://schemas.microsoft.com/office/drawing/2010/main" w="9525" algn="ctr">
-                <a:solidFill>
-                  <a:schemeClr val="tx1"/>
-                </a:solidFill>
-                <a:miter lim="800000"/>
-                <a:headEnd/>
-                <a:tailEnd/>
-              </a14:hiddenLine>
-            </a:ext>
-            <a:ext uri="{AF507438-7753-43E0-B8FC-AC1667EBCBE1}">
-              <a14:hiddenEffects xmlns:a14="http://schemas.microsoft.com/office/drawing/2010/main">
-                <a:effectLst>
-                  <a:outerShdw dist="35921" dir="2700000" algn="ctr" rotWithShape="0">
-                    <a:srgbClr val="646464">
-                      <a:alpha val="50000"/>
-                    </a:srgbClr>
-                  </a:outerShdw>
-                </a:effectLst>
-              </a14:hiddenEffects>
-            </a:ext>
-          </a:extLst>
-        </p:spPr>
-        <p:txBody>
-          <a:bodyPr wrap="square">
-            <a:spAutoFit/>
-          </a:bodyPr>
-          <a:lstStyle/>
-          <a:p>
-            <a:pPr marL="342900" indent="-342900" algn="just">
-              <a:lnSpc>
-                <a:spcPct val="90000"/>
-              </a:lnSpc>
-              <a:buFont typeface="Arial" panose="020B0604020202020204" pitchFamily="34" charset="0"/>
-              <a:buChar char="•"/>
-            </a:pPr>
-            <a:endParaRPr lang="en-US" altLang="ko-KR" sz="2000" dirty="0">
-              <a:solidFill>
-                <a:schemeClr val="tx1">
-                  <a:lumMod val="85000"/>
-                  <a:lumOff val="15000"/>
-                </a:schemeClr>
-              </a:solidFill>
-              <a:latin typeface="휴먼모음T" panose="02030504000101010101" pitchFamily="18" charset="-127"/>
-              <a:ea typeface="휴먼모음T" panose="02030504000101010101" pitchFamily="18" charset="-127"/>
-            </a:endParaRPr>
-          </a:p>
-          <a:p>
-            <a:pPr marL="342900" indent="-342900" algn="just">
-              <a:lnSpc>
-                <a:spcPct val="90000"/>
-              </a:lnSpc>
-              <a:buFont typeface="Arial" panose="020B0604020202020204" pitchFamily="34" charset="0"/>
-              <a:buChar char="•"/>
-            </a:pPr>
-            <a:endParaRPr lang="en-US" altLang="ko-KR" sz="2000" dirty="0">
-              <a:solidFill>
-                <a:schemeClr val="tx1">
-                  <a:lumMod val="85000"/>
-                  <a:lumOff val="15000"/>
-                </a:schemeClr>
-              </a:solidFill>
-              <a:latin typeface="휴먼모음T" panose="02030504000101010101" pitchFamily="18" charset="-127"/>
-              <a:ea typeface="휴먼모음T" panose="02030504000101010101" pitchFamily="18" charset="-127"/>
-            </a:endParaRPr>
-          </a:p>
-        </p:txBody>
-      </p:sp>
-      <p:sp>
-        <p:nvSpPr>
-          <p:cNvPr id="33" name="Text Box 2">
-            <a:extLst>
-              <a:ext uri="{FF2B5EF4-FFF2-40B4-BE49-F238E27FC236}">
-                <a16:creationId xmlns:a16="http://schemas.microsoft.com/office/drawing/2014/main" id="{3E7DC080-6989-48AB-9B95-C083314EF172}"/>
-              </a:ext>
-            </a:extLst>
-          </p:cNvPr>
-          <p:cNvSpPr txBox="1">
-            <a:spLocks noChangeArrowheads="1"/>
-          </p:cNvSpPr>
-          <p:nvPr/>
-        </p:nvSpPr>
-        <p:spPr bwMode="auto">
-          <a:xfrm>
-            <a:off x="1493057" y="1787865"/>
-            <a:ext cx="968129" cy="553998"/>
-          </a:xfrm>
-          <a:prstGeom prst="rect">
-            <a:avLst/>
-          </a:prstGeom>
-          <a:noFill/>
-          <a:ln>
-            <a:noFill/>
-          </a:ln>
-          <a:effectLst/>
-          <a:extLst>
-            <a:ext uri="{909E8E84-426E-40DD-AFC4-6F175D3DCCD1}">
-              <a14:hiddenFill xmlns:a14="http://schemas.microsoft.com/office/drawing/2010/main">
-                <a:solidFill>
-                  <a:schemeClr val="accent1"/>
-                </a:solidFill>
-              </a14:hiddenFill>
-            </a:ext>
-            <a:ext uri="{91240B29-F687-4F45-9708-019B960494DF}">
-              <a14:hiddenLine xmlns:a14="http://schemas.microsoft.com/office/drawing/2010/main" w="9525">
-                <a:solidFill>
-                  <a:schemeClr val="tx1"/>
-                </a:solidFill>
-                <a:miter lim="800000"/>
-                <a:headEnd/>
-                <a:tailEnd/>
-              </a14:hiddenLine>
-            </a:ext>
-            <a:ext uri="{AF507438-7753-43E0-B8FC-AC1667EBCBE1}">
-              <a14:hiddenEffects xmlns:a14="http://schemas.microsoft.com/office/drawing/2010/main">
-                <a:effectLst>
-                  <a:outerShdw dist="35921" dir="2700000" algn="ctr" rotWithShape="0">
-                    <a:schemeClr val="bg2"/>
-                  </a:outerShdw>
-                </a:effectLst>
-              </a14:hiddenEffects>
-            </a:ext>
-          </a:extLst>
-        </p:spPr>
-        <p:txBody>
-          <a:bodyPr wrap="square">
-            <a:spAutoFit/>
-          </a:bodyPr>
-          <a:lstStyle/>
-          <a:p>
-            <a:r>
-              <a:rPr lang="ko-KR" altLang="en-US" sz="3000" b="1" dirty="0">
-                <a:solidFill>
-                  <a:schemeClr val="tx1">
-                    <a:lumMod val="85000"/>
-                    <a:lumOff val="15000"/>
-                  </a:schemeClr>
-                </a:solidFill>
-                <a:latin typeface="휴먼모음T" panose="02030504000101010101" pitchFamily="18" charset="-127"/>
-                <a:ea typeface="휴먼모음T" panose="02030504000101010101" pitchFamily="18" charset="-127"/>
-              </a:rPr>
-              <a:t>목표</a:t>
-            </a:r>
-            <a:endParaRPr lang="en-US" altLang="ko-KR" sz="3000" b="1" dirty="0">
-              <a:solidFill>
-                <a:schemeClr val="tx1">
-                  <a:lumMod val="85000"/>
-                  <a:lumOff val="15000"/>
-                </a:schemeClr>
-              </a:solidFill>
-              <a:latin typeface="휴먼모음T" panose="02030504000101010101" pitchFamily="18" charset="-127"/>
-              <a:ea typeface="휴먼모음T" panose="02030504000101010101" pitchFamily="18" charset="-127"/>
-            </a:endParaRPr>
-          </a:p>
-        </p:txBody>
-      </p:sp>
-      <p:sp>
-        <p:nvSpPr>
-          <p:cNvPr id="36" name="Text Box 3">
-            <a:extLst>
-              <a:ext uri="{FF2B5EF4-FFF2-40B4-BE49-F238E27FC236}">
-                <a16:creationId xmlns:a16="http://schemas.microsoft.com/office/drawing/2014/main" id="{8D20F01C-5560-4B2F-A245-7C2A7A34A777}"/>
-              </a:ext>
-            </a:extLst>
-          </p:cNvPr>
-          <p:cNvSpPr txBox="1">
-            <a:spLocks noChangeArrowheads="1"/>
-          </p:cNvSpPr>
-          <p:nvPr/>
-        </p:nvSpPr>
-        <p:spPr bwMode="auto">
-          <a:xfrm>
-            <a:off x="3472784" y="1819114"/>
-            <a:ext cx="7370757" cy="1478675"/>
-          </a:xfrm>
-          <a:prstGeom prst="rect">
-            <a:avLst/>
-          </a:prstGeom>
-          <a:noFill/>
-          <a:ln>
-            <a:noFill/>
-          </a:ln>
-          <a:effectLst/>
-          <a:extLst>
-            <a:ext uri="{909E8E84-426E-40DD-AFC4-6F175D3DCCD1}">
-              <a14:hiddenFill xmlns:a14="http://schemas.microsoft.com/office/drawing/2010/main">
-                <a:gradFill rotWithShape="1">
-                  <a:gsLst>
-                    <a:gs pos="0">
-                      <a:srgbClr val="FF6400"/>
-                    </a:gs>
-                    <a:gs pos="100000">
-                      <a:srgbClr val="FFC800"/>
-                    </a:gs>
-                  </a:gsLst>
-                  <a:lin ang="0" scaled="1"/>
-                </a:gradFill>
-              </a14:hiddenFill>
-            </a:ext>
-            <a:ext uri="{91240B29-F687-4F45-9708-019B960494DF}">
-              <a14:hiddenLine xmlns:a14="http://schemas.microsoft.com/office/drawing/2010/main" w="9525" algn="ctr">
-                <a:solidFill>
-                  <a:schemeClr val="tx1"/>
-                </a:solidFill>
-                <a:miter lim="800000"/>
-                <a:headEnd/>
-                <a:tailEnd/>
-              </a14:hiddenLine>
-            </a:ext>
-            <a:ext uri="{AF507438-7753-43E0-B8FC-AC1667EBCBE1}">
-              <a14:hiddenEffects xmlns:a14="http://schemas.microsoft.com/office/drawing/2010/main">
-                <a:effectLst>
-                  <a:outerShdw dist="35921" dir="2700000" algn="ctr" rotWithShape="0">
-                    <a:srgbClr val="646464">
-                      <a:alpha val="50000"/>
-                    </a:srgbClr>
-                  </a:outerShdw>
-                </a:effectLst>
-              </a14:hiddenEffects>
-            </a:ext>
-          </a:extLst>
-        </p:spPr>
-        <p:txBody>
-          <a:bodyPr wrap="square">
-            <a:spAutoFit/>
-          </a:bodyPr>
-          <a:lstStyle/>
-          <a:p>
-            <a:pPr marL="342900" indent="-342900" algn="just">
-              <a:lnSpc>
-                <a:spcPct val="90000"/>
-              </a:lnSpc>
-              <a:buFont typeface="Arial" panose="020B0604020202020204" pitchFamily="34" charset="0"/>
-              <a:buChar char="•"/>
-            </a:pPr>
-            <a:r>
-              <a:rPr lang="ko-KR" altLang="en-US" sz="2000" dirty="0" err="1">
-                <a:solidFill>
-                  <a:schemeClr val="tx1">
-                    <a:lumMod val="85000"/>
-                    <a:lumOff val="15000"/>
-                  </a:schemeClr>
-                </a:solidFill>
-                <a:latin typeface="휴먼모음T" panose="02030504000101010101" pitchFamily="18" charset="-127"/>
-                <a:ea typeface="휴먼모음T" panose="02030504000101010101" pitchFamily="18" charset="-127"/>
-              </a:rPr>
-              <a:t>혼밥족들이</a:t>
-            </a:r>
-            <a:r>
-              <a:rPr lang="ko-KR" altLang="en-US" sz="2000" dirty="0">
-                <a:solidFill>
-                  <a:schemeClr val="tx1">
-                    <a:lumMod val="85000"/>
-                    <a:lumOff val="15000"/>
-                  </a:schemeClr>
-                </a:solidFill>
-                <a:latin typeface="휴먼모음T" panose="02030504000101010101" pitchFamily="18" charset="-127"/>
-                <a:ea typeface="휴먼모음T" panose="02030504000101010101" pitchFamily="18" charset="-127"/>
-              </a:rPr>
-              <a:t> 점점 증가하는 추세이므로 그들을 위한 다양한 서비스를 제공하고자 한다</a:t>
-            </a:r>
-            <a:r>
-              <a:rPr lang="en-US" altLang="ko-KR" sz="2000" dirty="0">
-                <a:solidFill>
-                  <a:schemeClr val="tx1">
-                    <a:lumMod val="85000"/>
-                    <a:lumOff val="15000"/>
-                  </a:schemeClr>
-                </a:solidFill>
-                <a:latin typeface="휴먼모음T" panose="02030504000101010101" pitchFamily="18" charset="-127"/>
-                <a:ea typeface="휴먼모음T" panose="02030504000101010101" pitchFamily="18" charset="-127"/>
-              </a:rPr>
-              <a:t>.</a:t>
-            </a:r>
-          </a:p>
-          <a:p>
-            <a:pPr marL="342900" indent="-342900" algn="just">
-              <a:lnSpc>
-                <a:spcPct val="90000"/>
-              </a:lnSpc>
-              <a:buFont typeface="Arial" panose="020B0604020202020204" pitchFamily="34" charset="0"/>
-              <a:buChar char="•"/>
-            </a:pPr>
-            <a:r>
-              <a:rPr lang="ko-KR" altLang="en-US" sz="2000" dirty="0" err="1">
-                <a:solidFill>
-                  <a:schemeClr val="tx1">
-                    <a:lumMod val="85000"/>
-                    <a:lumOff val="15000"/>
-                  </a:schemeClr>
-                </a:solidFill>
-                <a:latin typeface="휴먼모음T" panose="02030504000101010101" pitchFamily="18" charset="-127"/>
-                <a:ea typeface="휴먼모음T" panose="02030504000101010101" pitchFamily="18" charset="-127"/>
-              </a:rPr>
-              <a:t>아두이노를</a:t>
-            </a:r>
-            <a:r>
-              <a:rPr lang="ko-KR" altLang="en-US" sz="2000" dirty="0">
-                <a:solidFill>
-                  <a:schemeClr val="tx1">
-                    <a:lumMod val="85000"/>
-                    <a:lumOff val="15000"/>
-                  </a:schemeClr>
-                </a:solidFill>
-                <a:latin typeface="휴먼모음T" panose="02030504000101010101" pitchFamily="18" charset="-127"/>
-                <a:ea typeface="휴먼모음T" panose="02030504000101010101" pitchFamily="18" charset="-127"/>
-              </a:rPr>
-              <a:t> 통해 좌석의 여부를 센서로 자동인식을 할 수 있어 식당의 회전력을 높이고자 한다</a:t>
-            </a:r>
-            <a:r>
-              <a:rPr lang="en-US" altLang="ko-KR" sz="2000" dirty="0">
-                <a:solidFill>
-                  <a:schemeClr val="tx1">
-                    <a:lumMod val="85000"/>
-                    <a:lumOff val="15000"/>
-                  </a:schemeClr>
-                </a:solidFill>
-                <a:latin typeface="휴먼모음T" panose="02030504000101010101" pitchFamily="18" charset="-127"/>
-                <a:ea typeface="휴먼모음T" panose="02030504000101010101" pitchFamily="18" charset="-127"/>
-              </a:rPr>
-              <a:t>.</a:t>
-            </a:r>
-          </a:p>
-          <a:p>
-            <a:pPr marL="342900" indent="-342900" algn="just">
-              <a:lnSpc>
-                <a:spcPct val="90000"/>
-              </a:lnSpc>
-              <a:buFont typeface="Arial" panose="020B0604020202020204" pitchFamily="34" charset="0"/>
-              <a:buChar char="•"/>
-            </a:pPr>
-            <a:endParaRPr lang="en-US" altLang="ko-KR" sz="2000" dirty="0">
-              <a:solidFill>
-                <a:schemeClr val="tx1">
-                  <a:lumMod val="85000"/>
-                  <a:lumOff val="15000"/>
-                </a:schemeClr>
-              </a:solidFill>
-              <a:latin typeface="휴먼모음T" panose="02030504000101010101" pitchFamily="18" charset="-127"/>
-              <a:ea typeface="휴먼모음T" panose="02030504000101010101" pitchFamily="18" charset="-127"/>
-            </a:endParaRPr>
-          </a:p>
-        </p:txBody>
-      </p:sp>
-      <p:pic>
-        <p:nvPicPr>
-          <p:cNvPr id="4" name="그림 3">
-            <a:extLst>
-              <a:ext uri="{FF2B5EF4-FFF2-40B4-BE49-F238E27FC236}">
-                <a16:creationId xmlns:a16="http://schemas.microsoft.com/office/drawing/2014/main" id="{38A1AFC5-14CE-424E-A1C2-ABCC5509C5D5}"/>
-              </a:ext>
-            </a:extLst>
-          </p:cNvPr>
-          <p:cNvPicPr>
-            <a:picLocks noChangeAspect="1"/>
-          </p:cNvPicPr>
-          <p:nvPr/>
-        </p:nvPicPr>
-        <p:blipFill>
-          <a:blip r:embed="rId2"/>
-          <a:stretch>
-            <a:fillRect/>
-          </a:stretch>
-        </p:blipFill>
-        <p:spPr>
-          <a:xfrm>
-            <a:off x="994055" y="1824645"/>
-            <a:ext cx="540000" cy="476095"/>
-          </a:xfrm>
-          <a:prstGeom prst="rect">
-            <a:avLst/>
-          </a:prstGeom>
-        </p:spPr>
-      </p:pic>
-      <p:sp>
-        <p:nvSpPr>
           <p:cNvPr id="6" name="슬라이드 번호 개체 틀 5">
             <a:extLst>
               <a:ext uri="{FF2B5EF4-FFF2-40B4-BE49-F238E27FC236}">
@@ -23997,12 +24632,655 @@
           </a:p>
         </p:txBody>
       </p:sp>
+      <p:grpSp>
+        <p:nvGrpSpPr>
+          <p:cNvPr id="7" name="그룹 6">
+            <a:extLst>
+              <a:ext uri="{FF2B5EF4-FFF2-40B4-BE49-F238E27FC236}">
+                <a16:creationId xmlns:a16="http://schemas.microsoft.com/office/drawing/2014/main" id="{101CAF81-DC02-47F8-AD65-198C870B2C77}"/>
+              </a:ext>
+            </a:extLst>
+          </p:cNvPr>
+          <p:cNvGrpSpPr/>
+          <p:nvPr/>
+        </p:nvGrpSpPr>
+        <p:grpSpPr>
+          <a:xfrm>
+            <a:off x="890817" y="3277450"/>
+            <a:ext cx="9849486" cy="2420025"/>
+            <a:chOff x="994055" y="1787865"/>
+            <a:chExt cx="9849486" cy="2420025"/>
+          </a:xfrm>
+        </p:grpSpPr>
+        <p:grpSp>
+          <p:nvGrpSpPr>
+            <p:cNvPr id="3" name="그룹 2">
+              <a:extLst>
+                <a:ext uri="{FF2B5EF4-FFF2-40B4-BE49-F238E27FC236}">
+                  <a16:creationId xmlns:a16="http://schemas.microsoft.com/office/drawing/2014/main" id="{56F9AFD6-D119-48E2-8C3C-9977352668D5}"/>
+                </a:ext>
+              </a:extLst>
+            </p:cNvPr>
+            <p:cNvGrpSpPr/>
+            <p:nvPr/>
+          </p:nvGrpSpPr>
+          <p:grpSpPr>
+            <a:xfrm>
+              <a:off x="994055" y="1787865"/>
+              <a:ext cx="9849486" cy="1509924"/>
+              <a:chOff x="994055" y="1787865"/>
+              <a:chExt cx="9849486" cy="1509924"/>
+            </a:xfrm>
+          </p:grpSpPr>
+          <p:sp>
+            <p:nvSpPr>
+              <p:cNvPr id="33" name="Text Box 2">
+                <a:extLst>
+                  <a:ext uri="{FF2B5EF4-FFF2-40B4-BE49-F238E27FC236}">
+                    <a16:creationId xmlns:a16="http://schemas.microsoft.com/office/drawing/2014/main" id="{3E7DC080-6989-48AB-9B95-C083314EF172}"/>
+                  </a:ext>
+                </a:extLst>
+              </p:cNvPr>
+              <p:cNvSpPr txBox="1">
+                <a:spLocks noChangeArrowheads="1"/>
+              </p:cNvSpPr>
+              <p:nvPr/>
+            </p:nvSpPr>
+            <p:spPr bwMode="auto">
+              <a:xfrm>
+                <a:off x="1493057" y="1787865"/>
+                <a:ext cx="968129" cy="553998"/>
+              </a:xfrm>
+              <a:prstGeom prst="rect">
+                <a:avLst/>
+              </a:prstGeom>
+              <a:noFill/>
+              <a:ln>
+                <a:noFill/>
+              </a:ln>
+              <a:effectLst/>
+              <a:extLst>
+                <a:ext uri="{909E8E84-426E-40DD-AFC4-6F175D3DCCD1}">
+                  <a14:hiddenFill xmlns:a14="http://schemas.microsoft.com/office/drawing/2010/main">
+                    <a:solidFill>
+                      <a:schemeClr val="accent1"/>
+                    </a:solidFill>
+                  </a14:hiddenFill>
+                </a:ext>
+                <a:ext uri="{91240B29-F687-4F45-9708-019B960494DF}">
+                  <a14:hiddenLine xmlns:a14="http://schemas.microsoft.com/office/drawing/2010/main" w="9525">
+                    <a:solidFill>
+                      <a:schemeClr val="tx1"/>
+                    </a:solidFill>
+                    <a:miter lim="800000"/>
+                    <a:headEnd/>
+                    <a:tailEnd/>
+                  </a14:hiddenLine>
+                </a:ext>
+                <a:ext uri="{AF507438-7753-43E0-B8FC-AC1667EBCBE1}">
+                  <a14:hiddenEffects xmlns:a14="http://schemas.microsoft.com/office/drawing/2010/main">
+                    <a:effectLst>
+                      <a:outerShdw dist="35921" dir="2700000" algn="ctr" rotWithShape="0">
+                        <a:schemeClr val="bg2"/>
+                      </a:outerShdw>
+                    </a:effectLst>
+                  </a14:hiddenEffects>
+                </a:ext>
+              </a:extLst>
+            </p:spPr>
+            <p:txBody>
+              <a:bodyPr wrap="square">
+                <a:spAutoFit/>
+              </a:bodyPr>
+              <a:lstStyle/>
+              <a:p>
+                <a:r>
+                  <a:rPr lang="ko-KR" altLang="en-US" sz="3000" b="1" dirty="0">
+                    <a:solidFill>
+                      <a:schemeClr val="tx1">
+                        <a:lumMod val="85000"/>
+                        <a:lumOff val="15000"/>
+                      </a:schemeClr>
+                    </a:solidFill>
+                    <a:latin typeface="휴먼모음T" panose="02030504000101010101" pitchFamily="18" charset="-127"/>
+                    <a:ea typeface="휴먼모음T" panose="02030504000101010101" pitchFamily="18" charset="-127"/>
+                  </a:rPr>
+                  <a:t>목표</a:t>
+                </a:r>
+                <a:endParaRPr lang="en-US" altLang="ko-KR" sz="3000" b="1" dirty="0">
+                  <a:solidFill>
+                    <a:schemeClr val="tx1">
+                      <a:lumMod val="85000"/>
+                      <a:lumOff val="15000"/>
+                    </a:schemeClr>
+                  </a:solidFill>
+                  <a:latin typeface="휴먼모음T" panose="02030504000101010101" pitchFamily="18" charset="-127"/>
+                  <a:ea typeface="휴먼모음T" panose="02030504000101010101" pitchFamily="18" charset="-127"/>
+                </a:endParaRPr>
+              </a:p>
+            </p:txBody>
+          </p:sp>
+          <p:sp>
+            <p:nvSpPr>
+              <p:cNvPr id="36" name="Text Box 3">
+                <a:extLst>
+                  <a:ext uri="{FF2B5EF4-FFF2-40B4-BE49-F238E27FC236}">
+                    <a16:creationId xmlns:a16="http://schemas.microsoft.com/office/drawing/2014/main" id="{8D20F01C-5560-4B2F-A245-7C2A7A34A777}"/>
+                  </a:ext>
+                </a:extLst>
+              </p:cNvPr>
+              <p:cNvSpPr txBox="1">
+                <a:spLocks noChangeArrowheads="1"/>
+              </p:cNvSpPr>
+              <p:nvPr/>
+            </p:nvSpPr>
+            <p:spPr bwMode="auto">
+              <a:xfrm>
+                <a:off x="3472784" y="1819114"/>
+                <a:ext cx="7370757" cy="1478675"/>
+              </a:xfrm>
+              <a:prstGeom prst="rect">
+                <a:avLst/>
+              </a:prstGeom>
+              <a:noFill/>
+              <a:ln>
+                <a:noFill/>
+              </a:ln>
+              <a:effectLst/>
+              <a:extLst>
+                <a:ext uri="{909E8E84-426E-40DD-AFC4-6F175D3DCCD1}">
+                  <a14:hiddenFill xmlns:a14="http://schemas.microsoft.com/office/drawing/2010/main">
+                    <a:gradFill rotWithShape="1">
+                      <a:gsLst>
+                        <a:gs pos="0">
+                          <a:srgbClr val="FF6400"/>
+                        </a:gs>
+                        <a:gs pos="100000">
+                          <a:srgbClr val="FFC800"/>
+                        </a:gs>
+                      </a:gsLst>
+                      <a:lin ang="0" scaled="1"/>
+                    </a:gradFill>
+                  </a14:hiddenFill>
+                </a:ext>
+                <a:ext uri="{91240B29-F687-4F45-9708-019B960494DF}">
+                  <a14:hiddenLine xmlns:a14="http://schemas.microsoft.com/office/drawing/2010/main" w="9525" algn="ctr">
+                    <a:solidFill>
+                      <a:schemeClr val="tx1"/>
+                    </a:solidFill>
+                    <a:miter lim="800000"/>
+                    <a:headEnd/>
+                    <a:tailEnd/>
+                  </a14:hiddenLine>
+                </a:ext>
+                <a:ext uri="{AF507438-7753-43E0-B8FC-AC1667EBCBE1}">
+                  <a14:hiddenEffects xmlns:a14="http://schemas.microsoft.com/office/drawing/2010/main">
+                    <a:effectLst>
+                      <a:outerShdw dist="35921" dir="2700000" algn="ctr" rotWithShape="0">
+                        <a:srgbClr val="646464">
+                          <a:alpha val="50000"/>
+                        </a:srgbClr>
+                      </a:outerShdw>
+                    </a:effectLst>
+                  </a14:hiddenEffects>
+                </a:ext>
+              </a:extLst>
+            </p:spPr>
+            <p:txBody>
+              <a:bodyPr wrap="square">
+                <a:spAutoFit/>
+              </a:bodyPr>
+              <a:lstStyle/>
+              <a:p>
+                <a:pPr marL="342900" indent="-342900" algn="just">
+                  <a:lnSpc>
+                    <a:spcPct val="90000"/>
+                  </a:lnSpc>
+                  <a:buFont typeface="Arial" panose="020B0604020202020204" pitchFamily="34" charset="0"/>
+                  <a:buChar char="•"/>
+                </a:pPr>
+                <a:r>
+                  <a:rPr lang="ko-KR" altLang="en-US" sz="2000" dirty="0" err="1">
+                    <a:solidFill>
+                      <a:schemeClr val="tx1">
+                        <a:lumMod val="85000"/>
+                        <a:lumOff val="15000"/>
+                      </a:schemeClr>
+                    </a:solidFill>
+                    <a:latin typeface="휴먼모음T" panose="02030504000101010101" pitchFamily="18" charset="-127"/>
+                    <a:ea typeface="휴먼모음T" panose="02030504000101010101" pitchFamily="18" charset="-127"/>
+                  </a:rPr>
+                  <a:t>혼밥족들이</a:t>
+                </a:r>
+                <a:r>
+                  <a:rPr lang="ko-KR" altLang="en-US" sz="2000" dirty="0">
+                    <a:solidFill>
+                      <a:schemeClr val="tx1">
+                        <a:lumMod val="85000"/>
+                        <a:lumOff val="15000"/>
+                      </a:schemeClr>
+                    </a:solidFill>
+                    <a:latin typeface="휴먼모음T" panose="02030504000101010101" pitchFamily="18" charset="-127"/>
+                    <a:ea typeface="휴먼모음T" panose="02030504000101010101" pitchFamily="18" charset="-127"/>
+                  </a:rPr>
+                  <a:t> 점점 증가하는 추세이므로 그들을 위한 다양한 서비스를 제공하고자 한다</a:t>
+                </a:r>
+                <a:r>
+                  <a:rPr lang="en-US" altLang="ko-KR" sz="2000" dirty="0">
+                    <a:solidFill>
+                      <a:schemeClr val="tx1">
+                        <a:lumMod val="85000"/>
+                        <a:lumOff val="15000"/>
+                      </a:schemeClr>
+                    </a:solidFill>
+                    <a:latin typeface="휴먼모음T" panose="02030504000101010101" pitchFamily="18" charset="-127"/>
+                    <a:ea typeface="휴먼모음T" panose="02030504000101010101" pitchFamily="18" charset="-127"/>
+                  </a:rPr>
+                  <a:t>.</a:t>
+                </a:r>
+              </a:p>
+              <a:p>
+                <a:pPr marL="342900" indent="-342900" algn="just">
+                  <a:lnSpc>
+                    <a:spcPct val="90000"/>
+                  </a:lnSpc>
+                  <a:buFont typeface="Arial" panose="020B0604020202020204" pitchFamily="34" charset="0"/>
+                  <a:buChar char="•"/>
+                </a:pPr>
+                <a:r>
+                  <a:rPr lang="ko-KR" altLang="en-US" sz="2000" dirty="0" err="1">
+                    <a:solidFill>
+                      <a:schemeClr val="tx1">
+                        <a:lumMod val="85000"/>
+                        <a:lumOff val="15000"/>
+                      </a:schemeClr>
+                    </a:solidFill>
+                    <a:latin typeface="휴먼모음T" panose="02030504000101010101" pitchFamily="18" charset="-127"/>
+                    <a:ea typeface="휴먼모음T" panose="02030504000101010101" pitchFamily="18" charset="-127"/>
+                  </a:rPr>
+                  <a:t>아두이노를</a:t>
+                </a:r>
+                <a:r>
+                  <a:rPr lang="ko-KR" altLang="en-US" sz="2000" dirty="0">
+                    <a:solidFill>
+                      <a:schemeClr val="tx1">
+                        <a:lumMod val="85000"/>
+                        <a:lumOff val="15000"/>
+                      </a:schemeClr>
+                    </a:solidFill>
+                    <a:latin typeface="휴먼모음T" panose="02030504000101010101" pitchFamily="18" charset="-127"/>
+                    <a:ea typeface="휴먼모음T" panose="02030504000101010101" pitchFamily="18" charset="-127"/>
+                  </a:rPr>
+                  <a:t> 통해 좌석의 여부를 센서로 자동인식을 할 수 있어 식당의 회전력을 높이고자 한다</a:t>
+                </a:r>
+                <a:r>
+                  <a:rPr lang="en-US" altLang="ko-KR" sz="2000" dirty="0">
+                    <a:solidFill>
+                      <a:schemeClr val="tx1">
+                        <a:lumMod val="85000"/>
+                        <a:lumOff val="15000"/>
+                      </a:schemeClr>
+                    </a:solidFill>
+                    <a:latin typeface="휴먼모음T" panose="02030504000101010101" pitchFamily="18" charset="-127"/>
+                    <a:ea typeface="휴먼모음T" panose="02030504000101010101" pitchFamily="18" charset="-127"/>
+                  </a:rPr>
+                  <a:t>.</a:t>
+                </a:r>
+              </a:p>
+              <a:p>
+                <a:pPr marL="342900" indent="-342900" algn="just">
+                  <a:lnSpc>
+                    <a:spcPct val="90000"/>
+                  </a:lnSpc>
+                  <a:buFont typeface="Arial" panose="020B0604020202020204" pitchFamily="34" charset="0"/>
+                  <a:buChar char="•"/>
+                </a:pPr>
+                <a:endParaRPr lang="en-US" altLang="ko-KR" sz="2000" dirty="0">
+                  <a:solidFill>
+                    <a:schemeClr val="tx1">
+                      <a:lumMod val="85000"/>
+                      <a:lumOff val="15000"/>
+                    </a:schemeClr>
+                  </a:solidFill>
+                  <a:latin typeface="휴먼모음T" panose="02030504000101010101" pitchFamily="18" charset="-127"/>
+                  <a:ea typeface="휴먼모음T" panose="02030504000101010101" pitchFamily="18" charset="-127"/>
+                </a:endParaRPr>
+              </a:p>
+            </p:txBody>
+          </p:sp>
+          <p:pic>
+            <p:nvPicPr>
+              <p:cNvPr id="4" name="그림 3">
+                <a:extLst>
+                  <a:ext uri="{FF2B5EF4-FFF2-40B4-BE49-F238E27FC236}">
+                    <a16:creationId xmlns:a16="http://schemas.microsoft.com/office/drawing/2014/main" id="{38A1AFC5-14CE-424E-A1C2-ABCC5509C5D5}"/>
+                  </a:ext>
+                </a:extLst>
+              </p:cNvPr>
+              <p:cNvPicPr>
+                <a:picLocks noChangeAspect="1"/>
+              </p:cNvPicPr>
+              <p:nvPr/>
+            </p:nvPicPr>
+            <p:blipFill>
+              <a:blip r:embed="rId2"/>
+              <a:stretch>
+                <a:fillRect/>
+              </a:stretch>
+            </p:blipFill>
+            <p:spPr>
+              <a:xfrm>
+                <a:off x="994055" y="1824645"/>
+                <a:ext cx="540000" cy="476095"/>
+              </a:xfrm>
+              <a:prstGeom prst="rect">
+                <a:avLst/>
+              </a:prstGeom>
+            </p:spPr>
+          </p:pic>
+        </p:grpSp>
+        <p:grpSp>
+          <p:nvGrpSpPr>
+            <p:cNvPr id="5" name="그룹 4">
+              <a:extLst>
+                <a:ext uri="{FF2B5EF4-FFF2-40B4-BE49-F238E27FC236}">
+                  <a16:creationId xmlns:a16="http://schemas.microsoft.com/office/drawing/2014/main" id="{A446E5F6-6AB6-43A8-BA4A-EF5E8A7B9C6F}"/>
+                </a:ext>
+              </a:extLst>
+            </p:cNvPr>
+            <p:cNvGrpSpPr/>
+            <p:nvPr/>
+          </p:nvGrpSpPr>
+          <p:grpSpPr>
+            <a:xfrm>
+              <a:off x="1035021" y="3467385"/>
+              <a:ext cx="9808519" cy="740505"/>
+              <a:chOff x="1035021" y="3467385"/>
+              <a:chExt cx="9808519" cy="740505"/>
+            </a:xfrm>
+          </p:grpSpPr>
+          <p:pic>
+            <p:nvPicPr>
+              <p:cNvPr id="37" name="그림 36">
+                <a:extLst>
+                  <a:ext uri="{FF2B5EF4-FFF2-40B4-BE49-F238E27FC236}">
+                    <a16:creationId xmlns:a16="http://schemas.microsoft.com/office/drawing/2014/main" id="{CBB6A60A-343A-4DC3-906A-DE2111372101}"/>
+                  </a:ext>
+                </a:extLst>
+              </p:cNvPr>
+              <p:cNvPicPr>
+                <a:picLocks noChangeAspect="1"/>
+              </p:cNvPicPr>
+              <p:nvPr/>
+            </p:nvPicPr>
+            <p:blipFill>
+              <a:blip r:embed="rId3"/>
+              <a:stretch>
+                <a:fillRect/>
+              </a:stretch>
+            </p:blipFill>
+            <p:spPr>
+              <a:xfrm>
+                <a:off x="1035021" y="3467385"/>
+                <a:ext cx="540000" cy="501639"/>
+              </a:xfrm>
+              <a:prstGeom prst="rect">
+                <a:avLst/>
+              </a:prstGeom>
+            </p:spPr>
+          </p:pic>
+          <p:sp>
+            <p:nvSpPr>
+              <p:cNvPr id="38" name="Text Box 2">
+                <a:extLst>
+                  <a:ext uri="{FF2B5EF4-FFF2-40B4-BE49-F238E27FC236}">
+                    <a16:creationId xmlns:a16="http://schemas.microsoft.com/office/drawing/2014/main" id="{4CADBA63-E3EC-4A1B-AF6B-F70397CD5154}"/>
+                  </a:ext>
+                </a:extLst>
+              </p:cNvPr>
+              <p:cNvSpPr txBox="1">
+                <a:spLocks noChangeArrowheads="1"/>
+              </p:cNvSpPr>
+              <p:nvPr/>
+            </p:nvSpPr>
+            <p:spPr bwMode="auto">
+              <a:xfrm>
+                <a:off x="1493057" y="3516706"/>
+                <a:ext cx="1852784" cy="553998"/>
+              </a:xfrm>
+              <a:prstGeom prst="rect">
+                <a:avLst/>
+              </a:prstGeom>
+              <a:noFill/>
+              <a:ln>
+                <a:noFill/>
+              </a:ln>
+              <a:effectLst/>
+              <a:extLst>
+                <a:ext uri="{909E8E84-426E-40DD-AFC4-6F175D3DCCD1}">
+                  <a14:hiddenFill xmlns:a14="http://schemas.microsoft.com/office/drawing/2010/main">
+                    <a:solidFill>
+                      <a:schemeClr val="accent1"/>
+                    </a:solidFill>
+                  </a14:hiddenFill>
+                </a:ext>
+                <a:ext uri="{91240B29-F687-4F45-9708-019B960494DF}">
+                  <a14:hiddenLine xmlns:a14="http://schemas.microsoft.com/office/drawing/2010/main" w="9525">
+                    <a:solidFill>
+                      <a:schemeClr val="tx1"/>
+                    </a:solidFill>
+                    <a:miter lim="800000"/>
+                    <a:headEnd/>
+                    <a:tailEnd/>
+                  </a14:hiddenLine>
+                </a:ext>
+                <a:ext uri="{AF507438-7753-43E0-B8FC-AC1667EBCBE1}">
+                  <a14:hiddenEffects xmlns:a14="http://schemas.microsoft.com/office/drawing/2010/main">
+                    <a:effectLst>
+                      <a:outerShdw dist="35921" dir="2700000" algn="ctr" rotWithShape="0">
+                        <a:schemeClr val="bg2"/>
+                      </a:outerShdw>
+                    </a:effectLst>
+                  </a14:hiddenEffects>
+                </a:ext>
+              </a:extLst>
+            </p:spPr>
+            <p:txBody>
+              <a:bodyPr wrap="square">
+                <a:spAutoFit/>
+              </a:bodyPr>
+              <a:lstStyle/>
+              <a:p>
+                <a:r>
+                  <a:rPr lang="ko-KR" altLang="en-US" sz="3000" b="1" dirty="0">
+                    <a:solidFill>
+                      <a:schemeClr val="tx1">
+                        <a:lumMod val="85000"/>
+                        <a:lumOff val="15000"/>
+                      </a:schemeClr>
+                    </a:solidFill>
+                    <a:latin typeface="휴먼모음T" panose="02030504000101010101" pitchFamily="18" charset="-127"/>
+                    <a:ea typeface="휴먼모음T" panose="02030504000101010101" pitchFamily="18" charset="-127"/>
+                  </a:rPr>
+                  <a:t>기대효과</a:t>
+                </a:r>
+                <a:endParaRPr lang="en-US" altLang="ko-KR" sz="3000" b="1" dirty="0">
+                  <a:solidFill>
+                    <a:schemeClr val="tx1">
+                      <a:lumMod val="85000"/>
+                      <a:lumOff val="15000"/>
+                    </a:schemeClr>
+                  </a:solidFill>
+                  <a:latin typeface="휴먼모음T" panose="02030504000101010101" pitchFamily="18" charset="-127"/>
+                  <a:ea typeface="휴먼모음T" panose="02030504000101010101" pitchFamily="18" charset="-127"/>
+                </a:endParaRPr>
+              </a:p>
+            </p:txBody>
+          </p:sp>
+          <p:sp>
+            <p:nvSpPr>
+              <p:cNvPr id="39" name="Text Box 3">
+                <a:extLst>
+                  <a:ext uri="{FF2B5EF4-FFF2-40B4-BE49-F238E27FC236}">
+                    <a16:creationId xmlns:a16="http://schemas.microsoft.com/office/drawing/2014/main" id="{86D12E07-072C-45A4-AC04-E9E188F52FC8}"/>
+                  </a:ext>
+                </a:extLst>
+              </p:cNvPr>
+              <p:cNvSpPr txBox="1">
+                <a:spLocks noChangeArrowheads="1"/>
+              </p:cNvSpPr>
+              <p:nvPr/>
+            </p:nvSpPr>
+            <p:spPr bwMode="auto">
+              <a:xfrm>
+                <a:off x="3472783" y="3560212"/>
+                <a:ext cx="7370757" cy="647678"/>
+              </a:xfrm>
+              <a:prstGeom prst="rect">
+                <a:avLst/>
+              </a:prstGeom>
+              <a:noFill/>
+              <a:ln>
+                <a:noFill/>
+              </a:ln>
+              <a:effectLst/>
+              <a:extLst>
+                <a:ext uri="{909E8E84-426E-40DD-AFC4-6F175D3DCCD1}">
+                  <a14:hiddenFill xmlns:a14="http://schemas.microsoft.com/office/drawing/2010/main">
+                    <a:gradFill rotWithShape="1">
+                      <a:gsLst>
+                        <a:gs pos="0">
+                          <a:srgbClr val="FF6400"/>
+                        </a:gs>
+                        <a:gs pos="100000">
+                          <a:srgbClr val="FFC800"/>
+                        </a:gs>
+                      </a:gsLst>
+                      <a:lin ang="0" scaled="1"/>
+                    </a:gradFill>
+                  </a14:hiddenFill>
+                </a:ext>
+                <a:ext uri="{91240B29-F687-4F45-9708-019B960494DF}">
+                  <a14:hiddenLine xmlns:a14="http://schemas.microsoft.com/office/drawing/2010/main" w="9525" algn="ctr">
+                    <a:solidFill>
+                      <a:schemeClr val="tx1"/>
+                    </a:solidFill>
+                    <a:miter lim="800000"/>
+                    <a:headEnd/>
+                    <a:tailEnd/>
+                  </a14:hiddenLine>
+                </a:ext>
+                <a:ext uri="{AF507438-7753-43E0-B8FC-AC1667EBCBE1}">
+                  <a14:hiddenEffects xmlns:a14="http://schemas.microsoft.com/office/drawing/2010/main">
+                    <a:effectLst>
+                      <a:outerShdw dist="35921" dir="2700000" algn="ctr" rotWithShape="0">
+                        <a:srgbClr val="646464">
+                          <a:alpha val="50000"/>
+                        </a:srgbClr>
+                      </a:outerShdw>
+                    </a:effectLst>
+                  </a14:hiddenEffects>
+                </a:ext>
+              </a:extLst>
+            </p:spPr>
+            <p:txBody>
+              <a:bodyPr wrap="square">
+                <a:spAutoFit/>
+              </a:bodyPr>
+              <a:lstStyle/>
+              <a:p>
+                <a:pPr marL="342900" indent="-342900" algn="just">
+                  <a:lnSpc>
+                    <a:spcPct val="90000"/>
+                  </a:lnSpc>
+                  <a:buFont typeface="Arial" panose="020B0604020202020204" pitchFamily="34" charset="0"/>
+                  <a:buChar char="•"/>
+                </a:pPr>
+                <a:r>
+                  <a:rPr lang="ko-KR" altLang="en-US" sz="2000" dirty="0" err="1">
+                    <a:solidFill>
+                      <a:schemeClr val="tx1">
+                        <a:lumMod val="85000"/>
+                        <a:lumOff val="15000"/>
+                      </a:schemeClr>
+                    </a:solidFill>
+                    <a:latin typeface="휴먼모음T" panose="02030504000101010101" pitchFamily="18" charset="-127"/>
+                    <a:ea typeface="휴먼모음T" panose="02030504000101010101" pitchFamily="18" charset="-127"/>
+                  </a:rPr>
+                  <a:t>혼밥족들이</a:t>
+                </a:r>
+                <a:r>
+                  <a:rPr lang="ko-KR" altLang="en-US" sz="2000" dirty="0">
+                    <a:solidFill>
+                      <a:schemeClr val="tx1">
+                        <a:lumMod val="85000"/>
+                        <a:lumOff val="15000"/>
+                      </a:schemeClr>
+                    </a:solidFill>
+                    <a:latin typeface="휴먼모음T" panose="02030504000101010101" pitchFamily="18" charset="-127"/>
+                    <a:ea typeface="휴먼모음T" panose="02030504000101010101" pitchFamily="18" charset="-127"/>
+                  </a:rPr>
+                  <a:t> 더욱 편안하고 빠르게 식사해결이 가능해진다</a:t>
+                </a:r>
+                <a:r>
+                  <a:rPr lang="en-US" altLang="ko-KR" sz="2000" dirty="0">
+                    <a:solidFill>
+                      <a:schemeClr val="tx1">
+                        <a:lumMod val="85000"/>
+                        <a:lumOff val="15000"/>
+                      </a:schemeClr>
+                    </a:solidFill>
+                    <a:latin typeface="휴먼모음T" panose="02030504000101010101" pitchFamily="18" charset="-127"/>
+                    <a:ea typeface="휴먼모음T" panose="02030504000101010101" pitchFamily="18" charset="-127"/>
+                  </a:rPr>
+                  <a:t>.</a:t>
+                </a:r>
+              </a:p>
+              <a:p>
+                <a:pPr marL="342900" indent="-342900" algn="just">
+                  <a:lnSpc>
+                    <a:spcPct val="90000"/>
+                  </a:lnSpc>
+                  <a:buFont typeface="Arial" panose="020B0604020202020204" pitchFamily="34" charset="0"/>
+                  <a:buChar char="•"/>
+                </a:pPr>
+                <a:r>
+                  <a:rPr lang="ko-KR" altLang="en-US" sz="2000" dirty="0">
+                    <a:solidFill>
+                      <a:schemeClr val="tx1">
+                        <a:lumMod val="85000"/>
+                        <a:lumOff val="15000"/>
+                      </a:schemeClr>
+                    </a:solidFill>
+                    <a:latin typeface="휴먼모음T" panose="02030504000101010101" pitchFamily="18" charset="-127"/>
+                    <a:ea typeface="휴먼모음T" panose="02030504000101010101" pitchFamily="18" charset="-127"/>
+                  </a:rPr>
+                  <a:t>자영업의 인건비 문제를 해소할 수 있다</a:t>
+                </a:r>
+                <a:r>
+                  <a:rPr lang="en-US" altLang="ko-KR" sz="2000" dirty="0">
+                    <a:solidFill>
+                      <a:schemeClr val="tx1">
+                        <a:lumMod val="85000"/>
+                        <a:lumOff val="15000"/>
+                      </a:schemeClr>
+                    </a:solidFill>
+                    <a:latin typeface="휴먼모음T" panose="02030504000101010101" pitchFamily="18" charset="-127"/>
+                    <a:ea typeface="휴먼모음T" panose="02030504000101010101" pitchFamily="18" charset="-127"/>
+                  </a:rPr>
+                  <a:t>.</a:t>
+                </a:r>
+              </a:p>
+            </p:txBody>
+          </p:sp>
+        </p:grpSp>
+      </p:grpSp>
       <p:pic>
         <p:nvPicPr>
-          <p:cNvPr id="37" name="그림 36">
+          <p:cNvPr id="2" name="그림 1">
             <a:extLst>
               <a:ext uri="{FF2B5EF4-FFF2-40B4-BE49-F238E27FC236}">
-                <a16:creationId xmlns:a16="http://schemas.microsoft.com/office/drawing/2014/main" id="{CBB6A60A-343A-4DC3-906A-DE2111372101}"/>
+                <a16:creationId xmlns:a16="http://schemas.microsoft.com/office/drawing/2014/main" id="{BB8BFAA6-3877-4292-AC17-7DBD1F6FEF0B}"/>
               </a:ext>
             </a:extLst>
           </p:cNvPr>
@@ -24012,269 +25290,31 @@
           <p:nvPr/>
         </p:nvPicPr>
         <p:blipFill>
-          <a:blip r:embed="rId3"/>
+          <a:blip r:embed="rId4"/>
           <a:stretch>
             <a:fillRect/>
           </a:stretch>
         </p:blipFill>
         <p:spPr>
           <a:xfrm>
-            <a:off x="1035021" y="3633205"/>
-            <a:ext cx="540000" cy="501639"/>
+            <a:off x="6870774" y="156754"/>
+            <a:ext cx="4830791" cy="2761564"/>
           </a:xfrm>
-          <a:prstGeom prst="rect">
+          <a:prstGeom prst="ellipse">
             <a:avLst/>
           </a:prstGeom>
-        </p:spPr>
-      </p:pic>
-      <p:sp>
-        <p:nvSpPr>
-          <p:cNvPr id="38" name="Text Box 2">
-            <a:extLst>
-              <a:ext uri="{FF2B5EF4-FFF2-40B4-BE49-F238E27FC236}">
-                <a16:creationId xmlns:a16="http://schemas.microsoft.com/office/drawing/2014/main" id="{4CADBA63-E3EC-4A1B-AF6B-F70397CD5154}"/>
-              </a:ext>
-            </a:extLst>
-          </p:cNvPr>
-          <p:cNvSpPr txBox="1">
-            <a:spLocks noChangeArrowheads="1"/>
-          </p:cNvSpPr>
-          <p:nvPr/>
-        </p:nvSpPr>
-        <p:spPr bwMode="auto">
-          <a:xfrm>
-            <a:off x="1493057" y="3682526"/>
-            <a:ext cx="1852784" cy="553998"/>
-          </a:xfrm>
-          <a:prstGeom prst="rect">
-            <a:avLst/>
-          </a:prstGeom>
-          <a:noFill/>
           <a:ln>
             <a:noFill/>
           </a:ln>
-          <a:effectLst/>
-          <a:extLst>
-            <a:ext uri="{909E8E84-426E-40DD-AFC4-6F175D3DCCD1}">
-              <a14:hiddenFill xmlns:a14="http://schemas.microsoft.com/office/drawing/2010/main">
-                <a:solidFill>
-                  <a:schemeClr val="accent1"/>
-                </a:solidFill>
-              </a14:hiddenFill>
-            </a:ext>
-            <a:ext uri="{91240B29-F687-4F45-9708-019B960494DF}">
-              <a14:hiddenLine xmlns:a14="http://schemas.microsoft.com/office/drawing/2010/main" w="9525">
-                <a:solidFill>
-                  <a:schemeClr val="tx1"/>
-                </a:solidFill>
-                <a:miter lim="800000"/>
-                <a:headEnd/>
-                <a:tailEnd/>
-              </a14:hiddenLine>
-            </a:ext>
-            <a:ext uri="{AF507438-7753-43E0-B8FC-AC1667EBCBE1}">
-              <a14:hiddenEffects xmlns:a14="http://schemas.microsoft.com/office/drawing/2010/main">
-                <a:effectLst>
-                  <a:outerShdw dist="35921" dir="2700000" algn="ctr" rotWithShape="0">
-                    <a:schemeClr val="bg2"/>
-                  </a:outerShdw>
-                </a:effectLst>
-              </a14:hiddenEffects>
-            </a:ext>
-          </a:extLst>
+          <a:effectLst>
+            <a:softEdge rad="112500"/>
+          </a:effectLst>
         </p:spPr>
-        <p:txBody>
-          <a:bodyPr wrap="square">
-            <a:spAutoFit/>
-          </a:bodyPr>
-          <a:lstStyle/>
-          <a:p>
-            <a:r>
-              <a:rPr lang="ko-KR" altLang="en-US" sz="3000" b="1" dirty="0">
-                <a:solidFill>
-                  <a:schemeClr val="tx1">
-                    <a:lumMod val="85000"/>
-                    <a:lumOff val="15000"/>
-                  </a:schemeClr>
-                </a:solidFill>
-                <a:latin typeface="휴먼모음T" panose="02030504000101010101" pitchFamily="18" charset="-127"/>
-                <a:ea typeface="휴먼모음T" panose="02030504000101010101" pitchFamily="18" charset="-127"/>
-              </a:rPr>
-              <a:t>기대효과</a:t>
-            </a:r>
-            <a:endParaRPr lang="en-US" altLang="ko-KR" sz="3000" b="1" dirty="0">
-              <a:solidFill>
-                <a:schemeClr val="tx1">
-                  <a:lumMod val="85000"/>
-                  <a:lumOff val="15000"/>
-                </a:schemeClr>
-              </a:solidFill>
-              <a:latin typeface="휴먼모음T" panose="02030504000101010101" pitchFamily="18" charset="-127"/>
-              <a:ea typeface="휴먼모음T" panose="02030504000101010101" pitchFamily="18" charset="-127"/>
-            </a:endParaRPr>
-          </a:p>
-        </p:txBody>
-      </p:sp>
-      <p:sp>
-        <p:nvSpPr>
-          <p:cNvPr id="39" name="Text Box 3">
-            <a:extLst>
-              <a:ext uri="{FF2B5EF4-FFF2-40B4-BE49-F238E27FC236}">
-                <a16:creationId xmlns:a16="http://schemas.microsoft.com/office/drawing/2014/main" id="{86D12E07-072C-45A4-AC04-E9E188F52FC8}"/>
-              </a:ext>
-            </a:extLst>
-          </p:cNvPr>
-          <p:cNvSpPr txBox="1">
-            <a:spLocks noChangeArrowheads="1"/>
-          </p:cNvSpPr>
-          <p:nvPr/>
-        </p:nvSpPr>
-        <p:spPr bwMode="auto">
-          <a:xfrm>
-            <a:off x="3472783" y="3715967"/>
-            <a:ext cx="7370757" cy="647678"/>
-          </a:xfrm>
-          <a:prstGeom prst="rect">
-            <a:avLst/>
-          </a:prstGeom>
-          <a:noFill/>
-          <a:ln>
-            <a:noFill/>
-          </a:ln>
-          <a:effectLst/>
-          <a:extLst>
-            <a:ext uri="{909E8E84-426E-40DD-AFC4-6F175D3DCCD1}">
-              <a14:hiddenFill xmlns:a14="http://schemas.microsoft.com/office/drawing/2010/main">
-                <a:gradFill rotWithShape="1">
-                  <a:gsLst>
-                    <a:gs pos="0">
-                      <a:srgbClr val="FF6400"/>
-                    </a:gs>
-                    <a:gs pos="100000">
-                      <a:srgbClr val="FFC800"/>
-                    </a:gs>
-                  </a:gsLst>
-                  <a:lin ang="0" scaled="1"/>
-                </a:gradFill>
-              </a14:hiddenFill>
-            </a:ext>
-            <a:ext uri="{91240B29-F687-4F45-9708-019B960494DF}">
-              <a14:hiddenLine xmlns:a14="http://schemas.microsoft.com/office/drawing/2010/main" w="9525" algn="ctr">
-                <a:solidFill>
-                  <a:schemeClr val="tx1"/>
-                </a:solidFill>
-                <a:miter lim="800000"/>
-                <a:headEnd/>
-                <a:tailEnd/>
-              </a14:hiddenLine>
-            </a:ext>
-            <a:ext uri="{AF507438-7753-43E0-B8FC-AC1667EBCBE1}">
-              <a14:hiddenEffects xmlns:a14="http://schemas.microsoft.com/office/drawing/2010/main">
-                <a:effectLst>
-                  <a:outerShdw dist="35921" dir="2700000" algn="ctr" rotWithShape="0">
-                    <a:srgbClr val="646464">
-                      <a:alpha val="50000"/>
-                    </a:srgbClr>
-                  </a:outerShdw>
-                </a:effectLst>
-              </a14:hiddenEffects>
-            </a:ext>
-          </a:extLst>
-        </p:spPr>
-        <p:txBody>
-          <a:bodyPr wrap="square">
-            <a:spAutoFit/>
-          </a:bodyPr>
-          <a:lstStyle/>
-          <a:p>
-            <a:pPr marL="342900" indent="-342900" algn="just">
-              <a:lnSpc>
-                <a:spcPct val="90000"/>
-              </a:lnSpc>
-              <a:buFont typeface="Arial" panose="020B0604020202020204" pitchFamily="34" charset="0"/>
-              <a:buChar char="•"/>
-            </a:pPr>
-            <a:r>
-              <a:rPr lang="ko-KR" altLang="en-US" sz="2000" dirty="0" err="1">
-                <a:solidFill>
-                  <a:schemeClr val="tx1">
-                    <a:lumMod val="85000"/>
-                    <a:lumOff val="15000"/>
-                  </a:schemeClr>
-                </a:solidFill>
-                <a:latin typeface="휴먼모음T" panose="02030504000101010101" pitchFamily="18" charset="-127"/>
-                <a:ea typeface="휴먼모음T" panose="02030504000101010101" pitchFamily="18" charset="-127"/>
-              </a:rPr>
-              <a:t>혼밥족들이</a:t>
-            </a:r>
-            <a:r>
-              <a:rPr lang="ko-KR" altLang="en-US" sz="2000" dirty="0">
-                <a:solidFill>
-                  <a:schemeClr val="tx1">
-                    <a:lumMod val="85000"/>
-                    <a:lumOff val="15000"/>
-                  </a:schemeClr>
-                </a:solidFill>
-                <a:latin typeface="휴먼모음T" panose="02030504000101010101" pitchFamily="18" charset="-127"/>
-                <a:ea typeface="휴먼모음T" panose="02030504000101010101" pitchFamily="18" charset="-127"/>
-              </a:rPr>
-              <a:t> 더욱 편안하고 빠르게 식사해결이 가능해진다</a:t>
-            </a:r>
-            <a:r>
-              <a:rPr lang="en-US" altLang="ko-KR" sz="2000" dirty="0">
-                <a:solidFill>
-                  <a:schemeClr val="tx1">
-                    <a:lumMod val="85000"/>
-                    <a:lumOff val="15000"/>
-                  </a:schemeClr>
-                </a:solidFill>
-                <a:latin typeface="휴먼모음T" panose="02030504000101010101" pitchFamily="18" charset="-127"/>
-                <a:ea typeface="휴먼모음T" panose="02030504000101010101" pitchFamily="18" charset="-127"/>
-              </a:rPr>
-              <a:t>.</a:t>
-            </a:r>
-          </a:p>
-          <a:p>
-            <a:pPr marL="342900" indent="-342900" algn="just">
-              <a:lnSpc>
-                <a:spcPct val="90000"/>
-              </a:lnSpc>
-              <a:buFont typeface="Arial" panose="020B0604020202020204" pitchFamily="34" charset="0"/>
-              <a:buChar char="•"/>
-            </a:pPr>
-            <a:r>
-              <a:rPr lang="ko-KR" altLang="en-US" sz="2000" dirty="0">
-                <a:solidFill>
-                  <a:schemeClr val="tx1">
-                    <a:lumMod val="85000"/>
-                    <a:lumOff val="15000"/>
-                  </a:schemeClr>
-                </a:solidFill>
-                <a:latin typeface="휴먼모음T" panose="02030504000101010101" pitchFamily="18" charset="-127"/>
-                <a:ea typeface="휴먼모음T" panose="02030504000101010101" pitchFamily="18" charset="-127"/>
-              </a:rPr>
-              <a:t>자영업의 인건비 문제를 해소할 수 있다</a:t>
-            </a:r>
-            <a:r>
-              <a:rPr lang="en-US" altLang="ko-KR" sz="2000" dirty="0">
-                <a:solidFill>
-                  <a:schemeClr val="tx1">
-                    <a:lumMod val="85000"/>
-                    <a:lumOff val="15000"/>
-                  </a:schemeClr>
-                </a:solidFill>
-                <a:latin typeface="휴먼모음T" panose="02030504000101010101" pitchFamily="18" charset="-127"/>
-                <a:ea typeface="휴먼모음T" panose="02030504000101010101" pitchFamily="18" charset="-127"/>
-              </a:rPr>
-              <a:t>.</a:t>
-            </a:r>
-          </a:p>
-        </p:txBody>
-      </p:sp>
+      </p:pic>
     </p:spTree>
     <p:extLst>
       <p:ext uri="{BB962C8B-B14F-4D97-AF65-F5344CB8AC3E}">
-        <p14:creationId xmlns:p14="http://schemas.microsoft.com/office/powerpoint/2010/main" val="1389663132"/>
+        <p14:creationId xmlns:p14="http://schemas.microsoft.com/office/powerpoint/2010/main" val="2585159290"/>
       </p:ext>
     </p:extLst>
   </p:cSld>
@@ -24657,8 +25697,8 @@
                     <a:lumOff val="15000"/>
                   </a:schemeClr>
                 </a:solidFill>
-                <a:latin typeface="1훈프로방스 R" panose="02020603020101020101" pitchFamily="18" charset="-127"/>
-                <a:ea typeface="1훈프로방스 R" panose="02020603020101020101" pitchFamily="18" charset="-127"/>
+                <a:latin typeface="휴먼모음T" panose="02030504000101010101" pitchFamily="18" charset="-127"/>
+                <a:ea typeface="휴먼모음T" panose="02030504000101010101" pitchFamily="18" charset="-127"/>
               </a:rPr>
               <a:t>관련 연구 사례</a:t>
             </a:r>
@@ -24669,8 +25709,8 @@
                   <a:lumOff val="15000"/>
                 </a:schemeClr>
               </a:solidFill>
-              <a:latin typeface="1훈프로방스 R" panose="02020603020101020101" pitchFamily="18" charset="-127"/>
-              <a:ea typeface="1훈프로방스 R" panose="02020603020101020101" pitchFamily="18" charset="-127"/>
+              <a:latin typeface="휴먼모음T" panose="02030504000101010101" pitchFamily="18" charset="-127"/>
+              <a:ea typeface="휴먼모음T" panose="02030504000101010101" pitchFamily="18" charset="-127"/>
             </a:endParaRPr>
           </a:p>
         </p:txBody>
@@ -24819,8 +25859,8 @@
           <a:p>
             <a:r>
               <a:rPr lang="ko-KR" altLang="en-US" sz="2800" b="1" dirty="0">
-                <a:latin typeface="1훈프로방스 R" panose="02020603020101020101" pitchFamily="18" charset="-127"/>
-                <a:ea typeface="1훈프로방스 R" panose="02020603020101020101" pitchFamily="18" charset="-127"/>
+                <a:latin typeface="휴먼모음T" panose="02030504000101010101" pitchFamily="18" charset="-127"/>
+                <a:ea typeface="휴먼모음T" panose="02030504000101010101" pitchFamily="18" charset="-127"/>
               </a:rPr>
               <a:t>관련 연구 사례 및 구현 기능</a:t>
             </a:r>
@@ -25503,8 +26543,8 @@
                     <a:lumOff val="15000"/>
                   </a:schemeClr>
                 </a:solidFill>
-                <a:latin typeface="1훈프로방스 R" panose="02020603020101020101" pitchFamily="18" charset="-127"/>
-                <a:ea typeface="1훈프로방스 R" panose="02020603020101020101" pitchFamily="18" charset="-127"/>
+                <a:latin typeface="휴먼모음T" panose="02030504000101010101" pitchFamily="18" charset="-127"/>
+                <a:ea typeface="휴먼모음T" panose="02030504000101010101" pitchFamily="18" charset="-127"/>
               </a:rPr>
               <a:t>터치스크린을 통한 주문</a:t>
             </a:r>
@@ -25516,8 +26556,8 @@
                     <a:lumOff val="15000"/>
                   </a:schemeClr>
                 </a:solidFill>
-                <a:latin typeface="1훈프로방스 R" panose="02020603020101020101" pitchFamily="18" charset="-127"/>
-                <a:ea typeface="1훈프로방스 R" panose="02020603020101020101" pitchFamily="18" charset="-127"/>
+                <a:latin typeface="휴먼모음T" panose="02030504000101010101" pitchFamily="18" charset="-127"/>
+                <a:ea typeface="휴먼모음T" panose="02030504000101010101" pitchFamily="18" charset="-127"/>
               </a:rPr>
               <a:t>(</a:t>
             </a:r>
@@ -25529,8 +26569,8 @@
                     <a:lumOff val="15000"/>
                   </a:schemeClr>
                 </a:solidFill>
-                <a:latin typeface="1훈프로방스 R" panose="02020603020101020101" pitchFamily="18" charset="-127"/>
-                <a:ea typeface="1훈프로방스 R" panose="02020603020101020101" pitchFamily="18" charset="-127"/>
+                <a:latin typeface="휴먼모음T" panose="02030504000101010101" pitchFamily="18" charset="-127"/>
+                <a:ea typeface="휴먼모음T" panose="02030504000101010101" pitchFamily="18" charset="-127"/>
               </a:rPr>
               <a:t>오더 무인 포스</a:t>
             </a:r>
@@ -25542,8 +26582,8 @@
                     <a:lumOff val="15000"/>
                   </a:schemeClr>
                 </a:solidFill>
-                <a:latin typeface="1훈프로방스 R" panose="02020603020101020101" pitchFamily="18" charset="-127"/>
-                <a:ea typeface="1훈프로방스 R" panose="02020603020101020101" pitchFamily="18" charset="-127"/>
+                <a:latin typeface="휴먼모음T" panose="02030504000101010101" pitchFamily="18" charset="-127"/>
+                <a:ea typeface="휴먼모음T" panose="02030504000101010101" pitchFamily="18" charset="-127"/>
               </a:rPr>
               <a:t>)</a:t>
             </a:r>
@@ -25567,7 +26607,7 @@
         <p:spPr bwMode="auto">
           <a:xfrm>
             <a:off x="6750961" y="1747675"/>
-            <a:ext cx="4231331" cy="1754326"/>
+            <a:ext cx="4231331" cy="1477328"/>
           </a:xfrm>
           <a:prstGeom prst="rect">
             <a:avLst/>
@@ -25624,8 +26664,8 @@
                     <a:lumOff val="15000"/>
                   </a:schemeClr>
                 </a:solidFill>
-                <a:latin typeface="1훈프로방스 R" panose="02020603020101020101" pitchFamily="18" charset="-127"/>
-                <a:ea typeface="1훈프로방스 R" panose="02020603020101020101" pitchFamily="18" charset="-127"/>
+                <a:latin typeface="휴먼모음T" panose="02030504000101010101" pitchFamily="18" charset="-127"/>
+                <a:ea typeface="휴먼모음T" panose="02030504000101010101" pitchFamily="18" charset="-127"/>
               </a:rPr>
               <a:t>오더 무인 포스 </a:t>
             </a:r>
@@ -25636,8 +26676,8 @@
                   <a:lumOff val="15000"/>
                 </a:schemeClr>
               </a:solidFill>
-              <a:latin typeface="1훈프로방스 R" panose="02020603020101020101" pitchFamily="18" charset="-127"/>
-              <a:ea typeface="1훈프로방스 R" panose="02020603020101020101" pitchFamily="18" charset="-127"/>
+              <a:latin typeface="휴먼모음T" panose="02030504000101010101" pitchFamily="18" charset="-127"/>
+              <a:ea typeface="휴먼모음T" panose="02030504000101010101" pitchFamily="18" charset="-127"/>
             </a:endParaRPr>
           </a:p>
           <a:p>
@@ -25653,8 +26693,8 @@
                     <a:lumOff val="15000"/>
                   </a:schemeClr>
                 </a:solidFill>
-                <a:latin typeface="1훈프로방스 R" panose="02020603020101020101" pitchFamily="18" charset="-127"/>
-                <a:ea typeface="1훈프로방스 R" panose="02020603020101020101" pitchFamily="18" charset="-127"/>
+                <a:latin typeface="휴먼모음T" panose="02030504000101010101" pitchFamily="18" charset="-127"/>
+                <a:ea typeface="휴먼모음T" panose="02030504000101010101" pitchFamily="18" charset="-127"/>
               </a:rPr>
               <a:t>매장에서 기다리지 않고 터치 스크린을 통한 주문 및 결제할 수 있는 서비스</a:t>
             </a:r>
@@ -25666,8 +26706,8 @@
                     <a:lumOff val="15000"/>
                   </a:schemeClr>
                 </a:solidFill>
-                <a:latin typeface="1훈프로방스 R" panose="02020603020101020101" pitchFamily="18" charset="-127"/>
-                <a:ea typeface="1훈프로방스 R" panose="02020603020101020101" pitchFamily="18" charset="-127"/>
+                <a:latin typeface="휴먼모음T" panose="02030504000101010101" pitchFamily="18" charset="-127"/>
+                <a:ea typeface="휴먼모음T" panose="02030504000101010101" pitchFamily="18" charset="-127"/>
               </a:rPr>
               <a:t>.</a:t>
             </a:r>
@@ -25718,10 +26758,16 @@
           <p:cNvGraphicFramePr>
             <a:graphicFrameLocks noGrp="1"/>
           </p:cNvGraphicFramePr>
-          <p:nvPr/>
+          <p:nvPr>
+            <p:extLst>
+              <p:ext uri="{D42A27DB-BD31-4B8C-83A1-F6EECF244321}">
+                <p14:modId xmlns:p14="http://schemas.microsoft.com/office/powerpoint/2010/main" val="1236665223"/>
+              </p:ext>
+            </p:extLst>
+          </p:nvPr>
         </p:nvGraphicFramePr>
         <p:xfrm>
-          <a:off x="6781588" y="3182452"/>
+          <a:off x="6750961" y="3187570"/>
           <a:ext cx="4839393" cy="2872017"/>
         </p:xfrm>
         <a:graphic>
@@ -25773,7 +26819,8 @@
                           <a:srgbClr val="000000"/>
                         </a:solidFill>
                         <a:effectLst/>
-                        <a:ea typeface="1훈프로방스 R" panose="02020603020101020101"/>
+                        <a:latin typeface="휴먼모음T" panose="02030504000101010101" pitchFamily="18" charset="-127"/>
+                        <a:ea typeface="휴먼모음T" panose="02030504000101010101" pitchFamily="18" charset="-127"/>
                       </a:endParaRPr>
                     </a:p>
                   </a:txBody>
@@ -25838,7 +26885,8 @@
                             <a:srgbClr val="000000"/>
                           </a:solidFill>
                           <a:effectLst/>
-                          <a:ea typeface="1훈프로방스 R" panose="02020603020101020101"/>
+                          <a:latin typeface="휴먼모음T" panose="02030504000101010101" pitchFamily="18" charset="-127"/>
+                          <a:ea typeface="휴먼모음T" panose="02030504000101010101" pitchFamily="18" charset="-127"/>
                         </a:rPr>
                         <a:t>오더 무인 포스</a:t>
                       </a:r>
@@ -25847,7 +26895,8 @@
                           <a:srgbClr val="000000"/>
                         </a:solidFill>
                         <a:effectLst/>
-                        <a:ea typeface="1훈프로방스 R" panose="02020603020101020101"/>
+                        <a:latin typeface="휴먼모음T" panose="02030504000101010101" pitchFamily="18" charset="-127"/>
+                        <a:ea typeface="휴먼모음T" panose="02030504000101010101" pitchFamily="18" charset="-127"/>
                       </a:endParaRPr>
                     </a:p>
                   </a:txBody>
@@ -25912,7 +26961,8 @@
                             <a:srgbClr val="000000"/>
                           </a:solidFill>
                           <a:effectLst/>
-                          <a:ea typeface="1훈프로방스 R" panose="02020603020101020101"/>
+                          <a:latin typeface="휴먼모음T" panose="02030504000101010101" pitchFamily="18" charset="-127"/>
+                          <a:ea typeface="휴먼모음T" panose="02030504000101010101" pitchFamily="18" charset="-127"/>
                         </a:rPr>
                         <a:t>혼밥</a:t>
                       </a:r>
@@ -25922,7 +26972,8 @@
                             <a:srgbClr val="000000"/>
                           </a:solidFill>
                           <a:effectLst/>
-                          <a:ea typeface="1훈프로방스 R" panose="02020603020101020101"/>
+                          <a:latin typeface="휴먼모음T" panose="02030504000101010101" pitchFamily="18" charset="-127"/>
+                          <a:ea typeface="휴먼모음T" panose="02030504000101010101" pitchFamily="18" charset="-127"/>
                         </a:rPr>
                         <a:t> 남녀</a:t>
                       </a:r>
@@ -25931,7 +26982,8 @@
                           <a:srgbClr val="000000"/>
                         </a:solidFill>
                         <a:effectLst/>
-                        <a:ea typeface="1훈프로방스 R" panose="02020603020101020101"/>
+                        <a:latin typeface="휴먼모음T" panose="02030504000101010101" pitchFamily="18" charset="-127"/>
+                        <a:ea typeface="휴먼모음T" panose="02030504000101010101" pitchFamily="18" charset="-127"/>
                       </a:endParaRPr>
                     </a:p>
                   </a:txBody>
@@ -26003,7 +27055,8 @@
                             <a:srgbClr val="000000"/>
                           </a:solidFill>
                           <a:effectLst/>
-                          <a:ea typeface="1훈프로방스 R" panose="02020603020101020101"/>
+                          <a:latin typeface="휴먼모음T" panose="02030504000101010101" pitchFamily="18" charset="-127"/>
+                          <a:ea typeface="휴먼모음T" panose="02030504000101010101" pitchFamily="18" charset="-127"/>
                         </a:rPr>
                         <a:t>비용</a:t>
                       </a:r>
@@ -26012,7 +27065,8 @@
                           <a:srgbClr val="000000"/>
                         </a:solidFill>
                         <a:effectLst/>
-                        <a:ea typeface="1훈프로방스 R" panose="02020603020101020101"/>
+                        <a:latin typeface="휴먼모음T" panose="02030504000101010101" pitchFamily="18" charset="-127"/>
+                        <a:ea typeface="휴먼모음T" panose="02030504000101010101" pitchFamily="18" charset="-127"/>
                       </a:endParaRPr>
                     </a:p>
                   </a:txBody>
@@ -26079,7 +27133,8 @@
                             <a:srgbClr val="000000"/>
                           </a:solidFill>
                           <a:effectLst/>
-                          <a:ea typeface="1훈프로방스 R" panose="02020603020101020101"/>
+                          <a:latin typeface="휴먼모음T" panose="02030504000101010101" pitchFamily="18" charset="-127"/>
+                          <a:ea typeface="휴먼모음T" panose="02030504000101010101" pitchFamily="18" charset="-127"/>
                         </a:rPr>
                         <a:t>비싸다</a:t>
                       </a:r>
@@ -26089,8 +27144,8 @@
                             <a:srgbClr val="000000"/>
                           </a:solidFill>
                           <a:effectLst/>
-                          <a:latin typeface="함초롬바탕" panose="02030504000101010101" pitchFamily="18" charset="-127"/>
-                          <a:ea typeface="1훈프로방스 R" panose="02020603020101020101"/>
+                          <a:latin typeface="휴먼모음T" panose="02030504000101010101" pitchFamily="18" charset="-127"/>
+                          <a:ea typeface="휴먼모음T" panose="02030504000101010101" pitchFamily="18" charset="-127"/>
                         </a:rPr>
                         <a:t>.</a:t>
                       </a:r>
@@ -26099,7 +27154,8 @@
                           <a:srgbClr val="000000"/>
                         </a:solidFill>
                         <a:effectLst/>
-                        <a:ea typeface="1훈프로방스 R" panose="02020603020101020101"/>
+                        <a:latin typeface="휴먼모음T" panose="02030504000101010101" pitchFamily="18" charset="-127"/>
+                        <a:ea typeface="휴먼모음T" panose="02030504000101010101" pitchFamily="18" charset="-127"/>
                       </a:endParaRPr>
                     </a:p>
                   </a:txBody>
@@ -26166,7 +27222,8 @@
                             <a:srgbClr val="000000"/>
                           </a:solidFill>
                           <a:effectLst/>
-                          <a:ea typeface="1훈프로방스 R" panose="02020603020101020101"/>
+                          <a:latin typeface="휴먼모음T" panose="02030504000101010101" pitchFamily="18" charset="-127"/>
+                          <a:ea typeface="휴먼모음T" panose="02030504000101010101" pitchFamily="18" charset="-127"/>
                         </a:rPr>
                         <a:t>저렴하다</a:t>
                       </a:r>
@@ -26176,8 +27233,8 @@
                             <a:srgbClr val="000000"/>
                           </a:solidFill>
                           <a:effectLst/>
-                          <a:latin typeface="함초롬바탕" panose="02030504000101010101" pitchFamily="18" charset="-127"/>
-                          <a:ea typeface="1훈프로방스 R" panose="02020603020101020101"/>
+                          <a:latin typeface="휴먼모음T" panose="02030504000101010101" pitchFamily="18" charset="-127"/>
+                          <a:ea typeface="휴먼모음T" panose="02030504000101010101" pitchFamily="18" charset="-127"/>
                         </a:rPr>
                         <a:t>.</a:t>
                       </a:r>
@@ -26186,7 +27243,8 @@
                           <a:srgbClr val="000000"/>
                         </a:solidFill>
                         <a:effectLst/>
-                        <a:ea typeface="1훈프로방스 R" panose="02020603020101020101"/>
+                        <a:latin typeface="휴먼모음T" panose="02030504000101010101" pitchFamily="18" charset="-127"/>
+                        <a:ea typeface="휴먼모음T" panose="02030504000101010101" pitchFamily="18" charset="-127"/>
                       </a:endParaRPr>
                     </a:p>
                   </a:txBody>
@@ -26258,7 +27316,8 @@
                             <a:srgbClr val="000000"/>
                           </a:solidFill>
                           <a:effectLst/>
-                          <a:ea typeface="1훈프로방스 R" panose="02020603020101020101"/>
+                          <a:latin typeface="휴먼모음T" panose="02030504000101010101" pitchFamily="18" charset="-127"/>
+                          <a:ea typeface="휴먼모음T" panose="02030504000101010101" pitchFamily="18" charset="-127"/>
                         </a:rPr>
                         <a:t>장소</a:t>
                       </a:r>
@@ -26267,7 +27326,8 @@
                           <a:srgbClr val="000000"/>
                         </a:solidFill>
                         <a:effectLst/>
-                        <a:ea typeface="1훈프로방스 R" panose="02020603020101020101"/>
+                        <a:latin typeface="휴먼모음T" panose="02030504000101010101" pitchFamily="18" charset="-127"/>
+                        <a:ea typeface="휴먼모음T" panose="02030504000101010101" pitchFamily="18" charset="-127"/>
                       </a:endParaRPr>
                     </a:p>
                   </a:txBody>
@@ -26334,7 +27394,8 @@
                             <a:srgbClr val="000000"/>
                           </a:solidFill>
                           <a:effectLst/>
-                          <a:ea typeface="1훈프로방스 R" panose="02020603020101020101"/>
+                          <a:latin typeface="휴먼모음T" panose="02030504000101010101" pitchFamily="18" charset="-127"/>
+                          <a:ea typeface="휴먼모음T" panose="02030504000101010101" pitchFamily="18" charset="-127"/>
                         </a:rPr>
                         <a:t>큰 스크린 때문에 장소의 제약을 받는다</a:t>
                       </a:r>
@@ -26344,8 +27405,8 @@
                             <a:srgbClr val="000000"/>
                           </a:solidFill>
                           <a:effectLst/>
-                          <a:latin typeface="함초롬바탕" panose="02030504000101010101" pitchFamily="18" charset="-127"/>
-                          <a:ea typeface="1훈프로방스 R" panose="02020603020101020101"/>
+                          <a:latin typeface="휴먼모음T" panose="02030504000101010101" pitchFamily="18" charset="-127"/>
+                          <a:ea typeface="휴먼모음T" panose="02030504000101010101" pitchFamily="18" charset="-127"/>
                         </a:rPr>
                         <a:t>.</a:t>
                       </a:r>
@@ -26354,7 +27415,8 @@
                           <a:srgbClr val="000000"/>
                         </a:solidFill>
                         <a:effectLst/>
-                        <a:ea typeface="1훈프로방스 R" panose="02020603020101020101"/>
+                        <a:latin typeface="휴먼모음T" panose="02030504000101010101" pitchFamily="18" charset="-127"/>
+                        <a:ea typeface="휴먼모음T" panose="02030504000101010101" pitchFamily="18" charset="-127"/>
                       </a:endParaRPr>
                     </a:p>
                   </a:txBody>
@@ -26421,7 +27483,8 @@
                             <a:srgbClr val="000000"/>
                           </a:solidFill>
                           <a:effectLst/>
-                          <a:ea typeface="1훈프로방스 R" panose="02020603020101020101"/>
+                          <a:latin typeface="휴먼모음T" panose="02030504000101010101" pitchFamily="18" charset="-127"/>
+                          <a:ea typeface="휴먼모음T" panose="02030504000101010101" pitchFamily="18" charset="-127"/>
                         </a:rPr>
                         <a:t>제약을 받지 않는다</a:t>
                       </a:r>
@@ -26431,8 +27494,8 @@
                             <a:srgbClr val="000000"/>
                           </a:solidFill>
                           <a:effectLst/>
-                          <a:latin typeface="함초롬바탕" panose="02030504000101010101" pitchFamily="18" charset="-127"/>
-                          <a:ea typeface="1훈프로방스 R" panose="02020603020101020101"/>
+                          <a:latin typeface="휴먼모음T" panose="02030504000101010101" pitchFamily="18" charset="-127"/>
+                          <a:ea typeface="휴먼모음T" panose="02030504000101010101" pitchFamily="18" charset="-127"/>
                         </a:rPr>
                         <a:t>.</a:t>
                       </a:r>
@@ -26441,7 +27504,8 @@
                           <a:srgbClr val="000000"/>
                         </a:solidFill>
                         <a:effectLst/>
-                        <a:ea typeface="1훈프로방스 R" panose="02020603020101020101"/>
+                        <a:latin typeface="휴먼모음T" panose="02030504000101010101" pitchFamily="18" charset="-127"/>
+                        <a:ea typeface="휴먼모음T" panose="02030504000101010101" pitchFamily="18" charset="-127"/>
                       </a:endParaRPr>
                     </a:p>
                   </a:txBody>
@@ -26513,7 +27577,8 @@
                             <a:srgbClr val="000000"/>
                           </a:solidFill>
                           <a:effectLst/>
-                          <a:ea typeface="1훈프로방스 R" panose="02020603020101020101"/>
+                          <a:latin typeface="휴먼모음T" panose="02030504000101010101" pitchFamily="18" charset="-127"/>
+                          <a:ea typeface="휴먼모음T" panose="02030504000101010101" pitchFamily="18" charset="-127"/>
                         </a:rPr>
                         <a:t>상황</a:t>
                       </a:r>
@@ -26522,7 +27587,8 @@
                           <a:srgbClr val="000000"/>
                         </a:solidFill>
                         <a:effectLst/>
-                        <a:ea typeface="1훈프로방스 R" panose="02020603020101020101"/>
+                        <a:latin typeface="휴먼모음T" panose="02030504000101010101" pitchFamily="18" charset="-127"/>
+                        <a:ea typeface="휴먼모음T" panose="02030504000101010101" pitchFamily="18" charset="-127"/>
                       </a:endParaRPr>
                     </a:p>
                   </a:txBody>
@@ -26589,7 +27655,8 @@
                             <a:srgbClr val="000000"/>
                           </a:solidFill>
                           <a:effectLst/>
-                          <a:ea typeface="1훈프로방스 R" panose="02020603020101020101"/>
+                          <a:latin typeface="휴먼모음T" panose="02030504000101010101" pitchFamily="18" charset="-127"/>
+                          <a:ea typeface="휴먼모음T" panose="02030504000101010101" pitchFamily="18" charset="-127"/>
                         </a:rPr>
                         <a:t>요리가 나올 때 혹은 주문하기 위해 기다리는 소요 시간의 문제</a:t>
                       </a:r>
@@ -26658,7 +27725,8 @@
                             <a:srgbClr val="000000"/>
                           </a:solidFill>
                           <a:effectLst/>
-                          <a:ea typeface="1훈프로방스 R" panose="02020603020101020101"/>
+                          <a:latin typeface="휴먼모음T" panose="02030504000101010101" pitchFamily="18" charset="-127"/>
+                          <a:ea typeface="휴먼모음T" panose="02030504000101010101" pitchFamily="18" charset="-127"/>
                         </a:rPr>
                         <a:t>어플을 통해 언제 어디서든지 예약 서비스를 통해 소요시간 문제 극복</a:t>
                       </a:r>
@@ -26882,8 +27950,8 @@
                     <a:lumOff val="15000"/>
                   </a:schemeClr>
                 </a:solidFill>
-                <a:latin typeface="1훈프로방스 R" panose="02020603020101020101" pitchFamily="18" charset="-127"/>
-                <a:ea typeface="1훈프로방스 R" panose="02020603020101020101" pitchFamily="18" charset="-127"/>
+                <a:latin typeface="휴먼모음T" panose="02030504000101010101" pitchFamily="18" charset="-127"/>
+                <a:ea typeface="휴먼모음T" panose="02030504000101010101" pitchFamily="18" charset="-127"/>
               </a:rPr>
               <a:t>관련 연구 사례</a:t>
             </a:r>
@@ -26894,8 +27962,8 @@
                   <a:lumOff val="15000"/>
                 </a:schemeClr>
               </a:solidFill>
-              <a:latin typeface="1훈프로방스 R" panose="02020603020101020101" pitchFamily="18" charset="-127"/>
-              <a:ea typeface="1훈프로방스 R" panose="02020603020101020101" pitchFamily="18" charset="-127"/>
+              <a:latin typeface="휴먼모음T" panose="02030504000101010101" pitchFamily="18" charset="-127"/>
+              <a:ea typeface="휴먼모음T" panose="02030504000101010101" pitchFamily="18" charset="-127"/>
             </a:endParaRPr>
           </a:p>
         </p:txBody>
@@ -27044,8 +28112,8 @@
           <a:p>
             <a:r>
               <a:rPr lang="ko-KR" altLang="en-US" sz="2800" b="1" dirty="0">
-                <a:latin typeface="1훈프로방스 R" panose="02020603020101020101" pitchFamily="18" charset="-127"/>
-                <a:ea typeface="1훈프로방스 R" panose="02020603020101020101" pitchFamily="18" charset="-127"/>
+                <a:latin typeface="휴먼모음T" panose="02030504000101010101" pitchFamily="18" charset="-127"/>
+                <a:ea typeface="휴먼모음T" panose="02030504000101010101" pitchFamily="18" charset="-127"/>
               </a:rPr>
               <a:t>관련 연구 사례 및 구현 기능</a:t>
             </a:r>
@@ -27728,8 +28796,8 @@
                     <a:lumOff val="15000"/>
                   </a:schemeClr>
                 </a:solidFill>
-                <a:latin typeface="1훈프로방스 R" panose="02020603020101020101" pitchFamily="18" charset="-127"/>
-                <a:ea typeface="1훈프로방스 R" panose="02020603020101020101" pitchFamily="18" charset="-127"/>
+                <a:latin typeface="휴먼모음T" panose="02030504000101010101" pitchFamily="18" charset="-127"/>
+                <a:ea typeface="휴먼모음T" panose="02030504000101010101" pitchFamily="18" charset="-127"/>
               </a:rPr>
               <a:t>이디야</a:t>
             </a:r>
@@ -27741,8 +28809,8 @@
                     <a:lumOff val="15000"/>
                   </a:schemeClr>
                 </a:solidFill>
-                <a:latin typeface="1훈프로방스 R" panose="02020603020101020101" pitchFamily="18" charset="-127"/>
-                <a:ea typeface="1훈프로방스 R" panose="02020603020101020101" pitchFamily="18" charset="-127"/>
+                <a:latin typeface="휴먼모음T" panose="02030504000101010101" pitchFamily="18" charset="-127"/>
+                <a:ea typeface="휴먼모음T" panose="02030504000101010101" pitchFamily="18" charset="-127"/>
               </a:rPr>
               <a:t> 앱 스마트 오더</a:t>
             </a:r>
@@ -27753,8 +28821,8 @@
                   <a:lumOff val="15000"/>
                 </a:schemeClr>
               </a:solidFill>
-              <a:latin typeface="1훈프로방스 R" panose="02020603020101020101" pitchFamily="18" charset="-127"/>
-              <a:ea typeface="1훈프로방스 R" panose="02020603020101020101" pitchFamily="18" charset="-127"/>
+              <a:latin typeface="휴먼모음T" panose="02030504000101010101" pitchFamily="18" charset="-127"/>
+              <a:ea typeface="휴먼모음T" panose="02030504000101010101" pitchFamily="18" charset="-127"/>
             </a:endParaRPr>
           </a:p>
         </p:txBody>
@@ -27775,7 +28843,7 @@
         </p:nvSpPr>
         <p:spPr bwMode="auto">
           <a:xfrm>
-            <a:off x="5972271" y="1550713"/>
+            <a:off x="5806853" y="1840788"/>
             <a:ext cx="4231331" cy="1200329"/>
           </a:xfrm>
           <a:prstGeom prst="rect">
@@ -27833,8 +28901,8 @@
                     <a:lumOff val="15000"/>
                   </a:schemeClr>
                 </a:solidFill>
-                <a:latin typeface="1훈프로방스 R" panose="02020603020101020101" pitchFamily="18" charset="-127"/>
-                <a:ea typeface="1훈프로방스 R" panose="02020603020101020101" pitchFamily="18" charset="-127"/>
+                <a:latin typeface="휴먼모음T" panose="02030504000101010101" pitchFamily="18" charset="-127"/>
+                <a:ea typeface="휴먼모음T" panose="02030504000101010101" pitchFamily="18" charset="-127"/>
               </a:rPr>
               <a:t>이디야</a:t>
             </a:r>
@@ -27846,8 +28914,8 @@
                     <a:lumOff val="15000"/>
                   </a:schemeClr>
                 </a:solidFill>
-                <a:latin typeface="1훈프로방스 R" panose="02020603020101020101" pitchFamily="18" charset="-127"/>
-                <a:ea typeface="1훈프로방스 R" panose="02020603020101020101" pitchFamily="18" charset="-127"/>
+                <a:latin typeface="휴먼모음T" panose="02030504000101010101" pitchFamily="18" charset="-127"/>
+                <a:ea typeface="휴먼모음T" panose="02030504000101010101" pitchFamily="18" charset="-127"/>
               </a:rPr>
               <a:t> 앱 스마트 오더</a:t>
             </a:r>
@@ -27858,8 +28926,8 @@
                   <a:lumOff val="15000"/>
                 </a:schemeClr>
               </a:solidFill>
-              <a:latin typeface="1훈프로방스 R" panose="02020603020101020101" pitchFamily="18" charset="-127"/>
-              <a:ea typeface="1훈프로방스 R" panose="02020603020101020101" pitchFamily="18" charset="-127"/>
+              <a:latin typeface="휴먼모음T" panose="02030504000101010101" pitchFamily="18" charset="-127"/>
+              <a:ea typeface="휴먼모음T" panose="02030504000101010101" pitchFamily="18" charset="-127"/>
             </a:endParaRPr>
           </a:p>
           <a:p>
@@ -27871,8 +28939,8 @@
                     <a:lumOff val="15000"/>
                   </a:schemeClr>
                 </a:solidFill>
-                <a:latin typeface="1훈프로방스 R" panose="02020603020101020101" pitchFamily="18" charset="-127"/>
-                <a:ea typeface="1훈프로방스 R" panose="02020603020101020101" pitchFamily="18" charset="-127"/>
+                <a:latin typeface="휴먼모음T" panose="02030504000101010101" pitchFamily="18" charset="-127"/>
+                <a:ea typeface="휴먼모음T" panose="02030504000101010101" pitchFamily="18" charset="-127"/>
               </a:rPr>
               <a:t>-  </a:t>
             </a:r>
@@ -27884,8 +28952,8 @@
                     <a:lumOff val="15000"/>
                   </a:schemeClr>
                 </a:solidFill>
-                <a:latin typeface="1훈프로방스 R" panose="02020603020101020101" pitchFamily="18" charset="-127"/>
-                <a:ea typeface="1훈프로방스 R" panose="02020603020101020101" pitchFamily="18" charset="-127"/>
+                <a:latin typeface="휴먼모음T" panose="02030504000101010101" pitchFamily="18" charset="-127"/>
+                <a:ea typeface="휴먼모음T" panose="02030504000101010101" pitchFamily="18" charset="-127"/>
               </a:rPr>
               <a:t>매장에서 기다리지 않고 앱을 통한 주문 및 결제할 수 있는 서비스</a:t>
             </a:r>
@@ -27897,8 +28965,8 @@
                     <a:lumOff val="15000"/>
                   </a:schemeClr>
                 </a:solidFill>
-                <a:latin typeface="1훈프로방스 R" panose="02020603020101020101" pitchFamily="18" charset="-127"/>
-                <a:ea typeface="1훈프로방스 R" panose="02020603020101020101" pitchFamily="18" charset="-127"/>
+                <a:latin typeface="휴먼모음T" panose="02030504000101010101" pitchFamily="18" charset="-127"/>
+                <a:ea typeface="휴먼모음T" panose="02030504000101010101" pitchFamily="18" charset="-127"/>
               </a:rPr>
               <a:t>.</a:t>
             </a:r>
@@ -28062,39 +29130,45 @@
           <p:cNvGraphicFramePr>
             <a:graphicFrameLocks noGrp="1"/>
           </p:cNvGraphicFramePr>
-          <p:nvPr/>
+          <p:nvPr>
+            <p:extLst>
+              <p:ext uri="{D42A27DB-BD31-4B8C-83A1-F6EECF244321}">
+                <p14:modId xmlns:p14="http://schemas.microsoft.com/office/powerpoint/2010/main" val="2012928561"/>
+              </p:ext>
+            </p:extLst>
+          </p:nvPr>
         </p:nvGraphicFramePr>
         <p:xfrm>
-          <a:off x="5972271" y="2586548"/>
-          <a:ext cx="5833906" cy="3582924"/>
+          <a:off x="5806853" y="3224151"/>
+          <a:ext cx="6011735" cy="2244789"/>
         </p:xfrm>
         <a:graphic>
           <a:graphicData uri="http://schemas.openxmlformats.org/drawingml/2006/table">
             <a:tbl>
               <a:tblPr/>
               <a:tblGrid>
-                <a:gridCol w="600456">
+                <a:gridCol w="501682">
                   <a:extLst>
                     <a:ext uri="{9D8B030D-6E8A-4147-A177-3AD203B41FA5}">
                       <a16:colId xmlns:a16="http://schemas.microsoft.com/office/drawing/2014/main" val="2978416063"/>
                     </a:ext>
                   </a:extLst>
                 </a:gridCol>
-                <a:gridCol w="564515">
+                <a:gridCol w="530352">
                   <a:extLst>
                     <a:ext uri="{9D8B030D-6E8A-4147-A177-3AD203B41FA5}">
                       <a16:colId xmlns:a16="http://schemas.microsoft.com/office/drawing/2014/main" val="3703378532"/>
                     </a:ext>
                   </a:extLst>
                 </a:gridCol>
-                <a:gridCol w="1919732">
+                <a:gridCol w="1929384">
                   <a:extLst>
                     <a:ext uri="{9D8B030D-6E8A-4147-A177-3AD203B41FA5}">
                       <a16:colId xmlns:a16="http://schemas.microsoft.com/office/drawing/2014/main" val="4056602612"/>
                     </a:ext>
                   </a:extLst>
                 </a:gridCol>
-                <a:gridCol w="2749203">
+                <a:gridCol w="3050317">
                   <a:extLst>
                     <a:ext uri="{9D8B030D-6E8A-4147-A177-3AD203B41FA5}">
                       <a16:colId xmlns:a16="http://schemas.microsoft.com/office/drawing/2014/main" val="3477531694"/>
@@ -28119,11 +29193,13 @@
                           <a:spcPts val="0"/>
                         </a:spcAft>
                       </a:pPr>
-                      <a:endParaRPr lang="ko-KR" altLang="en-US" sz="1000" kern="0" spc="0">
+                      <a:endParaRPr lang="ko-KR" altLang="en-US" sz="1000" kern="0" spc="0" dirty="0">
                         <a:solidFill>
                           <a:srgbClr val="000000"/>
                         </a:solidFill>
                         <a:effectLst/>
+                        <a:latin typeface="휴먼모음T" panose="02030504000101010101" pitchFamily="18" charset="-127"/>
+                        <a:ea typeface="휴먼모음T" panose="02030504000101010101" pitchFamily="18" charset="-127"/>
                       </a:endParaRPr>
                     </a:p>
                   </a:txBody>
@@ -28199,7 +29275,8 @@
                             <a:srgbClr val="000000"/>
                           </a:solidFill>
                           <a:effectLst/>
-                          <a:ea typeface="1훈프로방스 R" panose="02020603020101020101"/>
+                          <a:latin typeface="휴먼모음T" panose="02030504000101010101" pitchFamily="18" charset="-127"/>
+                          <a:ea typeface="휴먼모음T" panose="02030504000101010101" pitchFamily="18" charset="-127"/>
                         </a:rPr>
                         <a:t>이디야</a:t>
                       </a:r>
@@ -28209,7 +29286,8 @@
                             <a:srgbClr val="000000"/>
                           </a:solidFill>
                           <a:effectLst/>
-                          <a:ea typeface="1훈프로방스 R" panose="02020603020101020101"/>
+                          <a:latin typeface="휴먼모음T" panose="02030504000101010101" pitchFamily="18" charset="-127"/>
+                          <a:ea typeface="휴먼모음T" panose="02030504000101010101" pitchFamily="18" charset="-127"/>
                         </a:rPr>
                         <a:t> 앱 스마트 오더</a:t>
                       </a:r>
@@ -28276,7 +29354,8 @@
                             <a:srgbClr val="000000"/>
                           </a:solidFill>
                           <a:effectLst/>
-                          <a:ea typeface="1훈프로방스 R" panose="02020603020101020101"/>
+                          <a:latin typeface="휴먼모음T" panose="02030504000101010101" pitchFamily="18" charset="-127"/>
+                          <a:ea typeface="휴먼모음T" panose="02030504000101010101" pitchFamily="18" charset="-127"/>
                         </a:rPr>
                         <a:t>혼밥</a:t>
                       </a:r>
@@ -28286,7 +29365,8 @@
                             <a:srgbClr val="000000"/>
                           </a:solidFill>
                           <a:effectLst/>
-                          <a:ea typeface="1훈프로방스 R" panose="02020603020101020101"/>
+                          <a:latin typeface="휴먼모음T" panose="02030504000101010101" pitchFamily="18" charset="-127"/>
+                          <a:ea typeface="휴먼모음T" panose="02030504000101010101" pitchFamily="18" charset="-127"/>
                         </a:rPr>
                         <a:t> 남녀</a:t>
                       </a:r>
@@ -28337,7 +29417,7 @@
                   </a:ext>
                 </a:extLst>
               </a:tr>
-              <a:tr h="325628">
+              <a:tr h="191911">
                 <a:tc>
                   <a:txBody>
                     <a:bodyPr/>
@@ -28360,7 +29440,8 @@
                             <a:srgbClr val="000000"/>
                           </a:solidFill>
                           <a:effectLst/>
-                          <a:ea typeface="1훈프로방스 R" panose="02020603020101020101"/>
+                          <a:latin typeface="휴먼모음T" panose="02030504000101010101" pitchFamily="18" charset="-127"/>
+                          <a:ea typeface="휴먼모음T" panose="02030504000101010101" pitchFamily="18" charset="-127"/>
                         </a:rPr>
                         <a:t>상황</a:t>
                       </a:r>
@@ -28427,7 +29508,8 @@
                             <a:srgbClr val="000000"/>
                           </a:solidFill>
                           <a:effectLst/>
-                          <a:ea typeface="1훈프로방스 R" panose="02020603020101020101"/>
+                          <a:latin typeface="휴먼모음T" panose="02030504000101010101" pitchFamily="18" charset="-127"/>
+                          <a:ea typeface="휴먼모음T" panose="02030504000101010101" pitchFamily="18" charset="-127"/>
                         </a:rPr>
                         <a:t>좌석</a:t>
                       </a:r>
@@ -28494,8 +29576,8 @@
                             <a:srgbClr val="000000"/>
                           </a:solidFill>
                           <a:effectLst/>
-                          <a:latin typeface="함초롬바탕" panose="02030504000101010101" pitchFamily="18" charset="-127"/>
-                          <a:ea typeface="1훈프로방스 R" panose="02020603020101020101"/>
+                          <a:latin typeface="휴먼모음T" panose="02030504000101010101" pitchFamily="18" charset="-127"/>
+                          <a:ea typeface="휴먼모음T" panose="02030504000101010101" pitchFamily="18" charset="-127"/>
                         </a:rPr>
                         <a:t>- </a:t>
                       </a:r>
@@ -28505,49 +29587,11 @@
                             <a:srgbClr val="000000"/>
                           </a:solidFill>
                           <a:effectLst/>
-                          <a:ea typeface="1훈프로방스 R" panose="02020603020101020101"/>
+                          <a:latin typeface="휴먼모음T" panose="02030504000101010101" pitchFamily="18" charset="-127"/>
+                          <a:ea typeface="휴먼모음T" panose="02030504000101010101" pitchFamily="18" charset="-127"/>
                         </a:rPr>
-                        <a:t>주문 및 결제는 가능하지만</a:t>
+                        <a:t>주문 및 결제만 가능</a:t>
                       </a:r>
-                      <a:r>
-                        <a:rPr lang="en-US" altLang="ko-KR" sz="1300" kern="0" spc="0" dirty="0">
-                          <a:solidFill>
-                            <a:srgbClr val="000000"/>
-                          </a:solidFill>
-                          <a:effectLst/>
-                          <a:latin typeface="함초롬바탕" panose="02030504000101010101" pitchFamily="18" charset="-127"/>
-                          <a:ea typeface="1훈프로방스 R" panose="02020603020101020101"/>
-                        </a:rPr>
-                        <a:t>, </a:t>
-                      </a:r>
-                      <a:r>
-                        <a:rPr lang="ko-KR" altLang="en-US" sz="1300" kern="0" spc="0" dirty="0">
-                          <a:solidFill>
-                            <a:srgbClr val="000000"/>
-                          </a:solidFill>
-                          <a:effectLst/>
-                          <a:ea typeface="1훈프로방스 R" panose="02020603020101020101"/>
-                        </a:rPr>
-                        <a:t>다 좌석에 대한 기능이 존재하지 않는다</a:t>
-                      </a:r>
-                      <a:r>
-                        <a:rPr lang="en-US" altLang="ko-KR" sz="1300" kern="0" spc="0" dirty="0">
-                          <a:solidFill>
-                            <a:srgbClr val="000000"/>
-                          </a:solidFill>
-                          <a:effectLst/>
-                          <a:latin typeface="함초롬바탕" panose="02030504000101010101" pitchFamily="18" charset="-127"/>
-                          <a:ea typeface="1훈프로방스 R" panose="02020603020101020101"/>
-                        </a:rPr>
-                        <a:t>.</a:t>
-                      </a:r>
-                      <a:endParaRPr lang="ko-KR" altLang="en-US" sz="1300" kern="0" spc="0" dirty="0">
-                        <a:solidFill>
-                          <a:srgbClr val="000000"/>
-                        </a:solidFill>
-                        <a:effectLst/>
-                        <a:ea typeface="1훈프로방스 R" panose="02020603020101020101"/>
-                      </a:endParaRPr>
                     </a:p>
                   </a:txBody>
                   <a:tcPr marL="64770" marR="64770" marT="17907" marB="17907" anchor="ctr">
@@ -28611,8 +29655,8 @@
                             <a:srgbClr val="000000"/>
                           </a:solidFill>
                           <a:effectLst/>
-                          <a:latin typeface="함초롬바탕" panose="02030504000101010101" pitchFamily="18" charset="-127"/>
-                          <a:ea typeface="1훈프로방스 R" panose="02020603020101020101"/>
+                          <a:latin typeface="휴먼모음T" panose="02030504000101010101" pitchFamily="18" charset="-127"/>
+                          <a:ea typeface="휴먼모음T" panose="02030504000101010101" pitchFamily="18" charset="-127"/>
                         </a:rPr>
                         <a:t>- </a:t>
                       </a:r>
@@ -28622,7 +29666,8 @@
                             <a:srgbClr val="000000"/>
                           </a:solidFill>
                           <a:effectLst/>
-                          <a:ea typeface="1훈프로방스 R" panose="02020603020101020101"/>
+                          <a:latin typeface="휴먼모음T" panose="02030504000101010101" pitchFamily="18" charset="-127"/>
+                          <a:ea typeface="휴먼모음T" panose="02030504000101010101" pitchFamily="18" charset="-127"/>
                         </a:rPr>
                         <a:t>좌석 미리보기 기능</a:t>
                       </a:r>
@@ -28645,37 +29690,33 @@
                             <a:srgbClr val="000000"/>
                           </a:solidFill>
                           <a:effectLst/>
-                          <a:ea typeface="1훈프로방스 R" panose="02020603020101020101"/>
+                          <a:latin typeface="휴먼모음T" panose="02030504000101010101" pitchFamily="18" charset="-127"/>
+                          <a:ea typeface="휴먼모음T" panose="02030504000101010101" pitchFamily="18" charset="-127"/>
                         </a:rPr>
-                        <a:t>좌석 미리보기 기능을 통해 다 찬 자리는 표시하여 고객이 보다 원하는 자리로 선택하여 앉을 수 있도록 하는 기능</a:t>
+                        <a:t>좌석 미리보기 기능을 통해 </a:t>
                       </a:r>
-                      <a:endParaRPr lang="en-US" altLang="ko-KR" sz="1300" kern="0" spc="0" dirty="0">
-                        <a:solidFill>
-                          <a:srgbClr val="000000"/>
-                        </a:solidFill>
-                        <a:effectLst/>
-                        <a:ea typeface="1훈프로방스 R" panose="02020603020101020101"/>
-                      </a:endParaRPr>
-                    </a:p>
-                    <a:p>
-                      <a:pPr marL="0" marR="0" indent="0" algn="just" fontAlgn="base" latinLnBrk="1">
-                        <a:lnSpc>
-                          <a:spcPct val="160000"/>
-                        </a:lnSpc>
-                        <a:spcBef>
-                          <a:spcPts val="0"/>
-                        </a:spcBef>
-                        <a:spcAft>
-                          <a:spcPts val="0"/>
-                        </a:spcAft>
-                      </a:pPr>
-                      <a:endParaRPr lang="ko-KR" altLang="en-US" sz="1300" kern="0" spc="0" dirty="0">
-                        <a:solidFill>
-                          <a:srgbClr val="000000"/>
-                        </a:solidFill>
-                        <a:effectLst/>
-                        <a:ea typeface="1훈프로방스 R" panose="02020603020101020101"/>
-                      </a:endParaRPr>
+                      <a:r>
+                        <a:rPr lang="ko-KR" altLang="en-US" sz="1300" kern="0" spc="0" dirty="0">
+                          <a:solidFill>
+                            <a:srgbClr val="FF0000"/>
+                          </a:solidFill>
+                          <a:effectLst/>
+                          <a:latin typeface="휴먼모음T" panose="02030504000101010101" pitchFamily="18" charset="-127"/>
+                          <a:ea typeface="휴먼모음T" panose="02030504000101010101" pitchFamily="18" charset="-127"/>
+                        </a:rPr>
+                        <a:t>좌석 사용 여부 확인</a:t>
+                      </a:r>
+                      <a:r>
+                        <a:rPr lang="ko-KR" altLang="en-US" sz="1300" kern="0" spc="0" dirty="0">
+                          <a:solidFill>
+                            <a:srgbClr val="000000"/>
+                          </a:solidFill>
+                          <a:effectLst/>
+                          <a:latin typeface="휴먼모음T" panose="02030504000101010101" pitchFamily="18" charset="-127"/>
+                          <a:ea typeface="휴먼모음T" panose="02030504000101010101" pitchFamily="18" charset="-127"/>
+                        </a:rPr>
+                        <a:t> 가능</a:t>
+                      </a:r>
                     </a:p>
                     <a:p>
                       <a:pPr marL="0" marR="0" indent="0" algn="just" fontAlgn="base" latinLnBrk="1">
@@ -28695,8 +29736,8 @@
                             <a:srgbClr val="000000"/>
                           </a:solidFill>
                           <a:effectLst/>
-                          <a:latin typeface="함초롬바탕" panose="02030504000101010101" pitchFamily="18" charset="-127"/>
-                          <a:ea typeface="1훈프로방스 R" panose="02020603020101020101"/>
+                          <a:latin typeface="휴먼모음T" panose="02030504000101010101" pitchFamily="18" charset="-127"/>
+                          <a:ea typeface="휴먼모음T" panose="02030504000101010101" pitchFamily="18" charset="-127"/>
                         </a:rPr>
                         <a:t>- </a:t>
                       </a:r>
@@ -28706,7 +29747,8 @@
                             <a:srgbClr val="000000"/>
                           </a:solidFill>
                           <a:effectLst/>
-                          <a:ea typeface="1훈프로방스 R" panose="02020603020101020101"/>
+                          <a:latin typeface="휴먼모음T" panose="02030504000101010101" pitchFamily="18" charset="-127"/>
+                          <a:ea typeface="휴먼모음T" panose="02030504000101010101" pitchFamily="18" charset="-127"/>
                         </a:rPr>
                         <a:t>좌석 </a:t>
                       </a:r>
@@ -28716,7 +29758,8 @@
                             <a:srgbClr val="000000"/>
                           </a:solidFill>
                           <a:effectLst/>
-                          <a:ea typeface="1훈프로방스 R" panose="02020603020101020101"/>
+                          <a:latin typeface="휴먼모음T" panose="02030504000101010101" pitchFamily="18" charset="-127"/>
+                          <a:ea typeface="휴먼모음T" panose="02030504000101010101" pitchFamily="18" charset="-127"/>
                         </a:rPr>
                         <a:t>예약제</a:t>
                       </a:r>
@@ -28726,7 +29769,8 @@
                             <a:srgbClr val="000000"/>
                           </a:solidFill>
                           <a:effectLst/>
-                          <a:ea typeface="1훈프로방스 R" panose="02020603020101020101"/>
+                          <a:latin typeface="휴먼모음T" panose="02030504000101010101" pitchFamily="18" charset="-127"/>
+                          <a:ea typeface="휴먼모음T" panose="02030504000101010101" pitchFamily="18" charset="-127"/>
                         </a:rPr>
                         <a:t> 기능</a:t>
                       </a:r>
@@ -28749,9 +29793,10 @@
                             <a:srgbClr val="000000"/>
                           </a:solidFill>
                           <a:effectLst/>
-                          <a:ea typeface="1훈프로방스 R" panose="02020603020101020101"/>
+                          <a:latin typeface="휴먼모음T" panose="02030504000101010101" pitchFamily="18" charset="-127"/>
+                          <a:ea typeface="휴먼모음T" panose="02030504000101010101" pitchFamily="18" charset="-127"/>
                         </a:rPr>
-                        <a:t>고객이 원하는 자리가 찼을 시 고객이 원하는 자리를 예약하여 사용가능 하게끔 하는 기능</a:t>
+                        <a:t>고객이 원하는 자리를 예약하여 사용하는 기능</a:t>
                       </a:r>
                     </a:p>
                   </a:txBody>
@@ -29102,7 +30147,7 @@
     </p:spTree>
     <p:extLst>
       <p:ext uri="{BB962C8B-B14F-4D97-AF65-F5344CB8AC3E}">
-        <p14:creationId xmlns:p14="http://schemas.microsoft.com/office/powerpoint/2010/main" val="1395653853"/>
+        <p14:creationId xmlns:p14="http://schemas.microsoft.com/office/powerpoint/2010/main" val="428849877"/>
       </p:ext>
     </p:extLst>
   </p:cSld>
